--- a/grundpraktikum2/Optik 2/Optik II.pptx
+++ b/grundpraktikum2/Optik 2/Optik II.pptx
@@ -131,6 +131,9 @@
           </p14:sldIdLst>
         </p14:section>
       </p14:sectionLst>
+    </p:ext>
+    <p:ext uri="{EFAFB233-063F-42B5-8137-9DF3F51BA10A}">
+      <p15:sldGuideLst xmlns:p15="http://schemas.microsoft.com/office/powerpoint/2012/main"/>
     </p:ext>
   </p:extLst>
 </p:presentation>
@@ -3502,31 +3505,510 @@
           </a:p>
         </p:txBody>
       </p:sp>
-      <p:sp>
-        <p:nvSpPr>
-          <p:cNvPr id="3" name="Inhaltsplatzhalter 2">
-            <a:extLst>
-              <a:ext uri="{FF2B5EF4-FFF2-40B4-BE49-F238E27FC236}">
-                <a16:creationId xmlns:a16="http://schemas.microsoft.com/office/drawing/2014/main" id="{BD60A6CD-2079-4E87-A7E0-2B2FD50CDF9D}"/>
-              </a:ext>
-            </a:extLst>
-          </p:cNvPr>
-          <p:cNvSpPr>
-            <a:spLocks noGrp="1"/>
-          </p:cNvSpPr>
-          <p:nvPr>
-            <p:ph idx="1"/>
-          </p:nvPr>
-        </p:nvSpPr>
-        <p:spPr/>
-        <p:txBody>
-          <a:bodyPr/>
-          <a:lstStyle/>
-          <a:p>
-            <a:endParaRPr lang="de-DE"/>
-          </a:p>
-        </p:txBody>
-      </p:sp>
+      <mc:AlternateContent xmlns:mc="http://schemas.openxmlformats.org/markup-compatibility/2006">
+        <mc:Choice xmlns:a14="http://schemas.microsoft.com/office/drawing/2010/main" Requires="a14">
+          <p:sp>
+            <p:nvSpPr>
+              <p:cNvPr id="3" name="Inhaltsplatzhalter 2">
+                <a:extLst>
+                  <a:ext uri="{FF2B5EF4-FFF2-40B4-BE49-F238E27FC236}">
+                    <a16:creationId xmlns:a16="http://schemas.microsoft.com/office/drawing/2014/main" id="{BD60A6CD-2079-4E87-A7E0-2B2FD50CDF9D}"/>
+                  </a:ext>
+                </a:extLst>
+              </p:cNvPr>
+              <p:cNvSpPr>
+                <a:spLocks noGrp="1"/>
+              </p:cNvSpPr>
+              <p:nvPr>
+                <p:ph idx="1"/>
+              </p:nvPr>
+            </p:nvSpPr>
+            <p:spPr/>
+            <p:txBody>
+              <a:bodyPr/>
+              <a:lstStyle/>
+              <a:p>
+                <a14:m>
+                  <m:oMath xmlns:m="http://schemas.openxmlformats.org/officeDocument/2006/math">
+                    <m:r>
+                      <m:rPr>
+                        <m:sty m:val="p"/>
+                      </m:rPr>
+                      <a:rPr lang="de-DE" b="0" i="0" smtClean="0">
+                        <a:latin typeface="Cambria Math" panose="02040503050406030204" pitchFamily="18" charset="0"/>
+                      </a:rPr>
+                      <m:t>Δ</m:t>
+                    </m:r>
+                    <m:r>
+                      <a:rPr lang="de-DE" b="0" i="1" smtClean="0">
+                        <a:latin typeface="Cambria Math" panose="02040503050406030204" pitchFamily="18" charset="0"/>
+                      </a:rPr>
+                      <m:t>𝑚</m:t>
+                    </m:r>
+                    <m:r>
+                      <a:rPr lang="de-DE" b="0" i="1" smtClean="0">
+                        <a:latin typeface="Cambria Math" panose="02040503050406030204" pitchFamily="18" charset="0"/>
+                      </a:rPr>
+                      <m:t>=4.92±0.15</m:t>
+                    </m:r>
+                  </m:oMath>
+                </a14:m>
+                <a:endParaRPr lang="de-DE" b="0" dirty="0"/>
+              </a:p>
+              <a:p>
+                <a14:m>
+                  <m:oMath xmlns:m="http://schemas.openxmlformats.org/officeDocument/2006/math">
+                    <m:r>
+                      <m:rPr>
+                        <m:sty m:val="p"/>
+                      </m:rPr>
+                      <a:rPr lang="de-DE">
+                        <a:latin typeface="Cambria Math" panose="02040503050406030204" pitchFamily="18" charset="0"/>
+                      </a:rPr>
+                      <m:t>Δ</m:t>
+                    </m:r>
+                    <m:r>
+                      <a:rPr lang="de-DE" i="1">
+                        <a:latin typeface="Cambria Math" panose="02040503050406030204" pitchFamily="18" charset="0"/>
+                      </a:rPr>
+                      <m:t>𝑛</m:t>
+                    </m:r>
+                    <m:r>
+                      <a:rPr lang="de-DE" i="1">
+                        <a:latin typeface="Cambria Math" panose="02040503050406030204" pitchFamily="18" charset="0"/>
+                      </a:rPr>
+                      <m:t>=</m:t>
+                    </m:r>
+                    <m:r>
+                      <m:rPr>
+                        <m:sty m:val="p"/>
+                      </m:rPr>
+                      <a:rPr lang="de-DE">
+                        <a:latin typeface="Cambria Math" panose="02040503050406030204" pitchFamily="18" charset="0"/>
+                      </a:rPr>
+                      <m:t>Δ</m:t>
+                    </m:r>
+                    <m:r>
+                      <a:rPr lang="de-DE" i="1">
+                        <a:latin typeface="Cambria Math" panose="02040503050406030204" pitchFamily="18" charset="0"/>
+                      </a:rPr>
+                      <m:t>𝑚</m:t>
+                    </m:r>
+                    <m:r>
+                      <a:rPr lang="de-DE" i="1">
+                        <a:latin typeface="Cambria Math" panose="02040503050406030204" pitchFamily="18" charset="0"/>
+                      </a:rPr>
+                      <m:t> </m:t>
+                    </m:r>
+                    <m:f>
+                      <m:fPr>
+                        <m:ctrlPr>
+                          <a:rPr lang="de-DE" i="1">
+                            <a:latin typeface="Cambria Math" panose="02040503050406030204" pitchFamily="18" charset="0"/>
+                          </a:rPr>
+                        </m:ctrlPr>
+                      </m:fPr>
+                      <m:num>
+                        <m:r>
+                          <a:rPr lang="de-DE" i="1">
+                            <a:latin typeface="Cambria Math" panose="02040503050406030204" pitchFamily="18" charset="0"/>
+                          </a:rPr>
+                          <m:t>𝜆</m:t>
+                        </m:r>
+                      </m:num>
+                      <m:den>
+                        <m:r>
+                          <a:rPr lang="de-DE" i="1">
+                            <a:latin typeface="Cambria Math" panose="02040503050406030204" pitchFamily="18" charset="0"/>
+                          </a:rPr>
+                          <m:t>2</m:t>
+                        </m:r>
+                        <m:r>
+                          <a:rPr lang="de-DE" i="1">
+                            <a:latin typeface="Cambria Math" panose="02040503050406030204" pitchFamily="18" charset="0"/>
+                          </a:rPr>
+                          <m:t>𝐿</m:t>
+                        </m:r>
+                      </m:den>
+                    </m:f>
+                    <m:r>
+                      <a:rPr lang="de-DE" b="0" i="0" smtClean="0">
+                        <a:latin typeface="Cambria Math" panose="02040503050406030204" pitchFamily="18" charset="0"/>
+                      </a:rPr>
+                      <m:t>=</m:t>
+                    </m:r>
+                    <m:d>
+                      <m:dPr>
+                        <m:ctrlPr>
+                          <a:rPr lang="de-DE" b="0" i="0" smtClean="0">
+                            <a:latin typeface="Cambria Math" panose="02040503050406030204" pitchFamily="18" charset="0"/>
+                          </a:rPr>
+                        </m:ctrlPr>
+                      </m:dPr>
+                      <m:e>
+                        <m:r>
+                          <a:rPr lang="de-DE" b="0" i="0" smtClean="0">
+                            <a:latin typeface="Cambria Math" panose="02040503050406030204" pitchFamily="18" charset="0"/>
+                          </a:rPr>
+                          <m:t>1.287</m:t>
+                        </m:r>
+                        <m:r>
+                          <a:rPr lang="de-DE" b="0" i="1" smtClean="0">
+                            <a:latin typeface="Cambria Math" panose="02040503050406030204" pitchFamily="18" charset="0"/>
+                          </a:rPr>
+                          <m:t>±0.039±0.015</m:t>
+                        </m:r>
+                      </m:e>
+                    </m:d>
+                    <m:r>
+                      <a:rPr lang="de-DE" b="0" i="1" smtClean="0">
+                        <a:latin typeface="Cambria Math" panose="02040503050406030204" pitchFamily="18" charset="0"/>
+                      </a:rPr>
+                      <m:t>⋅</m:t>
+                    </m:r>
+                    <m:sSup>
+                      <m:sSupPr>
+                        <m:ctrlPr>
+                          <a:rPr lang="de-DE" b="0" i="1" smtClean="0">
+                            <a:latin typeface="Cambria Math" panose="02040503050406030204" pitchFamily="18" charset="0"/>
+                          </a:rPr>
+                        </m:ctrlPr>
+                      </m:sSupPr>
+                      <m:e>
+                        <m:r>
+                          <a:rPr lang="de-DE" b="0" i="1" smtClean="0">
+                            <a:latin typeface="Cambria Math" panose="02040503050406030204" pitchFamily="18" charset="0"/>
+                          </a:rPr>
+                          <m:t>10</m:t>
+                        </m:r>
+                      </m:e>
+                      <m:sup>
+                        <m:r>
+                          <a:rPr lang="de-DE" b="0" i="1" smtClean="0">
+                            <a:latin typeface="Cambria Math" panose="02040503050406030204" pitchFamily="18" charset="0"/>
+                          </a:rPr>
+                          <m:t>−4</m:t>
+                        </m:r>
+                      </m:sup>
+                    </m:sSup>
+                  </m:oMath>
+                </a14:m>
+                <a:endParaRPr lang="de-DE" dirty="0"/>
+              </a:p>
+              <a:p>
+                <a14:m>
+                  <m:oMath xmlns:m="http://schemas.openxmlformats.org/officeDocument/2006/math">
+                    <m:sSub>
+                      <m:sSubPr>
+                        <m:ctrlPr>
+                          <a:rPr lang="de-DE" i="1">
+                            <a:latin typeface="Cambria Math" panose="02040503050406030204" pitchFamily="18" charset="0"/>
+                          </a:rPr>
+                        </m:ctrlPr>
+                      </m:sSubPr>
+                      <m:e>
+                        <m:r>
+                          <a:rPr lang="de-DE" i="1">
+                            <a:latin typeface="Cambria Math" panose="02040503050406030204" pitchFamily="18" charset="0"/>
+                          </a:rPr>
+                          <m:t>𝑛</m:t>
+                        </m:r>
+                      </m:e>
+                      <m:sub>
+                        <m:r>
+                          <a:rPr lang="de-DE" i="1">
+                            <a:latin typeface="Cambria Math" panose="02040503050406030204" pitchFamily="18" charset="0"/>
+                          </a:rPr>
+                          <m:t>𝐶</m:t>
+                        </m:r>
+                        <m:sSub>
+                          <m:sSubPr>
+                            <m:ctrlPr>
+                              <a:rPr lang="de-DE" i="1">
+                                <a:latin typeface="Cambria Math" panose="02040503050406030204" pitchFamily="18" charset="0"/>
+                              </a:rPr>
+                            </m:ctrlPr>
+                          </m:sSubPr>
+                          <m:e>
+                            <m:r>
+                              <a:rPr lang="de-DE" i="1">
+                                <a:latin typeface="Cambria Math" panose="02040503050406030204" pitchFamily="18" charset="0"/>
+                              </a:rPr>
+                              <m:t>𝑂</m:t>
+                            </m:r>
+                          </m:e>
+                          <m:sub>
+                            <m:r>
+                              <a:rPr lang="de-DE" i="1">
+                                <a:latin typeface="Cambria Math" panose="02040503050406030204" pitchFamily="18" charset="0"/>
+                              </a:rPr>
+                              <m:t>2</m:t>
+                            </m:r>
+                          </m:sub>
+                        </m:sSub>
+                      </m:sub>
+                    </m:sSub>
+                    <m:r>
+                      <a:rPr lang="de-DE" i="1">
+                        <a:latin typeface="Cambria Math" panose="02040503050406030204" pitchFamily="18" charset="0"/>
+                      </a:rPr>
+                      <m:t>=</m:t>
+                    </m:r>
+                    <m:sSub>
+                      <m:sSubPr>
+                        <m:ctrlPr>
+                          <a:rPr lang="de-DE" i="1">
+                            <a:latin typeface="Cambria Math" panose="02040503050406030204" pitchFamily="18" charset="0"/>
+                          </a:rPr>
+                        </m:ctrlPr>
+                      </m:sSubPr>
+                      <m:e>
+                        <m:r>
+                          <a:rPr lang="de-DE" i="1">
+                            <a:latin typeface="Cambria Math" panose="02040503050406030204" pitchFamily="18" charset="0"/>
+                          </a:rPr>
+                          <m:t>𝑛</m:t>
+                        </m:r>
+                      </m:e>
+                      <m:sub>
+                        <m:r>
+                          <a:rPr lang="de-DE" i="1">
+                            <a:latin typeface="Cambria Math" panose="02040503050406030204" pitchFamily="18" charset="0"/>
+                          </a:rPr>
+                          <m:t>𝐿𝑢𝑓𝑡</m:t>
+                        </m:r>
+                      </m:sub>
+                    </m:sSub>
+                    <m:r>
+                      <a:rPr lang="de-DE" i="1">
+                        <a:latin typeface="Cambria Math" panose="02040503050406030204" pitchFamily="18" charset="0"/>
+                      </a:rPr>
+                      <m:t>+</m:t>
+                    </m:r>
+                    <m:r>
+                      <m:rPr>
+                        <m:sty m:val="p"/>
+                      </m:rPr>
+                      <a:rPr lang="de-DE">
+                        <a:latin typeface="Cambria Math" panose="02040503050406030204" pitchFamily="18" charset="0"/>
+                      </a:rPr>
+                      <m:t>Δ</m:t>
+                    </m:r>
+                    <m:r>
+                      <a:rPr lang="de-DE" i="1">
+                        <a:latin typeface="Cambria Math" panose="02040503050406030204" pitchFamily="18" charset="0"/>
+                      </a:rPr>
+                      <m:t>𝑛</m:t>
+                    </m:r>
+                    <m:r>
+                      <a:rPr lang="de-DE" b="0" i="0" smtClean="0">
+                        <a:latin typeface="Cambria Math" panose="02040503050406030204" pitchFamily="18" charset="0"/>
+                      </a:rPr>
+                      <m:t>=</m:t>
+                    </m:r>
+                    <m:d>
+                      <m:dPr>
+                        <m:ctrlPr>
+                          <a:rPr lang="de-DE" b="0" i="0" smtClean="0">
+                            <a:latin typeface="Cambria Math" panose="02040503050406030204" pitchFamily="18" charset="0"/>
+                          </a:rPr>
+                        </m:ctrlPr>
+                      </m:dPr>
+                      <m:e>
+                        <m:r>
+                          <a:rPr lang="de-DE" b="0" i="0" smtClean="0">
+                            <a:latin typeface="Cambria Math" panose="02040503050406030204" pitchFamily="18" charset="0"/>
+                          </a:rPr>
+                          <m:t>3.84</m:t>
+                        </m:r>
+                        <m:r>
+                          <a:rPr lang="de-DE" b="0" i="1" smtClean="0">
+                            <a:latin typeface="Cambria Math" panose="02040503050406030204" pitchFamily="18" charset="0"/>
+                          </a:rPr>
+                          <m:t>±0.04±0.03</m:t>
+                        </m:r>
+                      </m:e>
+                    </m:d>
+                    <m:r>
+                      <a:rPr lang="de-DE" b="0" i="1" smtClean="0">
+                        <a:latin typeface="Cambria Math" panose="02040503050406030204" pitchFamily="18" charset="0"/>
+                      </a:rPr>
+                      <m:t>⋅</m:t>
+                    </m:r>
+                    <m:sSup>
+                      <m:sSupPr>
+                        <m:ctrlPr>
+                          <a:rPr lang="de-DE" b="0" i="1" smtClean="0">
+                            <a:latin typeface="Cambria Math" panose="02040503050406030204" pitchFamily="18" charset="0"/>
+                          </a:rPr>
+                        </m:ctrlPr>
+                      </m:sSupPr>
+                      <m:e>
+                        <m:r>
+                          <a:rPr lang="de-DE" b="0" i="1" smtClean="0">
+                            <a:latin typeface="Cambria Math" panose="02040503050406030204" pitchFamily="18" charset="0"/>
+                          </a:rPr>
+                          <m:t>10</m:t>
+                        </m:r>
+                      </m:e>
+                      <m:sup>
+                        <m:r>
+                          <a:rPr lang="de-DE" b="0" i="1" smtClean="0">
+                            <a:latin typeface="Cambria Math" panose="02040503050406030204" pitchFamily="18" charset="0"/>
+                          </a:rPr>
+                          <m:t>−4</m:t>
+                        </m:r>
+                      </m:sup>
+                    </m:sSup>
+                  </m:oMath>
+                </a14:m>
+                <a:endParaRPr lang="de-DE" dirty="0"/>
+              </a:p>
+              <a:p>
+                <a:endParaRPr lang="de-DE" dirty="0"/>
+              </a:p>
+              <a:p>
+                <a:r>
+                  <a:rPr lang="de-DE" dirty="0"/>
+                  <a:t>Literaturwert (Normaldruck): </a:t>
+                </a:r>
+                <a14:m>
+                  <m:oMath xmlns:m="http://schemas.openxmlformats.org/officeDocument/2006/math">
+                    <m:r>
+                      <a:rPr lang="de-DE" i="1" dirty="0" smtClean="0">
+                        <a:latin typeface="Cambria Math" panose="02040503050406030204" pitchFamily="18" charset="0"/>
+                      </a:rPr>
+                      <m:t>4.16⋅ </m:t>
+                    </m:r>
+                    <m:sSup>
+                      <m:sSupPr>
+                        <m:ctrlPr>
+                          <a:rPr lang="de-DE" i="1" dirty="0" smtClean="0">
+                            <a:latin typeface="Cambria Math" panose="02040503050406030204" pitchFamily="18" charset="0"/>
+                          </a:rPr>
+                        </m:ctrlPr>
+                      </m:sSupPr>
+                      <m:e>
+                        <m:r>
+                          <a:rPr lang="de-DE" i="1" dirty="0" smtClean="0">
+                            <a:latin typeface="Cambria Math" panose="02040503050406030204" pitchFamily="18" charset="0"/>
+                          </a:rPr>
+                          <m:t>10</m:t>
+                        </m:r>
+                      </m:e>
+                      <m:sup>
+                        <m:r>
+                          <a:rPr lang="de-DE" i="1" dirty="0" smtClean="0">
+                            <a:latin typeface="Cambria Math" panose="02040503050406030204" pitchFamily="18" charset="0"/>
+                          </a:rPr>
+                          <m:t>−4</m:t>
+                        </m:r>
+                      </m:sup>
+                    </m:sSup>
+                    <m:r>
+                      <a:rPr lang="de-DE" i="1" dirty="0" smtClean="0">
+                        <a:latin typeface="Cambria Math" panose="02040503050406030204" pitchFamily="18" charset="0"/>
+                      </a:rPr>
+                      <m:t> </m:t>
+                    </m:r>
+                  </m:oMath>
+                </a14:m>
+                <a:endParaRPr lang="de-DE" dirty="0"/>
+              </a:p>
+              <a:p>
+                <a:r>
+                  <a:rPr lang="de-DE" dirty="0"/>
+                  <a:t>Literaturwert (979hPa): </a:t>
+                </a:r>
+                <a14:m>
+                  <m:oMath xmlns:m="http://schemas.openxmlformats.org/officeDocument/2006/math">
+                    <m:r>
+                      <a:rPr lang="de-DE" b="0" i="1" smtClean="0">
+                        <a:latin typeface="Cambria Math" panose="02040503050406030204" pitchFamily="18" charset="0"/>
+                      </a:rPr>
+                      <m:t>4.02⋅</m:t>
+                    </m:r>
+                    <m:sSup>
+                      <m:sSupPr>
+                        <m:ctrlPr>
+                          <a:rPr lang="de-DE" b="0" i="1" smtClean="0">
+                            <a:latin typeface="Cambria Math" panose="02040503050406030204" pitchFamily="18" charset="0"/>
+                          </a:rPr>
+                        </m:ctrlPr>
+                      </m:sSupPr>
+                      <m:e>
+                        <m:r>
+                          <a:rPr lang="de-DE" b="0" i="1" smtClean="0">
+                            <a:latin typeface="Cambria Math" panose="02040503050406030204" pitchFamily="18" charset="0"/>
+                          </a:rPr>
+                          <m:t>10</m:t>
+                        </m:r>
+                      </m:e>
+                      <m:sup>
+                        <m:r>
+                          <a:rPr lang="de-DE" b="0" i="1" smtClean="0">
+                            <a:latin typeface="Cambria Math" panose="02040503050406030204" pitchFamily="18" charset="0"/>
+                          </a:rPr>
+                          <m:t>−4</m:t>
+                        </m:r>
+                      </m:sup>
+                    </m:sSup>
+                  </m:oMath>
+                </a14:m>
+                <a:endParaRPr lang="de-DE" dirty="0"/>
+              </a:p>
+              <a:p>
+                <a:endParaRPr lang="de-DE" dirty="0"/>
+              </a:p>
+              <a:p>
+                <a:endParaRPr lang="de-DE" dirty="0"/>
+              </a:p>
+              <a:p>
+                <a:endParaRPr lang="de-DE" dirty="0"/>
+              </a:p>
+            </p:txBody>
+          </p:sp>
+        </mc:Choice>
+        <mc:Fallback>
+          <p:sp>
+            <p:nvSpPr>
+              <p:cNvPr id="3" name="Inhaltsplatzhalter 2">
+                <a:extLst>
+                  <a:ext uri="{FF2B5EF4-FFF2-40B4-BE49-F238E27FC236}">
+                    <a16:creationId xmlns:a16="http://schemas.microsoft.com/office/drawing/2014/main" id="{BD60A6CD-2079-4E87-A7E0-2B2FD50CDF9D}"/>
+                  </a:ext>
+                </a:extLst>
+              </p:cNvPr>
+              <p:cNvSpPr>
+                <a:spLocks noGrp="1" noRot="1" noChangeAspect="1" noMove="1" noResize="1" noEditPoints="1" noAdjustHandles="1" noChangeArrowheads="1" noChangeShapeType="1" noTextEdit="1"/>
+              </p:cNvSpPr>
+              <p:nvPr>
+                <p:ph idx="1"/>
+              </p:nvPr>
+            </p:nvSpPr>
+            <p:spPr>
+              <a:blipFill>
+                <a:blip r:embed="rId2"/>
+                <a:stretch>
+                  <a:fillRect l="-1043"/>
+                </a:stretch>
+              </a:blipFill>
+            </p:spPr>
+            <p:txBody>
+              <a:bodyPr/>
+              <a:lstStyle/>
+              <a:p>
+                <a:r>
+                  <a:rPr lang="de-DE">
+                    <a:noFill/>
+                  </a:rPr>
+                  <a:t> </a:t>
+                </a:r>
+              </a:p>
+            </p:txBody>
+          </p:sp>
+        </mc:Fallback>
+      </mc:AlternateContent>
     </p:spTree>
     <p:extLst>
       <p:ext uri="{BB962C8B-B14F-4D97-AF65-F5344CB8AC3E}">
@@ -3751,8 +4233,8 @@
           </a:p>
         </p:txBody>
       </p:sp>
-      <mc:AlternateContent xmlns:mc="http://schemas.openxmlformats.org/markup-compatibility/2006">
-        <mc:Choice xmlns:a14="http://schemas.microsoft.com/office/drawing/2010/main" Requires="a14">
+      <mc:AlternateContent xmlns:mc="http://schemas.openxmlformats.org/markup-compatibility/2006" xmlns:a14="http://schemas.microsoft.com/office/drawing/2010/main">
+        <mc:Choice Requires="a14">
           <p:sp>
             <p:nvSpPr>
               <p:cNvPr id="3" name="Inhaltsplatzhalter 2">
@@ -4285,7 +4767,7 @@
             </p:txBody>
           </p:sp>
         </mc:Choice>
-        <mc:Fallback>
+        <mc:Fallback xmlns="">
           <p:sp>
             <p:nvSpPr>
               <p:cNvPr id="3" name="Inhaltsplatzhalter 2">

--- a/grundpraktikum2/Optik 2/Optik II.pptx
+++ b/grundpraktikum2/Optik 2/Optik II.pptx
@@ -10,11 +10,10 @@
     <p:sldId id="258" r:id="rId4"/>
     <p:sldId id="265" r:id="rId5"/>
     <p:sldId id="259" r:id="rId6"/>
-    <p:sldId id="264" r:id="rId7"/>
-    <p:sldId id="260" r:id="rId8"/>
-    <p:sldId id="261" r:id="rId9"/>
-    <p:sldId id="262" r:id="rId10"/>
-    <p:sldId id="263" r:id="rId11"/>
+    <p:sldId id="260" r:id="rId7"/>
+    <p:sldId id="261" r:id="rId8"/>
+    <p:sldId id="262" r:id="rId9"/>
+    <p:sldId id="263" r:id="rId10"/>
   </p:sldIdLst>
   <p:sldSz cx="12192000" cy="6858000"/>
   <p:notesSz cx="6858000" cy="9144000"/>
@@ -123,7 +122,6 @@
             <p14:sldId id="258"/>
             <p14:sldId id="265"/>
             <p14:sldId id="259"/>
-            <p14:sldId id="264"/>
             <p14:sldId id="260"/>
             <p14:sldId id="261"/>
             <p14:sldId id="262"/>
@@ -290,7 +288,7 @@
           <a:p>
             <a:fld id="{51762B1C-150F-4B00-BBF2-B31DE7314112}" type="datetimeFigureOut">
               <a:rPr lang="de-DE" smtClean="0"/>
-              <a:t>10.09.2017</a:t>
+              <a:t>11.09.2017</a:t>
             </a:fld>
             <a:endParaRPr lang="de-DE"/>
           </a:p>
@@ -488,7 +486,7 @@
           <a:p>
             <a:fld id="{51762B1C-150F-4B00-BBF2-B31DE7314112}" type="datetimeFigureOut">
               <a:rPr lang="de-DE" smtClean="0"/>
-              <a:t>10.09.2017</a:t>
+              <a:t>11.09.2017</a:t>
             </a:fld>
             <a:endParaRPr lang="de-DE"/>
           </a:p>
@@ -696,7 +694,7 @@
           <a:p>
             <a:fld id="{51762B1C-150F-4B00-BBF2-B31DE7314112}" type="datetimeFigureOut">
               <a:rPr lang="de-DE" smtClean="0"/>
-              <a:t>10.09.2017</a:t>
+              <a:t>11.09.2017</a:t>
             </a:fld>
             <a:endParaRPr lang="de-DE"/>
           </a:p>
@@ -894,7 +892,7 @@
           <a:p>
             <a:fld id="{51762B1C-150F-4B00-BBF2-B31DE7314112}" type="datetimeFigureOut">
               <a:rPr lang="de-DE" smtClean="0"/>
-              <a:t>10.09.2017</a:t>
+              <a:t>11.09.2017</a:t>
             </a:fld>
             <a:endParaRPr lang="de-DE"/>
           </a:p>
@@ -1169,7 +1167,7 @@
           <a:p>
             <a:fld id="{51762B1C-150F-4B00-BBF2-B31DE7314112}" type="datetimeFigureOut">
               <a:rPr lang="de-DE" smtClean="0"/>
-              <a:t>10.09.2017</a:t>
+              <a:t>11.09.2017</a:t>
             </a:fld>
             <a:endParaRPr lang="de-DE"/>
           </a:p>
@@ -1434,7 +1432,7 @@
           <a:p>
             <a:fld id="{51762B1C-150F-4B00-BBF2-B31DE7314112}" type="datetimeFigureOut">
               <a:rPr lang="de-DE" smtClean="0"/>
-              <a:t>10.09.2017</a:t>
+              <a:t>11.09.2017</a:t>
             </a:fld>
             <a:endParaRPr lang="de-DE"/>
           </a:p>
@@ -1846,7 +1844,7 @@
           <a:p>
             <a:fld id="{51762B1C-150F-4B00-BBF2-B31DE7314112}" type="datetimeFigureOut">
               <a:rPr lang="de-DE" smtClean="0"/>
-              <a:t>10.09.2017</a:t>
+              <a:t>11.09.2017</a:t>
             </a:fld>
             <a:endParaRPr lang="de-DE"/>
           </a:p>
@@ -1987,7 +1985,7 @@
           <a:p>
             <a:fld id="{51762B1C-150F-4B00-BBF2-B31DE7314112}" type="datetimeFigureOut">
               <a:rPr lang="de-DE" smtClean="0"/>
-              <a:t>10.09.2017</a:t>
+              <a:t>11.09.2017</a:t>
             </a:fld>
             <a:endParaRPr lang="de-DE"/>
           </a:p>
@@ -2100,7 +2098,7 @@
           <a:p>
             <a:fld id="{51762B1C-150F-4B00-BBF2-B31DE7314112}" type="datetimeFigureOut">
               <a:rPr lang="de-DE" smtClean="0"/>
-              <a:t>10.09.2017</a:t>
+              <a:t>11.09.2017</a:t>
             </a:fld>
             <a:endParaRPr lang="de-DE"/>
           </a:p>
@@ -2411,7 +2409,7 @@
           <a:p>
             <a:fld id="{51762B1C-150F-4B00-BBF2-B31DE7314112}" type="datetimeFigureOut">
               <a:rPr lang="de-DE" smtClean="0"/>
-              <a:t>10.09.2017</a:t>
+              <a:t>11.09.2017</a:t>
             </a:fld>
             <a:endParaRPr lang="de-DE"/>
           </a:p>
@@ -2699,7 +2697,7 @@
           <a:p>
             <a:fld id="{51762B1C-150F-4B00-BBF2-B31DE7314112}" type="datetimeFigureOut">
               <a:rPr lang="de-DE" smtClean="0"/>
-              <a:t>10.09.2017</a:t>
+              <a:t>11.09.2017</a:t>
             </a:fld>
             <a:endParaRPr lang="de-DE"/>
           </a:p>
@@ -2940,7 +2938,7 @@
           <a:p>
             <a:fld id="{51762B1C-150F-4B00-BBF2-B31DE7314112}" type="datetimeFigureOut">
               <a:rPr lang="de-DE" smtClean="0"/>
-              <a:t>10.09.2017</a:t>
+              <a:t>11.09.2017</a:t>
             </a:fld>
             <a:endParaRPr lang="de-DE"/>
           </a:p>
@@ -3460,7 +3458,7 @@
 </p:sld>
 </file>
 
-<file path=ppt/slides/slide10.xml><?xml version="1.0" encoding="utf-8"?>
+<file path=ppt/slides/slide2.xml><?xml version="1.0" encoding="utf-8"?>
 <p:sld xmlns:a="http://schemas.openxmlformats.org/drawingml/2006/main" xmlns:r="http://schemas.openxmlformats.org/officeDocument/2006/relationships" xmlns:p="http://schemas.openxmlformats.org/presentationml/2006/main">
   <p:cSld>
     <p:spTree>
@@ -3482,6 +3480,1500 @@
           <p:cNvPr id="2" name="Titel 1">
             <a:extLst>
               <a:ext uri="{FF2B5EF4-FFF2-40B4-BE49-F238E27FC236}">
+                <a16:creationId xmlns:a16="http://schemas.microsoft.com/office/drawing/2014/main" id="{BDEBBD1B-5604-4C3F-B34C-22D02BB3B57A}"/>
+              </a:ext>
+            </a:extLst>
+          </p:cNvPr>
+          <p:cNvSpPr>
+            <a:spLocks noGrp="1"/>
+          </p:cNvSpPr>
+          <p:nvPr>
+            <p:ph type="title"/>
+          </p:nvPr>
+        </p:nvSpPr>
+        <p:spPr/>
+        <p:txBody>
+          <a:bodyPr/>
+          <a:lstStyle/>
+          <a:p>
+            <a:r>
+              <a:rPr lang="de-DE" dirty="0"/>
+              <a:t>Inhalt</a:t>
+            </a:r>
+          </a:p>
+        </p:txBody>
+      </p:sp>
+      <p:sp>
+        <p:nvSpPr>
+          <p:cNvPr id="3" name="Inhaltsplatzhalter 2">
+            <a:extLst>
+              <a:ext uri="{FF2B5EF4-FFF2-40B4-BE49-F238E27FC236}">
+                <a16:creationId xmlns:a16="http://schemas.microsoft.com/office/drawing/2014/main" id="{A86B45DA-DF66-4B65-AE36-ACC26DE96D41}"/>
+              </a:ext>
+            </a:extLst>
+          </p:cNvPr>
+          <p:cNvSpPr>
+            <a:spLocks noGrp="1"/>
+          </p:cNvSpPr>
+          <p:nvPr>
+            <p:ph idx="1"/>
+          </p:nvPr>
+        </p:nvSpPr>
+        <p:spPr/>
+        <p:txBody>
+          <a:bodyPr/>
+          <a:lstStyle/>
+          <a:p>
+            <a:endParaRPr lang="de-DE"/>
+          </a:p>
+        </p:txBody>
+      </p:sp>
+    </p:spTree>
+    <p:extLst>
+      <p:ext uri="{BB962C8B-B14F-4D97-AF65-F5344CB8AC3E}">
+        <p14:creationId xmlns:p14="http://schemas.microsoft.com/office/powerpoint/2010/main" val="1002867433"/>
+      </p:ext>
+    </p:extLst>
+  </p:cSld>
+  <p:clrMapOvr>
+    <a:masterClrMapping/>
+  </p:clrMapOvr>
+</p:sld>
+</file>
+
+<file path=ppt/slides/slide3.xml><?xml version="1.0" encoding="utf-8"?>
+<p:sld xmlns:a="http://schemas.openxmlformats.org/drawingml/2006/main" xmlns:r="http://schemas.openxmlformats.org/officeDocument/2006/relationships" xmlns:p="http://schemas.openxmlformats.org/presentationml/2006/main">
+  <p:cSld>
+    <p:spTree>
+      <p:nvGrpSpPr>
+        <p:cNvPr id="1" name=""/>
+        <p:cNvGrpSpPr/>
+        <p:nvPr/>
+      </p:nvGrpSpPr>
+      <p:grpSpPr>
+        <a:xfrm>
+          <a:off x="0" y="0"/>
+          <a:ext cx="0" cy="0"/>
+          <a:chOff x="0" y="0"/>
+          <a:chExt cx="0" cy="0"/>
+        </a:xfrm>
+      </p:grpSpPr>
+      <p:sp>
+        <p:nvSpPr>
+          <p:cNvPr id="2" name="Titel 1">
+            <a:extLst>
+              <a:ext uri="{FF2B5EF4-FFF2-40B4-BE49-F238E27FC236}">
+                <a16:creationId xmlns:a16="http://schemas.microsoft.com/office/drawing/2014/main" id="{530447DF-7F46-4D7E-89D2-6E3790C152C9}"/>
+              </a:ext>
+            </a:extLst>
+          </p:cNvPr>
+          <p:cNvSpPr>
+            <a:spLocks noGrp="1"/>
+          </p:cNvSpPr>
+          <p:nvPr>
+            <p:ph type="title"/>
+          </p:nvPr>
+        </p:nvSpPr>
+        <p:spPr/>
+        <p:txBody>
+          <a:bodyPr/>
+          <a:lstStyle/>
+          <a:p>
+            <a:r>
+              <a:rPr lang="de-DE" dirty="0"/>
+              <a:t>Versuchsziele</a:t>
+            </a:r>
+          </a:p>
+        </p:txBody>
+      </p:sp>
+      <p:sp>
+        <p:nvSpPr>
+          <p:cNvPr id="3" name="Inhaltsplatzhalter 2">
+            <a:extLst>
+              <a:ext uri="{FF2B5EF4-FFF2-40B4-BE49-F238E27FC236}">
+                <a16:creationId xmlns:a16="http://schemas.microsoft.com/office/drawing/2014/main" id="{B2D5C7AF-FB30-41DD-8A73-75C4E070D1A1}"/>
+              </a:ext>
+            </a:extLst>
+          </p:cNvPr>
+          <p:cNvSpPr>
+            <a:spLocks noGrp="1"/>
+          </p:cNvSpPr>
+          <p:nvPr>
+            <p:ph idx="1"/>
+          </p:nvPr>
+        </p:nvSpPr>
+        <p:spPr/>
+        <p:txBody>
+          <a:bodyPr/>
+          <a:lstStyle/>
+          <a:p>
+            <a:endParaRPr lang="de-DE"/>
+          </a:p>
+        </p:txBody>
+      </p:sp>
+    </p:spTree>
+    <p:extLst>
+      <p:ext uri="{BB962C8B-B14F-4D97-AF65-F5344CB8AC3E}">
+        <p14:creationId xmlns:p14="http://schemas.microsoft.com/office/powerpoint/2010/main" val="339534271"/>
+      </p:ext>
+    </p:extLst>
+  </p:cSld>
+  <p:clrMapOvr>
+    <a:masterClrMapping/>
+  </p:clrMapOvr>
+</p:sld>
+</file>
+
+<file path=ppt/slides/slide4.xml><?xml version="1.0" encoding="utf-8"?>
+<p:sld xmlns:a="http://schemas.openxmlformats.org/drawingml/2006/main" xmlns:r="http://schemas.openxmlformats.org/officeDocument/2006/relationships" xmlns:p="http://schemas.openxmlformats.org/presentationml/2006/main">
+  <p:cSld>
+    <p:spTree>
+      <p:nvGrpSpPr>
+        <p:cNvPr id="1" name=""/>
+        <p:cNvGrpSpPr/>
+        <p:nvPr/>
+      </p:nvGrpSpPr>
+      <p:grpSpPr>
+        <a:xfrm>
+          <a:off x="0" y="0"/>
+          <a:ext cx="0" cy="0"/>
+          <a:chOff x="0" y="0"/>
+          <a:chExt cx="0" cy="0"/>
+        </a:xfrm>
+      </p:grpSpPr>
+      <p:sp>
+        <p:nvSpPr>
+          <p:cNvPr id="2" name="Titel 1">
+            <a:extLst>
+              <a:ext uri="{FF2B5EF4-FFF2-40B4-BE49-F238E27FC236}">
+                <a16:creationId xmlns:a16="http://schemas.microsoft.com/office/drawing/2014/main" id="{B0961A0C-1807-420A-BE95-3F2D0A77A4C9}"/>
+              </a:ext>
+            </a:extLst>
+          </p:cNvPr>
+          <p:cNvSpPr>
+            <a:spLocks noGrp="1"/>
+          </p:cNvSpPr>
+          <p:nvPr>
+            <p:ph type="title"/>
+          </p:nvPr>
+        </p:nvSpPr>
+        <p:spPr/>
+        <p:txBody>
+          <a:bodyPr/>
+          <a:lstStyle/>
+          <a:p>
+            <a:r>
+              <a:rPr lang="de-DE" dirty="0"/>
+              <a:t>Physikalische Grundlagen</a:t>
+            </a:r>
+          </a:p>
+        </p:txBody>
+      </p:sp>
+      <mc:AlternateContent xmlns:mc="http://schemas.openxmlformats.org/markup-compatibility/2006" xmlns:a14="http://schemas.microsoft.com/office/drawing/2010/main">
+        <mc:Choice Requires="a14">
+          <p:sp>
+            <p:nvSpPr>
+              <p:cNvPr id="3" name="Inhaltsplatzhalter 2">
+                <a:extLst>
+                  <a:ext uri="{FF2B5EF4-FFF2-40B4-BE49-F238E27FC236}">
+                    <a16:creationId xmlns:a16="http://schemas.microsoft.com/office/drawing/2014/main" id="{388E1FC6-8805-48F7-82FA-CD1F9F36C2EF}"/>
+                  </a:ext>
+                </a:extLst>
+              </p:cNvPr>
+              <p:cNvSpPr>
+                <a:spLocks noGrp="1"/>
+              </p:cNvSpPr>
+              <p:nvPr>
+                <p:ph idx="1"/>
+              </p:nvPr>
+            </p:nvSpPr>
+            <p:spPr/>
+            <p:txBody>
+              <a:bodyPr/>
+              <a:lstStyle/>
+              <a:p>
+                <a:endParaRPr lang="de-DE" b="0" i="1" dirty="0">
+                  <a:latin typeface="Cambria Math" panose="02040503050406030204" pitchFamily="18" charset="0"/>
+                </a:endParaRPr>
+              </a:p>
+              <a:p>
+                <a14:m>
+                  <m:oMath xmlns:m="http://schemas.openxmlformats.org/officeDocument/2006/math">
+                    <m:r>
+                      <a:rPr lang="de-DE" b="0" i="1" smtClean="0">
+                        <a:latin typeface="Cambria Math" panose="02040503050406030204" pitchFamily="18" charset="0"/>
+                      </a:rPr>
+                      <m:t>2</m:t>
+                    </m:r>
+                    <m:r>
+                      <a:rPr lang="de-DE" b="0" i="1" smtClean="0">
+                        <a:latin typeface="Cambria Math" panose="02040503050406030204" pitchFamily="18" charset="0"/>
+                      </a:rPr>
+                      <m:t>𝑑</m:t>
+                    </m:r>
+                    <m:func>
+                      <m:funcPr>
+                        <m:ctrlPr>
+                          <a:rPr lang="de-DE" b="0" i="1" smtClean="0">
+                            <a:latin typeface="Cambria Math" panose="02040503050406030204" pitchFamily="18" charset="0"/>
+                          </a:rPr>
+                        </m:ctrlPr>
+                      </m:funcPr>
+                      <m:fName>
+                        <m:r>
+                          <m:rPr>
+                            <m:sty m:val="p"/>
+                          </m:rPr>
+                          <a:rPr lang="de-DE" b="0" i="0" smtClean="0">
+                            <a:latin typeface="Cambria Math" panose="02040503050406030204" pitchFamily="18" charset="0"/>
+                          </a:rPr>
+                          <m:t>cos</m:t>
+                        </m:r>
+                      </m:fName>
+                      <m:e>
+                        <m:r>
+                          <a:rPr lang="de-DE" b="0" i="1" smtClean="0">
+                            <a:latin typeface="Cambria Math" panose="02040503050406030204" pitchFamily="18" charset="0"/>
+                          </a:rPr>
+                          <m:t>𝜃</m:t>
+                        </m:r>
+                      </m:e>
+                    </m:func>
+                    <m:r>
+                      <a:rPr lang="de-DE" b="0" i="1" smtClean="0">
+                        <a:latin typeface="Cambria Math" panose="02040503050406030204" pitchFamily="18" charset="0"/>
+                      </a:rPr>
+                      <m:t>=</m:t>
+                    </m:r>
+                    <m:r>
+                      <a:rPr lang="de-DE" b="0" i="1" smtClean="0">
+                        <a:latin typeface="Cambria Math" panose="02040503050406030204" pitchFamily="18" charset="0"/>
+                      </a:rPr>
+                      <m:t>𝑚</m:t>
+                    </m:r>
+                    <m:r>
+                      <a:rPr lang="de-DE" b="0" i="1" smtClean="0">
+                        <a:latin typeface="Cambria Math" panose="02040503050406030204" pitchFamily="18" charset="0"/>
+                      </a:rPr>
+                      <m:t>𝜆</m:t>
+                    </m:r>
+                    <m:r>
+                      <a:rPr lang="de-DE" b="0" i="0" smtClean="0">
+                        <a:latin typeface="Cambria Math" panose="02040503050406030204" pitchFamily="18" charset="0"/>
+                      </a:rPr>
+                      <m:t> ,  </m:t>
+                    </m:r>
+                    <m:r>
+                      <m:rPr>
+                        <m:sty m:val="p"/>
+                      </m:rPr>
+                      <a:rPr lang="de-DE" b="0" i="0" smtClean="0">
+                        <a:latin typeface="Cambria Math" panose="02040503050406030204" pitchFamily="18" charset="0"/>
+                      </a:rPr>
+                      <m:t>m</m:t>
+                    </m:r>
+                    <m:r>
+                      <a:rPr lang="de-DE" b="0" i="0" smtClean="0">
+                        <a:latin typeface="Cambria Math" panose="02040503050406030204" pitchFamily="18" charset="0"/>
+                      </a:rPr>
+                      <m:t>=0, 1, 2, …</m:t>
+                    </m:r>
+                  </m:oMath>
+                </a14:m>
+                <a:endParaRPr lang="de-DE" dirty="0"/>
+              </a:p>
+              <a:p>
+                <a:endParaRPr lang="de-DE" dirty="0"/>
+              </a:p>
+              <a:p>
+                <a14:m>
+                  <m:oMath xmlns:m="http://schemas.openxmlformats.org/officeDocument/2006/math">
+                    <m:r>
+                      <a:rPr lang="de-DE" b="0" i="1" smtClean="0">
+                        <a:latin typeface="Cambria Math" panose="02040503050406030204" pitchFamily="18" charset="0"/>
+                      </a:rPr>
+                      <m:t>𝑛</m:t>
+                    </m:r>
+                    <m:d>
+                      <m:dPr>
+                        <m:ctrlPr>
+                          <a:rPr lang="de-DE" b="0" i="1" smtClean="0">
+                            <a:latin typeface="Cambria Math" panose="02040503050406030204" pitchFamily="18" charset="0"/>
+                          </a:rPr>
+                        </m:ctrlPr>
+                      </m:dPr>
+                      <m:e>
+                        <m:r>
+                          <a:rPr lang="de-DE" b="0" i="1" smtClean="0">
+                            <a:latin typeface="Cambria Math" panose="02040503050406030204" pitchFamily="18" charset="0"/>
+                          </a:rPr>
+                          <m:t>𝑃</m:t>
+                        </m:r>
+                      </m:e>
+                    </m:d>
+                    <m:r>
+                      <a:rPr lang="de-DE" b="0" i="1" smtClean="0">
+                        <a:latin typeface="Cambria Math" panose="02040503050406030204" pitchFamily="18" charset="0"/>
+                      </a:rPr>
+                      <m:t>=1+ </m:t>
+                    </m:r>
+                    <m:f>
+                      <m:fPr>
+                        <m:ctrlPr>
+                          <a:rPr lang="de-DE" b="0" i="1" smtClean="0">
+                            <a:latin typeface="Cambria Math" panose="02040503050406030204" pitchFamily="18" charset="0"/>
+                          </a:rPr>
+                        </m:ctrlPr>
+                      </m:fPr>
+                      <m:num>
+                        <m:r>
+                          <m:rPr>
+                            <m:sty m:val="p"/>
+                          </m:rPr>
+                          <a:rPr lang="de-DE" b="0" i="0" smtClean="0">
+                            <a:latin typeface="Cambria Math" panose="02040503050406030204" pitchFamily="18" charset="0"/>
+                          </a:rPr>
+                          <m:t>Δ</m:t>
+                        </m:r>
+                        <m:r>
+                          <a:rPr lang="de-DE" b="0" i="1" smtClean="0">
+                            <a:latin typeface="Cambria Math" panose="02040503050406030204" pitchFamily="18" charset="0"/>
+                          </a:rPr>
+                          <m:t>𝑛</m:t>
+                        </m:r>
+                      </m:num>
+                      <m:den>
+                        <m:r>
+                          <m:rPr>
+                            <m:sty m:val="p"/>
+                          </m:rPr>
+                          <a:rPr lang="de-DE" b="0" i="0" smtClean="0">
+                            <a:latin typeface="Cambria Math" panose="02040503050406030204" pitchFamily="18" charset="0"/>
+                          </a:rPr>
+                          <m:t>Δ</m:t>
+                        </m:r>
+                        <m:r>
+                          <a:rPr lang="de-DE" b="0" i="1" smtClean="0">
+                            <a:latin typeface="Cambria Math" panose="02040503050406030204" pitchFamily="18" charset="0"/>
+                          </a:rPr>
+                          <m:t>𝑝</m:t>
+                        </m:r>
+                      </m:den>
+                    </m:f>
+                    <m:r>
+                      <a:rPr lang="de-DE" b="0" i="1" smtClean="0">
+                        <a:latin typeface="Cambria Math" panose="02040503050406030204" pitchFamily="18" charset="0"/>
+                      </a:rPr>
+                      <m:t>𝑃</m:t>
+                    </m:r>
+                  </m:oMath>
+                </a14:m>
+                <a:r>
+                  <a:rPr lang="de-DE" dirty="0"/>
+                  <a:t>			</a:t>
+                </a:r>
+                <a14:m>
+                  <m:oMath xmlns:m="http://schemas.openxmlformats.org/officeDocument/2006/math">
+                    <m:f>
+                      <m:fPr>
+                        <m:ctrlPr>
+                          <a:rPr lang="de-DE" i="1" smtClean="0">
+                            <a:latin typeface="Cambria Math" panose="02040503050406030204" pitchFamily="18" charset="0"/>
+                          </a:rPr>
+                        </m:ctrlPr>
+                      </m:fPr>
+                      <m:num>
+                        <m:r>
+                          <m:rPr>
+                            <m:sty m:val="p"/>
+                          </m:rPr>
+                          <a:rPr lang="de-DE" b="0" i="0" smtClean="0">
+                            <a:latin typeface="Cambria Math" panose="02040503050406030204" pitchFamily="18" charset="0"/>
+                          </a:rPr>
+                          <m:t>Δ</m:t>
+                        </m:r>
+                        <m:r>
+                          <a:rPr lang="de-DE" b="0" i="1" smtClean="0">
+                            <a:latin typeface="Cambria Math" panose="02040503050406030204" pitchFamily="18" charset="0"/>
+                          </a:rPr>
+                          <m:t>𝑛</m:t>
+                        </m:r>
+                      </m:num>
+                      <m:den>
+                        <m:r>
+                          <m:rPr>
+                            <m:sty m:val="p"/>
+                          </m:rPr>
+                          <a:rPr lang="de-DE" b="0" i="0" smtClean="0">
+                            <a:latin typeface="Cambria Math" panose="02040503050406030204" pitchFamily="18" charset="0"/>
+                          </a:rPr>
+                          <m:t>Δ</m:t>
+                        </m:r>
+                        <m:r>
+                          <a:rPr lang="de-DE" b="0" i="1" smtClean="0">
+                            <a:latin typeface="Cambria Math" panose="02040503050406030204" pitchFamily="18" charset="0"/>
+                          </a:rPr>
+                          <m:t>𝑝</m:t>
+                        </m:r>
+                      </m:den>
+                    </m:f>
+                    <m:r>
+                      <a:rPr lang="de-DE" b="0" i="1" smtClean="0">
+                        <a:latin typeface="Cambria Math" panose="02040503050406030204" pitchFamily="18" charset="0"/>
+                      </a:rPr>
+                      <m:t>=</m:t>
+                    </m:r>
+                    <m:f>
+                      <m:fPr>
+                        <m:ctrlPr>
+                          <a:rPr lang="de-DE" b="0" i="1" smtClean="0">
+                            <a:latin typeface="Cambria Math" panose="02040503050406030204" pitchFamily="18" charset="0"/>
+                          </a:rPr>
+                        </m:ctrlPr>
+                      </m:fPr>
+                      <m:num>
+                        <m:r>
+                          <m:rPr>
+                            <m:sty m:val="p"/>
+                          </m:rPr>
+                          <a:rPr lang="de-DE" b="0" i="0" smtClean="0">
+                            <a:latin typeface="Cambria Math" panose="02040503050406030204" pitchFamily="18" charset="0"/>
+                          </a:rPr>
+                          <m:t>Δ</m:t>
+                        </m:r>
+                        <m:r>
+                          <a:rPr lang="de-DE" b="0" i="1" smtClean="0">
+                            <a:latin typeface="Cambria Math" panose="02040503050406030204" pitchFamily="18" charset="0"/>
+                          </a:rPr>
+                          <m:t>𝑚</m:t>
+                        </m:r>
+                      </m:num>
+                      <m:den>
+                        <m:r>
+                          <m:rPr>
+                            <m:sty m:val="p"/>
+                          </m:rPr>
+                          <a:rPr lang="de-DE" b="0" i="0" smtClean="0">
+                            <a:latin typeface="Cambria Math" panose="02040503050406030204" pitchFamily="18" charset="0"/>
+                          </a:rPr>
+                          <m:t>Δ</m:t>
+                        </m:r>
+                        <m:r>
+                          <a:rPr lang="de-DE" b="0" i="1" smtClean="0">
+                            <a:latin typeface="Cambria Math" panose="02040503050406030204" pitchFamily="18" charset="0"/>
+                          </a:rPr>
+                          <m:t>𝑝</m:t>
+                        </m:r>
+                      </m:den>
+                    </m:f>
+                    <m:r>
+                      <a:rPr lang="de-DE" b="0" i="1" smtClean="0">
+                        <a:latin typeface="Cambria Math" panose="02040503050406030204" pitchFamily="18" charset="0"/>
+                      </a:rPr>
+                      <m:t> </m:t>
+                    </m:r>
+                    <m:f>
+                      <m:fPr>
+                        <m:ctrlPr>
+                          <a:rPr lang="de-DE" b="0" i="1" smtClean="0">
+                            <a:latin typeface="Cambria Math" panose="02040503050406030204" pitchFamily="18" charset="0"/>
+                          </a:rPr>
+                        </m:ctrlPr>
+                      </m:fPr>
+                      <m:num>
+                        <m:r>
+                          <a:rPr lang="de-DE" b="0" i="1" smtClean="0">
+                            <a:latin typeface="Cambria Math" panose="02040503050406030204" pitchFamily="18" charset="0"/>
+                          </a:rPr>
+                          <m:t>𝜆</m:t>
+                        </m:r>
+                      </m:num>
+                      <m:den>
+                        <m:r>
+                          <a:rPr lang="de-DE" b="0" i="1" smtClean="0">
+                            <a:latin typeface="Cambria Math" panose="02040503050406030204" pitchFamily="18" charset="0"/>
+                          </a:rPr>
+                          <m:t>2</m:t>
+                        </m:r>
+                        <m:r>
+                          <a:rPr lang="de-DE" b="0" i="1" smtClean="0">
+                            <a:latin typeface="Cambria Math" panose="02040503050406030204" pitchFamily="18" charset="0"/>
+                          </a:rPr>
+                          <m:t>𝐿</m:t>
+                        </m:r>
+                      </m:den>
+                    </m:f>
+                  </m:oMath>
+                </a14:m>
+                <a:endParaRPr lang="de-DE" dirty="0"/>
+              </a:p>
+              <a:p>
+                <a:endParaRPr lang="de-DE" dirty="0"/>
+              </a:p>
+              <a:p>
+                <a14:m>
+                  <m:oMath xmlns:m="http://schemas.openxmlformats.org/officeDocument/2006/math">
+                    <m:sSub>
+                      <m:sSubPr>
+                        <m:ctrlPr>
+                          <a:rPr lang="de-DE" b="0" i="1" smtClean="0">
+                            <a:latin typeface="Cambria Math" panose="02040503050406030204" pitchFamily="18" charset="0"/>
+                          </a:rPr>
+                        </m:ctrlPr>
+                      </m:sSubPr>
+                      <m:e>
+                        <m:r>
+                          <a:rPr lang="de-DE" b="0" i="1" smtClean="0">
+                            <a:latin typeface="Cambria Math" panose="02040503050406030204" pitchFamily="18" charset="0"/>
+                          </a:rPr>
+                          <m:t>𝑛</m:t>
+                        </m:r>
+                      </m:e>
+                      <m:sub>
+                        <m:r>
+                          <a:rPr lang="de-DE" b="0" i="1" smtClean="0">
+                            <a:latin typeface="Cambria Math" panose="02040503050406030204" pitchFamily="18" charset="0"/>
+                          </a:rPr>
+                          <m:t>𝐶</m:t>
+                        </m:r>
+                        <m:sSub>
+                          <m:sSubPr>
+                            <m:ctrlPr>
+                              <a:rPr lang="de-DE" b="0" i="1" smtClean="0">
+                                <a:latin typeface="Cambria Math" panose="02040503050406030204" pitchFamily="18" charset="0"/>
+                              </a:rPr>
+                            </m:ctrlPr>
+                          </m:sSubPr>
+                          <m:e>
+                            <m:r>
+                              <a:rPr lang="de-DE" b="0" i="1" smtClean="0">
+                                <a:latin typeface="Cambria Math" panose="02040503050406030204" pitchFamily="18" charset="0"/>
+                              </a:rPr>
+                              <m:t>𝑂</m:t>
+                            </m:r>
+                          </m:e>
+                          <m:sub>
+                            <m:r>
+                              <a:rPr lang="de-DE" b="0" i="1" smtClean="0">
+                                <a:latin typeface="Cambria Math" panose="02040503050406030204" pitchFamily="18" charset="0"/>
+                              </a:rPr>
+                              <m:t>2</m:t>
+                            </m:r>
+                          </m:sub>
+                        </m:sSub>
+                      </m:sub>
+                    </m:sSub>
+                    <m:r>
+                      <a:rPr lang="de-DE" b="0" i="1" smtClean="0">
+                        <a:latin typeface="Cambria Math" panose="02040503050406030204" pitchFamily="18" charset="0"/>
+                      </a:rPr>
+                      <m:t>=</m:t>
+                    </m:r>
+                    <m:sSub>
+                      <m:sSubPr>
+                        <m:ctrlPr>
+                          <a:rPr lang="de-DE" b="0" i="1" smtClean="0">
+                            <a:latin typeface="Cambria Math" panose="02040503050406030204" pitchFamily="18" charset="0"/>
+                          </a:rPr>
+                        </m:ctrlPr>
+                      </m:sSubPr>
+                      <m:e>
+                        <m:r>
+                          <a:rPr lang="de-DE" b="0" i="1" smtClean="0">
+                            <a:latin typeface="Cambria Math" panose="02040503050406030204" pitchFamily="18" charset="0"/>
+                          </a:rPr>
+                          <m:t>𝑛</m:t>
+                        </m:r>
+                      </m:e>
+                      <m:sub>
+                        <m:r>
+                          <a:rPr lang="de-DE" b="0" i="1" smtClean="0">
+                            <a:latin typeface="Cambria Math" panose="02040503050406030204" pitchFamily="18" charset="0"/>
+                          </a:rPr>
+                          <m:t>𝐿𝑢𝑓𝑡</m:t>
+                        </m:r>
+                      </m:sub>
+                    </m:sSub>
+                    <m:r>
+                      <a:rPr lang="de-DE" b="0" i="1" smtClean="0">
+                        <a:latin typeface="Cambria Math" panose="02040503050406030204" pitchFamily="18" charset="0"/>
+                      </a:rPr>
+                      <m:t>+</m:t>
+                    </m:r>
+                    <m:r>
+                      <m:rPr>
+                        <m:sty m:val="p"/>
+                      </m:rPr>
+                      <a:rPr lang="de-DE" b="0" i="0" smtClean="0">
+                        <a:latin typeface="Cambria Math" panose="02040503050406030204" pitchFamily="18" charset="0"/>
+                      </a:rPr>
+                      <m:t>Δ</m:t>
+                    </m:r>
+                    <m:r>
+                      <a:rPr lang="de-DE" b="0" i="1" smtClean="0">
+                        <a:latin typeface="Cambria Math" panose="02040503050406030204" pitchFamily="18" charset="0"/>
+                      </a:rPr>
+                      <m:t>𝑛</m:t>
+                    </m:r>
+                  </m:oMath>
+                </a14:m>
+                <a:r>
+                  <a:rPr lang="de-DE" dirty="0"/>
+                  <a:t>			</a:t>
+                </a:r>
+                <a14:m>
+                  <m:oMath xmlns:m="http://schemas.openxmlformats.org/officeDocument/2006/math">
+                    <m:r>
+                      <m:rPr>
+                        <m:sty m:val="p"/>
+                      </m:rPr>
+                      <a:rPr lang="de-DE" b="0" i="0" smtClean="0">
+                        <a:latin typeface="Cambria Math" panose="02040503050406030204" pitchFamily="18" charset="0"/>
+                      </a:rPr>
+                      <m:t>Δ</m:t>
+                    </m:r>
+                    <m:r>
+                      <a:rPr lang="de-DE" b="0" i="1" smtClean="0">
+                        <a:latin typeface="Cambria Math" panose="02040503050406030204" pitchFamily="18" charset="0"/>
+                      </a:rPr>
+                      <m:t>𝑛</m:t>
+                    </m:r>
+                    <m:r>
+                      <a:rPr lang="de-DE" b="0" i="1" smtClean="0">
+                        <a:latin typeface="Cambria Math" panose="02040503050406030204" pitchFamily="18" charset="0"/>
+                      </a:rPr>
+                      <m:t>=</m:t>
+                    </m:r>
+                    <m:r>
+                      <m:rPr>
+                        <m:sty m:val="p"/>
+                      </m:rPr>
+                      <a:rPr lang="de-DE" b="0" i="0" smtClean="0">
+                        <a:latin typeface="Cambria Math" panose="02040503050406030204" pitchFamily="18" charset="0"/>
+                      </a:rPr>
+                      <m:t>Δ</m:t>
+                    </m:r>
+                    <m:r>
+                      <a:rPr lang="de-DE" b="0" i="1" smtClean="0">
+                        <a:latin typeface="Cambria Math" panose="02040503050406030204" pitchFamily="18" charset="0"/>
+                      </a:rPr>
+                      <m:t>𝑚</m:t>
+                    </m:r>
+                    <m:r>
+                      <a:rPr lang="de-DE" b="0" i="1" smtClean="0">
+                        <a:latin typeface="Cambria Math" panose="02040503050406030204" pitchFamily="18" charset="0"/>
+                      </a:rPr>
+                      <m:t> </m:t>
+                    </m:r>
+                    <m:f>
+                      <m:fPr>
+                        <m:ctrlPr>
+                          <a:rPr lang="de-DE" b="0" i="1" smtClean="0">
+                            <a:latin typeface="Cambria Math" panose="02040503050406030204" pitchFamily="18" charset="0"/>
+                          </a:rPr>
+                        </m:ctrlPr>
+                      </m:fPr>
+                      <m:num>
+                        <m:r>
+                          <a:rPr lang="de-DE" b="0" i="1" smtClean="0">
+                            <a:latin typeface="Cambria Math" panose="02040503050406030204" pitchFamily="18" charset="0"/>
+                          </a:rPr>
+                          <m:t>𝜆</m:t>
+                        </m:r>
+                      </m:num>
+                      <m:den>
+                        <m:r>
+                          <a:rPr lang="de-DE" b="0" i="1" smtClean="0">
+                            <a:latin typeface="Cambria Math" panose="02040503050406030204" pitchFamily="18" charset="0"/>
+                          </a:rPr>
+                          <m:t>2</m:t>
+                        </m:r>
+                        <m:r>
+                          <a:rPr lang="de-DE" b="0" i="1" smtClean="0">
+                            <a:latin typeface="Cambria Math" panose="02040503050406030204" pitchFamily="18" charset="0"/>
+                          </a:rPr>
+                          <m:t>𝐿</m:t>
+                        </m:r>
+                      </m:den>
+                    </m:f>
+                  </m:oMath>
+                </a14:m>
+                <a:endParaRPr lang="de-DE" dirty="0"/>
+              </a:p>
+            </p:txBody>
+          </p:sp>
+        </mc:Choice>
+        <mc:Fallback xmlns="">
+          <p:sp>
+            <p:nvSpPr>
+              <p:cNvPr id="3" name="Inhaltsplatzhalter 2">
+                <a:extLst>
+                  <a:ext uri="{FF2B5EF4-FFF2-40B4-BE49-F238E27FC236}">
+                    <a16:creationId xmlns:a16="http://schemas.microsoft.com/office/drawing/2014/main" id="{388E1FC6-8805-48F7-82FA-CD1F9F36C2EF}"/>
+                  </a:ext>
+                </a:extLst>
+              </p:cNvPr>
+              <p:cNvSpPr>
+                <a:spLocks noGrp="1" noRot="1" noChangeAspect="1" noMove="1" noResize="1" noEditPoints="1" noAdjustHandles="1" noChangeArrowheads="1" noChangeShapeType="1" noTextEdit="1"/>
+              </p:cNvSpPr>
+              <p:nvPr>
+                <p:ph idx="1"/>
+              </p:nvPr>
+            </p:nvSpPr>
+            <p:spPr>
+              <a:blipFill>
+                <a:blip r:embed="rId2"/>
+                <a:stretch>
+                  <a:fillRect/>
+                </a:stretch>
+              </a:blipFill>
+            </p:spPr>
+            <p:txBody>
+              <a:bodyPr/>
+              <a:lstStyle/>
+              <a:p>
+                <a:r>
+                  <a:rPr lang="de-DE">
+                    <a:noFill/>
+                  </a:rPr>
+                  <a:t> </a:t>
+                </a:r>
+              </a:p>
+            </p:txBody>
+          </p:sp>
+        </mc:Fallback>
+      </mc:AlternateContent>
+    </p:spTree>
+    <p:extLst>
+      <p:ext uri="{BB962C8B-B14F-4D97-AF65-F5344CB8AC3E}">
+        <p14:creationId xmlns:p14="http://schemas.microsoft.com/office/powerpoint/2010/main" val="572028677"/>
+      </p:ext>
+    </p:extLst>
+  </p:cSld>
+  <p:clrMapOvr>
+    <a:masterClrMapping/>
+  </p:clrMapOvr>
+</p:sld>
+</file>
+
+<file path=ppt/slides/slide5.xml><?xml version="1.0" encoding="utf-8"?>
+<p:sld xmlns:a="http://schemas.openxmlformats.org/drawingml/2006/main" xmlns:r="http://schemas.openxmlformats.org/officeDocument/2006/relationships" xmlns:p="http://schemas.openxmlformats.org/presentationml/2006/main">
+  <p:cSld>
+    <p:spTree>
+      <p:nvGrpSpPr>
+        <p:cNvPr id="1" name=""/>
+        <p:cNvGrpSpPr/>
+        <p:nvPr/>
+      </p:nvGrpSpPr>
+      <p:grpSpPr>
+        <a:xfrm>
+          <a:off x="0" y="0"/>
+          <a:ext cx="0" cy="0"/>
+          <a:chOff x="0" y="0"/>
+          <a:chExt cx="0" cy="0"/>
+        </a:xfrm>
+      </p:grpSpPr>
+      <p:sp>
+        <p:nvSpPr>
+          <p:cNvPr id="2" name="Titel 1">
+            <a:extLst>
+              <a:ext uri="{FF2B5EF4-FFF2-40B4-BE49-F238E27FC236}">
+                <a16:creationId xmlns:a16="http://schemas.microsoft.com/office/drawing/2014/main" id="{F8AAC1A0-AA0D-4F91-BA12-D360689F2F29}"/>
+              </a:ext>
+            </a:extLst>
+          </p:cNvPr>
+          <p:cNvSpPr>
+            <a:spLocks noGrp="1"/>
+          </p:cNvSpPr>
+          <p:nvPr>
+            <p:ph type="title"/>
+          </p:nvPr>
+        </p:nvSpPr>
+        <p:spPr/>
+        <p:txBody>
+          <a:bodyPr/>
+          <a:lstStyle/>
+          <a:p>
+            <a:r>
+              <a:rPr lang="de-DE" dirty="0"/>
+              <a:t>Aufbau</a:t>
+            </a:r>
+          </a:p>
+        </p:txBody>
+      </p:sp>
+      <p:pic>
+        <p:nvPicPr>
+          <p:cNvPr id="7" name="Inhaltsplatzhalter 6">
+            <a:extLst>
+              <a:ext uri="{FF2B5EF4-FFF2-40B4-BE49-F238E27FC236}">
+                <a16:creationId xmlns:a16="http://schemas.microsoft.com/office/drawing/2014/main" id="{053B5FB9-B407-4DCB-B5A8-3446068287D6}"/>
+              </a:ext>
+            </a:extLst>
+          </p:cNvPr>
+          <p:cNvPicPr>
+            <a:picLocks noGrp="1" noChangeAspect="1"/>
+          </p:cNvPicPr>
+          <p:nvPr>
+            <p:ph sz="half" idx="1"/>
+          </p:nvPr>
+        </p:nvPicPr>
+        <p:blipFill>
+          <a:blip r:embed="rId2">
+            <a:extLst>
+              <a:ext uri="{28A0092B-C50C-407E-A947-70E740481C1C}">
+                <a14:useLocalDpi xmlns:a14="http://schemas.microsoft.com/office/drawing/2010/main" val="0"/>
+              </a:ext>
+            </a:extLst>
+          </a:blip>
+          <a:stretch>
+            <a:fillRect/>
+          </a:stretch>
+        </p:blipFill>
+        <p:spPr>
+          <a:xfrm>
+            <a:off x="2546252" y="597086"/>
+            <a:ext cx="7399899" cy="5713942"/>
+          </a:xfrm>
+        </p:spPr>
+      </p:pic>
+    </p:spTree>
+    <p:extLst>
+      <p:ext uri="{BB962C8B-B14F-4D97-AF65-F5344CB8AC3E}">
+        <p14:creationId xmlns:p14="http://schemas.microsoft.com/office/powerpoint/2010/main" val="794588133"/>
+      </p:ext>
+    </p:extLst>
+  </p:cSld>
+  <p:clrMapOvr>
+    <a:masterClrMapping/>
+  </p:clrMapOvr>
+</p:sld>
+</file>
+
+<file path=ppt/slides/slide6.xml><?xml version="1.0" encoding="utf-8"?>
+<p:sld xmlns:a="http://schemas.openxmlformats.org/drawingml/2006/main" xmlns:r="http://schemas.openxmlformats.org/officeDocument/2006/relationships" xmlns:p="http://schemas.openxmlformats.org/presentationml/2006/main">
+  <p:cSld>
+    <p:spTree>
+      <p:nvGrpSpPr>
+        <p:cNvPr id="1" name=""/>
+        <p:cNvGrpSpPr/>
+        <p:nvPr/>
+      </p:nvGrpSpPr>
+      <p:grpSpPr>
+        <a:xfrm>
+          <a:off x="0" y="0"/>
+          <a:ext cx="0" cy="0"/>
+          <a:chOff x="0" y="0"/>
+          <a:chExt cx="0" cy="0"/>
+        </a:xfrm>
+      </p:grpSpPr>
+      <p:sp>
+        <p:nvSpPr>
+          <p:cNvPr id="2" name="Titel 1">
+            <a:extLst>
+              <a:ext uri="{FF2B5EF4-FFF2-40B4-BE49-F238E27FC236}">
+                <a16:creationId xmlns:a16="http://schemas.microsoft.com/office/drawing/2014/main" id="{82B91491-7839-47EE-BA59-291DA3587ADB}"/>
+              </a:ext>
+            </a:extLst>
+          </p:cNvPr>
+          <p:cNvSpPr>
+            <a:spLocks noGrp="1"/>
+          </p:cNvSpPr>
+          <p:nvPr>
+            <p:ph type="title"/>
+          </p:nvPr>
+        </p:nvSpPr>
+        <p:spPr/>
+        <p:txBody>
+          <a:bodyPr/>
+          <a:lstStyle/>
+          <a:p>
+            <a:r>
+              <a:rPr lang="de-DE" dirty="0"/>
+              <a:t>Kalibration</a:t>
+            </a:r>
+          </a:p>
+        </p:txBody>
+      </p:sp>
+      <mc:AlternateContent xmlns:mc="http://schemas.openxmlformats.org/markup-compatibility/2006">
+        <mc:Choice xmlns:a14="http://schemas.microsoft.com/office/drawing/2010/main" Requires="a14">
+          <p:sp>
+            <p:nvSpPr>
+              <p:cNvPr id="4" name="Inhaltsplatzhalter 3">
+                <a:extLst>
+                  <a:ext uri="{FF2B5EF4-FFF2-40B4-BE49-F238E27FC236}">
+                    <a16:creationId xmlns:a16="http://schemas.microsoft.com/office/drawing/2014/main" id="{D96DEBC0-6F0D-446D-AB92-3E2E0C326FE4}"/>
+                  </a:ext>
+                </a:extLst>
+              </p:cNvPr>
+              <p:cNvSpPr>
+                <a:spLocks noGrp="1"/>
+              </p:cNvSpPr>
+              <p:nvPr>
+                <p:ph sz="half" idx="1"/>
+              </p:nvPr>
+            </p:nvSpPr>
+            <p:spPr/>
+            <p:txBody>
+              <a:bodyPr/>
+              <a:lstStyle/>
+              <a:p>
+                <a:endParaRPr lang="de-DE" b="0" i="1">
+                  <a:latin typeface="Cambria Math" panose="02040503050406030204" pitchFamily="18" charset="0"/>
+                </a:endParaRPr>
+              </a:p>
+              <a:p>
+                <a14:m>
+                  <m:oMath xmlns:m="http://schemas.openxmlformats.org/officeDocument/2006/math">
+                    <m:sSub>
+                      <m:sSubPr>
+                        <m:ctrlPr>
+                          <a:rPr lang="de-DE" b="0" i="1" smtClean="0">
+                            <a:latin typeface="Cambria Math" panose="02040503050406030204" pitchFamily="18" charset="0"/>
+                          </a:rPr>
+                        </m:ctrlPr>
+                      </m:sSubPr>
+                      <m:e>
+                        <m:r>
+                          <a:rPr lang="de-DE" b="0" i="1" smtClean="0">
+                            <a:latin typeface="Cambria Math" panose="02040503050406030204" pitchFamily="18" charset="0"/>
+                          </a:rPr>
+                          <m:t>𝑘</m:t>
+                        </m:r>
+                      </m:e>
+                      <m:sub>
+                        <m:r>
+                          <a:rPr lang="de-DE" b="0" i="1" smtClean="0">
+                            <a:latin typeface="Cambria Math" panose="02040503050406030204" pitchFamily="18" charset="0"/>
+                          </a:rPr>
+                          <m:t>𝐴</m:t>
+                        </m:r>
+                      </m:sub>
+                    </m:sSub>
+                    <m:r>
+                      <a:rPr lang="de-DE" b="0" i="1" smtClean="0">
+                        <a:latin typeface="Cambria Math" panose="02040503050406030204" pitchFamily="18" charset="0"/>
+                      </a:rPr>
+                      <m:t>=0,0487±0,0002</m:t>
+                    </m:r>
+                  </m:oMath>
+                </a14:m>
+                <a:endParaRPr lang="de-DE" dirty="0"/>
+              </a:p>
+              <a:p>
+                <a:endParaRPr lang="de-DE" dirty="0"/>
+              </a:p>
+              <a:p>
+                <a14:m>
+                  <m:oMath xmlns:m="http://schemas.openxmlformats.org/officeDocument/2006/math">
+                    <m:sSub>
+                      <m:sSubPr>
+                        <m:ctrlPr>
+                          <a:rPr lang="de-DE" b="0" i="1" smtClean="0">
+                            <a:latin typeface="Cambria Math" panose="02040503050406030204" pitchFamily="18" charset="0"/>
+                          </a:rPr>
+                        </m:ctrlPr>
+                      </m:sSubPr>
+                      <m:e>
+                        <m:r>
+                          <a:rPr lang="de-DE" b="0" i="1" smtClean="0">
+                            <a:latin typeface="Cambria Math" panose="02040503050406030204" pitchFamily="18" charset="0"/>
+                          </a:rPr>
+                          <m:t>𝑘</m:t>
+                        </m:r>
+                      </m:e>
+                      <m:sub>
+                        <m:r>
+                          <a:rPr lang="de-DE" b="0" i="1" smtClean="0">
+                            <a:latin typeface="Cambria Math" panose="02040503050406030204" pitchFamily="18" charset="0"/>
+                          </a:rPr>
+                          <m:t>𝐵</m:t>
+                        </m:r>
+                      </m:sub>
+                    </m:sSub>
+                    <m:r>
+                      <a:rPr lang="de-DE" b="0" i="1" smtClean="0">
+                        <a:latin typeface="Cambria Math" panose="02040503050406030204" pitchFamily="18" charset="0"/>
+                      </a:rPr>
+                      <m:t>=0.0442±0,0002</m:t>
+                    </m:r>
+                  </m:oMath>
+                </a14:m>
+                <a:endParaRPr lang="de-DE" dirty="0"/>
+              </a:p>
+            </p:txBody>
+          </p:sp>
+        </mc:Choice>
+        <mc:Fallback>
+          <p:sp>
+            <p:nvSpPr>
+              <p:cNvPr id="4" name="Inhaltsplatzhalter 3">
+                <a:extLst>
+                  <a:ext uri="{FF2B5EF4-FFF2-40B4-BE49-F238E27FC236}">
+                    <a16:creationId xmlns:a16="http://schemas.microsoft.com/office/drawing/2014/main" id="{D96DEBC0-6F0D-446D-AB92-3E2E0C326FE4}"/>
+                  </a:ext>
+                </a:extLst>
+              </p:cNvPr>
+              <p:cNvSpPr>
+                <a:spLocks noGrp="1" noRot="1" noChangeAspect="1" noMove="1" noResize="1" noEditPoints="1" noAdjustHandles="1" noChangeArrowheads="1" noChangeShapeType="1" noTextEdit="1"/>
+              </p:cNvSpPr>
+              <p:nvPr>
+                <p:ph sz="half" idx="1"/>
+              </p:nvPr>
+            </p:nvSpPr>
+            <p:spPr>
+              <a:blipFill>
+                <a:blip r:embed="rId2"/>
+                <a:stretch>
+                  <a:fillRect/>
+                </a:stretch>
+              </a:blipFill>
+            </p:spPr>
+            <p:txBody>
+              <a:bodyPr/>
+              <a:lstStyle/>
+              <a:p>
+                <a:r>
+                  <a:rPr lang="de-DE">
+                    <a:noFill/>
+                  </a:rPr>
+                  <a:t> </a:t>
+                </a:r>
+              </a:p>
+            </p:txBody>
+          </p:sp>
+        </mc:Fallback>
+      </mc:AlternateContent>
+      <p:pic>
+        <p:nvPicPr>
+          <p:cNvPr id="10" name="Inhaltsplatzhalter 9">
+            <a:extLst>
+              <a:ext uri="{FF2B5EF4-FFF2-40B4-BE49-F238E27FC236}">
+                <a16:creationId xmlns:a16="http://schemas.microsoft.com/office/drawing/2014/main" id="{DF1CD1B0-BE0D-4BFB-BC93-B6AF0F8C9C8D}"/>
+              </a:ext>
+            </a:extLst>
+          </p:cNvPr>
+          <p:cNvPicPr>
+            <a:picLocks noGrp="1" noChangeAspect="1"/>
+          </p:cNvPicPr>
+          <p:nvPr>
+            <p:ph sz="half" idx="2"/>
+          </p:nvPr>
+        </p:nvPicPr>
+        <p:blipFill>
+          <a:blip r:embed="rId3">
+            <a:extLst>
+              <a:ext uri="{28A0092B-C50C-407E-A947-70E740481C1C}">
+                <a14:useLocalDpi xmlns:a14="http://schemas.microsoft.com/office/drawing/2010/main" val="0"/>
+              </a:ext>
+            </a:extLst>
+          </a:blip>
+          <a:stretch>
+            <a:fillRect/>
+          </a:stretch>
+        </p:blipFill>
+        <p:spPr>
+          <a:xfrm>
+            <a:off x="6172200" y="2215635"/>
+            <a:ext cx="5181600" cy="3571317"/>
+          </a:xfrm>
+        </p:spPr>
+      </p:pic>
+    </p:spTree>
+    <p:extLst>
+      <p:ext uri="{BB962C8B-B14F-4D97-AF65-F5344CB8AC3E}">
+        <p14:creationId xmlns:p14="http://schemas.microsoft.com/office/powerpoint/2010/main" val="957132963"/>
+      </p:ext>
+    </p:extLst>
+  </p:cSld>
+  <p:clrMapOvr>
+    <a:masterClrMapping/>
+  </p:clrMapOvr>
+</p:sld>
+</file>
+
+<file path=ppt/slides/slide7.xml><?xml version="1.0" encoding="utf-8"?>
+<p:sld xmlns:a="http://schemas.openxmlformats.org/drawingml/2006/main" xmlns:r="http://schemas.openxmlformats.org/officeDocument/2006/relationships" xmlns:p="http://schemas.openxmlformats.org/presentationml/2006/main">
+  <p:cSld>
+    <p:spTree>
+      <p:nvGrpSpPr>
+        <p:cNvPr id="1" name=""/>
+        <p:cNvGrpSpPr/>
+        <p:nvPr/>
+      </p:nvGrpSpPr>
+      <p:grpSpPr>
+        <a:xfrm>
+          <a:off x="0" y="0"/>
+          <a:ext cx="0" cy="0"/>
+          <a:chOff x="0" y="0"/>
+          <a:chExt cx="0" cy="0"/>
+        </a:xfrm>
+      </p:grpSpPr>
+      <p:sp>
+        <p:nvSpPr>
+          <p:cNvPr id="2" name="Titel 1">
+            <a:extLst>
+              <a:ext uri="{FF2B5EF4-FFF2-40B4-BE49-F238E27FC236}">
+                <a16:creationId xmlns:a16="http://schemas.microsoft.com/office/drawing/2014/main" id="{1DBBC000-D048-464C-9625-9FDE30AE4F5B}"/>
+              </a:ext>
+            </a:extLst>
+          </p:cNvPr>
+          <p:cNvSpPr>
+            <a:spLocks noGrp="1"/>
+          </p:cNvSpPr>
+          <p:nvPr>
+            <p:ph type="title"/>
+          </p:nvPr>
+        </p:nvSpPr>
+        <p:spPr/>
+        <p:txBody>
+          <a:bodyPr/>
+          <a:lstStyle/>
+          <a:p>
+            <a:r>
+              <a:rPr lang="de-DE" dirty="0"/>
+              <a:t>Wellenlänge</a:t>
+            </a:r>
+          </a:p>
+        </p:txBody>
+      </p:sp>
+      <mc:AlternateContent xmlns:mc="http://schemas.openxmlformats.org/markup-compatibility/2006">
+        <mc:Choice xmlns:a14="http://schemas.microsoft.com/office/drawing/2010/main" Requires="a14">
+          <p:sp>
+            <p:nvSpPr>
+              <p:cNvPr id="4" name="Inhaltsplatzhalter 3">
+                <a:extLst>
+                  <a:ext uri="{FF2B5EF4-FFF2-40B4-BE49-F238E27FC236}">
+                    <a16:creationId xmlns:a16="http://schemas.microsoft.com/office/drawing/2014/main" id="{21317AA6-7E75-483E-A8C6-6B42E89EBC56}"/>
+                  </a:ext>
+                </a:extLst>
+              </p:cNvPr>
+              <p:cNvSpPr>
+                <a:spLocks noGrp="1"/>
+              </p:cNvSpPr>
+              <p:nvPr>
+                <p:ph sz="half" idx="1"/>
+              </p:nvPr>
+            </p:nvSpPr>
+            <p:spPr/>
+            <p:txBody>
+              <a:bodyPr/>
+              <a:lstStyle/>
+              <a:p>
+                <a14:m>
+                  <m:oMath xmlns:m="http://schemas.openxmlformats.org/officeDocument/2006/math">
+                    <m:sSub>
+                      <m:sSubPr>
+                        <m:ctrlPr>
+                          <a:rPr lang="de-DE" b="0" i="1" smtClean="0">
+                            <a:latin typeface="Cambria Math" panose="02040503050406030204" pitchFamily="18" charset="0"/>
+                          </a:rPr>
+                        </m:ctrlPr>
+                      </m:sSubPr>
+                      <m:e>
+                        <m:r>
+                          <a:rPr lang="de-DE" b="0" i="1" smtClean="0">
+                            <a:latin typeface="Cambria Math" panose="02040503050406030204" pitchFamily="18" charset="0"/>
+                          </a:rPr>
+                          <m:t>𝜆</m:t>
+                        </m:r>
+                      </m:e>
+                      <m:sub>
+                        <m:r>
+                          <a:rPr lang="de-DE" b="0" i="1" smtClean="0">
+                            <a:latin typeface="Cambria Math" panose="02040503050406030204" pitchFamily="18" charset="0"/>
+                          </a:rPr>
+                          <m:t>𝐴</m:t>
+                        </m:r>
+                      </m:sub>
+                    </m:sSub>
+                    <m:r>
+                      <a:rPr lang="de-DE" b="0" i="1" smtClean="0">
+                        <a:latin typeface="Cambria Math" panose="02040503050406030204" pitchFamily="18" charset="0"/>
+                      </a:rPr>
+                      <m:t>=(522,6±2,0±2,1)</m:t>
+                    </m:r>
+                  </m:oMath>
+                </a14:m>
+                <a:r>
+                  <a:rPr lang="de-DE" dirty="0"/>
+                  <a:t>nm</a:t>
+                </a:r>
+              </a:p>
+              <a:p>
+                <a:endParaRPr lang="de-DE" dirty="0"/>
+              </a:p>
+              <a:p>
+                <a14:m>
+                  <m:oMath xmlns:m="http://schemas.openxmlformats.org/officeDocument/2006/math">
+                    <m:sSub>
+                      <m:sSubPr>
+                        <m:ctrlPr>
+                          <a:rPr lang="de-DE" b="0" i="1" smtClean="0">
+                            <a:latin typeface="Cambria Math" panose="02040503050406030204" pitchFamily="18" charset="0"/>
+                          </a:rPr>
+                        </m:ctrlPr>
+                      </m:sSubPr>
+                      <m:e>
+                        <m:r>
+                          <a:rPr lang="de-DE" b="0" i="1" smtClean="0">
+                            <a:latin typeface="Cambria Math" panose="02040503050406030204" pitchFamily="18" charset="0"/>
+                          </a:rPr>
+                          <m:t>𝜆</m:t>
+                        </m:r>
+                      </m:e>
+                      <m:sub>
+                        <m:r>
+                          <a:rPr lang="de-DE" b="0" i="1" smtClean="0">
+                            <a:latin typeface="Cambria Math" panose="02040503050406030204" pitchFamily="18" charset="0"/>
+                          </a:rPr>
+                          <m:t>𝐵</m:t>
+                        </m:r>
+                      </m:sub>
+                    </m:sSub>
+                    <m:r>
+                      <a:rPr lang="de-DE" b="0" i="0" smtClean="0">
+                        <a:latin typeface="Cambria Math" panose="02040503050406030204" pitchFamily="18" charset="0"/>
+                      </a:rPr>
+                      <m:t>=(526,1</m:t>
+                    </m:r>
+                    <m:r>
+                      <a:rPr lang="de-DE" b="0" i="1" smtClean="0">
+                        <a:latin typeface="Cambria Math" panose="02040503050406030204" pitchFamily="18" charset="0"/>
+                      </a:rPr>
+                      <m:t>±1,7±2,0)</m:t>
+                    </m:r>
+                  </m:oMath>
+                </a14:m>
+                <a:r>
+                  <a:rPr lang="de-DE" dirty="0"/>
+                  <a:t>nm</a:t>
+                </a:r>
+              </a:p>
+              <a:p>
+                <a:endParaRPr lang="de-DE" dirty="0"/>
+              </a:p>
+              <a:p>
+                <a:r>
+                  <a:rPr lang="de-DE" dirty="0"/>
+                  <a:t>Nominal: </a:t>
+                </a:r>
+                <a14:m>
+                  <m:oMath xmlns:m="http://schemas.openxmlformats.org/officeDocument/2006/math">
+                    <m:r>
+                      <a:rPr lang="de-DE" b="0" i="1" smtClean="0">
+                        <a:latin typeface="Cambria Math" panose="02040503050406030204" pitchFamily="18" charset="0"/>
+                      </a:rPr>
+                      <m:t>𝜆</m:t>
+                    </m:r>
+                    <m:r>
+                      <a:rPr lang="de-DE" b="0" i="1" smtClean="0">
+                        <a:latin typeface="Cambria Math" panose="02040503050406030204" pitchFamily="18" charset="0"/>
+                      </a:rPr>
+                      <m:t>=532</m:t>
+                    </m:r>
+                  </m:oMath>
+                </a14:m>
+                <a:r>
+                  <a:rPr lang="de-DE" dirty="0"/>
+                  <a:t>nm</a:t>
+                </a:r>
+              </a:p>
+            </p:txBody>
+          </p:sp>
+        </mc:Choice>
+        <mc:Fallback>
+          <p:sp>
+            <p:nvSpPr>
+              <p:cNvPr id="4" name="Inhaltsplatzhalter 3">
+                <a:extLst>
+                  <a:ext uri="{FF2B5EF4-FFF2-40B4-BE49-F238E27FC236}">
+                    <a16:creationId xmlns:a16="http://schemas.microsoft.com/office/drawing/2014/main" id="{21317AA6-7E75-483E-A8C6-6B42E89EBC56}"/>
+                  </a:ext>
+                </a:extLst>
+              </p:cNvPr>
+              <p:cNvSpPr>
+                <a:spLocks noGrp="1" noRot="1" noChangeAspect="1" noMove="1" noResize="1" noEditPoints="1" noAdjustHandles="1" noChangeArrowheads="1" noChangeShapeType="1" noTextEdit="1"/>
+              </p:cNvSpPr>
+              <p:nvPr>
+                <p:ph sz="half" idx="1"/>
+              </p:nvPr>
+            </p:nvSpPr>
+            <p:spPr>
+              <a:blipFill>
+                <a:blip r:embed="rId2"/>
+                <a:stretch>
+                  <a:fillRect l="-2118" t="-2241"/>
+                </a:stretch>
+              </a:blipFill>
+            </p:spPr>
+            <p:txBody>
+              <a:bodyPr/>
+              <a:lstStyle/>
+              <a:p>
+                <a:r>
+                  <a:rPr lang="de-DE">
+                    <a:noFill/>
+                  </a:rPr>
+                  <a:t> </a:t>
+                </a:r>
+              </a:p>
+            </p:txBody>
+          </p:sp>
+        </mc:Fallback>
+      </mc:AlternateContent>
+      <p:pic>
+        <p:nvPicPr>
+          <p:cNvPr id="7" name="Inhaltsplatzhalter 6">
+            <a:extLst>
+              <a:ext uri="{FF2B5EF4-FFF2-40B4-BE49-F238E27FC236}">
+                <a16:creationId xmlns:a16="http://schemas.microsoft.com/office/drawing/2014/main" id="{DFBB4AD2-6CFD-478C-AA72-4407B9B26771}"/>
+              </a:ext>
+            </a:extLst>
+          </p:cNvPr>
+          <p:cNvPicPr>
+            <a:picLocks noGrp="1" noChangeAspect="1"/>
+          </p:cNvPicPr>
+          <p:nvPr>
+            <p:ph sz="half" idx="2"/>
+          </p:nvPr>
+        </p:nvPicPr>
+        <p:blipFill>
+          <a:blip r:embed="rId3">
+            <a:extLst>
+              <a:ext uri="{28A0092B-C50C-407E-A947-70E740481C1C}">
+                <a14:useLocalDpi xmlns:a14="http://schemas.microsoft.com/office/drawing/2010/main" val="0"/>
+              </a:ext>
+            </a:extLst>
+          </a:blip>
+          <a:stretch>
+            <a:fillRect/>
+          </a:stretch>
+        </p:blipFill>
+        <p:spPr>
+          <a:xfrm>
+            <a:off x="6172200" y="2215635"/>
+            <a:ext cx="5181600" cy="3571317"/>
+          </a:xfrm>
+        </p:spPr>
+      </p:pic>
+    </p:spTree>
+    <p:extLst>
+      <p:ext uri="{BB962C8B-B14F-4D97-AF65-F5344CB8AC3E}">
+        <p14:creationId xmlns:p14="http://schemas.microsoft.com/office/powerpoint/2010/main" val="3518068574"/>
+      </p:ext>
+    </p:extLst>
+  </p:cSld>
+  <p:clrMapOvr>
+    <a:masterClrMapping/>
+  </p:clrMapOvr>
+</p:sld>
+</file>
+
+<file path=ppt/slides/slide8.xml><?xml version="1.0" encoding="utf-8"?>
+<p:sld xmlns:a="http://schemas.openxmlformats.org/drawingml/2006/main" xmlns:r="http://schemas.openxmlformats.org/officeDocument/2006/relationships" xmlns:p="http://schemas.openxmlformats.org/presentationml/2006/main">
+  <p:cSld>
+    <p:spTree>
+      <p:nvGrpSpPr>
+        <p:cNvPr id="1" name=""/>
+        <p:cNvGrpSpPr/>
+        <p:nvPr/>
+      </p:nvGrpSpPr>
+      <p:grpSpPr>
+        <a:xfrm>
+          <a:off x="0" y="0"/>
+          <a:ext cx="0" cy="0"/>
+          <a:chOff x="0" y="0"/>
+          <a:chExt cx="0" cy="0"/>
+        </a:xfrm>
+      </p:grpSpPr>
+      <p:sp>
+        <p:nvSpPr>
+          <p:cNvPr id="2" name="Titel 1">
+            <a:extLst>
+              <a:ext uri="{FF2B5EF4-FFF2-40B4-BE49-F238E27FC236}">
+                <a16:creationId xmlns:a16="http://schemas.microsoft.com/office/drawing/2014/main" id="{ABBF87BF-7588-4FB8-B28E-6B7F15DA69A9}"/>
+              </a:ext>
+            </a:extLst>
+          </p:cNvPr>
+          <p:cNvSpPr>
+            <a:spLocks noGrp="1"/>
+          </p:cNvSpPr>
+          <p:nvPr>
+            <p:ph type="title"/>
+          </p:nvPr>
+        </p:nvSpPr>
+        <p:spPr/>
+        <p:txBody>
+          <a:bodyPr/>
+          <a:lstStyle/>
+          <a:p>
+            <a:r>
+              <a:rPr lang="de-DE" dirty="0"/>
+              <a:t>Druckabhängigkeit</a:t>
+            </a:r>
+          </a:p>
+        </p:txBody>
+      </p:sp>
+      <p:sp>
+        <p:nvSpPr>
+          <p:cNvPr id="3" name="Inhaltsplatzhalter 2">
+            <a:extLst>
+              <a:ext uri="{FF2B5EF4-FFF2-40B4-BE49-F238E27FC236}">
+                <a16:creationId xmlns:a16="http://schemas.microsoft.com/office/drawing/2014/main" id="{941DB0CC-1FB6-4CDF-945A-8DFEC43257A6}"/>
+              </a:ext>
+            </a:extLst>
+          </p:cNvPr>
+          <p:cNvSpPr>
+            <a:spLocks noGrp="1"/>
+          </p:cNvSpPr>
+          <p:nvPr>
+            <p:ph idx="1"/>
+          </p:nvPr>
+        </p:nvSpPr>
+        <p:spPr/>
+        <p:txBody>
+          <a:bodyPr/>
+          <a:lstStyle/>
+          <a:p>
+            <a:endParaRPr lang="de-DE"/>
+          </a:p>
+        </p:txBody>
+      </p:sp>
+    </p:spTree>
+    <p:extLst>
+      <p:ext uri="{BB962C8B-B14F-4D97-AF65-F5344CB8AC3E}">
+        <p14:creationId xmlns:p14="http://schemas.microsoft.com/office/powerpoint/2010/main" val="3870067177"/>
+      </p:ext>
+    </p:extLst>
+  </p:cSld>
+  <p:clrMapOvr>
+    <a:masterClrMapping/>
+  </p:clrMapOvr>
+</p:sld>
+</file>
+
+<file path=ppt/slides/slide9.xml><?xml version="1.0" encoding="utf-8"?>
+<p:sld xmlns:a="http://schemas.openxmlformats.org/drawingml/2006/main" xmlns:r="http://schemas.openxmlformats.org/officeDocument/2006/relationships" xmlns:p="http://schemas.openxmlformats.org/presentationml/2006/main">
+  <p:cSld>
+    <p:spTree>
+      <p:nvGrpSpPr>
+        <p:cNvPr id="1" name=""/>
+        <p:cNvGrpSpPr/>
+        <p:nvPr/>
+      </p:nvGrpSpPr>
+      <p:grpSpPr>
+        <a:xfrm>
+          <a:off x="0" y="0"/>
+          <a:ext cx="0" cy="0"/>
+          <a:chOff x="0" y="0"/>
+          <a:chExt cx="0" cy="0"/>
+        </a:xfrm>
+      </p:grpSpPr>
+      <p:sp>
+        <p:nvSpPr>
+          <p:cNvPr id="2" name="Titel 1">
+            <a:extLst>
+              <a:ext uri="{FF2B5EF4-FFF2-40B4-BE49-F238E27FC236}">
                 <a16:creationId xmlns:a16="http://schemas.microsoft.com/office/drawing/2014/main" id="{7B750AA0-971B-4267-A51C-B3005B948DFB}"/>
               </a:ext>
             </a:extLst>
@@ -3505,8 +4997,8 @@
           </a:p>
         </p:txBody>
       </p:sp>
-      <mc:AlternateContent xmlns:mc="http://schemas.openxmlformats.org/markup-compatibility/2006">
-        <mc:Choice xmlns:a14="http://schemas.microsoft.com/office/drawing/2010/main" Requires="a14">
+      <mc:AlternateContent xmlns:mc="http://schemas.openxmlformats.org/markup-compatibility/2006" xmlns:a14="http://schemas.microsoft.com/office/drawing/2010/main">
+        <mc:Choice Requires="a14">
           <p:sp>
             <p:nvSpPr>
               <p:cNvPr id="3" name="Inhaltsplatzhalter 2">
@@ -3640,7 +5132,7 @@
                     <m:d>
                       <m:dPr>
                         <m:ctrlPr>
-                          <a:rPr lang="de-DE" b="0" i="0" smtClean="0">
+                          <a:rPr lang="de-DE" b="0" i="1" smtClean="0">
                             <a:latin typeface="Cambria Math" panose="02040503050406030204" pitchFamily="18" charset="0"/>
                           </a:rPr>
                         </m:ctrlPr>
@@ -3809,7 +5301,7 @@
                     <m:d>
                       <m:dPr>
                         <m:ctrlPr>
-                          <a:rPr lang="de-DE" b="0" i="0" smtClean="0">
+                          <a:rPr lang="de-DE" b="0" i="1" smtClean="0">
                             <a:latin typeface="Cambria Math" panose="02040503050406030204" pitchFamily="18" charset="0"/>
                           </a:rPr>
                         </m:ctrlPr>
@@ -3969,7 +5461,7 @@
             </p:txBody>
           </p:sp>
         </mc:Choice>
-        <mc:Fallback>
+        <mc:Fallback xmlns="">
           <p:sp>
             <p:nvSpPr>
               <p:cNvPr id="3" name="Inhaltsplatzhalter 2">
@@ -4013,1258 +5505,6 @@
     <p:extLst>
       <p:ext uri="{BB962C8B-B14F-4D97-AF65-F5344CB8AC3E}">
         <p14:creationId xmlns:p14="http://schemas.microsoft.com/office/powerpoint/2010/main" val="2847838298"/>
-      </p:ext>
-    </p:extLst>
-  </p:cSld>
-  <p:clrMapOvr>
-    <a:masterClrMapping/>
-  </p:clrMapOvr>
-</p:sld>
-</file>
-
-<file path=ppt/slides/slide2.xml><?xml version="1.0" encoding="utf-8"?>
-<p:sld xmlns:a="http://schemas.openxmlformats.org/drawingml/2006/main" xmlns:r="http://schemas.openxmlformats.org/officeDocument/2006/relationships" xmlns:p="http://schemas.openxmlformats.org/presentationml/2006/main">
-  <p:cSld>
-    <p:spTree>
-      <p:nvGrpSpPr>
-        <p:cNvPr id="1" name=""/>
-        <p:cNvGrpSpPr/>
-        <p:nvPr/>
-      </p:nvGrpSpPr>
-      <p:grpSpPr>
-        <a:xfrm>
-          <a:off x="0" y="0"/>
-          <a:ext cx="0" cy="0"/>
-          <a:chOff x="0" y="0"/>
-          <a:chExt cx="0" cy="0"/>
-        </a:xfrm>
-      </p:grpSpPr>
-      <p:sp>
-        <p:nvSpPr>
-          <p:cNvPr id="2" name="Titel 1">
-            <a:extLst>
-              <a:ext uri="{FF2B5EF4-FFF2-40B4-BE49-F238E27FC236}">
-                <a16:creationId xmlns:a16="http://schemas.microsoft.com/office/drawing/2014/main" id="{BDEBBD1B-5604-4C3F-B34C-22D02BB3B57A}"/>
-              </a:ext>
-            </a:extLst>
-          </p:cNvPr>
-          <p:cNvSpPr>
-            <a:spLocks noGrp="1"/>
-          </p:cNvSpPr>
-          <p:nvPr>
-            <p:ph type="title"/>
-          </p:nvPr>
-        </p:nvSpPr>
-        <p:spPr/>
-        <p:txBody>
-          <a:bodyPr/>
-          <a:lstStyle/>
-          <a:p>
-            <a:r>
-              <a:rPr lang="de-DE" dirty="0"/>
-              <a:t>Inhalt</a:t>
-            </a:r>
-          </a:p>
-        </p:txBody>
-      </p:sp>
-      <p:sp>
-        <p:nvSpPr>
-          <p:cNvPr id="3" name="Inhaltsplatzhalter 2">
-            <a:extLst>
-              <a:ext uri="{FF2B5EF4-FFF2-40B4-BE49-F238E27FC236}">
-                <a16:creationId xmlns:a16="http://schemas.microsoft.com/office/drawing/2014/main" id="{A86B45DA-DF66-4B65-AE36-ACC26DE96D41}"/>
-              </a:ext>
-            </a:extLst>
-          </p:cNvPr>
-          <p:cNvSpPr>
-            <a:spLocks noGrp="1"/>
-          </p:cNvSpPr>
-          <p:nvPr>
-            <p:ph idx="1"/>
-          </p:nvPr>
-        </p:nvSpPr>
-        <p:spPr/>
-        <p:txBody>
-          <a:bodyPr/>
-          <a:lstStyle/>
-          <a:p>
-            <a:endParaRPr lang="de-DE"/>
-          </a:p>
-        </p:txBody>
-      </p:sp>
-    </p:spTree>
-    <p:extLst>
-      <p:ext uri="{BB962C8B-B14F-4D97-AF65-F5344CB8AC3E}">
-        <p14:creationId xmlns:p14="http://schemas.microsoft.com/office/powerpoint/2010/main" val="1002867433"/>
-      </p:ext>
-    </p:extLst>
-  </p:cSld>
-  <p:clrMapOvr>
-    <a:masterClrMapping/>
-  </p:clrMapOvr>
-</p:sld>
-</file>
-
-<file path=ppt/slides/slide3.xml><?xml version="1.0" encoding="utf-8"?>
-<p:sld xmlns:a="http://schemas.openxmlformats.org/drawingml/2006/main" xmlns:r="http://schemas.openxmlformats.org/officeDocument/2006/relationships" xmlns:p="http://schemas.openxmlformats.org/presentationml/2006/main">
-  <p:cSld>
-    <p:spTree>
-      <p:nvGrpSpPr>
-        <p:cNvPr id="1" name=""/>
-        <p:cNvGrpSpPr/>
-        <p:nvPr/>
-      </p:nvGrpSpPr>
-      <p:grpSpPr>
-        <a:xfrm>
-          <a:off x="0" y="0"/>
-          <a:ext cx="0" cy="0"/>
-          <a:chOff x="0" y="0"/>
-          <a:chExt cx="0" cy="0"/>
-        </a:xfrm>
-      </p:grpSpPr>
-      <p:sp>
-        <p:nvSpPr>
-          <p:cNvPr id="2" name="Titel 1">
-            <a:extLst>
-              <a:ext uri="{FF2B5EF4-FFF2-40B4-BE49-F238E27FC236}">
-                <a16:creationId xmlns:a16="http://schemas.microsoft.com/office/drawing/2014/main" id="{530447DF-7F46-4D7E-89D2-6E3790C152C9}"/>
-              </a:ext>
-            </a:extLst>
-          </p:cNvPr>
-          <p:cNvSpPr>
-            <a:spLocks noGrp="1"/>
-          </p:cNvSpPr>
-          <p:nvPr>
-            <p:ph type="title"/>
-          </p:nvPr>
-        </p:nvSpPr>
-        <p:spPr/>
-        <p:txBody>
-          <a:bodyPr/>
-          <a:lstStyle/>
-          <a:p>
-            <a:r>
-              <a:rPr lang="de-DE" dirty="0"/>
-              <a:t>Versuchsziele</a:t>
-            </a:r>
-          </a:p>
-        </p:txBody>
-      </p:sp>
-      <p:sp>
-        <p:nvSpPr>
-          <p:cNvPr id="3" name="Inhaltsplatzhalter 2">
-            <a:extLst>
-              <a:ext uri="{FF2B5EF4-FFF2-40B4-BE49-F238E27FC236}">
-                <a16:creationId xmlns:a16="http://schemas.microsoft.com/office/drawing/2014/main" id="{B2D5C7AF-FB30-41DD-8A73-75C4E070D1A1}"/>
-              </a:ext>
-            </a:extLst>
-          </p:cNvPr>
-          <p:cNvSpPr>
-            <a:spLocks noGrp="1"/>
-          </p:cNvSpPr>
-          <p:nvPr>
-            <p:ph idx="1"/>
-          </p:nvPr>
-        </p:nvSpPr>
-        <p:spPr/>
-        <p:txBody>
-          <a:bodyPr/>
-          <a:lstStyle/>
-          <a:p>
-            <a:endParaRPr lang="de-DE"/>
-          </a:p>
-        </p:txBody>
-      </p:sp>
-    </p:spTree>
-    <p:extLst>
-      <p:ext uri="{BB962C8B-B14F-4D97-AF65-F5344CB8AC3E}">
-        <p14:creationId xmlns:p14="http://schemas.microsoft.com/office/powerpoint/2010/main" val="339534271"/>
-      </p:ext>
-    </p:extLst>
-  </p:cSld>
-  <p:clrMapOvr>
-    <a:masterClrMapping/>
-  </p:clrMapOvr>
-</p:sld>
-</file>
-
-<file path=ppt/slides/slide4.xml><?xml version="1.0" encoding="utf-8"?>
-<p:sld xmlns:a="http://schemas.openxmlformats.org/drawingml/2006/main" xmlns:r="http://schemas.openxmlformats.org/officeDocument/2006/relationships" xmlns:p="http://schemas.openxmlformats.org/presentationml/2006/main">
-  <p:cSld>
-    <p:spTree>
-      <p:nvGrpSpPr>
-        <p:cNvPr id="1" name=""/>
-        <p:cNvGrpSpPr/>
-        <p:nvPr/>
-      </p:nvGrpSpPr>
-      <p:grpSpPr>
-        <a:xfrm>
-          <a:off x="0" y="0"/>
-          <a:ext cx="0" cy="0"/>
-          <a:chOff x="0" y="0"/>
-          <a:chExt cx="0" cy="0"/>
-        </a:xfrm>
-      </p:grpSpPr>
-      <p:sp>
-        <p:nvSpPr>
-          <p:cNvPr id="2" name="Titel 1">
-            <a:extLst>
-              <a:ext uri="{FF2B5EF4-FFF2-40B4-BE49-F238E27FC236}">
-                <a16:creationId xmlns:a16="http://schemas.microsoft.com/office/drawing/2014/main" id="{B0961A0C-1807-420A-BE95-3F2D0A77A4C9}"/>
-              </a:ext>
-            </a:extLst>
-          </p:cNvPr>
-          <p:cNvSpPr>
-            <a:spLocks noGrp="1"/>
-          </p:cNvSpPr>
-          <p:nvPr>
-            <p:ph type="title"/>
-          </p:nvPr>
-        </p:nvSpPr>
-        <p:spPr/>
-        <p:txBody>
-          <a:bodyPr/>
-          <a:lstStyle/>
-          <a:p>
-            <a:r>
-              <a:rPr lang="de-DE" dirty="0"/>
-              <a:t>Physikalische Grundlagen</a:t>
-            </a:r>
-          </a:p>
-        </p:txBody>
-      </p:sp>
-      <mc:AlternateContent xmlns:mc="http://schemas.openxmlformats.org/markup-compatibility/2006" xmlns:a14="http://schemas.microsoft.com/office/drawing/2010/main">
-        <mc:Choice Requires="a14">
-          <p:sp>
-            <p:nvSpPr>
-              <p:cNvPr id="3" name="Inhaltsplatzhalter 2">
-                <a:extLst>
-                  <a:ext uri="{FF2B5EF4-FFF2-40B4-BE49-F238E27FC236}">
-                    <a16:creationId xmlns:a16="http://schemas.microsoft.com/office/drawing/2014/main" id="{388E1FC6-8805-48F7-82FA-CD1F9F36C2EF}"/>
-                  </a:ext>
-                </a:extLst>
-              </p:cNvPr>
-              <p:cNvSpPr>
-                <a:spLocks noGrp="1"/>
-              </p:cNvSpPr>
-              <p:nvPr>
-                <p:ph idx="1"/>
-              </p:nvPr>
-            </p:nvSpPr>
-            <p:spPr/>
-            <p:txBody>
-              <a:bodyPr/>
-              <a:lstStyle/>
-              <a:p>
-                <a:endParaRPr lang="de-DE" b="0" i="1" dirty="0">
-                  <a:latin typeface="Cambria Math" panose="02040503050406030204" pitchFamily="18" charset="0"/>
-                </a:endParaRPr>
-              </a:p>
-              <a:p>
-                <a14:m>
-                  <m:oMath xmlns:m="http://schemas.openxmlformats.org/officeDocument/2006/math">
-                    <m:r>
-                      <a:rPr lang="de-DE" b="0" i="1" smtClean="0">
-                        <a:latin typeface="Cambria Math" panose="02040503050406030204" pitchFamily="18" charset="0"/>
-                      </a:rPr>
-                      <m:t>2</m:t>
-                    </m:r>
-                    <m:r>
-                      <a:rPr lang="de-DE" b="0" i="1" smtClean="0">
-                        <a:latin typeface="Cambria Math" panose="02040503050406030204" pitchFamily="18" charset="0"/>
-                      </a:rPr>
-                      <m:t>𝑑</m:t>
-                    </m:r>
-                    <m:func>
-                      <m:funcPr>
-                        <m:ctrlPr>
-                          <a:rPr lang="de-DE" b="0" i="1" smtClean="0">
-                            <a:latin typeface="Cambria Math" panose="02040503050406030204" pitchFamily="18" charset="0"/>
-                          </a:rPr>
-                        </m:ctrlPr>
-                      </m:funcPr>
-                      <m:fName>
-                        <m:r>
-                          <m:rPr>
-                            <m:sty m:val="p"/>
-                          </m:rPr>
-                          <a:rPr lang="de-DE" b="0" i="0" smtClean="0">
-                            <a:latin typeface="Cambria Math" panose="02040503050406030204" pitchFamily="18" charset="0"/>
-                          </a:rPr>
-                          <m:t>cos</m:t>
-                        </m:r>
-                      </m:fName>
-                      <m:e>
-                        <m:r>
-                          <a:rPr lang="de-DE" b="0" i="1" smtClean="0">
-                            <a:latin typeface="Cambria Math" panose="02040503050406030204" pitchFamily="18" charset="0"/>
-                          </a:rPr>
-                          <m:t>𝜃</m:t>
-                        </m:r>
-                      </m:e>
-                    </m:func>
-                    <m:r>
-                      <a:rPr lang="de-DE" b="0" i="1" smtClean="0">
-                        <a:latin typeface="Cambria Math" panose="02040503050406030204" pitchFamily="18" charset="0"/>
-                      </a:rPr>
-                      <m:t>=</m:t>
-                    </m:r>
-                    <m:r>
-                      <a:rPr lang="de-DE" b="0" i="1" smtClean="0">
-                        <a:latin typeface="Cambria Math" panose="02040503050406030204" pitchFamily="18" charset="0"/>
-                      </a:rPr>
-                      <m:t>𝑚</m:t>
-                    </m:r>
-                    <m:r>
-                      <a:rPr lang="de-DE" b="0" i="1" smtClean="0">
-                        <a:latin typeface="Cambria Math" panose="02040503050406030204" pitchFamily="18" charset="0"/>
-                      </a:rPr>
-                      <m:t>𝜆</m:t>
-                    </m:r>
-                    <m:r>
-                      <a:rPr lang="de-DE" b="0" i="0" smtClean="0">
-                        <a:latin typeface="Cambria Math" panose="02040503050406030204" pitchFamily="18" charset="0"/>
-                      </a:rPr>
-                      <m:t> ,  </m:t>
-                    </m:r>
-                    <m:r>
-                      <m:rPr>
-                        <m:sty m:val="p"/>
-                      </m:rPr>
-                      <a:rPr lang="de-DE" b="0" i="0" smtClean="0">
-                        <a:latin typeface="Cambria Math" panose="02040503050406030204" pitchFamily="18" charset="0"/>
-                      </a:rPr>
-                      <m:t>m</m:t>
-                    </m:r>
-                    <m:r>
-                      <a:rPr lang="de-DE" b="0" i="0" smtClean="0">
-                        <a:latin typeface="Cambria Math" panose="02040503050406030204" pitchFamily="18" charset="0"/>
-                      </a:rPr>
-                      <m:t>=0, 1, 2, …</m:t>
-                    </m:r>
-                  </m:oMath>
-                </a14:m>
-                <a:endParaRPr lang="de-DE" dirty="0"/>
-              </a:p>
-              <a:p>
-                <a:endParaRPr lang="de-DE" dirty="0"/>
-              </a:p>
-              <a:p>
-                <a14:m>
-                  <m:oMath xmlns:m="http://schemas.openxmlformats.org/officeDocument/2006/math">
-                    <m:r>
-                      <a:rPr lang="de-DE" b="0" i="1" smtClean="0">
-                        <a:latin typeface="Cambria Math" panose="02040503050406030204" pitchFamily="18" charset="0"/>
-                      </a:rPr>
-                      <m:t>𝑛</m:t>
-                    </m:r>
-                    <m:d>
-                      <m:dPr>
-                        <m:ctrlPr>
-                          <a:rPr lang="de-DE" b="0" i="1" smtClean="0">
-                            <a:latin typeface="Cambria Math" panose="02040503050406030204" pitchFamily="18" charset="0"/>
-                          </a:rPr>
-                        </m:ctrlPr>
-                      </m:dPr>
-                      <m:e>
-                        <m:r>
-                          <a:rPr lang="de-DE" b="0" i="1" smtClean="0">
-                            <a:latin typeface="Cambria Math" panose="02040503050406030204" pitchFamily="18" charset="0"/>
-                          </a:rPr>
-                          <m:t>𝑃</m:t>
-                        </m:r>
-                      </m:e>
-                    </m:d>
-                    <m:r>
-                      <a:rPr lang="de-DE" b="0" i="1" smtClean="0">
-                        <a:latin typeface="Cambria Math" panose="02040503050406030204" pitchFamily="18" charset="0"/>
-                      </a:rPr>
-                      <m:t>=1+ </m:t>
-                    </m:r>
-                    <m:f>
-                      <m:fPr>
-                        <m:ctrlPr>
-                          <a:rPr lang="de-DE" b="0" i="1" smtClean="0">
-                            <a:latin typeface="Cambria Math" panose="02040503050406030204" pitchFamily="18" charset="0"/>
-                          </a:rPr>
-                        </m:ctrlPr>
-                      </m:fPr>
-                      <m:num>
-                        <m:r>
-                          <m:rPr>
-                            <m:sty m:val="p"/>
-                          </m:rPr>
-                          <a:rPr lang="de-DE" b="0" i="0" smtClean="0">
-                            <a:latin typeface="Cambria Math" panose="02040503050406030204" pitchFamily="18" charset="0"/>
-                          </a:rPr>
-                          <m:t>Δ</m:t>
-                        </m:r>
-                        <m:r>
-                          <a:rPr lang="de-DE" b="0" i="1" smtClean="0">
-                            <a:latin typeface="Cambria Math" panose="02040503050406030204" pitchFamily="18" charset="0"/>
-                          </a:rPr>
-                          <m:t>𝑛</m:t>
-                        </m:r>
-                      </m:num>
-                      <m:den>
-                        <m:r>
-                          <m:rPr>
-                            <m:sty m:val="p"/>
-                          </m:rPr>
-                          <a:rPr lang="de-DE" b="0" i="0" smtClean="0">
-                            <a:latin typeface="Cambria Math" panose="02040503050406030204" pitchFamily="18" charset="0"/>
-                          </a:rPr>
-                          <m:t>Δ</m:t>
-                        </m:r>
-                        <m:r>
-                          <a:rPr lang="de-DE" b="0" i="1" smtClean="0">
-                            <a:latin typeface="Cambria Math" panose="02040503050406030204" pitchFamily="18" charset="0"/>
-                          </a:rPr>
-                          <m:t>𝑝</m:t>
-                        </m:r>
-                      </m:den>
-                    </m:f>
-                    <m:r>
-                      <a:rPr lang="de-DE" b="0" i="1" smtClean="0">
-                        <a:latin typeface="Cambria Math" panose="02040503050406030204" pitchFamily="18" charset="0"/>
-                      </a:rPr>
-                      <m:t>𝑃</m:t>
-                    </m:r>
-                  </m:oMath>
-                </a14:m>
-                <a:r>
-                  <a:rPr lang="de-DE" dirty="0"/>
-                  <a:t>			</a:t>
-                </a:r>
-                <a14:m>
-                  <m:oMath xmlns:m="http://schemas.openxmlformats.org/officeDocument/2006/math">
-                    <m:f>
-                      <m:fPr>
-                        <m:ctrlPr>
-                          <a:rPr lang="de-DE" i="1" smtClean="0">
-                            <a:latin typeface="Cambria Math" panose="02040503050406030204" pitchFamily="18" charset="0"/>
-                          </a:rPr>
-                        </m:ctrlPr>
-                      </m:fPr>
-                      <m:num>
-                        <m:r>
-                          <m:rPr>
-                            <m:sty m:val="p"/>
-                          </m:rPr>
-                          <a:rPr lang="de-DE" b="0" i="0" smtClean="0">
-                            <a:latin typeface="Cambria Math" panose="02040503050406030204" pitchFamily="18" charset="0"/>
-                          </a:rPr>
-                          <m:t>Δ</m:t>
-                        </m:r>
-                        <m:r>
-                          <a:rPr lang="de-DE" b="0" i="1" smtClean="0">
-                            <a:latin typeface="Cambria Math" panose="02040503050406030204" pitchFamily="18" charset="0"/>
-                          </a:rPr>
-                          <m:t>𝑛</m:t>
-                        </m:r>
-                      </m:num>
-                      <m:den>
-                        <m:r>
-                          <m:rPr>
-                            <m:sty m:val="p"/>
-                          </m:rPr>
-                          <a:rPr lang="de-DE" b="0" i="0" smtClean="0">
-                            <a:latin typeface="Cambria Math" panose="02040503050406030204" pitchFamily="18" charset="0"/>
-                          </a:rPr>
-                          <m:t>Δ</m:t>
-                        </m:r>
-                        <m:r>
-                          <a:rPr lang="de-DE" b="0" i="1" smtClean="0">
-                            <a:latin typeface="Cambria Math" panose="02040503050406030204" pitchFamily="18" charset="0"/>
-                          </a:rPr>
-                          <m:t>𝑝</m:t>
-                        </m:r>
-                      </m:den>
-                    </m:f>
-                    <m:r>
-                      <a:rPr lang="de-DE" b="0" i="1" smtClean="0">
-                        <a:latin typeface="Cambria Math" panose="02040503050406030204" pitchFamily="18" charset="0"/>
-                      </a:rPr>
-                      <m:t>=</m:t>
-                    </m:r>
-                    <m:f>
-                      <m:fPr>
-                        <m:ctrlPr>
-                          <a:rPr lang="de-DE" b="0" i="1" smtClean="0">
-                            <a:latin typeface="Cambria Math" panose="02040503050406030204" pitchFamily="18" charset="0"/>
-                          </a:rPr>
-                        </m:ctrlPr>
-                      </m:fPr>
-                      <m:num>
-                        <m:r>
-                          <m:rPr>
-                            <m:sty m:val="p"/>
-                          </m:rPr>
-                          <a:rPr lang="de-DE" b="0" i="0" smtClean="0">
-                            <a:latin typeface="Cambria Math" panose="02040503050406030204" pitchFamily="18" charset="0"/>
-                          </a:rPr>
-                          <m:t>Δ</m:t>
-                        </m:r>
-                        <m:r>
-                          <a:rPr lang="de-DE" b="0" i="1" smtClean="0">
-                            <a:latin typeface="Cambria Math" panose="02040503050406030204" pitchFamily="18" charset="0"/>
-                          </a:rPr>
-                          <m:t>𝑚</m:t>
-                        </m:r>
-                      </m:num>
-                      <m:den>
-                        <m:r>
-                          <m:rPr>
-                            <m:sty m:val="p"/>
-                          </m:rPr>
-                          <a:rPr lang="de-DE" b="0" i="0" smtClean="0">
-                            <a:latin typeface="Cambria Math" panose="02040503050406030204" pitchFamily="18" charset="0"/>
-                          </a:rPr>
-                          <m:t>Δ</m:t>
-                        </m:r>
-                        <m:r>
-                          <a:rPr lang="de-DE" b="0" i="1" smtClean="0">
-                            <a:latin typeface="Cambria Math" panose="02040503050406030204" pitchFamily="18" charset="0"/>
-                          </a:rPr>
-                          <m:t>𝑝</m:t>
-                        </m:r>
-                      </m:den>
-                    </m:f>
-                    <m:r>
-                      <a:rPr lang="de-DE" b="0" i="1" smtClean="0">
-                        <a:latin typeface="Cambria Math" panose="02040503050406030204" pitchFamily="18" charset="0"/>
-                      </a:rPr>
-                      <m:t> </m:t>
-                    </m:r>
-                    <m:f>
-                      <m:fPr>
-                        <m:ctrlPr>
-                          <a:rPr lang="de-DE" b="0" i="1" smtClean="0">
-                            <a:latin typeface="Cambria Math" panose="02040503050406030204" pitchFamily="18" charset="0"/>
-                          </a:rPr>
-                        </m:ctrlPr>
-                      </m:fPr>
-                      <m:num>
-                        <m:r>
-                          <a:rPr lang="de-DE" b="0" i="1" smtClean="0">
-                            <a:latin typeface="Cambria Math" panose="02040503050406030204" pitchFamily="18" charset="0"/>
-                          </a:rPr>
-                          <m:t>𝜆</m:t>
-                        </m:r>
-                      </m:num>
-                      <m:den>
-                        <m:r>
-                          <a:rPr lang="de-DE" b="0" i="1" smtClean="0">
-                            <a:latin typeface="Cambria Math" panose="02040503050406030204" pitchFamily="18" charset="0"/>
-                          </a:rPr>
-                          <m:t>2</m:t>
-                        </m:r>
-                        <m:r>
-                          <a:rPr lang="de-DE" b="0" i="1" smtClean="0">
-                            <a:latin typeface="Cambria Math" panose="02040503050406030204" pitchFamily="18" charset="0"/>
-                          </a:rPr>
-                          <m:t>𝐿</m:t>
-                        </m:r>
-                      </m:den>
-                    </m:f>
-                  </m:oMath>
-                </a14:m>
-                <a:endParaRPr lang="de-DE" dirty="0"/>
-              </a:p>
-              <a:p>
-                <a:endParaRPr lang="de-DE" dirty="0"/>
-              </a:p>
-              <a:p>
-                <a14:m>
-                  <m:oMath xmlns:m="http://schemas.openxmlformats.org/officeDocument/2006/math">
-                    <m:sSub>
-                      <m:sSubPr>
-                        <m:ctrlPr>
-                          <a:rPr lang="de-DE" b="0" i="1" smtClean="0">
-                            <a:latin typeface="Cambria Math" panose="02040503050406030204" pitchFamily="18" charset="0"/>
-                          </a:rPr>
-                        </m:ctrlPr>
-                      </m:sSubPr>
-                      <m:e>
-                        <m:r>
-                          <a:rPr lang="de-DE" b="0" i="1" smtClean="0">
-                            <a:latin typeface="Cambria Math" panose="02040503050406030204" pitchFamily="18" charset="0"/>
-                          </a:rPr>
-                          <m:t>𝑛</m:t>
-                        </m:r>
-                      </m:e>
-                      <m:sub>
-                        <m:r>
-                          <a:rPr lang="de-DE" b="0" i="1" smtClean="0">
-                            <a:latin typeface="Cambria Math" panose="02040503050406030204" pitchFamily="18" charset="0"/>
-                          </a:rPr>
-                          <m:t>𝐶</m:t>
-                        </m:r>
-                        <m:sSub>
-                          <m:sSubPr>
-                            <m:ctrlPr>
-                              <a:rPr lang="de-DE" b="0" i="1" smtClean="0">
-                                <a:latin typeface="Cambria Math" panose="02040503050406030204" pitchFamily="18" charset="0"/>
-                              </a:rPr>
-                            </m:ctrlPr>
-                          </m:sSubPr>
-                          <m:e>
-                            <m:r>
-                              <a:rPr lang="de-DE" b="0" i="1" smtClean="0">
-                                <a:latin typeface="Cambria Math" panose="02040503050406030204" pitchFamily="18" charset="0"/>
-                              </a:rPr>
-                              <m:t>𝑂</m:t>
-                            </m:r>
-                          </m:e>
-                          <m:sub>
-                            <m:r>
-                              <a:rPr lang="de-DE" b="0" i="1" smtClean="0">
-                                <a:latin typeface="Cambria Math" panose="02040503050406030204" pitchFamily="18" charset="0"/>
-                              </a:rPr>
-                              <m:t>2</m:t>
-                            </m:r>
-                          </m:sub>
-                        </m:sSub>
-                      </m:sub>
-                    </m:sSub>
-                    <m:r>
-                      <a:rPr lang="de-DE" b="0" i="1" smtClean="0">
-                        <a:latin typeface="Cambria Math" panose="02040503050406030204" pitchFamily="18" charset="0"/>
-                      </a:rPr>
-                      <m:t>=</m:t>
-                    </m:r>
-                    <m:sSub>
-                      <m:sSubPr>
-                        <m:ctrlPr>
-                          <a:rPr lang="de-DE" b="0" i="1" smtClean="0">
-                            <a:latin typeface="Cambria Math" panose="02040503050406030204" pitchFamily="18" charset="0"/>
-                          </a:rPr>
-                        </m:ctrlPr>
-                      </m:sSubPr>
-                      <m:e>
-                        <m:r>
-                          <a:rPr lang="de-DE" b="0" i="1" smtClean="0">
-                            <a:latin typeface="Cambria Math" panose="02040503050406030204" pitchFamily="18" charset="0"/>
-                          </a:rPr>
-                          <m:t>𝑛</m:t>
-                        </m:r>
-                      </m:e>
-                      <m:sub>
-                        <m:r>
-                          <a:rPr lang="de-DE" b="0" i="1" smtClean="0">
-                            <a:latin typeface="Cambria Math" panose="02040503050406030204" pitchFamily="18" charset="0"/>
-                          </a:rPr>
-                          <m:t>𝐿𝑢𝑓𝑡</m:t>
-                        </m:r>
-                      </m:sub>
-                    </m:sSub>
-                    <m:r>
-                      <a:rPr lang="de-DE" b="0" i="1" smtClean="0">
-                        <a:latin typeface="Cambria Math" panose="02040503050406030204" pitchFamily="18" charset="0"/>
-                      </a:rPr>
-                      <m:t>+</m:t>
-                    </m:r>
-                    <m:r>
-                      <m:rPr>
-                        <m:sty m:val="p"/>
-                      </m:rPr>
-                      <a:rPr lang="de-DE" b="0" i="0" smtClean="0">
-                        <a:latin typeface="Cambria Math" panose="02040503050406030204" pitchFamily="18" charset="0"/>
-                      </a:rPr>
-                      <m:t>Δ</m:t>
-                    </m:r>
-                    <m:r>
-                      <a:rPr lang="de-DE" b="0" i="1" smtClean="0">
-                        <a:latin typeface="Cambria Math" panose="02040503050406030204" pitchFamily="18" charset="0"/>
-                      </a:rPr>
-                      <m:t>𝑛</m:t>
-                    </m:r>
-                  </m:oMath>
-                </a14:m>
-                <a:r>
-                  <a:rPr lang="de-DE" dirty="0"/>
-                  <a:t>			</a:t>
-                </a:r>
-                <a14:m>
-                  <m:oMath xmlns:m="http://schemas.openxmlformats.org/officeDocument/2006/math">
-                    <m:r>
-                      <m:rPr>
-                        <m:sty m:val="p"/>
-                      </m:rPr>
-                      <a:rPr lang="de-DE" b="0" i="0" smtClean="0">
-                        <a:latin typeface="Cambria Math" panose="02040503050406030204" pitchFamily="18" charset="0"/>
-                      </a:rPr>
-                      <m:t>Δ</m:t>
-                    </m:r>
-                    <m:r>
-                      <a:rPr lang="de-DE" b="0" i="1" smtClean="0">
-                        <a:latin typeface="Cambria Math" panose="02040503050406030204" pitchFamily="18" charset="0"/>
-                      </a:rPr>
-                      <m:t>𝑛</m:t>
-                    </m:r>
-                    <m:r>
-                      <a:rPr lang="de-DE" b="0" i="1" smtClean="0">
-                        <a:latin typeface="Cambria Math" panose="02040503050406030204" pitchFamily="18" charset="0"/>
-                      </a:rPr>
-                      <m:t>=</m:t>
-                    </m:r>
-                    <m:r>
-                      <m:rPr>
-                        <m:sty m:val="p"/>
-                      </m:rPr>
-                      <a:rPr lang="de-DE" b="0" i="0" smtClean="0">
-                        <a:latin typeface="Cambria Math" panose="02040503050406030204" pitchFamily="18" charset="0"/>
-                      </a:rPr>
-                      <m:t>Δ</m:t>
-                    </m:r>
-                    <m:r>
-                      <a:rPr lang="de-DE" b="0" i="1" smtClean="0">
-                        <a:latin typeface="Cambria Math" panose="02040503050406030204" pitchFamily="18" charset="0"/>
-                      </a:rPr>
-                      <m:t>𝑚</m:t>
-                    </m:r>
-                    <m:r>
-                      <a:rPr lang="de-DE" b="0" i="1" smtClean="0">
-                        <a:latin typeface="Cambria Math" panose="02040503050406030204" pitchFamily="18" charset="0"/>
-                      </a:rPr>
-                      <m:t> </m:t>
-                    </m:r>
-                    <m:f>
-                      <m:fPr>
-                        <m:ctrlPr>
-                          <a:rPr lang="de-DE" b="0" i="1" smtClean="0">
-                            <a:latin typeface="Cambria Math" panose="02040503050406030204" pitchFamily="18" charset="0"/>
-                          </a:rPr>
-                        </m:ctrlPr>
-                      </m:fPr>
-                      <m:num>
-                        <m:r>
-                          <a:rPr lang="de-DE" b="0" i="1" smtClean="0">
-                            <a:latin typeface="Cambria Math" panose="02040503050406030204" pitchFamily="18" charset="0"/>
-                          </a:rPr>
-                          <m:t>𝜆</m:t>
-                        </m:r>
-                      </m:num>
-                      <m:den>
-                        <m:r>
-                          <a:rPr lang="de-DE" b="0" i="1" smtClean="0">
-                            <a:latin typeface="Cambria Math" panose="02040503050406030204" pitchFamily="18" charset="0"/>
-                          </a:rPr>
-                          <m:t>2</m:t>
-                        </m:r>
-                        <m:r>
-                          <a:rPr lang="de-DE" b="0" i="1" smtClean="0">
-                            <a:latin typeface="Cambria Math" panose="02040503050406030204" pitchFamily="18" charset="0"/>
-                          </a:rPr>
-                          <m:t>𝐿</m:t>
-                        </m:r>
-                      </m:den>
-                    </m:f>
-                  </m:oMath>
-                </a14:m>
-                <a:endParaRPr lang="de-DE" dirty="0"/>
-              </a:p>
-            </p:txBody>
-          </p:sp>
-        </mc:Choice>
-        <mc:Fallback xmlns="">
-          <p:sp>
-            <p:nvSpPr>
-              <p:cNvPr id="3" name="Inhaltsplatzhalter 2">
-                <a:extLst>
-                  <a:ext uri="{FF2B5EF4-FFF2-40B4-BE49-F238E27FC236}">
-                    <a16:creationId xmlns:a16="http://schemas.microsoft.com/office/drawing/2014/main" id="{388E1FC6-8805-48F7-82FA-CD1F9F36C2EF}"/>
-                  </a:ext>
-                </a:extLst>
-              </p:cNvPr>
-              <p:cNvSpPr>
-                <a:spLocks noGrp="1" noRot="1" noChangeAspect="1" noMove="1" noResize="1" noEditPoints="1" noAdjustHandles="1" noChangeArrowheads="1" noChangeShapeType="1" noTextEdit="1"/>
-              </p:cNvSpPr>
-              <p:nvPr>
-                <p:ph idx="1"/>
-              </p:nvPr>
-            </p:nvSpPr>
-            <p:spPr>
-              <a:blipFill>
-                <a:blip r:embed="rId2"/>
-                <a:stretch>
-                  <a:fillRect/>
-                </a:stretch>
-              </a:blipFill>
-            </p:spPr>
-            <p:txBody>
-              <a:bodyPr/>
-              <a:lstStyle/>
-              <a:p>
-                <a:r>
-                  <a:rPr lang="de-DE">
-                    <a:noFill/>
-                  </a:rPr>
-                  <a:t> </a:t>
-                </a:r>
-              </a:p>
-            </p:txBody>
-          </p:sp>
-        </mc:Fallback>
-      </mc:AlternateContent>
-    </p:spTree>
-    <p:extLst>
-      <p:ext uri="{BB962C8B-B14F-4D97-AF65-F5344CB8AC3E}">
-        <p14:creationId xmlns:p14="http://schemas.microsoft.com/office/powerpoint/2010/main" val="572028677"/>
-      </p:ext>
-    </p:extLst>
-  </p:cSld>
-  <p:clrMapOvr>
-    <a:masterClrMapping/>
-  </p:clrMapOvr>
-</p:sld>
-</file>
-
-<file path=ppt/slides/slide5.xml><?xml version="1.0" encoding="utf-8"?>
-<p:sld xmlns:a="http://schemas.openxmlformats.org/drawingml/2006/main" xmlns:r="http://schemas.openxmlformats.org/officeDocument/2006/relationships" xmlns:p="http://schemas.openxmlformats.org/presentationml/2006/main">
-  <p:cSld>
-    <p:spTree>
-      <p:nvGrpSpPr>
-        <p:cNvPr id="1" name=""/>
-        <p:cNvGrpSpPr/>
-        <p:nvPr/>
-      </p:nvGrpSpPr>
-      <p:grpSpPr>
-        <a:xfrm>
-          <a:off x="0" y="0"/>
-          <a:ext cx="0" cy="0"/>
-          <a:chOff x="0" y="0"/>
-          <a:chExt cx="0" cy="0"/>
-        </a:xfrm>
-      </p:grpSpPr>
-      <p:sp>
-        <p:nvSpPr>
-          <p:cNvPr id="2" name="Titel 1">
-            <a:extLst>
-              <a:ext uri="{FF2B5EF4-FFF2-40B4-BE49-F238E27FC236}">
-                <a16:creationId xmlns:a16="http://schemas.microsoft.com/office/drawing/2014/main" id="{F8AAC1A0-AA0D-4F91-BA12-D360689F2F29}"/>
-              </a:ext>
-            </a:extLst>
-          </p:cNvPr>
-          <p:cNvSpPr>
-            <a:spLocks noGrp="1"/>
-          </p:cNvSpPr>
-          <p:nvPr>
-            <p:ph type="title"/>
-          </p:nvPr>
-        </p:nvSpPr>
-        <p:spPr/>
-        <p:txBody>
-          <a:bodyPr/>
-          <a:lstStyle/>
-          <a:p>
-            <a:r>
-              <a:rPr lang="de-DE" dirty="0"/>
-              <a:t>Aufbau</a:t>
-            </a:r>
-          </a:p>
-        </p:txBody>
-      </p:sp>
-      <p:pic>
-        <p:nvPicPr>
-          <p:cNvPr id="7" name="Inhaltsplatzhalter 6">
-            <a:extLst>
-              <a:ext uri="{FF2B5EF4-FFF2-40B4-BE49-F238E27FC236}">
-                <a16:creationId xmlns:a16="http://schemas.microsoft.com/office/drawing/2014/main" id="{053B5FB9-B407-4DCB-B5A8-3446068287D6}"/>
-              </a:ext>
-            </a:extLst>
-          </p:cNvPr>
-          <p:cNvPicPr>
-            <a:picLocks noGrp="1" noChangeAspect="1"/>
-          </p:cNvPicPr>
-          <p:nvPr>
-            <p:ph sz="half" idx="1"/>
-          </p:nvPr>
-        </p:nvPicPr>
-        <p:blipFill>
-          <a:blip r:embed="rId2">
-            <a:extLst>
-              <a:ext uri="{28A0092B-C50C-407E-A947-70E740481C1C}">
-                <a14:useLocalDpi xmlns:a14="http://schemas.microsoft.com/office/drawing/2010/main" val="0"/>
-              </a:ext>
-            </a:extLst>
-          </a:blip>
-          <a:stretch>
-            <a:fillRect/>
-          </a:stretch>
-        </p:blipFill>
-        <p:spPr>
-          <a:xfrm>
-            <a:off x="2546252" y="597086"/>
-            <a:ext cx="7399899" cy="5713942"/>
-          </a:xfrm>
-        </p:spPr>
-      </p:pic>
-    </p:spTree>
-    <p:extLst>
-      <p:ext uri="{BB962C8B-B14F-4D97-AF65-F5344CB8AC3E}">
-        <p14:creationId xmlns:p14="http://schemas.microsoft.com/office/powerpoint/2010/main" val="794588133"/>
-      </p:ext>
-    </p:extLst>
-  </p:cSld>
-  <p:clrMapOvr>
-    <a:masterClrMapping/>
-  </p:clrMapOvr>
-</p:sld>
-</file>
-
-<file path=ppt/slides/slide6.xml><?xml version="1.0" encoding="utf-8"?>
-<p:sld xmlns:a="http://schemas.openxmlformats.org/drawingml/2006/main" xmlns:r="http://schemas.openxmlformats.org/officeDocument/2006/relationships" xmlns:p="http://schemas.openxmlformats.org/presentationml/2006/main">
-  <p:cSld>
-    <p:spTree>
-      <p:nvGrpSpPr>
-        <p:cNvPr id="1" name=""/>
-        <p:cNvGrpSpPr/>
-        <p:nvPr/>
-      </p:nvGrpSpPr>
-      <p:grpSpPr>
-        <a:xfrm>
-          <a:off x="0" y="0"/>
-          <a:ext cx="0" cy="0"/>
-          <a:chOff x="0" y="0"/>
-          <a:chExt cx="0" cy="0"/>
-        </a:xfrm>
-      </p:grpSpPr>
-      <p:sp>
-        <p:nvSpPr>
-          <p:cNvPr id="2" name="Titel 1">
-            <a:extLst>
-              <a:ext uri="{FF2B5EF4-FFF2-40B4-BE49-F238E27FC236}">
-                <a16:creationId xmlns:a16="http://schemas.microsoft.com/office/drawing/2014/main" id="{B8302A52-7496-49B5-9198-8A54FE8E7E20}"/>
-              </a:ext>
-            </a:extLst>
-          </p:cNvPr>
-          <p:cNvSpPr>
-            <a:spLocks noGrp="1"/>
-          </p:cNvSpPr>
-          <p:nvPr>
-            <p:ph type="title"/>
-          </p:nvPr>
-        </p:nvSpPr>
-        <p:spPr/>
-        <p:txBody>
-          <a:bodyPr/>
-          <a:lstStyle/>
-          <a:p>
-            <a:r>
-              <a:rPr lang="de-DE" dirty="0"/>
-              <a:t>Durchführung</a:t>
-            </a:r>
-          </a:p>
-        </p:txBody>
-      </p:sp>
-      <p:sp>
-        <p:nvSpPr>
-          <p:cNvPr id="5" name="Inhaltsplatzhalter 4">
-            <a:extLst>
-              <a:ext uri="{FF2B5EF4-FFF2-40B4-BE49-F238E27FC236}">
-                <a16:creationId xmlns:a16="http://schemas.microsoft.com/office/drawing/2014/main" id="{5151B877-495F-427D-8A95-CAA7B4A3DAA9}"/>
-              </a:ext>
-            </a:extLst>
-          </p:cNvPr>
-          <p:cNvSpPr>
-            <a:spLocks noGrp="1"/>
-          </p:cNvSpPr>
-          <p:nvPr>
-            <p:ph idx="1"/>
-          </p:nvPr>
-        </p:nvSpPr>
-        <p:spPr/>
-        <p:txBody>
-          <a:bodyPr/>
-          <a:lstStyle/>
-          <a:p>
-            <a:r>
-              <a:rPr lang="de-DE" dirty="0"/>
-              <a:t>Wellenlänge</a:t>
-            </a:r>
-          </a:p>
-          <a:p>
-            <a:pPr lvl="1"/>
-            <a:r>
-              <a:rPr lang="de-DE" dirty="0"/>
-              <a:t>Variation der optischen Weglänge durch Verschiebung des Spiegel</a:t>
-            </a:r>
-          </a:p>
-          <a:p>
-            <a:r>
-              <a:rPr lang="de-DE" dirty="0"/>
-              <a:t>Druckabhängigkeit</a:t>
-            </a:r>
-          </a:p>
-          <a:p>
-            <a:pPr lvl="1"/>
-            <a:r>
-              <a:rPr lang="de-DE" dirty="0"/>
-              <a:t>Veränderung der optischen Weglänge durch Verringern des Drucks</a:t>
-            </a:r>
-          </a:p>
-          <a:p>
-            <a:r>
-              <a:rPr lang="de-DE" dirty="0"/>
-              <a:t>??</a:t>
-            </a:r>
-          </a:p>
-        </p:txBody>
-      </p:sp>
-    </p:spTree>
-    <p:extLst>
-      <p:ext uri="{BB962C8B-B14F-4D97-AF65-F5344CB8AC3E}">
-        <p14:creationId xmlns:p14="http://schemas.microsoft.com/office/powerpoint/2010/main" val="3733527655"/>
-      </p:ext>
-    </p:extLst>
-  </p:cSld>
-  <p:clrMapOvr>
-    <a:masterClrMapping/>
-  </p:clrMapOvr>
-</p:sld>
-</file>
-
-<file path=ppt/slides/slide7.xml><?xml version="1.0" encoding="utf-8"?>
-<p:sld xmlns:a="http://schemas.openxmlformats.org/drawingml/2006/main" xmlns:r="http://schemas.openxmlformats.org/officeDocument/2006/relationships" xmlns:p="http://schemas.openxmlformats.org/presentationml/2006/main">
-  <p:cSld>
-    <p:spTree>
-      <p:nvGrpSpPr>
-        <p:cNvPr id="1" name=""/>
-        <p:cNvGrpSpPr/>
-        <p:nvPr/>
-      </p:nvGrpSpPr>
-      <p:grpSpPr>
-        <a:xfrm>
-          <a:off x="0" y="0"/>
-          <a:ext cx="0" cy="0"/>
-          <a:chOff x="0" y="0"/>
-          <a:chExt cx="0" cy="0"/>
-        </a:xfrm>
-      </p:grpSpPr>
-      <p:sp>
-        <p:nvSpPr>
-          <p:cNvPr id="2" name="Titel 1">
-            <a:extLst>
-              <a:ext uri="{FF2B5EF4-FFF2-40B4-BE49-F238E27FC236}">
-                <a16:creationId xmlns:a16="http://schemas.microsoft.com/office/drawing/2014/main" id="{82B91491-7839-47EE-BA59-291DA3587ADB}"/>
-              </a:ext>
-            </a:extLst>
-          </p:cNvPr>
-          <p:cNvSpPr>
-            <a:spLocks noGrp="1"/>
-          </p:cNvSpPr>
-          <p:nvPr>
-            <p:ph type="title"/>
-          </p:nvPr>
-        </p:nvSpPr>
-        <p:spPr/>
-        <p:txBody>
-          <a:bodyPr/>
-          <a:lstStyle/>
-          <a:p>
-            <a:r>
-              <a:rPr lang="de-DE" dirty="0"/>
-              <a:t>Kalibration</a:t>
-            </a:r>
-          </a:p>
-        </p:txBody>
-      </p:sp>
-      <p:sp>
-        <p:nvSpPr>
-          <p:cNvPr id="3" name="Inhaltsplatzhalter 2">
-            <a:extLst>
-              <a:ext uri="{FF2B5EF4-FFF2-40B4-BE49-F238E27FC236}">
-                <a16:creationId xmlns:a16="http://schemas.microsoft.com/office/drawing/2014/main" id="{9360FEA0-AE2B-4F70-AF46-9172C68C56A3}"/>
-              </a:ext>
-            </a:extLst>
-          </p:cNvPr>
-          <p:cNvSpPr>
-            <a:spLocks noGrp="1"/>
-          </p:cNvSpPr>
-          <p:nvPr>
-            <p:ph idx="1"/>
-          </p:nvPr>
-        </p:nvSpPr>
-        <p:spPr/>
-        <p:txBody>
-          <a:bodyPr/>
-          <a:lstStyle/>
-          <a:p>
-            <a:endParaRPr lang="de-DE"/>
-          </a:p>
-        </p:txBody>
-      </p:sp>
-    </p:spTree>
-    <p:extLst>
-      <p:ext uri="{BB962C8B-B14F-4D97-AF65-F5344CB8AC3E}">
-        <p14:creationId xmlns:p14="http://schemas.microsoft.com/office/powerpoint/2010/main" val="957132963"/>
-      </p:ext>
-    </p:extLst>
-  </p:cSld>
-  <p:clrMapOvr>
-    <a:masterClrMapping/>
-  </p:clrMapOvr>
-</p:sld>
-</file>
-
-<file path=ppt/slides/slide8.xml><?xml version="1.0" encoding="utf-8"?>
-<p:sld xmlns:a="http://schemas.openxmlformats.org/drawingml/2006/main" xmlns:r="http://schemas.openxmlformats.org/officeDocument/2006/relationships" xmlns:p="http://schemas.openxmlformats.org/presentationml/2006/main">
-  <p:cSld>
-    <p:spTree>
-      <p:nvGrpSpPr>
-        <p:cNvPr id="1" name=""/>
-        <p:cNvGrpSpPr/>
-        <p:nvPr/>
-      </p:nvGrpSpPr>
-      <p:grpSpPr>
-        <a:xfrm>
-          <a:off x="0" y="0"/>
-          <a:ext cx="0" cy="0"/>
-          <a:chOff x="0" y="0"/>
-          <a:chExt cx="0" cy="0"/>
-        </a:xfrm>
-      </p:grpSpPr>
-      <p:sp>
-        <p:nvSpPr>
-          <p:cNvPr id="2" name="Titel 1">
-            <a:extLst>
-              <a:ext uri="{FF2B5EF4-FFF2-40B4-BE49-F238E27FC236}">
-                <a16:creationId xmlns:a16="http://schemas.microsoft.com/office/drawing/2014/main" id="{1DBBC000-D048-464C-9625-9FDE30AE4F5B}"/>
-              </a:ext>
-            </a:extLst>
-          </p:cNvPr>
-          <p:cNvSpPr>
-            <a:spLocks noGrp="1"/>
-          </p:cNvSpPr>
-          <p:nvPr>
-            <p:ph type="title"/>
-          </p:nvPr>
-        </p:nvSpPr>
-        <p:spPr/>
-        <p:txBody>
-          <a:bodyPr/>
-          <a:lstStyle/>
-          <a:p>
-            <a:r>
-              <a:rPr lang="de-DE" dirty="0"/>
-              <a:t>Wellenlänge</a:t>
-            </a:r>
-          </a:p>
-        </p:txBody>
-      </p:sp>
-      <p:sp>
-        <p:nvSpPr>
-          <p:cNvPr id="3" name="Inhaltsplatzhalter 2">
-            <a:extLst>
-              <a:ext uri="{FF2B5EF4-FFF2-40B4-BE49-F238E27FC236}">
-                <a16:creationId xmlns:a16="http://schemas.microsoft.com/office/drawing/2014/main" id="{ED359C53-30DE-4204-A259-D5F9034BE2A7}"/>
-              </a:ext>
-            </a:extLst>
-          </p:cNvPr>
-          <p:cNvSpPr>
-            <a:spLocks noGrp="1"/>
-          </p:cNvSpPr>
-          <p:nvPr>
-            <p:ph idx="1"/>
-          </p:nvPr>
-        </p:nvSpPr>
-        <p:spPr/>
-        <p:txBody>
-          <a:bodyPr/>
-          <a:lstStyle/>
-          <a:p>
-            <a:endParaRPr lang="de-DE"/>
-          </a:p>
-        </p:txBody>
-      </p:sp>
-    </p:spTree>
-    <p:extLst>
-      <p:ext uri="{BB962C8B-B14F-4D97-AF65-F5344CB8AC3E}">
-        <p14:creationId xmlns:p14="http://schemas.microsoft.com/office/powerpoint/2010/main" val="3518068574"/>
-      </p:ext>
-    </p:extLst>
-  </p:cSld>
-  <p:clrMapOvr>
-    <a:masterClrMapping/>
-  </p:clrMapOvr>
-</p:sld>
-</file>
-
-<file path=ppt/slides/slide9.xml><?xml version="1.0" encoding="utf-8"?>
-<p:sld xmlns:a="http://schemas.openxmlformats.org/drawingml/2006/main" xmlns:r="http://schemas.openxmlformats.org/officeDocument/2006/relationships" xmlns:p="http://schemas.openxmlformats.org/presentationml/2006/main">
-  <p:cSld>
-    <p:spTree>
-      <p:nvGrpSpPr>
-        <p:cNvPr id="1" name=""/>
-        <p:cNvGrpSpPr/>
-        <p:nvPr/>
-      </p:nvGrpSpPr>
-      <p:grpSpPr>
-        <a:xfrm>
-          <a:off x="0" y="0"/>
-          <a:ext cx="0" cy="0"/>
-          <a:chOff x="0" y="0"/>
-          <a:chExt cx="0" cy="0"/>
-        </a:xfrm>
-      </p:grpSpPr>
-      <p:sp>
-        <p:nvSpPr>
-          <p:cNvPr id="2" name="Titel 1">
-            <a:extLst>
-              <a:ext uri="{FF2B5EF4-FFF2-40B4-BE49-F238E27FC236}">
-                <a16:creationId xmlns:a16="http://schemas.microsoft.com/office/drawing/2014/main" id="{ABBF87BF-7588-4FB8-B28E-6B7F15DA69A9}"/>
-              </a:ext>
-            </a:extLst>
-          </p:cNvPr>
-          <p:cNvSpPr>
-            <a:spLocks noGrp="1"/>
-          </p:cNvSpPr>
-          <p:nvPr>
-            <p:ph type="title"/>
-          </p:nvPr>
-        </p:nvSpPr>
-        <p:spPr/>
-        <p:txBody>
-          <a:bodyPr/>
-          <a:lstStyle/>
-          <a:p>
-            <a:r>
-              <a:rPr lang="de-DE" dirty="0"/>
-              <a:t>Druckabhängigkeit</a:t>
-            </a:r>
-          </a:p>
-        </p:txBody>
-      </p:sp>
-      <p:sp>
-        <p:nvSpPr>
-          <p:cNvPr id="3" name="Inhaltsplatzhalter 2">
-            <a:extLst>
-              <a:ext uri="{FF2B5EF4-FFF2-40B4-BE49-F238E27FC236}">
-                <a16:creationId xmlns:a16="http://schemas.microsoft.com/office/drawing/2014/main" id="{941DB0CC-1FB6-4CDF-945A-8DFEC43257A6}"/>
-              </a:ext>
-            </a:extLst>
-          </p:cNvPr>
-          <p:cNvSpPr>
-            <a:spLocks noGrp="1"/>
-          </p:cNvSpPr>
-          <p:nvPr>
-            <p:ph idx="1"/>
-          </p:nvPr>
-        </p:nvSpPr>
-        <p:spPr/>
-        <p:txBody>
-          <a:bodyPr/>
-          <a:lstStyle/>
-          <a:p>
-            <a:endParaRPr lang="de-DE"/>
-          </a:p>
-        </p:txBody>
-      </p:sp>
-    </p:spTree>
-    <p:extLst>
-      <p:ext uri="{BB962C8B-B14F-4D97-AF65-F5344CB8AC3E}">
-        <p14:creationId xmlns:p14="http://schemas.microsoft.com/office/powerpoint/2010/main" val="3870067177"/>
       </p:ext>
     </p:extLst>
   </p:cSld>

--- a/grundpraktikum2/Optik 2/Optik II.pptx
+++ b/grundpraktikum2/Optik 2/Optik II.pptx
@@ -13,7 +13,8 @@
     <p:sldId id="260" r:id="rId7"/>
     <p:sldId id="261" r:id="rId8"/>
     <p:sldId id="262" r:id="rId9"/>
-    <p:sldId id="263" r:id="rId10"/>
+    <p:sldId id="266" r:id="rId10"/>
+    <p:sldId id="263" r:id="rId11"/>
   </p:sldIdLst>
   <p:sldSz cx="12192000" cy="6858000"/>
   <p:notesSz cx="6858000" cy="9144000"/>
@@ -125,6 +126,7 @@
             <p14:sldId id="260"/>
             <p14:sldId id="261"/>
             <p14:sldId id="262"/>
+            <p14:sldId id="266"/>
             <p14:sldId id="263"/>
           </p14:sldIdLst>
         </p14:section>
@@ -3458,1501 +3460,7 @@
 </p:sld>
 </file>
 
-<file path=ppt/slides/slide2.xml><?xml version="1.0" encoding="utf-8"?>
-<p:sld xmlns:a="http://schemas.openxmlformats.org/drawingml/2006/main" xmlns:r="http://schemas.openxmlformats.org/officeDocument/2006/relationships" xmlns:p="http://schemas.openxmlformats.org/presentationml/2006/main">
-  <p:cSld>
-    <p:spTree>
-      <p:nvGrpSpPr>
-        <p:cNvPr id="1" name=""/>
-        <p:cNvGrpSpPr/>
-        <p:nvPr/>
-      </p:nvGrpSpPr>
-      <p:grpSpPr>
-        <a:xfrm>
-          <a:off x="0" y="0"/>
-          <a:ext cx="0" cy="0"/>
-          <a:chOff x="0" y="0"/>
-          <a:chExt cx="0" cy="0"/>
-        </a:xfrm>
-      </p:grpSpPr>
-      <p:sp>
-        <p:nvSpPr>
-          <p:cNvPr id="2" name="Titel 1">
-            <a:extLst>
-              <a:ext uri="{FF2B5EF4-FFF2-40B4-BE49-F238E27FC236}">
-                <a16:creationId xmlns:a16="http://schemas.microsoft.com/office/drawing/2014/main" id="{BDEBBD1B-5604-4C3F-B34C-22D02BB3B57A}"/>
-              </a:ext>
-            </a:extLst>
-          </p:cNvPr>
-          <p:cNvSpPr>
-            <a:spLocks noGrp="1"/>
-          </p:cNvSpPr>
-          <p:nvPr>
-            <p:ph type="title"/>
-          </p:nvPr>
-        </p:nvSpPr>
-        <p:spPr/>
-        <p:txBody>
-          <a:bodyPr/>
-          <a:lstStyle/>
-          <a:p>
-            <a:r>
-              <a:rPr lang="de-DE" dirty="0"/>
-              <a:t>Inhalt</a:t>
-            </a:r>
-          </a:p>
-        </p:txBody>
-      </p:sp>
-      <p:sp>
-        <p:nvSpPr>
-          <p:cNvPr id="3" name="Inhaltsplatzhalter 2">
-            <a:extLst>
-              <a:ext uri="{FF2B5EF4-FFF2-40B4-BE49-F238E27FC236}">
-                <a16:creationId xmlns:a16="http://schemas.microsoft.com/office/drawing/2014/main" id="{A86B45DA-DF66-4B65-AE36-ACC26DE96D41}"/>
-              </a:ext>
-            </a:extLst>
-          </p:cNvPr>
-          <p:cNvSpPr>
-            <a:spLocks noGrp="1"/>
-          </p:cNvSpPr>
-          <p:nvPr>
-            <p:ph idx="1"/>
-          </p:nvPr>
-        </p:nvSpPr>
-        <p:spPr/>
-        <p:txBody>
-          <a:bodyPr/>
-          <a:lstStyle/>
-          <a:p>
-            <a:endParaRPr lang="de-DE"/>
-          </a:p>
-        </p:txBody>
-      </p:sp>
-    </p:spTree>
-    <p:extLst>
-      <p:ext uri="{BB962C8B-B14F-4D97-AF65-F5344CB8AC3E}">
-        <p14:creationId xmlns:p14="http://schemas.microsoft.com/office/powerpoint/2010/main" val="1002867433"/>
-      </p:ext>
-    </p:extLst>
-  </p:cSld>
-  <p:clrMapOvr>
-    <a:masterClrMapping/>
-  </p:clrMapOvr>
-</p:sld>
-</file>
-
-<file path=ppt/slides/slide3.xml><?xml version="1.0" encoding="utf-8"?>
-<p:sld xmlns:a="http://schemas.openxmlformats.org/drawingml/2006/main" xmlns:r="http://schemas.openxmlformats.org/officeDocument/2006/relationships" xmlns:p="http://schemas.openxmlformats.org/presentationml/2006/main">
-  <p:cSld>
-    <p:spTree>
-      <p:nvGrpSpPr>
-        <p:cNvPr id="1" name=""/>
-        <p:cNvGrpSpPr/>
-        <p:nvPr/>
-      </p:nvGrpSpPr>
-      <p:grpSpPr>
-        <a:xfrm>
-          <a:off x="0" y="0"/>
-          <a:ext cx="0" cy="0"/>
-          <a:chOff x="0" y="0"/>
-          <a:chExt cx="0" cy="0"/>
-        </a:xfrm>
-      </p:grpSpPr>
-      <p:sp>
-        <p:nvSpPr>
-          <p:cNvPr id="2" name="Titel 1">
-            <a:extLst>
-              <a:ext uri="{FF2B5EF4-FFF2-40B4-BE49-F238E27FC236}">
-                <a16:creationId xmlns:a16="http://schemas.microsoft.com/office/drawing/2014/main" id="{530447DF-7F46-4D7E-89D2-6E3790C152C9}"/>
-              </a:ext>
-            </a:extLst>
-          </p:cNvPr>
-          <p:cNvSpPr>
-            <a:spLocks noGrp="1"/>
-          </p:cNvSpPr>
-          <p:nvPr>
-            <p:ph type="title"/>
-          </p:nvPr>
-        </p:nvSpPr>
-        <p:spPr/>
-        <p:txBody>
-          <a:bodyPr/>
-          <a:lstStyle/>
-          <a:p>
-            <a:r>
-              <a:rPr lang="de-DE" dirty="0"/>
-              <a:t>Versuchsziele</a:t>
-            </a:r>
-          </a:p>
-        </p:txBody>
-      </p:sp>
-      <p:sp>
-        <p:nvSpPr>
-          <p:cNvPr id="3" name="Inhaltsplatzhalter 2">
-            <a:extLst>
-              <a:ext uri="{FF2B5EF4-FFF2-40B4-BE49-F238E27FC236}">
-                <a16:creationId xmlns:a16="http://schemas.microsoft.com/office/drawing/2014/main" id="{B2D5C7AF-FB30-41DD-8A73-75C4E070D1A1}"/>
-              </a:ext>
-            </a:extLst>
-          </p:cNvPr>
-          <p:cNvSpPr>
-            <a:spLocks noGrp="1"/>
-          </p:cNvSpPr>
-          <p:nvPr>
-            <p:ph idx="1"/>
-          </p:nvPr>
-        </p:nvSpPr>
-        <p:spPr/>
-        <p:txBody>
-          <a:bodyPr/>
-          <a:lstStyle/>
-          <a:p>
-            <a:endParaRPr lang="de-DE"/>
-          </a:p>
-        </p:txBody>
-      </p:sp>
-    </p:spTree>
-    <p:extLst>
-      <p:ext uri="{BB962C8B-B14F-4D97-AF65-F5344CB8AC3E}">
-        <p14:creationId xmlns:p14="http://schemas.microsoft.com/office/powerpoint/2010/main" val="339534271"/>
-      </p:ext>
-    </p:extLst>
-  </p:cSld>
-  <p:clrMapOvr>
-    <a:masterClrMapping/>
-  </p:clrMapOvr>
-</p:sld>
-</file>
-
-<file path=ppt/slides/slide4.xml><?xml version="1.0" encoding="utf-8"?>
-<p:sld xmlns:a="http://schemas.openxmlformats.org/drawingml/2006/main" xmlns:r="http://schemas.openxmlformats.org/officeDocument/2006/relationships" xmlns:p="http://schemas.openxmlformats.org/presentationml/2006/main">
-  <p:cSld>
-    <p:spTree>
-      <p:nvGrpSpPr>
-        <p:cNvPr id="1" name=""/>
-        <p:cNvGrpSpPr/>
-        <p:nvPr/>
-      </p:nvGrpSpPr>
-      <p:grpSpPr>
-        <a:xfrm>
-          <a:off x="0" y="0"/>
-          <a:ext cx="0" cy="0"/>
-          <a:chOff x="0" y="0"/>
-          <a:chExt cx="0" cy="0"/>
-        </a:xfrm>
-      </p:grpSpPr>
-      <p:sp>
-        <p:nvSpPr>
-          <p:cNvPr id="2" name="Titel 1">
-            <a:extLst>
-              <a:ext uri="{FF2B5EF4-FFF2-40B4-BE49-F238E27FC236}">
-                <a16:creationId xmlns:a16="http://schemas.microsoft.com/office/drawing/2014/main" id="{B0961A0C-1807-420A-BE95-3F2D0A77A4C9}"/>
-              </a:ext>
-            </a:extLst>
-          </p:cNvPr>
-          <p:cNvSpPr>
-            <a:spLocks noGrp="1"/>
-          </p:cNvSpPr>
-          <p:nvPr>
-            <p:ph type="title"/>
-          </p:nvPr>
-        </p:nvSpPr>
-        <p:spPr/>
-        <p:txBody>
-          <a:bodyPr/>
-          <a:lstStyle/>
-          <a:p>
-            <a:r>
-              <a:rPr lang="de-DE" dirty="0"/>
-              <a:t>Physikalische Grundlagen</a:t>
-            </a:r>
-          </a:p>
-        </p:txBody>
-      </p:sp>
-      <mc:AlternateContent xmlns:mc="http://schemas.openxmlformats.org/markup-compatibility/2006" xmlns:a14="http://schemas.microsoft.com/office/drawing/2010/main">
-        <mc:Choice Requires="a14">
-          <p:sp>
-            <p:nvSpPr>
-              <p:cNvPr id="3" name="Inhaltsplatzhalter 2">
-                <a:extLst>
-                  <a:ext uri="{FF2B5EF4-FFF2-40B4-BE49-F238E27FC236}">
-                    <a16:creationId xmlns:a16="http://schemas.microsoft.com/office/drawing/2014/main" id="{388E1FC6-8805-48F7-82FA-CD1F9F36C2EF}"/>
-                  </a:ext>
-                </a:extLst>
-              </p:cNvPr>
-              <p:cNvSpPr>
-                <a:spLocks noGrp="1"/>
-              </p:cNvSpPr>
-              <p:nvPr>
-                <p:ph idx="1"/>
-              </p:nvPr>
-            </p:nvSpPr>
-            <p:spPr/>
-            <p:txBody>
-              <a:bodyPr/>
-              <a:lstStyle/>
-              <a:p>
-                <a:endParaRPr lang="de-DE" b="0" i="1" dirty="0">
-                  <a:latin typeface="Cambria Math" panose="02040503050406030204" pitchFamily="18" charset="0"/>
-                </a:endParaRPr>
-              </a:p>
-              <a:p>
-                <a14:m>
-                  <m:oMath xmlns:m="http://schemas.openxmlformats.org/officeDocument/2006/math">
-                    <m:r>
-                      <a:rPr lang="de-DE" b="0" i="1" smtClean="0">
-                        <a:latin typeface="Cambria Math" panose="02040503050406030204" pitchFamily="18" charset="0"/>
-                      </a:rPr>
-                      <m:t>2</m:t>
-                    </m:r>
-                    <m:r>
-                      <a:rPr lang="de-DE" b="0" i="1" smtClean="0">
-                        <a:latin typeface="Cambria Math" panose="02040503050406030204" pitchFamily="18" charset="0"/>
-                      </a:rPr>
-                      <m:t>𝑑</m:t>
-                    </m:r>
-                    <m:func>
-                      <m:funcPr>
-                        <m:ctrlPr>
-                          <a:rPr lang="de-DE" b="0" i="1" smtClean="0">
-                            <a:latin typeface="Cambria Math" panose="02040503050406030204" pitchFamily="18" charset="0"/>
-                          </a:rPr>
-                        </m:ctrlPr>
-                      </m:funcPr>
-                      <m:fName>
-                        <m:r>
-                          <m:rPr>
-                            <m:sty m:val="p"/>
-                          </m:rPr>
-                          <a:rPr lang="de-DE" b="0" i="0" smtClean="0">
-                            <a:latin typeface="Cambria Math" panose="02040503050406030204" pitchFamily="18" charset="0"/>
-                          </a:rPr>
-                          <m:t>cos</m:t>
-                        </m:r>
-                      </m:fName>
-                      <m:e>
-                        <m:r>
-                          <a:rPr lang="de-DE" b="0" i="1" smtClean="0">
-                            <a:latin typeface="Cambria Math" panose="02040503050406030204" pitchFamily="18" charset="0"/>
-                          </a:rPr>
-                          <m:t>𝜃</m:t>
-                        </m:r>
-                      </m:e>
-                    </m:func>
-                    <m:r>
-                      <a:rPr lang="de-DE" b="0" i="1" smtClean="0">
-                        <a:latin typeface="Cambria Math" panose="02040503050406030204" pitchFamily="18" charset="0"/>
-                      </a:rPr>
-                      <m:t>=</m:t>
-                    </m:r>
-                    <m:r>
-                      <a:rPr lang="de-DE" b="0" i="1" smtClean="0">
-                        <a:latin typeface="Cambria Math" panose="02040503050406030204" pitchFamily="18" charset="0"/>
-                      </a:rPr>
-                      <m:t>𝑚</m:t>
-                    </m:r>
-                    <m:r>
-                      <a:rPr lang="de-DE" b="0" i="1" smtClean="0">
-                        <a:latin typeface="Cambria Math" panose="02040503050406030204" pitchFamily="18" charset="0"/>
-                      </a:rPr>
-                      <m:t>𝜆</m:t>
-                    </m:r>
-                    <m:r>
-                      <a:rPr lang="de-DE" b="0" i="0" smtClean="0">
-                        <a:latin typeface="Cambria Math" panose="02040503050406030204" pitchFamily="18" charset="0"/>
-                      </a:rPr>
-                      <m:t> ,  </m:t>
-                    </m:r>
-                    <m:r>
-                      <m:rPr>
-                        <m:sty m:val="p"/>
-                      </m:rPr>
-                      <a:rPr lang="de-DE" b="0" i="0" smtClean="0">
-                        <a:latin typeface="Cambria Math" panose="02040503050406030204" pitchFamily="18" charset="0"/>
-                      </a:rPr>
-                      <m:t>m</m:t>
-                    </m:r>
-                    <m:r>
-                      <a:rPr lang="de-DE" b="0" i="0" smtClean="0">
-                        <a:latin typeface="Cambria Math" panose="02040503050406030204" pitchFamily="18" charset="0"/>
-                      </a:rPr>
-                      <m:t>=0, 1, 2, …</m:t>
-                    </m:r>
-                  </m:oMath>
-                </a14:m>
-                <a:endParaRPr lang="de-DE" dirty="0"/>
-              </a:p>
-              <a:p>
-                <a:endParaRPr lang="de-DE" dirty="0"/>
-              </a:p>
-              <a:p>
-                <a14:m>
-                  <m:oMath xmlns:m="http://schemas.openxmlformats.org/officeDocument/2006/math">
-                    <m:r>
-                      <a:rPr lang="de-DE" b="0" i="1" smtClean="0">
-                        <a:latin typeface="Cambria Math" panose="02040503050406030204" pitchFamily="18" charset="0"/>
-                      </a:rPr>
-                      <m:t>𝑛</m:t>
-                    </m:r>
-                    <m:d>
-                      <m:dPr>
-                        <m:ctrlPr>
-                          <a:rPr lang="de-DE" b="0" i="1" smtClean="0">
-                            <a:latin typeface="Cambria Math" panose="02040503050406030204" pitchFamily="18" charset="0"/>
-                          </a:rPr>
-                        </m:ctrlPr>
-                      </m:dPr>
-                      <m:e>
-                        <m:r>
-                          <a:rPr lang="de-DE" b="0" i="1" smtClean="0">
-                            <a:latin typeface="Cambria Math" panose="02040503050406030204" pitchFamily="18" charset="0"/>
-                          </a:rPr>
-                          <m:t>𝑃</m:t>
-                        </m:r>
-                      </m:e>
-                    </m:d>
-                    <m:r>
-                      <a:rPr lang="de-DE" b="0" i="1" smtClean="0">
-                        <a:latin typeface="Cambria Math" panose="02040503050406030204" pitchFamily="18" charset="0"/>
-                      </a:rPr>
-                      <m:t>=1+ </m:t>
-                    </m:r>
-                    <m:f>
-                      <m:fPr>
-                        <m:ctrlPr>
-                          <a:rPr lang="de-DE" b="0" i="1" smtClean="0">
-                            <a:latin typeface="Cambria Math" panose="02040503050406030204" pitchFamily="18" charset="0"/>
-                          </a:rPr>
-                        </m:ctrlPr>
-                      </m:fPr>
-                      <m:num>
-                        <m:r>
-                          <m:rPr>
-                            <m:sty m:val="p"/>
-                          </m:rPr>
-                          <a:rPr lang="de-DE" b="0" i="0" smtClean="0">
-                            <a:latin typeface="Cambria Math" panose="02040503050406030204" pitchFamily="18" charset="0"/>
-                          </a:rPr>
-                          <m:t>Δ</m:t>
-                        </m:r>
-                        <m:r>
-                          <a:rPr lang="de-DE" b="0" i="1" smtClean="0">
-                            <a:latin typeface="Cambria Math" panose="02040503050406030204" pitchFamily="18" charset="0"/>
-                          </a:rPr>
-                          <m:t>𝑛</m:t>
-                        </m:r>
-                      </m:num>
-                      <m:den>
-                        <m:r>
-                          <m:rPr>
-                            <m:sty m:val="p"/>
-                          </m:rPr>
-                          <a:rPr lang="de-DE" b="0" i="0" smtClean="0">
-                            <a:latin typeface="Cambria Math" panose="02040503050406030204" pitchFamily="18" charset="0"/>
-                          </a:rPr>
-                          <m:t>Δ</m:t>
-                        </m:r>
-                        <m:r>
-                          <a:rPr lang="de-DE" b="0" i="1" smtClean="0">
-                            <a:latin typeface="Cambria Math" panose="02040503050406030204" pitchFamily="18" charset="0"/>
-                          </a:rPr>
-                          <m:t>𝑝</m:t>
-                        </m:r>
-                      </m:den>
-                    </m:f>
-                    <m:r>
-                      <a:rPr lang="de-DE" b="0" i="1" smtClean="0">
-                        <a:latin typeface="Cambria Math" panose="02040503050406030204" pitchFamily="18" charset="0"/>
-                      </a:rPr>
-                      <m:t>𝑃</m:t>
-                    </m:r>
-                  </m:oMath>
-                </a14:m>
-                <a:r>
-                  <a:rPr lang="de-DE" dirty="0"/>
-                  <a:t>			</a:t>
-                </a:r>
-                <a14:m>
-                  <m:oMath xmlns:m="http://schemas.openxmlformats.org/officeDocument/2006/math">
-                    <m:f>
-                      <m:fPr>
-                        <m:ctrlPr>
-                          <a:rPr lang="de-DE" i="1" smtClean="0">
-                            <a:latin typeface="Cambria Math" panose="02040503050406030204" pitchFamily="18" charset="0"/>
-                          </a:rPr>
-                        </m:ctrlPr>
-                      </m:fPr>
-                      <m:num>
-                        <m:r>
-                          <m:rPr>
-                            <m:sty m:val="p"/>
-                          </m:rPr>
-                          <a:rPr lang="de-DE" b="0" i="0" smtClean="0">
-                            <a:latin typeface="Cambria Math" panose="02040503050406030204" pitchFamily="18" charset="0"/>
-                          </a:rPr>
-                          <m:t>Δ</m:t>
-                        </m:r>
-                        <m:r>
-                          <a:rPr lang="de-DE" b="0" i="1" smtClean="0">
-                            <a:latin typeface="Cambria Math" panose="02040503050406030204" pitchFamily="18" charset="0"/>
-                          </a:rPr>
-                          <m:t>𝑛</m:t>
-                        </m:r>
-                      </m:num>
-                      <m:den>
-                        <m:r>
-                          <m:rPr>
-                            <m:sty m:val="p"/>
-                          </m:rPr>
-                          <a:rPr lang="de-DE" b="0" i="0" smtClean="0">
-                            <a:latin typeface="Cambria Math" panose="02040503050406030204" pitchFamily="18" charset="0"/>
-                          </a:rPr>
-                          <m:t>Δ</m:t>
-                        </m:r>
-                        <m:r>
-                          <a:rPr lang="de-DE" b="0" i="1" smtClean="0">
-                            <a:latin typeface="Cambria Math" panose="02040503050406030204" pitchFamily="18" charset="0"/>
-                          </a:rPr>
-                          <m:t>𝑝</m:t>
-                        </m:r>
-                      </m:den>
-                    </m:f>
-                    <m:r>
-                      <a:rPr lang="de-DE" b="0" i="1" smtClean="0">
-                        <a:latin typeface="Cambria Math" panose="02040503050406030204" pitchFamily="18" charset="0"/>
-                      </a:rPr>
-                      <m:t>=</m:t>
-                    </m:r>
-                    <m:f>
-                      <m:fPr>
-                        <m:ctrlPr>
-                          <a:rPr lang="de-DE" b="0" i="1" smtClean="0">
-                            <a:latin typeface="Cambria Math" panose="02040503050406030204" pitchFamily="18" charset="0"/>
-                          </a:rPr>
-                        </m:ctrlPr>
-                      </m:fPr>
-                      <m:num>
-                        <m:r>
-                          <m:rPr>
-                            <m:sty m:val="p"/>
-                          </m:rPr>
-                          <a:rPr lang="de-DE" b="0" i="0" smtClean="0">
-                            <a:latin typeface="Cambria Math" panose="02040503050406030204" pitchFamily="18" charset="0"/>
-                          </a:rPr>
-                          <m:t>Δ</m:t>
-                        </m:r>
-                        <m:r>
-                          <a:rPr lang="de-DE" b="0" i="1" smtClean="0">
-                            <a:latin typeface="Cambria Math" panose="02040503050406030204" pitchFamily="18" charset="0"/>
-                          </a:rPr>
-                          <m:t>𝑚</m:t>
-                        </m:r>
-                      </m:num>
-                      <m:den>
-                        <m:r>
-                          <m:rPr>
-                            <m:sty m:val="p"/>
-                          </m:rPr>
-                          <a:rPr lang="de-DE" b="0" i="0" smtClean="0">
-                            <a:latin typeface="Cambria Math" panose="02040503050406030204" pitchFamily="18" charset="0"/>
-                          </a:rPr>
-                          <m:t>Δ</m:t>
-                        </m:r>
-                        <m:r>
-                          <a:rPr lang="de-DE" b="0" i="1" smtClean="0">
-                            <a:latin typeface="Cambria Math" panose="02040503050406030204" pitchFamily="18" charset="0"/>
-                          </a:rPr>
-                          <m:t>𝑝</m:t>
-                        </m:r>
-                      </m:den>
-                    </m:f>
-                    <m:r>
-                      <a:rPr lang="de-DE" b="0" i="1" smtClean="0">
-                        <a:latin typeface="Cambria Math" panose="02040503050406030204" pitchFamily="18" charset="0"/>
-                      </a:rPr>
-                      <m:t> </m:t>
-                    </m:r>
-                    <m:f>
-                      <m:fPr>
-                        <m:ctrlPr>
-                          <a:rPr lang="de-DE" b="0" i="1" smtClean="0">
-                            <a:latin typeface="Cambria Math" panose="02040503050406030204" pitchFamily="18" charset="0"/>
-                          </a:rPr>
-                        </m:ctrlPr>
-                      </m:fPr>
-                      <m:num>
-                        <m:r>
-                          <a:rPr lang="de-DE" b="0" i="1" smtClean="0">
-                            <a:latin typeface="Cambria Math" panose="02040503050406030204" pitchFamily="18" charset="0"/>
-                          </a:rPr>
-                          <m:t>𝜆</m:t>
-                        </m:r>
-                      </m:num>
-                      <m:den>
-                        <m:r>
-                          <a:rPr lang="de-DE" b="0" i="1" smtClean="0">
-                            <a:latin typeface="Cambria Math" panose="02040503050406030204" pitchFamily="18" charset="0"/>
-                          </a:rPr>
-                          <m:t>2</m:t>
-                        </m:r>
-                        <m:r>
-                          <a:rPr lang="de-DE" b="0" i="1" smtClean="0">
-                            <a:latin typeface="Cambria Math" panose="02040503050406030204" pitchFamily="18" charset="0"/>
-                          </a:rPr>
-                          <m:t>𝐿</m:t>
-                        </m:r>
-                      </m:den>
-                    </m:f>
-                  </m:oMath>
-                </a14:m>
-                <a:endParaRPr lang="de-DE" dirty="0"/>
-              </a:p>
-              <a:p>
-                <a:endParaRPr lang="de-DE" dirty="0"/>
-              </a:p>
-              <a:p>
-                <a14:m>
-                  <m:oMath xmlns:m="http://schemas.openxmlformats.org/officeDocument/2006/math">
-                    <m:sSub>
-                      <m:sSubPr>
-                        <m:ctrlPr>
-                          <a:rPr lang="de-DE" b="0" i="1" smtClean="0">
-                            <a:latin typeface="Cambria Math" panose="02040503050406030204" pitchFamily="18" charset="0"/>
-                          </a:rPr>
-                        </m:ctrlPr>
-                      </m:sSubPr>
-                      <m:e>
-                        <m:r>
-                          <a:rPr lang="de-DE" b="0" i="1" smtClean="0">
-                            <a:latin typeface="Cambria Math" panose="02040503050406030204" pitchFamily="18" charset="0"/>
-                          </a:rPr>
-                          <m:t>𝑛</m:t>
-                        </m:r>
-                      </m:e>
-                      <m:sub>
-                        <m:r>
-                          <a:rPr lang="de-DE" b="0" i="1" smtClean="0">
-                            <a:latin typeface="Cambria Math" panose="02040503050406030204" pitchFamily="18" charset="0"/>
-                          </a:rPr>
-                          <m:t>𝐶</m:t>
-                        </m:r>
-                        <m:sSub>
-                          <m:sSubPr>
-                            <m:ctrlPr>
-                              <a:rPr lang="de-DE" b="0" i="1" smtClean="0">
-                                <a:latin typeface="Cambria Math" panose="02040503050406030204" pitchFamily="18" charset="0"/>
-                              </a:rPr>
-                            </m:ctrlPr>
-                          </m:sSubPr>
-                          <m:e>
-                            <m:r>
-                              <a:rPr lang="de-DE" b="0" i="1" smtClean="0">
-                                <a:latin typeface="Cambria Math" panose="02040503050406030204" pitchFamily="18" charset="0"/>
-                              </a:rPr>
-                              <m:t>𝑂</m:t>
-                            </m:r>
-                          </m:e>
-                          <m:sub>
-                            <m:r>
-                              <a:rPr lang="de-DE" b="0" i="1" smtClean="0">
-                                <a:latin typeface="Cambria Math" panose="02040503050406030204" pitchFamily="18" charset="0"/>
-                              </a:rPr>
-                              <m:t>2</m:t>
-                            </m:r>
-                          </m:sub>
-                        </m:sSub>
-                      </m:sub>
-                    </m:sSub>
-                    <m:r>
-                      <a:rPr lang="de-DE" b="0" i="1" smtClean="0">
-                        <a:latin typeface="Cambria Math" panose="02040503050406030204" pitchFamily="18" charset="0"/>
-                      </a:rPr>
-                      <m:t>=</m:t>
-                    </m:r>
-                    <m:sSub>
-                      <m:sSubPr>
-                        <m:ctrlPr>
-                          <a:rPr lang="de-DE" b="0" i="1" smtClean="0">
-                            <a:latin typeface="Cambria Math" panose="02040503050406030204" pitchFamily="18" charset="0"/>
-                          </a:rPr>
-                        </m:ctrlPr>
-                      </m:sSubPr>
-                      <m:e>
-                        <m:r>
-                          <a:rPr lang="de-DE" b="0" i="1" smtClean="0">
-                            <a:latin typeface="Cambria Math" panose="02040503050406030204" pitchFamily="18" charset="0"/>
-                          </a:rPr>
-                          <m:t>𝑛</m:t>
-                        </m:r>
-                      </m:e>
-                      <m:sub>
-                        <m:r>
-                          <a:rPr lang="de-DE" b="0" i="1" smtClean="0">
-                            <a:latin typeface="Cambria Math" panose="02040503050406030204" pitchFamily="18" charset="0"/>
-                          </a:rPr>
-                          <m:t>𝐿𝑢𝑓𝑡</m:t>
-                        </m:r>
-                      </m:sub>
-                    </m:sSub>
-                    <m:r>
-                      <a:rPr lang="de-DE" b="0" i="1" smtClean="0">
-                        <a:latin typeface="Cambria Math" panose="02040503050406030204" pitchFamily="18" charset="0"/>
-                      </a:rPr>
-                      <m:t>+</m:t>
-                    </m:r>
-                    <m:r>
-                      <m:rPr>
-                        <m:sty m:val="p"/>
-                      </m:rPr>
-                      <a:rPr lang="de-DE" b="0" i="0" smtClean="0">
-                        <a:latin typeface="Cambria Math" panose="02040503050406030204" pitchFamily="18" charset="0"/>
-                      </a:rPr>
-                      <m:t>Δ</m:t>
-                    </m:r>
-                    <m:r>
-                      <a:rPr lang="de-DE" b="0" i="1" smtClean="0">
-                        <a:latin typeface="Cambria Math" panose="02040503050406030204" pitchFamily="18" charset="0"/>
-                      </a:rPr>
-                      <m:t>𝑛</m:t>
-                    </m:r>
-                  </m:oMath>
-                </a14:m>
-                <a:r>
-                  <a:rPr lang="de-DE" dirty="0"/>
-                  <a:t>			</a:t>
-                </a:r>
-                <a14:m>
-                  <m:oMath xmlns:m="http://schemas.openxmlformats.org/officeDocument/2006/math">
-                    <m:r>
-                      <m:rPr>
-                        <m:sty m:val="p"/>
-                      </m:rPr>
-                      <a:rPr lang="de-DE" b="0" i="0" smtClean="0">
-                        <a:latin typeface="Cambria Math" panose="02040503050406030204" pitchFamily="18" charset="0"/>
-                      </a:rPr>
-                      <m:t>Δ</m:t>
-                    </m:r>
-                    <m:r>
-                      <a:rPr lang="de-DE" b="0" i="1" smtClean="0">
-                        <a:latin typeface="Cambria Math" panose="02040503050406030204" pitchFamily="18" charset="0"/>
-                      </a:rPr>
-                      <m:t>𝑛</m:t>
-                    </m:r>
-                    <m:r>
-                      <a:rPr lang="de-DE" b="0" i="1" smtClean="0">
-                        <a:latin typeface="Cambria Math" panose="02040503050406030204" pitchFamily="18" charset="0"/>
-                      </a:rPr>
-                      <m:t>=</m:t>
-                    </m:r>
-                    <m:r>
-                      <m:rPr>
-                        <m:sty m:val="p"/>
-                      </m:rPr>
-                      <a:rPr lang="de-DE" b="0" i="0" smtClean="0">
-                        <a:latin typeface="Cambria Math" panose="02040503050406030204" pitchFamily="18" charset="0"/>
-                      </a:rPr>
-                      <m:t>Δ</m:t>
-                    </m:r>
-                    <m:r>
-                      <a:rPr lang="de-DE" b="0" i="1" smtClean="0">
-                        <a:latin typeface="Cambria Math" panose="02040503050406030204" pitchFamily="18" charset="0"/>
-                      </a:rPr>
-                      <m:t>𝑚</m:t>
-                    </m:r>
-                    <m:r>
-                      <a:rPr lang="de-DE" b="0" i="1" smtClean="0">
-                        <a:latin typeface="Cambria Math" panose="02040503050406030204" pitchFamily="18" charset="0"/>
-                      </a:rPr>
-                      <m:t> </m:t>
-                    </m:r>
-                    <m:f>
-                      <m:fPr>
-                        <m:ctrlPr>
-                          <a:rPr lang="de-DE" b="0" i="1" smtClean="0">
-                            <a:latin typeface="Cambria Math" panose="02040503050406030204" pitchFamily="18" charset="0"/>
-                          </a:rPr>
-                        </m:ctrlPr>
-                      </m:fPr>
-                      <m:num>
-                        <m:r>
-                          <a:rPr lang="de-DE" b="0" i="1" smtClean="0">
-                            <a:latin typeface="Cambria Math" panose="02040503050406030204" pitchFamily="18" charset="0"/>
-                          </a:rPr>
-                          <m:t>𝜆</m:t>
-                        </m:r>
-                      </m:num>
-                      <m:den>
-                        <m:r>
-                          <a:rPr lang="de-DE" b="0" i="1" smtClean="0">
-                            <a:latin typeface="Cambria Math" panose="02040503050406030204" pitchFamily="18" charset="0"/>
-                          </a:rPr>
-                          <m:t>2</m:t>
-                        </m:r>
-                        <m:r>
-                          <a:rPr lang="de-DE" b="0" i="1" smtClean="0">
-                            <a:latin typeface="Cambria Math" panose="02040503050406030204" pitchFamily="18" charset="0"/>
-                          </a:rPr>
-                          <m:t>𝐿</m:t>
-                        </m:r>
-                      </m:den>
-                    </m:f>
-                  </m:oMath>
-                </a14:m>
-                <a:endParaRPr lang="de-DE" dirty="0"/>
-              </a:p>
-            </p:txBody>
-          </p:sp>
-        </mc:Choice>
-        <mc:Fallback xmlns="">
-          <p:sp>
-            <p:nvSpPr>
-              <p:cNvPr id="3" name="Inhaltsplatzhalter 2">
-                <a:extLst>
-                  <a:ext uri="{FF2B5EF4-FFF2-40B4-BE49-F238E27FC236}">
-                    <a16:creationId xmlns:a16="http://schemas.microsoft.com/office/drawing/2014/main" id="{388E1FC6-8805-48F7-82FA-CD1F9F36C2EF}"/>
-                  </a:ext>
-                </a:extLst>
-              </p:cNvPr>
-              <p:cNvSpPr>
-                <a:spLocks noGrp="1" noRot="1" noChangeAspect="1" noMove="1" noResize="1" noEditPoints="1" noAdjustHandles="1" noChangeArrowheads="1" noChangeShapeType="1" noTextEdit="1"/>
-              </p:cNvSpPr>
-              <p:nvPr>
-                <p:ph idx="1"/>
-              </p:nvPr>
-            </p:nvSpPr>
-            <p:spPr>
-              <a:blipFill>
-                <a:blip r:embed="rId2"/>
-                <a:stretch>
-                  <a:fillRect/>
-                </a:stretch>
-              </a:blipFill>
-            </p:spPr>
-            <p:txBody>
-              <a:bodyPr/>
-              <a:lstStyle/>
-              <a:p>
-                <a:r>
-                  <a:rPr lang="de-DE">
-                    <a:noFill/>
-                  </a:rPr>
-                  <a:t> </a:t>
-                </a:r>
-              </a:p>
-            </p:txBody>
-          </p:sp>
-        </mc:Fallback>
-      </mc:AlternateContent>
-    </p:spTree>
-    <p:extLst>
-      <p:ext uri="{BB962C8B-B14F-4D97-AF65-F5344CB8AC3E}">
-        <p14:creationId xmlns:p14="http://schemas.microsoft.com/office/powerpoint/2010/main" val="572028677"/>
-      </p:ext>
-    </p:extLst>
-  </p:cSld>
-  <p:clrMapOvr>
-    <a:masterClrMapping/>
-  </p:clrMapOvr>
-</p:sld>
-</file>
-
-<file path=ppt/slides/slide5.xml><?xml version="1.0" encoding="utf-8"?>
-<p:sld xmlns:a="http://schemas.openxmlformats.org/drawingml/2006/main" xmlns:r="http://schemas.openxmlformats.org/officeDocument/2006/relationships" xmlns:p="http://schemas.openxmlformats.org/presentationml/2006/main">
-  <p:cSld>
-    <p:spTree>
-      <p:nvGrpSpPr>
-        <p:cNvPr id="1" name=""/>
-        <p:cNvGrpSpPr/>
-        <p:nvPr/>
-      </p:nvGrpSpPr>
-      <p:grpSpPr>
-        <a:xfrm>
-          <a:off x="0" y="0"/>
-          <a:ext cx="0" cy="0"/>
-          <a:chOff x="0" y="0"/>
-          <a:chExt cx="0" cy="0"/>
-        </a:xfrm>
-      </p:grpSpPr>
-      <p:sp>
-        <p:nvSpPr>
-          <p:cNvPr id="2" name="Titel 1">
-            <a:extLst>
-              <a:ext uri="{FF2B5EF4-FFF2-40B4-BE49-F238E27FC236}">
-                <a16:creationId xmlns:a16="http://schemas.microsoft.com/office/drawing/2014/main" id="{F8AAC1A0-AA0D-4F91-BA12-D360689F2F29}"/>
-              </a:ext>
-            </a:extLst>
-          </p:cNvPr>
-          <p:cNvSpPr>
-            <a:spLocks noGrp="1"/>
-          </p:cNvSpPr>
-          <p:nvPr>
-            <p:ph type="title"/>
-          </p:nvPr>
-        </p:nvSpPr>
-        <p:spPr/>
-        <p:txBody>
-          <a:bodyPr/>
-          <a:lstStyle/>
-          <a:p>
-            <a:r>
-              <a:rPr lang="de-DE" dirty="0"/>
-              <a:t>Aufbau</a:t>
-            </a:r>
-          </a:p>
-        </p:txBody>
-      </p:sp>
-      <p:pic>
-        <p:nvPicPr>
-          <p:cNvPr id="7" name="Inhaltsplatzhalter 6">
-            <a:extLst>
-              <a:ext uri="{FF2B5EF4-FFF2-40B4-BE49-F238E27FC236}">
-                <a16:creationId xmlns:a16="http://schemas.microsoft.com/office/drawing/2014/main" id="{053B5FB9-B407-4DCB-B5A8-3446068287D6}"/>
-              </a:ext>
-            </a:extLst>
-          </p:cNvPr>
-          <p:cNvPicPr>
-            <a:picLocks noGrp="1" noChangeAspect="1"/>
-          </p:cNvPicPr>
-          <p:nvPr>
-            <p:ph sz="half" idx="1"/>
-          </p:nvPr>
-        </p:nvPicPr>
-        <p:blipFill>
-          <a:blip r:embed="rId2">
-            <a:extLst>
-              <a:ext uri="{28A0092B-C50C-407E-A947-70E740481C1C}">
-                <a14:useLocalDpi xmlns:a14="http://schemas.microsoft.com/office/drawing/2010/main" val="0"/>
-              </a:ext>
-            </a:extLst>
-          </a:blip>
-          <a:stretch>
-            <a:fillRect/>
-          </a:stretch>
-        </p:blipFill>
-        <p:spPr>
-          <a:xfrm>
-            <a:off x="2546252" y="597086"/>
-            <a:ext cx="7399899" cy="5713942"/>
-          </a:xfrm>
-        </p:spPr>
-      </p:pic>
-    </p:spTree>
-    <p:extLst>
-      <p:ext uri="{BB962C8B-B14F-4D97-AF65-F5344CB8AC3E}">
-        <p14:creationId xmlns:p14="http://schemas.microsoft.com/office/powerpoint/2010/main" val="794588133"/>
-      </p:ext>
-    </p:extLst>
-  </p:cSld>
-  <p:clrMapOvr>
-    <a:masterClrMapping/>
-  </p:clrMapOvr>
-</p:sld>
-</file>
-
-<file path=ppt/slides/slide6.xml><?xml version="1.0" encoding="utf-8"?>
-<p:sld xmlns:a="http://schemas.openxmlformats.org/drawingml/2006/main" xmlns:r="http://schemas.openxmlformats.org/officeDocument/2006/relationships" xmlns:p="http://schemas.openxmlformats.org/presentationml/2006/main">
-  <p:cSld>
-    <p:spTree>
-      <p:nvGrpSpPr>
-        <p:cNvPr id="1" name=""/>
-        <p:cNvGrpSpPr/>
-        <p:nvPr/>
-      </p:nvGrpSpPr>
-      <p:grpSpPr>
-        <a:xfrm>
-          <a:off x="0" y="0"/>
-          <a:ext cx="0" cy="0"/>
-          <a:chOff x="0" y="0"/>
-          <a:chExt cx="0" cy="0"/>
-        </a:xfrm>
-      </p:grpSpPr>
-      <p:sp>
-        <p:nvSpPr>
-          <p:cNvPr id="2" name="Titel 1">
-            <a:extLst>
-              <a:ext uri="{FF2B5EF4-FFF2-40B4-BE49-F238E27FC236}">
-                <a16:creationId xmlns:a16="http://schemas.microsoft.com/office/drawing/2014/main" id="{82B91491-7839-47EE-BA59-291DA3587ADB}"/>
-              </a:ext>
-            </a:extLst>
-          </p:cNvPr>
-          <p:cNvSpPr>
-            <a:spLocks noGrp="1"/>
-          </p:cNvSpPr>
-          <p:nvPr>
-            <p:ph type="title"/>
-          </p:nvPr>
-        </p:nvSpPr>
-        <p:spPr/>
-        <p:txBody>
-          <a:bodyPr/>
-          <a:lstStyle/>
-          <a:p>
-            <a:r>
-              <a:rPr lang="de-DE" dirty="0"/>
-              <a:t>Kalibration</a:t>
-            </a:r>
-          </a:p>
-        </p:txBody>
-      </p:sp>
-      <mc:AlternateContent xmlns:mc="http://schemas.openxmlformats.org/markup-compatibility/2006">
-        <mc:Choice xmlns:a14="http://schemas.microsoft.com/office/drawing/2010/main" Requires="a14">
-          <p:sp>
-            <p:nvSpPr>
-              <p:cNvPr id="4" name="Inhaltsplatzhalter 3">
-                <a:extLst>
-                  <a:ext uri="{FF2B5EF4-FFF2-40B4-BE49-F238E27FC236}">
-                    <a16:creationId xmlns:a16="http://schemas.microsoft.com/office/drawing/2014/main" id="{D96DEBC0-6F0D-446D-AB92-3E2E0C326FE4}"/>
-                  </a:ext>
-                </a:extLst>
-              </p:cNvPr>
-              <p:cNvSpPr>
-                <a:spLocks noGrp="1"/>
-              </p:cNvSpPr>
-              <p:nvPr>
-                <p:ph sz="half" idx="1"/>
-              </p:nvPr>
-            </p:nvSpPr>
-            <p:spPr/>
-            <p:txBody>
-              <a:bodyPr/>
-              <a:lstStyle/>
-              <a:p>
-                <a:endParaRPr lang="de-DE" b="0" i="1">
-                  <a:latin typeface="Cambria Math" panose="02040503050406030204" pitchFamily="18" charset="0"/>
-                </a:endParaRPr>
-              </a:p>
-              <a:p>
-                <a14:m>
-                  <m:oMath xmlns:m="http://schemas.openxmlformats.org/officeDocument/2006/math">
-                    <m:sSub>
-                      <m:sSubPr>
-                        <m:ctrlPr>
-                          <a:rPr lang="de-DE" b="0" i="1" smtClean="0">
-                            <a:latin typeface="Cambria Math" panose="02040503050406030204" pitchFamily="18" charset="0"/>
-                          </a:rPr>
-                        </m:ctrlPr>
-                      </m:sSubPr>
-                      <m:e>
-                        <m:r>
-                          <a:rPr lang="de-DE" b="0" i="1" smtClean="0">
-                            <a:latin typeface="Cambria Math" panose="02040503050406030204" pitchFamily="18" charset="0"/>
-                          </a:rPr>
-                          <m:t>𝑘</m:t>
-                        </m:r>
-                      </m:e>
-                      <m:sub>
-                        <m:r>
-                          <a:rPr lang="de-DE" b="0" i="1" smtClean="0">
-                            <a:latin typeface="Cambria Math" panose="02040503050406030204" pitchFamily="18" charset="0"/>
-                          </a:rPr>
-                          <m:t>𝐴</m:t>
-                        </m:r>
-                      </m:sub>
-                    </m:sSub>
-                    <m:r>
-                      <a:rPr lang="de-DE" b="0" i="1" smtClean="0">
-                        <a:latin typeface="Cambria Math" panose="02040503050406030204" pitchFamily="18" charset="0"/>
-                      </a:rPr>
-                      <m:t>=0,0487±0,0002</m:t>
-                    </m:r>
-                  </m:oMath>
-                </a14:m>
-                <a:endParaRPr lang="de-DE" dirty="0"/>
-              </a:p>
-              <a:p>
-                <a:endParaRPr lang="de-DE" dirty="0"/>
-              </a:p>
-              <a:p>
-                <a14:m>
-                  <m:oMath xmlns:m="http://schemas.openxmlformats.org/officeDocument/2006/math">
-                    <m:sSub>
-                      <m:sSubPr>
-                        <m:ctrlPr>
-                          <a:rPr lang="de-DE" b="0" i="1" smtClean="0">
-                            <a:latin typeface="Cambria Math" panose="02040503050406030204" pitchFamily="18" charset="0"/>
-                          </a:rPr>
-                        </m:ctrlPr>
-                      </m:sSubPr>
-                      <m:e>
-                        <m:r>
-                          <a:rPr lang="de-DE" b="0" i="1" smtClean="0">
-                            <a:latin typeface="Cambria Math" panose="02040503050406030204" pitchFamily="18" charset="0"/>
-                          </a:rPr>
-                          <m:t>𝑘</m:t>
-                        </m:r>
-                      </m:e>
-                      <m:sub>
-                        <m:r>
-                          <a:rPr lang="de-DE" b="0" i="1" smtClean="0">
-                            <a:latin typeface="Cambria Math" panose="02040503050406030204" pitchFamily="18" charset="0"/>
-                          </a:rPr>
-                          <m:t>𝐵</m:t>
-                        </m:r>
-                      </m:sub>
-                    </m:sSub>
-                    <m:r>
-                      <a:rPr lang="de-DE" b="0" i="1" smtClean="0">
-                        <a:latin typeface="Cambria Math" panose="02040503050406030204" pitchFamily="18" charset="0"/>
-                      </a:rPr>
-                      <m:t>=0.0442±0,0002</m:t>
-                    </m:r>
-                  </m:oMath>
-                </a14:m>
-                <a:endParaRPr lang="de-DE" dirty="0"/>
-              </a:p>
-            </p:txBody>
-          </p:sp>
-        </mc:Choice>
-        <mc:Fallback>
-          <p:sp>
-            <p:nvSpPr>
-              <p:cNvPr id="4" name="Inhaltsplatzhalter 3">
-                <a:extLst>
-                  <a:ext uri="{FF2B5EF4-FFF2-40B4-BE49-F238E27FC236}">
-                    <a16:creationId xmlns:a16="http://schemas.microsoft.com/office/drawing/2014/main" id="{D96DEBC0-6F0D-446D-AB92-3E2E0C326FE4}"/>
-                  </a:ext>
-                </a:extLst>
-              </p:cNvPr>
-              <p:cNvSpPr>
-                <a:spLocks noGrp="1" noRot="1" noChangeAspect="1" noMove="1" noResize="1" noEditPoints="1" noAdjustHandles="1" noChangeArrowheads="1" noChangeShapeType="1" noTextEdit="1"/>
-              </p:cNvSpPr>
-              <p:nvPr>
-                <p:ph sz="half" idx="1"/>
-              </p:nvPr>
-            </p:nvSpPr>
-            <p:spPr>
-              <a:blipFill>
-                <a:blip r:embed="rId2"/>
-                <a:stretch>
-                  <a:fillRect/>
-                </a:stretch>
-              </a:blipFill>
-            </p:spPr>
-            <p:txBody>
-              <a:bodyPr/>
-              <a:lstStyle/>
-              <a:p>
-                <a:r>
-                  <a:rPr lang="de-DE">
-                    <a:noFill/>
-                  </a:rPr>
-                  <a:t> </a:t>
-                </a:r>
-              </a:p>
-            </p:txBody>
-          </p:sp>
-        </mc:Fallback>
-      </mc:AlternateContent>
-      <p:pic>
-        <p:nvPicPr>
-          <p:cNvPr id="10" name="Inhaltsplatzhalter 9">
-            <a:extLst>
-              <a:ext uri="{FF2B5EF4-FFF2-40B4-BE49-F238E27FC236}">
-                <a16:creationId xmlns:a16="http://schemas.microsoft.com/office/drawing/2014/main" id="{DF1CD1B0-BE0D-4BFB-BC93-B6AF0F8C9C8D}"/>
-              </a:ext>
-            </a:extLst>
-          </p:cNvPr>
-          <p:cNvPicPr>
-            <a:picLocks noGrp="1" noChangeAspect="1"/>
-          </p:cNvPicPr>
-          <p:nvPr>
-            <p:ph sz="half" idx="2"/>
-          </p:nvPr>
-        </p:nvPicPr>
-        <p:blipFill>
-          <a:blip r:embed="rId3">
-            <a:extLst>
-              <a:ext uri="{28A0092B-C50C-407E-A947-70E740481C1C}">
-                <a14:useLocalDpi xmlns:a14="http://schemas.microsoft.com/office/drawing/2010/main" val="0"/>
-              </a:ext>
-            </a:extLst>
-          </a:blip>
-          <a:stretch>
-            <a:fillRect/>
-          </a:stretch>
-        </p:blipFill>
-        <p:spPr>
-          <a:xfrm>
-            <a:off x="6172200" y="2215635"/>
-            <a:ext cx="5181600" cy="3571317"/>
-          </a:xfrm>
-        </p:spPr>
-      </p:pic>
-    </p:spTree>
-    <p:extLst>
-      <p:ext uri="{BB962C8B-B14F-4D97-AF65-F5344CB8AC3E}">
-        <p14:creationId xmlns:p14="http://schemas.microsoft.com/office/powerpoint/2010/main" val="957132963"/>
-      </p:ext>
-    </p:extLst>
-  </p:cSld>
-  <p:clrMapOvr>
-    <a:masterClrMapping/>
-  </p:clrMapOvr>
-</p:sld>
-</file>
-
-<file path=ppt/slides/slide7.xml><?xml version="1.0" encoding="utf-8"?>
-<p:sld xmlns:a="http://schemas.openxmlformats.org/drawingml/2006/main" xmlns:r="http://schemas.openxmlformats.org/officeDocument/2006/relationships" xmlns:p="http://schemas.openxmlformats.org/presentationml/2006/main">
-  <p:cSld>
-    <p:spTree>
-      <p:nvGrpSpPr>
-        <p:cNvPr id="1" name=""/>
-        <p:cNvGrpSpPr/>
-        <p:nvPr/>
-      </p:nvGrpSpPr>
-      <p:grpSpPr>
-        <a:xfrm>
-          <a:off x="0" y="0"/>
-          <a:ext cx="0" cy="0"/>
-          <a:chOff x="0" y="0"/>
-          <a:chExt cx="0" cy="0"/>
-        </a:xfrm>
-      </p:grpSpPr>
-      <p:sp>
-        <p:nvSpPr>
-          <p:cNvPr id="2" name="Titel 1">
-            <a:extLst>
-              <a:ext uri="{FF2B5EF4-FFF2-40B4-BE49-F238E27FC236}">
-                <a16:creationId xmlns:a16="http://schemas.microsoft.com/office/drawing/2014/main" id="{1DBBC000-D048-464C-9625-9FDE30AE4F5B}"/>
-              </a:ext>
-            </a:extLst>
-          </p:cNvPr>
-          <p:cNvSpPr>
-            <a:spLocks noGrp="1"/>
-          </p:cNvSpPr>
-          <p:nvPr>
-            <p:ph type="title"/>
-          </p:nvPr>
-        </p:nvSpPr>
-        <p:spPr/>
-        <p:txBody>
-          <a:bodyPr/>
-          <a:lstStyle/>
-          <a:p>
-            <a:r>
-              <a:rPr lang="de-DE" dirty="0"/>
-              <a:t>Wellenlänge</a:t>
-            </a:r>
-          </a:p>
-        </p:txBody>
-      </p:sp>
-      <mc:AlternateContent xmlns:mc="http://schemas.openxmlformats.org/markup-compatibility/2006">
-        <mc:Choice xmlns:a14="http://schemas.microsoft.com/office/drawing/2010/main" Requires="a14">
-          <p:sp>
-            <p:nvSpPr>
-              <p:cNvPr id="4" name="Inhaltsplatzhalter 3">
-                <a:extLst>
-                  <a:ext uri="{FF2B5EF4-FFF2-40B4-BE49-F238E27FC236}">
-                    <a16:creationId xmlns:a16="http://schemas.microsoft.com/office/drawing/2014/main" id="{21317AA6-7E75-483E-A8C6-6B42E89EBC56}"/>
-                  </a:ext>
-                </a:extLst>
-              </p:cNvPr>
-              <p:cNvSpPr>
-                <a:spLocks noGrp="1"/>
-              </p:cNvSpPr>
-              <p:nvPr>
-                <p:ph sz="half" idx="1"/>
-              </p:nvPr>
-            </p:nvSpPr>
-            <p:spPr/>
-            <p:txBody>
-              <a:bodyPr/>
-              <a:lstStyle/>
-              <a:p>
-                <a14:m>
-                  <m:oMath xmlns:m="http://schemas.openxmlformats.org/officeDocument/2006/math">
-                    <m:sSub>
-                      <m:sSubPr>
-                        <m:ctrlPr>
-                          <a:rPr lang="de-DE" b="0" i="1" smtClean="0">
-                            <a:latin typeface="Cambria Math" panose="02040503050406030204" pitchFamily="18" charset="0"/>
-                          </a:rPr>
-                        </m:ctrlPr>
-                      </m:sSubPr>
-                      <m:e>
-                        <m:r>
-                          <a:rPr lang="de-DE" b="0" i="1" smtClean="0">
-                            <a:latin typeface="Cambria Math" panose="02040503050406030204" pitchFamily="18" charset="0"/>
-                          </a:rPr>
-                          <m:t>𝜆</m:t>
-                        </m:r>
-                      </m:e>
-                      <m:sub>
-                        <m:r>
-                          <a:rPr lang="de-DE" b="0" i="1" smtClean="0">
-                            <a:latin typeface="Cambria Math" panose="02040503050406030204" pitchFamily="18" charset="0"/>
-                          </a:rPr>
-                          <m:t>𝐴</m:t>
-                        </m:r>
-                      </m:sub>
-                    </m:sSub>
-                    <m:r>
-                      <a:rPr lang="de-DE" b="0" i="1" smtClean="0">
-                        <a:latin typeface="Cambria Math" panose="02040503050406030204" pitchFamily="18" charset="0"/>
-                      </a:rPr>
-                      <m:t>=(522,6±2,0±2,1)</m:t>
-                    </m:r>
-                  </m:oMath>
-                </a14:m>
-                <a:r>
-                  <a:rPr lang="de-DE" dirty="0"/>
-                  <a:t>nm</a:t>
-                </a:r>
-              </a:p>
-              <a:p>
-                <a:endParaRPr lang="de-DE" dirty="0"/>
-              </a:p>
-              <a:p>
-                <a14:m>
-                  <m:oMath xmlns:m="http://schemas.openxmlformats.org/officeDocument/2006/math">
-                    <m:sSub>
-                      <m:sSubPr>
-                        <m:ctrlPr>
-                          <a:rPr lang="de-DE" b="0" i="1" smtClean="0">
-                            <a:latin typeface="Cambria Math" panose="02040503050406030204" pitchFamily="18" charset="0"/>
-                          </a:rPr>
-                        </m:ctrlPr>
-                      </m:sSubPr>
-                      <m:e>
-                        <m:r>
-                          <a:rPr lang="de-DE" b="0" i="1" smtClean="0">
-                            <a:latin typeface="Cambria Math" panose="02040503050406030204" pitchFamily="18" charset="0"/>
-                          </a:rPr>
-                          <m:t>𝜆</m:t>
-                        </m:r>
-                      </m:e>
-                      <m:sub>
-                        <m:r>
-                          <a:rPr lang="de-DE" b="0" i="1" smtClean="0">
-                            <a:latin typeface="Cambria Math" panose="02040503050406030204" pitchFamily="18" charset="0"/>
-                          </a:rPr>
-                          <m:t>𝐵</m:t>
-                        </m:r>
-                      </m:sub>
-                    </m:sSub>
-                    <m:r>
-                      <a:rPr lang="de-DE" b="0" i="0" smtClean="0">
-                        <a:latin typeface="Cambria Math" panose="02040503050406030204" pitchFamily="18" charset="0"/>
-                      </a:rPr>
-                      <m:t>=(526,1</m:t>
-                    </m:r>
-                    <m:r>
-                      <a:rPr lang="de-DE" b="0" i="1" smtClean="0">
-                        <a:latin typeface="Cambria Math" panose="02040503050406030204" pitchFamily="18" charset="0"/>
-                      </a:rPr>
-                      <m:t>±1,7±2,0)</m:t>
-                    </m:r>
-                  </m:oMath>
-                </a14:m>
-                <a:r>
-                  <a:rPr lang="de-DE" dirty="0"/>
-                  <a:t>nm</a:t>
-                </a:r>
-              </a:p>
-              <a:p>
-                <a:endParaRPr lang="de-DE" dirty="0"/>
-              </a:p>
-              <a:p>
-                <a:r>
-                  <a:rPr lang="de-DE" dirty="0"/>
-                  <a:t>Nominal: </a:t>
-                </a:r>
-                <a14:m>
-                  <m:oMath xmlns:m="http://schemas.openxmlformats.org/officeDocument/2006/math">
-                    <m:r>
-                      <a:rPr lang="de-DE" b="0" i="1" smtClean="0">
-                        <a:latin typeface="Cambria Math" panose="02040503050406030204" pitchFamily="18" charset="0"/>
-                      </a:rPr>
-                      <m:t>𝜆</m:t>
-                    </m:r>
-                    <m:r>
-                      <a:rPr lang="de-DE" b="0" i="1" smtClean="0">
-                        <a:latin typeface="Cambria Math" panose="02040503050406030204" pitchFamily="18" charset="0"/>
-                      </a:rPr>
-                      <m:t>=532</m:t>
-                    </m:r>
-                  </m:oMath>
-                </a14:m>
-                <a:r>
-                  <a:rPr lang="de-DE" dirty="0"/>
-                  <a:t>nm</a:t>
-                </a:r>
-              </a:p>
-            </p:txBody>
-          </p:sp>
-        </mc:Choice>
-        <mc:Fallback>
-          <p:sp>
-            <p:nvSpPr>
-              <p:cNvPr id="4" name="Inhaltsplatzhalter 3">
-                <a:extLst>
-                  <a:ext uri="{FF2B5EF4-FFF2-40B4-BE49-F238E27FC236}">
-                    <a16:creationId xmlns:a16="http://schemas.microsoft.com/office/drawing/2014/main" id="{21317AA6-7E75-483E-A8C6-6B42E89EBC56}"/>
-                  </a:ext>
-                </a:extLst>
-              </p:cNvPr>
-              <p:cNvSpPr>
-                <a:spLocks noGrp="1" noRot="1" noChangeAspect="1" noMove="1" noResize="1" noEditPoints="1" noAdjustHandles="1" noChangeArrowheads="1" noChangeShapeType="1" noTextEdit="1"/>
-              </p:cNvSpPr>
-              <p:nvPr>
-                <p:ph sz="half" idx="1"/>
-              </p:nvPr>
-            </p:nvSpPr>
-            <p:spPr>
-              <a:blipFill>
-                <a:blip r:embed="rId2"/>
-                <a:stretch>
-                  <a:fillRect l="-2118" t="-2241"/>
-                </a:stretch>
-              </a:blipFill>
-            </p:spPr>
-            <p:txBody>
-              <a:bodyPr/>
-              <a:lstStyle/>
-              <a:p>
-                <a:r>
-                  <a:rPr lang="de-DE">
-                    <a:noFill/>
-                  </a:rPr>
-                  <a:t> </a:t>
-                </a:r>
-              </a:p>
-            </p:txBody>
-          </p:sp>
-        </mc:Fallback>
-      </mc:AlternateContent>
-      <p:pic>
-        <p:nvPicPr>
-          <p:cNvPr id="7" name="Inhaltsplatzhalter 6">
-            <a:extLst>
-              <a:ext uri="{FF2B5EF4-FFF2-40B4-BE49-F238E27FC236}">
-                <a16:creationId xmlns:a16="http://schemas.microsoft.com/office/drawing/2014/main" id="{DFBB4AD2-6CFD-478C-AA72-4407B9B26771}"/>
-              </a:ext>
-            </a:extLst>
-          </p:cNvPr>
-          <p:cNvPicPr>
-            <a:picLocks noGrp="1" noChangeAspect="1"/>
-          </p:cNvPicPr>
-          <p:nvPr>
-            <p:ph sz="half" idx="2"/>
-          </p:nvPr>
-        </p:nvPicPr>
-        <p:blipFill>
-          <a:blip r:embed="rId3">
-            <a:extLst>
-              <a:ext uri="{28A0092B-C50C-407E-A947-70E740481C1C}">
-                <a14:useLocalDpi xmlns:a14="http://schemas.microsoft.com/office/drawing/2010/main" val="0"/>
-              </a:ext>
-            </a:extLst>
-          </a:blip>
-          <a:stretch>
-            <a:fillRect/>
-          </a:stretch>
-        </p:blipFill>
-        <p:spPr>
-          <a:xfrm>
-            <a:off x="6172200" y="2215635"/>
-            <a:ext cx="5181600" cy="3571317"/>
-          </a:xfrm>
-        </p:spPr>
-      </p:pic>
-    </p:spTree>
-    <p:extLst>
-      <p:ext uri="{BB962C8B-B14F-4D97-AF65-F5344CB8AC3E}">
-        <p14:creationId xmlns:p14="http://schemas.microsoft.com/office/powerpoint/2010/main" val="3518068574"/>
-      </p:ext>
-    </p:extLst>
-  </p:cSld>
-  <p:clrMapOvr>
-    <a:masterClrMapping/>
-  </p:clrMapOvr>
-</p:sld>
-</file>
-
-<file path=ppt/slides/slide8.xml><?xml version="1.0" encoding="utf-8"?>
-<p:sld xmlns:a="http://schemas.openxmlformats.org/drawingml/2006/main" xmlns:r="http://schemas.openxmlformats.org/officeDocument/2006/relationships" xmlns:p="http://schemas.openxmlformats.org/presentationml/2006/main">
-  <p:cSld>
-    <p:spTree>
-      <p:nvGrpSpPr>
-        <p:cNvPr id="1" name=""/>
-        <p:cNvGrpSpPr/>
-        <p:nvPr/>
-      </p:nvGrpSpPr>
-      <p:grpSpPr>
-        <a:xfrm>
-          <a:off x="0" y="0"/>
-          <a:ext cx="0" cy="0"/>
-          <a:chOff x="0" y="0"/>
-          <a:chExt cx="0" cy="0"/>
-        </a:xfrm>
-      </p:grpSpPr>
-      <p:sp>
-        <p:nvSpPr>
-          <p:cNvPr id="2" name="Titel 1">
-            <a:extLst>
-              <a:ext uri="{FF2B5EF4-FFF2-40B4-BE49-F238E27FC236}">
-                <a16:creationId xmlns:a16="http://schemas.microsoft.com/office/drawing/2014/main" id="{ABBF87BF-7588-4FB8-B28E-6B7F15DA69A9}"/>
-              </a:ext>
-            </a:extLst>
-          </p:cNvPr>
-          <p:cNvSpPr>
-            <a:spLocks noGrp="1"/>
-          </p:cNvSpPr>
-          <p:nvPr>
-            <p:ph type="title"/>
-          </p:nvPr>
-        </p:nvSpPr>
-        <p:spPr/>
-        <p:txBody>
-          <a:bodyPr/>
-          <a:lstStyle/>
-          <a:p>
-            <a:r>
-              <a:rPr lang="de-DE" dirty="0"/>
-              <a:t>Druckabhängigkeit</a:t>
-            </a:r>
-          </a:p>
-        </p:txBody>
-      </p:sp>
-      <p:sp>
-        <p:nvSpPr>
-          <p:cNvPr id="3" name="Inhaltsplatzhalter 2">
-            <a:extLst>
-              <a:ext uri="{FF2B5EF4-FFF2-40B4-BE49-F238E27FC236}">
-                <a16:creationId xmlns:a16="http://schemas.microsoft.com/office/drawing/2014/main" id="{941DB0CC-1FB6-4CDF-945A-8DFEC43257A6}"/>
-              </a:ext>
-            </a:extLst>
-          </p:cNvPr>
-          <p:cNvSpPr>
-            <a:spLocks noGrp="1"/>
-          </p:cNvSpPr>
-          <p:nvPr>
-            <p:ph idx="1"/>
-          </p:nvPr>
-        </p:nvSpPr>
-        <p:spPr/>
-        <p:txBody>
-          <a:bodyPr/>
-          <a:lstStyle/>
-          <a:p>
-            <a:endParaRPr lang="de-DE"/>
-          </a:p>
-        </p:txBody>
-      </p:sp>
-    </p:spTree>
-    <p:extLst>
-      <p:ext uri="{BB962C8B-B14F-4D97-AF65-F5344CB8AC3E}">
-        <p14:creationId xmlns:p14="http://schemas.microsoft.com/office/powerpoint/2010/main" val="3870067177"/>
-      </p:ext>
-    </p:extLst>
-  </p:cSld>
-  <p:clrMapOvr>
-    <a:masterClrMapping/>
-  </p:clrMapOvr>
-</p:sld>
-</file>
-
-<file path=ppt/slides/slide9.xml><?xml version="1.0" encoding="utf-8"?>
+<file path=ppt/slides/slide10.xml><?xml version="1.0" encoding="utf-8"?>
 <p:sld xmlns:a="http://schemas.openxmlformats.org/drawingml/2006/main" xmlns:r="http://schemas.openxmlformats.org/officeDocument/2006/relationships" xmlns:p="http://schemas.openxmlformats.org/presentationml/2006/main">
   <p:cSld>
     <p:spTree>
@@ -5505,6 +4013,2312 @@
     <p:extLst>
       <p:ext uri="{BB962C8B-B14F-4D97-AF65-F5344CB8AC3E}">
         <p14:creationId xmlns:p14="http://schemas.microsoft.com/office/powerpoint/2010/main" val="2847838298"/>
+      </p:ext>
+    </p:extLst>
+  </p:cSld>
+  <p:clrMapOvr>
+    <a:masterClrMapping/>
+  </p:clrMapOvr>
+</p:sld>
+</file>
+
+<file path=ppt/slides/slide2.xml><?xml version="1.0" encoding="utf-8"?>
+<p:sld xmlns:a="http://schemas.openxmlformats.org/drawingml/2006/main" xmlns:r="http://schemas.openxmlformats.org/officeDocument/2006/relationships" xmlns:p="http://schemas.openxmlformats.org/presentationml/2006/main">
+  <p:cSld>
+    <p:spTree>
+      <p:nvGrpSpPr>
+        <p:cNvPr id="1" name=""/>
+        <p:cNvGrpSpPr/>
+        <p:nvPr/>
+      </p:nvGrpSpPr>
+      <p:grpSpPr>
+        <a:xfrm>
+          <a:off x="0" y="0"/>
+          <a:ext cx="0" cy="0"/>
+          <a:chOff x="0" y="0"/>
+          <a:chExt cx="0" cy="0"/>
+        </a:xfrm>
+      </p:grpSpPr>
+      <p:sp>
+        <p:nvSpPr>
+          <p:cNvPr id="2" name="Titel 1">
+            <a:extLst>
+              <a:ext uri="{FF2B5EF4-FFF2-40B4-BE49-F238E27FC236}">
+                <a16:creationId xmlns:a16="http://schemas.microsoft.com/office/drawing/2014/main" id="{BDEBBD1B-5604-4C3F-B34C-22D02BB3B57A}"/>
+              </a:ext>
+            </a:extLst>
+          </p:cNvPr>
+          <p:cNvSpPr>
+            <a:spLocks noGrp="1"/>
+          </p:cNvSpPr>
+          <p:nvPr>
+            <p:ph type="title"/>
+          </p:nvPr>
+        </p:nvSpPr>
+        <p:spPr/>
+        <p:txBody>
+          <a:bodyPr/>
+          <a:lstStyle/>
+          <a:p>
+            <a:r>
+              <a:rPr lang="de-DE" dirty="0"/>
+              <a:t>Inhalt</a:t>
+            </a:r>
+          </a:p>
+        </p:txBody>
+      </p:sp>
+      <p:sp>
+        <p:nvSpPr>
+          <p:cNvPr id="3" name="Inhaltsplatzhalter 2">
+            <a:extLst>
+              <a:ext uri="{FF2B5EF4-FFF2-40B4-BE49-F238E27FC236}">
+                <a16:creationId xmlns:a16="http://schemas.microsoft.com/office/drawing/2014/main" id="{A86B45DA-DF66-4B65-AE36-ACC26DE96D41}"/>
+              </a:ext>
+            </a:extLst>
+          </p:cNvPr>
+          <p:cNvSpPr>
+            <a:spLocks noGrp="1"/>
+          </p:cNvSpPr>
+          <p:nvPr>
+            <p:ph idx="1"/>
+          </p:nvPr>
+        </p:nvSpPr>
+        <p:spPr/>
+        <p:txBody>
+          <a:bodyPr/>
+          <a:lstStyle/>
+          <a:p>
+            <a:endParaRPr lang="de-DE"/>
+          </a:p>
+        </p:txBody>
+      </p:sp>
+    </p:spTree>
+    <p:extLst>
+      <p:ext uri="{BB962C8B-B14F-4D97-AF65-F5344CB8AC3E}">
+        <p14:creationId xmlns:p14="http://schemas.microsoft.com/office/powerpoint/2010/main" val="1002867433"/>
+      </p:ext>
+    </p:extLst>
+  </p:cSld>
+  <p:clrMapOvr>
+    <a:masterClrMapping/>
+  </p:clrMapOvr>
+</p:sld>
+</file>
+
+<file path=ppt/slides/slide3.xml><?xml version="1.0" encoding="utf-8"?>
+<p:sld xmlns:a="http://schemas.openxmlformats.org/drawingml/2006/main" xmlns:r="http://schemas.openxmlformats.org/officeDocument/2006/relationships" xmlns:p="http://schemas.openxmlformats.org/presentationml/2006/main">
+  <p:cSld>
+    <p:spTree>
+      <p:nvGrpSpPr>
+        <p:cNvPr id="1" name=""/>
+        <p:cNvGrpSpPr/>
+        <p:nvPr/>
+      </p:nvGrpSpPr>
+      <p:grpSpPr>
+        <a:xfrm>
+          <a:off x="0" y="0"/>
+          <a:ext cx="0" cy="0"/>
+          <a:chOff x="0" y="0"/>
+          <a:chExt cx="0" cy="0"/>
+        </a:xfrm>
+      </p:grpSpPr>
+      <p:sp>
+        <p:nvSpPr>
+          <p:cNvPr id="2" name="Titel 1">
+            <a:extLst>
+              <a:ext uri="{FF2B5EF4-FFF2-40B4-BE49-F238E27FC236}">
+                <a16:creationId xmlns:a16="http://schemas.microsoft.com/office/drawing/2014/main" id="{530447DF-7F46-4D7E-89D2-6E3790C152C9}"/>
+              </a:ext>
+            </a:extLst>
+          </p:cNvPr>
+          <p:cNvSpPr>
+            <a:spLocks noGrp="1"/>
+          </p:cNvSpPr>
+          <p:nvPr>
+            <p:ph type="title"/>
+          </p:nvPr>
+        </p:nvSpPr>
+        <p:spPr/>
+        <p:txBody>
+          <a:bodyPr/>
+          <a:lstStyle/>
+          <a:p>
+            <a:r>
+              <a:rPr lang="de-DE" dirty="0"/>
+              <a:t>Versuchsziele</a:t>
+            </a:r>
+          </a:p>
+        </p:txBody>
+      </p:sp>
+      <p:sp>
+        <p:nvSpPr>
+          <p:cNvPr id="3" name="Inhaltsplatzhalter 2">
+            <a:extLst>
+              <a:ext uri="{FF2B5EF4-FFF2-40B4-BE49-F238E27FC236}">
+                <a16:creationId xmlns:a16="http://schemas.microsoft.com/office/drawing/2014/main" id="{B2D5C7AF-FB30-41DD-8A73-75C4E070D1A1}"/>
+              </a:ext>
+            </a:extLst>
+          </p:cNvPr>
+          <p:cNvSpPr>
+            <a:spLocks noGrp="1"/>
+          </p:cNvSpPr>
+          <p:nvPr>
+            <p:ph idx="1"/>
+          </p:nvPr>
+        </p:nvSpPr>
+        <p:spPr/>
+        <p:txBody>
+          <a:bodyPr/>
+          <a:lstStyle/>
+          <a:p>
+            <a:endParaRPr lang="de-DE"/>
+          </a:p>
+        </p:txBody>
+      </p:sp>
+    </p:spTree>
+    <p:extLst>
+      <p:ext uri="{BB962C8B-B14F-4D97-AF65-F5344CB8AC3E}">
+        <p14:creationId xmlns:p14="http://schemas.microsoft.com/office/powerpoint/2010/main" val="339534271"/>
+      </p:ext>
+    </p:extLst>
+  </p:cSld>
+  <p:clrMapOvr>
+    <a:masterClrMapping/>
+  </p:clrMapOvr>
+</p:sld>
+</file>
+
+<file path=ppt/slides/slide4.xml><?xml version="1.0" encoding="utf-8"?>
+<p:sld xmlns:a="http://schemas.openxmlformats.org/drawingml/2006/main" xmlns:r="http://schemas.openxmlformats.org/officeDocument/2006/relationships" xmlns:p="http://schemas.openxmlformats.org/presentationml/2006/main">
+  <p:cSld>
+    <p:spTree>
+      <p:nvGrpSpPr>
+        <p:cNvPr id="1" name=""/>
+        <p:cNvGrpSpPr/>
+        <p:nvPr/>
+      </p:nvGrpSpPr>
+      <p:grpSpPr>
+        <a:xfrm>
+          <a:off x="0" y="0"/>
+          <a:ext cx="0" cy="0"/>
+          <a:chOff x="0" y="0"/>
+          <a:chExt cx="0" cy="0"/>
+        </a:xfrm>
+      </p:grpSpPr>
+      <p:sp>
+        <p:nvSpPr>
+          <p:cNvPr id="2" name="Titel 1">
+            <a:extLst>
+              <a:ext uri="{FF2B5EF4-FFF2-40B4-BE49-F238E27FC236}">
+                <a16:creationId xmlns:a16="http://schemas.microsoft.com/office/drawing/2014/main" id="{B0961A0C-1807-420A-BE95-3F2D0A77A4C9}"/>
+              </a:ext>
+            </a:extLst>
+          </p:cNvPr>
+          <p:cNvSpPr>
+            <a:spLocks noGrp="1"/>
+          </p:cNvSpPr>
+          <p:nvPr>
+            <p:ph type="title"/>
+          </p:nvPr>
+        </p:nvSpPr>
+        <p:spPr/>
+        <p:txBody>
+          <a:bodyPr/>
+          <a:lstStyle/>
+          <a:p>
+            <a:r>
+              <a:rPr lang="de-DE" dirty="0"/>
+              <a:t>Physikalische Grundlagen</a:t>
+            </a:r>
+          </a:p>
+        </p:txBody>
+      </p:sp>
+      <mc:AlternateContent xmlns:mc="http://schemas.openxmlformats.org/markup-compatibility/2006" xmlns:a14="http://schemas.microsoft.com/office/drawing/2010/main">
+        <mc:Choice Requires="a14">
+          <p:sp>
+            <p:nvSpPr>
+              <p:cNvPr id="3" name="Inhaltsplatzhalter 2">
+                <a:extLst>
+                  <a:ext uri="{FF2B5EF4-FFF2-40B4-BE49-F238E27FC236}">
+                    <a16:creationId xmlns:a16="http://schemas.microsoft.com/office/drawing/2014/main" id="{388E1FC6-8805-48F7-82FA-CD1F9F36C2EF}"/>
+                  </a:ext>
+                </a:extLst>
+              </p:cNvPr>
+              <p:cNvSpPr>
+                <a:spLocks noGrp="1"/>
+              </p:cNvSpPr>
+              <p:nvPr>
+                <p:ph idx="1"/>
+              </p:nvPr>
+            </p:nvSpPr>
+            <p:spPr/>
+            <p:txBody>
+              <a:bodyPr/>
+              <a:lstStyle/>
+              <a:p>
+                <a:endParaRPr lang="de-DE" b="0" i="1" dirty="0">
+                  <a:latin typeface="Cambria Math" panose="02040503050406030204" pitchFamily="18" charset="0"/>
+                </a:endParaRPr>
+              </a:p>
+              <a:p>
+                <a14:m>
+                  <m:oMath xmlns:m="http://schemas.openxmlformats.org/officeDocument/2006/math">
+                    <m:r>
+                      <a:rPr lang="de-DE" b="0" i="1" smtClean="0">
+                        <a:latin typeface="Cambria Math" panose="02040503050406030204" pitchFamily="18" charset="0"/>
+                      </a:rPr>
+                      <m:t>2</m:t>
+                    </m:r>
+                    <m:r>
+                      <a:rPr lang="de-DE" b="0" i="1" smtClean="0">
+                        <a:latin typeface="Cambria Math" panose="02040503050406030204" pitchFamily="18" charset="0"/>
+                      </a:rPr>
+                      <m:t>𝑑</m:t>
+                    </m:r>
+                    <m:func>
+                      <m:funcPr>
+                        <m:ctrlPr>
+                          <a:rPr lang="de-DE" b="0" i="1" smtClean="0">
+                            <a:latin typeface="Cambria Math" panose="02040503050406030204" pitchFamily="18" charset="0"/>
+                          </a:rPr>
+                        </m:ctrlPr>
+                      </m:funcPr>
+                      <m:fName>
+                        <m:r>
+                          <m:rPr>
+                            <m:sty m:val="p"/>
+                          </m:rPr>
+                          <a:rPr lang="de-DE" b="0" i="0" smtClean="0">
+                            <a:latin typeface="Cambria Math" panose="02040503050406030204" pitchFamily="18" charset="0"/>
+                          </a:rPr>
+                          <m:t>cos</m:t>
+                        </m:r>
+                      </m:fName>
+                      <m:e>
+                        <m:r>
+                          <a:rPr lang="de-DE" b="0" i="1" smtClean="0">
+                            <a:latin typeface="Cambria Math" panose="02040503050406030204" pitchFamily="18" charset="0"/>
+                          </a:rPr>
+                          <m:t>𝜃</m:t>
+                        </m:r>
+                      </m:e>
+                    </m:func>
+                    <m:r>
+                      <a:rPr lang="de-DE" b="0" i="1" smtClean="0">
+                        <a:latin typeface="Cambria Math" panose="02040503050406030204" pitchFamily="18" charset="0"/>
+                      </a:rPr>
+                      <m:t>=</m:t>
+                    </m:r>
+                    <m:r>
+                      <a:rPr lang="de-DE" b="0" i="1" smtClean="0">
+                        <a:latin typeface="Cambria Math" panose="02040503050406030204" pitchFamily="18" charset="0"/>
+                      </a:rPr>
+                      <m:t>𝑚</m:t>
+                    </m:r>
+                    <m:r>
+                      <a:rPr lang="de-DE" b="0" i="1" smtClean="0">
+                        <a:latin typeface="Cambria Math" panose="02040503050406030204" pitchFamily="18" charset="0"/>
+                      </a:rPr>
+                      <m:t>𝜆</m:t>
+                    </m:r>
+                    <m:r>
+                      <a:rPr lang="de-DE" b="0" i="0" smtClean="0">
+                        <a:latin typeface="Cambria Math" panose="02040503050406030204" pitchFamily="18" charset="0"/>
+                      </a:rPr>
+                      <m:t> ,  </m:t>
+                    </m:r>
+                    <m:r>
+                      <m:rPr>
+                        <m:sty m:val="p"/>
+                      </m:rPr>
+                      <a:rPr lang="de-DE" b="0" i="0" smtClean="0">
+                        <a:latin typeface="Cambria Math" panose="02040503050406030204" pitchFamily="18" charset="0"/>
+                      </a:rPr>
+                      <m:t>m</m:t>
+                    </m:r>
+                    <m:r>
+                      <a:rPr lang="de-DE" b="0" i="0" smtClean="0">
+                        <a:latin typeface="Cambria Math" panose="02040503050406030204" pitchFamily="18" charset="0"/>
+                      </a:rPr>
+                      <m:t>=0, 1, 2, …</m:t>
+                    </m:r>
+                  </m:oMath>
+                </a14:m>
+                <a:endParaRPr lang="de-DE" dirty="0"/>
+              </a:p>
+              <a:p>
+                <a:endParaRPr lang="de-DE" dirty="0"/>
+              </a:p>
+              <a:p>
+                <a14:m>
+                  <m:oMath xmlns:m="http://schemas.openxmlformats.org/officeDocument/2006/math">
+                    <m:r>
+                      <a:rPr lang="de-DE" b="0" i="1" smtClean="0">
+                        <a:latin typeface="Cambria Math" panose="02040503050406030204" pitchFamily="18" charset="0"/>
+                      </a:rPr>
+                      <m:t>𝑛</m:t>
+                    </m:r>
+                    <m:d>
+                      <m:dPr>
+                        <m:ctrlPr>
+                          <a:rPr lang="de-DE" b="0" i="1" smtClean="0">
+                            <a:latin typeface="Cambria Math" panose="02040503050406030204" pitchFamily="18" charset="0"/>
+                          </a:rPr>
+                        </m:ctrlPr>
+                      </m:dPr>
+                      <m:e>
+                        <m:r>
+                          <a:rPr lang="de-DE" b="0" i="1" smtClean="0">
+                            <a:latin typeface="Cambria Math" panose="02040503050406030204" pitchFamily="18" charset="0"/>
+                          </a:rPr>
+                          <m:t>𝑃</m:t>
+                        </m:r>
+                      </m:e>
+                    </m:d>
+                    <m:r>
+                      <a:rPr lang="de-DE" b="0" i="1" smtClean="0">
+                        <a:latin typeface="Cambria Math" panose="02040503050406030204" pitchFamily="18" charset="0"/>
+                      </a:rPr>
+                      <m:t>=1+ </m:t>
+                    </m:r>
+                    <m:f>
+                      <m:fPr>
+                        <m:ctrlPr>
+                          <a:rPr lang="de-DE" b="0" i="1" smtClean="0">
+                            <a:latin typeface="Cambria Math" panose="02040503050406030204" pitchFamily="18" charset="0"/>
+                          </a:rPr>
+                        </m:ctrlPr>
+                      </m:fPr>
+                      <m:num>
+                        <m:r>
+                          <m:rPr>
+                            <m:sty m:val="p"/>
+                          </m:rPr>
+                          <a:rPr lang="de-DE" b="0" i="0" smtClean="0">
+                            <a:latin typeface="Cambria Math" panose="02040503050406030204" pitchFamily="18" charset="0"/>
+                          </a:rPr>
+                          <m:t>Δ</m:t>
+                        </m:r>
+                        <m:r>
+                          <a:rPr lang="de-DE" b="0" i="1" smtClean="0">
+                            <a:latin typeface="Cambria Math" panose="02040503050406030204" pitchFamily="18" charset="0"/>
+                          </a:rPr>
+                          <m:t>𝑛</m:t>
+                        </m:r>
+                      </m:num>
+                      <m:den>
+                        <m:r>
+                          <m:rPr>
+                            <m:sty m:val="p"/>
+                          </m:rPr>
+                          <a:rPr lang="de-DE" b="0" i="0" smtClean="0">
+                            <a:latin typeface="Cambria Math" panose="02040503050406030204" pitchFamily="18" charset="0"/>
+                          </a:rPr>
+                          <m:t>Δ</m:t>
+                        </m:r>
+                        <m:r>
+                          <a:rPr lang="de-DE" b="0" i="1" smtClean="0">
+                            <a:latin typeface="Cambria Math" panose="02040503050406030204" pitchFamily="18" charset="0"/>
+                          </a:rPr>
+                          <m:t>𝑝</m:t>
+                        </m:r>
+                      </m:den>
+                    </m:f>
+                    <m:r>
+                      <a:rPr lang="de-DE" b="0" i="1" smtClean="0">
+                        <a:latin typeface="Cambria Math" panose="02040503050406030204" pitchFamily="18" charset="0"/>
+                      </a:rPr>
+                      <m:t>𝑃</m:t>
+                    </m:r>
+                  </m:oMath>
+                </a14:m>
+                <a:r>
+                  <a:rPr lang="de-DE" dirty="0"/>
+                  <a:t>			</a:t>
+                </a:r>
+                <a14:m>
+                  <m:oMath xmlns:m="http://schemas.openxmlformats.org/officeDocument/2006/math">
+                    <m:f>
+                      <m:fPr>
+                        <m:ctrlPr>
+                          <a:rPr lang="de-DE" i="1" smtClean="0">
+                            <a:latin typeface="Cambria Math" panose="02040503050406030204" pitchFamily="18" charset="0"/>
+                          </a:rPr>
+                        </m:ctrlPr>
+                      </m:fPr>
+                      <m:num>
+                        <m:r>
+                          <m:rPr>
+                            <m:sty m:val="p"/>
+                          </m:rPr>
+                          <a:rPr lang="de-DE" b="0" i="0" smtClean="0">
+                            <a:latin typeface="Cambria Math" panose="02040503050406030204" pitchFamily="18" charset="0"/>
+                          </a:rPr>
+                          <m:t>Δ</m:t>
+                        </m:r>
+                        <m:r>
+                          <a:rPr lang="de-DE" b="0" i="1" smtClean="0">
+                            <a:latin typeface="Cambria Math" panose="02040503050406030204" pitchFamily="18" charset="0"/>
+                          </a:rPr>
+                          <m:t>𝑛</m:t>
+                        </m:r>
+                      </m:num>
+                      <m:den>
+                        <m:r>
+                          <m:rPr>
+                            <m:sty m:val="p"/>
+                          </m:rPr>
+                          <a:rPr lang="de-DE" b="0" i="0" smtClean="0">
+                            <a:latin typeface="Cambria Math" panose="02040503050406030204" pitchFamily="18" charset="0"/>
+                          </a:rPr>
+                          <m:t>Δ</m:t>
+                        </m:r>
+                        <m:r>
+                          <a:rPr lang="de-DE" b="0" i="1" smtClean="0">
+                            <a:latin typeface="Cambria Math" panose="02040503050406030204" pitchFamily="18" charset="0"/>
+                          </a:rPr>
+                          <m:t>𝑝</m:t>
+                        </m:r>
+                      </m:den>
+                    </m:f>
+                    <m:r>
+                      <a:rPr lang="de-DE" b="0" i="1" smtClean="0">
+                        <a:latin typeface="Cambria Math" panose="02040503050406030204" pitchFamily="18" charset="0"/>
+                      </a:rPr>
+                      <m:t>=</m:t>
+                    </m:r>
+                    <m:f>
+                      <m:fPr>
+                        <m:ctrlPr>
+                          <a:rPr lang="de-DE" b="0" i="1" smtClean="0">
+                            <a:latin typeface="Cambria Math" panose="02040503050406030204" pitchFamily="18" charset="0"/>
+                          </a:rPr>
+                        </m:ctrlPr>
+                      </m:fPr>
+                      <m:num>
+                        <m:r>
+                          <m:rPr>
+                            <m:sty m:val="p"/>
+                          </m:rPr>
+                          <a:rPr lang="de-DE" b="0" i="0" smtClean="0">
+                            <a:latin typeface="Cambria Math" panose="02040503050406030204" pitchFamily="18" charset="0"/>
+                          </a:rPr>
+                          <m:t>Δ</m:t>
+                        </m:r>
+                        <m:r>
+                          <a:rPr lang="de-DE" b="0" i="1" smtClean="0">
+                            <a:latin typeface="Cambria Math" panose="02040503050406030204" pitchFamily="18" charset="0"/>
+                          </a:rPr>
+                          <m:t>𝑚</m:t>
+                        </m:r>
+                      </m:num>
+                      <m:den>
+                        <m:r>
+                          <m:rPr>
+                            <m:sty m:val="p"/>
+                          </m:rPr>
+                          <a:rPr lang="de-DE" b="0" i="0" smtClean="0">
+                            <a:latin typeface="Cambria Math" panose="02040503050406030204" pitchFamily="18" charset="0"/>
+                          </a:rPr>
+                          <m:t>Δ</m:t>
+                        </m:r>
+                        <m:r>
+                          <a:rPr lang="de-DE" b="0" i="1" smtClean="0">
+                            <a:latin typeface="Cambria Math" panose="02040503050406030204" pitchFamily="18" charset="0"/>
+                          </a:rPr>
+                          <m:t>𝑝</m:t>
+                        </m:r>
+                      </m:den>
+                    </m:f>
+                    <m:r>
+                      <a:rPr lang="de-DE" b="0" i="1" smtClean="0">
+                        <a:latin typeface="Cambria Math" panose="02040503050406030204" pitchFamily="18" charset="0"/>
+                      </a:rPr>
+                      <m:t> </m:t>
+                    </m:r>
+                    <m:f>
+                      <m:fPr>
+                        <m:ctrlPr>
+                          <a:rPr lang="de-DE" b="0" i="1" smtClean="0">
+                            <a:latin typeface="Cambria Math" panose="02040503050406030204" pitchFamily="18" charset="0"/>
+                          </a:rPr>
+                        </m:ctrlPr>
+                      </m:fPr>
+                      <m:num>
+                        <m:r>
+                          <a:rPr lang="de-DE" b="0" i="1" smtClean="0">
+                            <a:latin typeface="Cambria Math" panose="02040503050406030204" pitchFamily="18" charset="0"/>
+                          </a:rPr>
+                          <m:t>𝜆</m:t>
+                        </m:r>
+                      </m:num>
+                      <m:den>
+                        <m:r>
+                          <a:rPr lang="de-DE" b="0" i="1" smtClean="0">
+                            <a:latin typeface="Cambria Math" panose="02040503050406030204" pitchFamily="18" charset="0"/>
+                          </a:rPr>
+                          <m:t>2</m:t>
+                        </m:r>
+                        <m:r>
+                          <a:rPr lang="de-DE" b="0" i="1" smtClean="0">
+                            <a:latin typeface="Cambria Math" panose="02040503050406030204" pitchFamily="18" charset="0"/>
+                          </a:rPr>
+                          <m:t>𝐿</m:t>
+                        </m:r>
+                      </m:den>
+                    </m:f>
+                  </m:oMath>
+                </a14:m>
+                <a:endParaRPr lang="de-DE" dirty="0"/>
+              </a:p>
+              <a:p>
+                <a:endParaRPr lang="de-DE" dirty="0"/>
+              </a:p>
+              <a:p>
+                <a14:m>
+                  <m:oMath xmlns:m="http://schemas.openxmlformats.org/officeDocument/2006/math">
+                    <m:sSub>
+                      <m:sSubPr>
+                        <m:ctrlPr>
+                          <a:rPr lang="de-DE" b="0" i="1" smtClean="0">
+                            <a:latin typeface="Cambria Math" panose="02040503050406030204" pitchFamily="18" charset="0"/>
+                          </a:rPr>
+                        </m:ctrlPr>
+                      </m:sSubPr>
+                      <m:e>
+                        <m:r>
+                          <a:rPr lang="de-DE" b="0" i="1" smtClean="0">
+                            <a:latin typeface="Cambria Math" panose="02040503050406030204" pitchFamily="18" charset="0"/>
+                          </a:rPr>
+                          <m:t>𝑛</m:t>
+                        </m:r>
+                      </m:e>
+                      <m:sub>
+                        <m:r>
+                          <a:rPr lang="de-DE" b="0" i="1" smtClean="0">
+                            <a:latin typeface="Cambria Math" panose="02040503050406030204" pitchFamily="18" charset="0"/>
+                          </a:rPr>
+                          <m:t>𝐶</m:t>
+                        </m:r>
+                        <m:sSub>
+                          <m:sSubPr>
+                            <m:ctrlPr>
+                              <a:rPr lang="de-DE" b="0" i="1" smtClean="0">
+                                <a:latin typeface="Cambria Math" panose="02040503050406030204" pitchFamily="18" charset="0"/>
+                              </a:rPr>
+                            </m:ctrlPr>
+                          </m:sSubPr>
+                          <m:e>
+                            <m:r>
+                              <a:rPr lang="de-DE" b="0" i="1" smtClean="0">
+                                <a:latin typeface="Cambria Math" panose="02040503050406030204" pitchFamily="18" charset="0"/>
+                              </a:rPr>
+                              <m:t>𝑂</m:t>
+                            </m:r>
+                          </m:e>
+                          <m:sub>
+                            <m:r>
+                              <a:rPr lang="de-DE" b="0" i="1" smtClean="0">
+                                <a:latin typeface="Cambria Math" panose="02040503050406030204" pitchFamily="18" charset="0"/>
+                              </a:rPr>
+                              <m:t>2</m:t>
+                            </m:r>
+                          </m:sub>
+                        </m:sSub>
+                      </m:sub>
+                    </m:sSub>
+                    <m:r>
+                      <a:rPr lang="de-DE" b="0" i="1" smtClean="0">
+                        <a:latin typeface="Cambria Math" panose="02040503050406030204" pitchFamily="18" charset="0"/>
+                      </a:rPr>
+                      <m:t>=</m:t>
+                    </m:r>
+                    <m:sSub>
+                      <m:sSubPr>
+                        <m:ctrlPr>
+                          <a:rPr lang="de-DE" b="0" i="1" smtClean="0">
+                            <a:latin typeface="Cambria Math" panose="02040503050406030204" pitchFamily="18" charset="0"/>
+                          </a:rPr>
+                        </m:ctrlPr>
+                      </m:sSubPr>
+                      <m:e>
+                        <m:r>
+                          <a:rPr lang="de-DE" b="0" i="1" smtClean="0">
+                            <a:latin typeface="Cambria Math" panose="02040503050406030204" pitchFamily="18" charset="0"/>
+                          </a:rPr>
+                          <m:t>𝑛</m:t>
+                        </m:r>
+                      </m:e>
+                      <m:sub>
+                        <m:r>
+                          <a:rPr lang="de-DE" b="0" i="1" smtClean="0">
+                            <a:latin typeface="Cambria Math" panose="02040503050406030204" pitchFamily="18" charset="0"/>
+                          </a:rPr>
+                          <m:t>𝐿𝑢𝑓𝑡</m:t>
+                        </m:r>
+                      </m:sub>
+                    </m:sSub>
+                    <m:r>
+                      <a:rPr lang="de-DE" b="0" i="1" smtClean="0">
+                        <a:latin typeface="Cambria Math" panose="02040503050406030204" pitchFamily="18" charset="0"/>
+                      </a:rPr>
+                      <m:t>+</m:t>
+                    </m:r>
+                    <m:r>
+                      <m:rPr>
+                        <m:sty m:val="p"/>
+                      </m:rPr>
+                      <a:rPr lang="de-DE" b="0" i="0" smtClean="0">
+                        <a:latin typeface="Cambria Math" panose="02040503050406030204" pitchFamily="18" charset="0"/>
+                      </a:rPr>
+                      <m:t>Δ</m:t>
+                    </m:r>
+                    <m:r>
+                      <a:rPr lang="de-DE" b="0" i="1" smtClean="0">
+                        <a:latin typeface="Cambria Math" panose="02040503050406030204" pitchFamily="18" charset="0"/>
+                      </a:rPr>
+                      <m:t>𝑛</m:t>
+                    </m:r>
+                  </m:oMath>
+                </a14:m>
+                <a:r>
+                  <a:rPr lang="de-DE" dirty="0"/>
+                  <a:t>			</a:t>
+                </a:r>
+                <a14:m>
+                  <m:oMath xmlns:m="http://schemas.openxmlformats.org/officeDocument/2006/math">
+                    <m:r>
+                      <m:rPr>
+                        <m:sty m:val="p"/>
+                      </m:rPr>
+                      <a:rPr lang="de-DE" b="0" i="0" smtClean="0">
+                        <a:latin typeface="Cambria Math" panose="02040503050406030204" pitchFamily="18" charset="0"/>
+                      </a:rPr>
+                      <m:t>Δ</m:t>
+                    </m:r>
+                    <m:r>
+                      <a:rPr lang="de-DE" b="0" i="1" smtClean="0">
+                        <a:latin typeface="Cambria Math" panose="02040503050406030204" pitchFamily="18" charset="0"/>
+                      </a:rPr>
+                      <m:t>𝑛</m:t>
+                    </m:r>
+                    <m:r>
+                      <a:rPr lang="de-DE" b="0" i="1" smtClean="0">
+                        <a:latin typeface="Cambria Math" panose="02040503050406030204" pitchFamily="18" charset="0"/>
+                      </a:rPr>
+                      <m:t>=</m:t>
+                    </m:r>
+                    <m:r>
+                      <m:rPr>
+                        <m:sty m:val="p"/>
+                      </m:rPr>
+                      <a:rPr lang="de-DE" b="0" i="0" smtClean="0">
+                        <a:latin typeface="Cambria Math" panose="02040503050406030204" pitchFamily="18" charset="0"/>
+                      </a:rPr>
+                      <m:t>Δ</m:t>
+                    </m:r>
+                    <m:r>
+                      <a:rPr lang="de-DE" b="0" i="1" smtClean="0">
+                        <a:latin typeface="Cambria Math" panose="02040503050406030204" pitchFamily="18" charset="0"/>
+                      </a:rPr>
+                      <m:t>𝑚</m:t>
+                    </m:r>
+                    <m:r>
+                      <a:rPr lang="de-DE" b="0" i="1" smtClean="0">
+                        <a:latin typeface="Cambria Math" panose="02040503050406030204" pitchFamily="18" charset="0"/>
+                      </a:rPr>
+                      <m:t> </m:t>
+                    </m:r>
+                    <m:f>
+                      <m:fPr>
+                        <m:ctrlPr>
+                          <a:rPr lang="de-DE" b="0" i="1" smtClean="0">
+                            <a:latin typeface="Cambria Math" panose="02040503050406030204" pitchFamily="18" charset="0"/>
+                          </a:rPr>
+                        </m:ctrlPr>
+                      </m:fPr>
+                      <m:num>
+                        <m:r>
+                          <a:rPr lang="de-DE" b="0" i="1" smtClean="0">
+                            <a:latin typeface="Cambria Math" panose="02040503050406030204" pitchFamily="18" charset="0"/>
+                          </a:rPr>
+                          <m:t>𝜆</m:t>
+                        </m:r>
+                      </m:num>
+                      <m:den>
+                        <m:r>
+                          <a:rPr lang="de-DE" b="0" i="1" smtClean="0">
+                            <a:latin typeface="Cambria Math" panose="02040503050406030204" pitchFamily="18" charset="0"/>
+                          </a:rPr>
+                          <m:t>2</m:t>
+                        </m:r>
+                        <m:r>
+                          <a:rPr lang="de-DE" b="0" i="1" smtClean="0">
+                            <a:latin typeface="Cambria Math" panose="02040503050406030204" pitchFamily="18" charset="0"/>
+                          </a:rPr>
+                          <m:t>𝐿</m:t>
+                        </m:r>
+                      </m:den>
+                    </m:f>
+                  </m:oMath>
+                </a14:m>
+                <a:endParaRPr lang="de-DE" dirty="0"/>
+              </a:p>
+            </p:txBody>
+          </p:sp>
+        </mc:Choice>
+        <mc:Fallback xmlns="">
+          <p:sp>
+            <p:nvSpPr>
+              <p:cNvPr id="3" name="Inhaltsplatzhalter 2">
+                <a:extLst>
+                  <a:ext uri="{FF2B5EF4-FFF2-40B4-BE49-F238E27FC236}">
+                    <a16:creationId xmlns:a16="http://schemas.microsoft.com/office/drawing/2014/main" id="{388E1FC6-8805-48F7-82FA-CD1F9F36C2EF}"/>
+                  </a:ext>
+                </a:extLst>
+              </p:cNvPr>
+              <p:cNvSpPr>
+                <a:spLocks noGrp="1" noRot="1" noChangeAspect="1" noMove="1" noResize="1" noEditPoints="1" noAdjustHandles="1" noChangeArrowheads="1" noChangeShapeType="1" noTextEdit="1"/>
+              </p:cNvSpPr>
+              <p:nvPr>
+                <p:ph idx="1"/>
+              </p:nvPr>
+            </p:nvSpPr>
+            <p:spPr>
+              <a:blipFill>
+                <a:blip r:embed="rId2"/>
+                <a:stretch>
+                  <a:fillRect/>
+                </a:stretch>
+              </a:blipFill>
+            </p:spPr>
+            <p:txBody>
+              <a:bodyPr/>
+              <a:lstStyle/>
+              <a:p>
+                <a:r>
+                  <a:rPr lang="de-DE">
+                    <a:noFill/>
+                  </a:rPr>
+                  <a:t> </a:t>
+                </a:r>
+              </a:p>
+            </p:txBody>
+          </p:sp>
+        </mc:Fallback>
+      </mc:AlternateContent>
+    </p:spTree>
+    <p:extLst>
+      <p:ext uri="{BB962C8B-B14F-4D97-AF65-F5344CB8AC3E}">
+        <p14:creationId xmlns:p14="http://schemas.microsoft.com/office/powerpoint/2010/main" val="572028677"/>
+      </p:ext>
+    </p:extLst>
+  </p:cSld>
+  <p:clrMapOvr>
+    <a:masterClrMapping/>
+  </p:clrMapOvr>
+</p:sld>
+</file>
+
+<file path=ppt/slides/slide5.xml><?xml version="1.0" encoding="utf-8"?>
+<p:sld xmlns:a="http://schemas.openxmlformats.org/drawingml/2006/main" xmlns:r="http://schemas.openxmlformats.org/officeDocument/2006/relationships" xmlns:p="http://schemas.openxmlformats.org/presentationml/2006/main">
+  <p:cSld>
+    <p:spTree>
+      <p:nvGrpSpPr>
+        <p:cNvPr id="1" name=""/>
+        <p:cNvGrpSpPr/>
+        <p:nvPr/>
+      </p:nvGrpSpPr>
+      <p:grpSpPr>
+        <a:xfrm>
+          <a:off x="0" y="0"/>
+          <a:ext cx="0" cy="0"/>
+          <a:chOff x="0" y="0"/>
+          <a:chExt cx="0" cy="0"/>
+        </a:xfrm>
+      </p:grpSpPr>
+      <p:sp>
+        <p:nvSpPr>
+          <p:cNvPr id="2" name="Titel 1">
+            <a:extLst>
+              <a:ext uri="{FF2B5EF4-FFF2-40B4-BE49-F238E27FC236}">
+                <a16:creationId xmlns:a16="http://schemas.microsoft.com/office/drawing/2014/main" id="{F8AAC1A0-AA0D-4F91-BA12-D360689F2F29}"/>
+              </a:ext>
+            </a:extLst>
+          </p:cNvPr>
+          <p:cNvSpPr>
+            <a:spLocks noGrp="1"/>
+          </p:cNvSpPr>
+          <p:nvPr>
+            <p:ph type="title"/>
+          </p:nvPr>
+        </p:nvSpPr>
+        <p:spPr/>
+        <p:txBody>
+          <a:bodyPr/>
+          <a:lstStyle/>
+          <a:p>
+            <a:r>
+              <a:rPr lang="de-DE" dirty="0"/>
+              <a:t>Aufbau</a:t>
+            </a:r>
+          </a:p>
+        </p:txBody>
+      </p:sp>
+      <p:pic>
+        <p:nvPicPr>
+          <p:cNvPr id="7" name="Inhaltsplatzhalter 6">
+            <a:extLst>
+              <a:ext uri="{FF2B5EF4-FFF2-40B4-BE49-F238E27FC236}">
+                <a16:creationId xmlns:a16="http://schemas.microsoft.com/office/drawing/2014/main" id="{053B5FB9-B407-4DCB-B5A8-3446068287D6}"/>
+              </a:ext>
+            </a:extLst>
+          </p:cNvPr>
+          <p:cNvPicPr>
+            <a:picLocks noGrp="1" noChangeAspect="1"/>
+          </p:cNvPicPr>
+          <p:nvPr>
+            <p:ph sz="half" idx="1"/>
+          </p:nvPr>
+        </p:nvPicPr>
+        <p:blipFill>
+          <a:blip r:embed="rId2">
+            <a:extLst>
+              <a:ext uri="{28A0092B-C50C-407E-A947-70E740481C1C}">
+                <a14:useLocalDpi xmlns:a14="http://schemas.microsoft.com/office/drawing/2010/main" val="0"/>
+              </a:ext>
+            </a:extLst>
+          </a:blip>
+          <a:stretch>
+            <a:fillRect/>
+          </a:stretch>
+        </p:blipFill>
+        <p:spPr>
+          <a:xfrm>
+            <a:off x="2546252" y="597086"/>
+            <a:ext cx="7399899" cy="5713942"/>
+          </a:xfrm>
+        </p:spPr>
+      </p:pic>
+    </p:spTree>
+    <p:extLst>
+      <p:ext uri="{BB962C8B-B14F-4D97-AF65-F5344CB8AC3E}">
+        <p14:creationId xmlns:p14="http://schemas.microsoft.com/office/powerpoint/2010/main" val="794588133"/>
+      </p:ext>
+    </p:extLst>
+  </p:cSld>
+  <p:clrMapOvr>
+    <a:masterClrMapping/>
+  </p:clrMapOvr>
+</p:sld>
+</file>
+
+<file path=ppt/slides/slide6.xml><?xml version="1.0" encoding="utf-8"?>
+<p:sld xmlns:a="http://schemas.openxmlformats.org/drawingml/2006/main" xmlns:r="http://schemas.openxmlformats.org/officeDocument/2006/relationships" xmlns:p="http://schemas.openxmlformats.org/presentationml/2006/main">
+  <p:cSld>
+    <p:spTree>
+      <p:nvGrpSpPr>
+        <p:cNvPr id="1" name=""/>
+        <p:cNvGrpSpPr/>
+        <p:nvPr/>
+      </p:nvGrpSpPr>
+      <p:grpSpPr>
+        <a:xfrm>
+          <a:off x="0" y="0"/>
+          <a:ext cx="0" cy="0"/>
+          <a:chOff x="0" y="0"/>
+          <a:chExt cx="0" cy="0"/>
+        </a:xfrm>
+      </p:grpSpPr>
+      <p:sp>
+        <p:nvSpPr>
+          <p:cNvPr id="2" name="Titel 1">
+            <a:extLst>
+              <a:ext uri="{FF2B5EF4-FFF2-40B4-BE49-F238E27FC236}">
+                <a16:creationId xmlns:a16="http://schemas.microsoft.com/office/drawing/2014/main" id="{82B91491-7839-47EE-BA59-291DA3587ADB}"/>
+              </a:ext>
+            </a:extLst>
+          </p:cNvPr>
+          <p:cNvSpPr>
+            <a:spLocks noGrp="1"/>
+          </p:cNvSpPr>
+          <p:nvPr>
+            <p:ph type="title"/>
+          </p:nvPr>
+        </p:nvSpPr>
+        <p:spPr/>
+        <p:txBody>
+          <a:bodyPr/>
+          <a:lstStyle/>
+          <a:p>
+            <a:r>
+              <a:rPr lang="de-DE" dirty="0"/>
+              <a:t>Kalibration</a:t>
+            </a:r>
+          </a:p>
+        </p:txBody>
+      </p:sp>
+      <mc:AlternateContent xmlns:mc="http://schemas.openxmlformats.org/markup-compatibility/2006" xmlns:a14="http://schemas.microsoft.com/office/drawing/2010/main">
+        <mc:Choice Requires="a14">
+          <p:sp>
+            <p:nvSpPr>
+              <p:cNvPr id="4" name="Inhaltsplatzhalter 3">
+                <a:extLst>
+                  <a:ext uri="{FF2B5EF4-FFF2-40B4-BE49-F238E27FC236}">
+                    <a16:creationId xmlns:a16="http://schemas.microsoft.com/office/drawing/2014/main" id="{D96DEBC0-6F0D-446D-AB92-3E2E0C326FE4}"/>
+                  </a:ext>
+                </a:extLst>
+              </p:cNvPr>
+              <p:cNvSpPr>
+                <a:spLocks noGrp="1"/>
+              </p:cNvSpPr>
+              <p:nvPr>
+                <p:ph sz="half" idx="1"/>
+              </p:nvPr>
+            </p:nvSpPr>
+            <p:spPr/>
+            <p:txBody>
+              <a:bodyPr/>
+              <a:lstStyle/>
+              <a:p>
+                <a:endParaRPr lang="de-DE" b="0" i="1">
+                  <a:latin typeface="Cambria Math" panose="02040503050406030204" pitchFamily="18" charset="0"/>
+                </a:endParaRPr>
+              </a:p>
+              <a:p>
+                <a14:m>
+                  <m:oMath xmlns:m="http://schemas.openxmlformats.org/officeDocument/2006/math">
+                    <m:sSub>
+                      <m:sSubPr>
+                        <m:ctrlPr>
+                          <a:rPr lang="de-DE" b="0" i="1" smtClean="0">
+                            <a:latin typeface="Cambria Math" panose="02040503050406030204" pitchFamily="18" charset="0"/>
+                          </a:rPr>
+                        </m:ctrlPr>
+                      </m:sSubPr>
+                      <m:e>
+                        <m:r>
+                          <a:rPr lang="de-DE" b="0" i="1" smtClean="0">
+                            <a:latin typeface="Cambria Math" panose="02040503050406030204" pitchFamily="18" charset="0"/>
+                          </a:rPr>
+                          <m:t>𝑘</m:t>
+                        </m:r>
+                      </m:e>
+                      <m:sub>
+                        <m:r>
+                          <a:rPr lang="de-DE" b="0" i="1" smtClean="0">
+                            <a:latin typeface="Cambria Math" panose="02040503050406030204" pitchFamily="18" charset="0"/>
+                          </a:rPr>
+                          <m:t>𝐴</m:t>
+                        </m:r>
+                      </m:sub>
+                    </m:sSub>
+                    <m:r>
+                      <a:rPr lang="de-DE" b="0" i="1" smtClean="0">
+                        <a:latin typeface="Cambria Math" panose="02040503050406030204" pitchFamily="18" charset="0"/>
+                      </a:rPr>
+                      <m:t>=0,0487±0,0002</m:t>
+                    </m:r>
+                  </m:oMath>
+                </a14:m>
+                <a:endParaRPr lang="de-DE" dirty="0"/>
+              </a:p>
+              <a:p>
+                <a:endParaRPr lang="de-DE" dirty="0"/>
+              </a:p>
+              <a:p>
+                <a14:m>
+                  <m:oMath xmlns:m="http://schemas.openxmlformats.org/officeDocument/2006/math">
+                    <m:sSub>
+                      <m:sSubPr>
+                        <m:ctrlPr>
+                          <a:rPr lang="de-DE" b="0" i="1" smtClean="0">
+                            <a:latin typeface="Cambria Math" panose="02040503050406030204" pitchFamily="18" charset="0"/>
+                          </a:rPr>
+                        </m:ctrlPr>
+                      </m:sSubPr>
+                      <m:e>
+                        <m:r>
+                          <a:rPr lang="de-DE" b="0" i="1" smtClean="0">
+                            <a:latin typeface="Cambria Math" panose="02040503050406030204" pitchFamily="18" charset="0"/>
+                          </a:rPr>
+                          <m:t>𝑘</m:t>
+                        </m:r>
+                      </m:e>
+                      <m:sub>
+                        <m:r>
+                          <a:rPr lang="de-DE" b="0" i="1" smtClean="0">
+                            <a:latin typeface="Cambria Math" panose="02040503050406030204" pitchFamily="18" charset="0"/>
+                          </a:rPr>
+                          <m:t>𝐵</m:t>
+                        </m:r>
+                      </m:sub>
+                    </m:sSub>
+                    <m:r>
+                      <a:rPr lang="de-DE" b="0" i="1" smtClean="0">
+                        <a:latin typeface="Cambria Math" panose="02040503050406030204" pitchFamily="18" charset="0"/>
+                      </a:rPr>
+                      <m:t>=0.0442±0,0002</m:t>
+                    </m:r>
+                  </m:oMath>
+                </a14:m>
+                <a:endParaRPr lang="de-DE" dirty="0"/>
+              </a:p>
+            </p:txBody>
+          </p:sp>
+        </mc:Choice>
+        <mc:Fallback xmlns="">
+          <p:sp>
+            <p:nvSpPr>
+              <p:cNvPr id="4" name="Inhaltsplatzhalter 3">
+                <a:extLst>
+                  <a:ext uri="{FF2B5EF4-FFF2-40B4-BE49-F238E27FC236}">
+                    <a16:creationId xmlns:a16="http://schemas.microsoft.com/office/drawing/2014/main" id="{D96DEBC0-6F0D-446D-AB92-3E2E0C326FE4}"/>
+                  </a:ext>
+                </a:extLst>
+              </p:cNvPr>
+              <p:cNvSpPr>
+                <a:spLocks noGrp="1" noRot="1" noChangeAspect="1" noMove="1" noResize="1" noEditPoints="1" noAdjustHandles="1" noChangeArrowheads="1" noChangeShapeType="1" noTextEdit="1"/>
+              </p:cNvSpPr>
+              <p:nvPr>
+                <p:ph sz="half" idx="1"/>
+              </p:nvPr>
+            </p:nvSpPr>
+            <p:spPr>
+              <a:blipFill>
+                <a:blip r:embed="rId2"/>
+                <a:stretch>
+                  <a:fillRect/>
+                </a:stretch>
+              </a:blipFill>
+            </p:spPr>
+            <p:txBody>
+              <a:bodyPr/>
+              <a:lstStyle/>
+              <a:p>
+                <a:r>
+                  <a:rPr lang="de-DE">
+                    <a:noFill/>
+                  </a:rPr>
+                  <a:t> </a:t>
+                </a:r>
+              </a:p>
+            </p:txBody>
+          </p:sp>
+        </mc:Fallback>
+      </mc:AlternateContent>
+      <p:pic>
+        <p:nvPicPr>
+          <p:cNvPr id="10" name="Inhaltsplatzhalter 9">
+            <a:extLst>
+              <a:ext uri="{FF2B5EF4-FFF2-40B4-BE49-F238E27FC236}">
+                <a16:creationId xmlns:a16="http://schemas.microsoft.com/office/drawing/2014/main" id="{DF1CD1B0-BE0D-4BFB-BC93-B6AF0F8C9C8D}"/>
+              </a:ext>
+            </a:extLst>
+          </p:cNvPr>
+          <p:cNvPicPr>
+            <a:picLocks noGrp="1" noChangeAspect="1"/>
+          </p:cNvPicPr>
+          <p:nvPr>
+            <p:ph sz="half" idx="2"/>
+          </p:nvPr>
+        </p:nvPicPr>
+        <p:blipFill>
+          <a:blip r:embed="rId3">
+            <a:extLst>
+              <a:ext uri="{28A0092B-C50C-407E-A947-70E740481C1C}">
+                <a14:useLocalDpi xmlns:a14="http://schemas.microsoft.com/office/drawing/2010/main" val="0"/>
+              </a:ext>
+            </a:extLst>
+          </a:blip>
+          <a:stretch>
+            <a:fillRect/>
+          </a:stretch>
+        </p:blipFill>
+        <p:spPr>
+          <a:xfrm>
+            <a:off x="6172200" y="2215635"/>
+            <a:ext cx="5181600" cy="3571317"/>
+          </a:xfrm>
+        </p:spPr>
+      </p:pic>
+    </p:spTree>
+    <p:extLst>
+      <p:ext uri="{BB962C8B-B14F-4D97-AF65-F5344CB8AC3E}">
+        <p14:creationId xmlns:p14="http://schemas.microsoft.com/office/powerpoint/2010/main" val="957132963"/>
+      </p:ext>
+    </p:extLst>
+  </p:cSld>
+  <p:clrMapOvr>
+    <a:masterClrMapping/>
+  </p:clrMapOvr>
+</p:sld>
+</file>
+
+<file path=ppt/slides/slide7.xml><?xml version="1.0" encoding="utf-8"?>
+<p:sld xmlns:a="http://schemas.openxmlformats.org/drawingml/2006/main" xmlns:r="http://schemas.openxmlformats.org/officeDocument/2006/relationships" xmlns:p="http://schemas.openxmlformats.org/presentationml/2006/main">
+  <p:cSld>
+    <p:spTree>
+      <p:nvGrpSpPr>
+        <p:cNvPr id="1" name=""/>
+        <p:cNvGrpSpPr/>
+        <p:nvPr/>
+      </p:nvGrpSpPr>
+      <p:grpSpPr>
+        <a:xfrm>
+          <a:off x="0" y="0"/>
+          <a:ext cx="0" cy="0"/>
+          <a:chOff x="0" y="0"/>
+          <a:chExt cx="0" cy="0"/>
+        </a:xfrm>
+      </p:grpSpPr>
+      <p:sp>
+        <p:nvSpPr>
+          <p:cNvPr id="2" name="Titel 1">
+            <a:extLst>
+              <a:ext uri="{FF2B5EF4-FFF2-40B4-BE49-F238E27FC236}">
+                <a16:creationId xmlns:a16="http://schemas.microsoft.com/office/drawing/2014/main" id="{1DBBC000-D048-464C-9625-9FDE30AE4F5B}"/>
+              </a:ext>
+            </a:extLst>
+          </p:cNvPr>
+          <p:cNvSpPr>
+            <a:spLocks noGrp="1"/>
+          </p:cNvSpPr>
+          <p:nvPr>
+            <p:ph type="title"/>
+          </p:nvPr>
+        </p:nvSpPr>
+        <p:spPr/>
+        <p:txBody>
+          <a:bodyPr/>
+          <a:lstStyle/>
+          <a:p>
+            <a:r>
+              <a:rPr lang="de-DE" dirty="0"/>
+              <a:t>Wellenlänge</a:t>
+            </a:r>
+          </a:p>
+        </p:txBody>
+      </p:sp>
+      <mc:AlternateContent xmlns:mc="http://schemas.openxmlformats.org/markup-compatibility/2006" xmlns:a14="http://schemas.microsoft.com/office/drawing/2010/main">
+        <mc:Choice Requires="a14">
+          <p:sp>
+            <p:nvSpPr>
+              <p:cNvPr id="4" name="Inhaltsplatzhalter 3">
+                <a:extLst>
+                  <a:ext uri="{FF2B5EF4-FFF2-40B4-BE49-F238E27FC236}">
+                    <a16:creationId xmlns:a16="http://schemas.microsoft.com/office/drawing/2014/main" id="{21317AA6-7E75-483E-A8C6-6B42E89EBC56}"/>
+                  </a:ext>
+                </a:extLst>
+              </p:cNvPr>
+              <p:cNvSpPr>
+                <a:spLocks noGrp="1"/>
+              </p:cNvSpPr>
+              <p:nvPr>
+                <p:ph sz="half" idx="1"/>
+              </p:nvPr>
+            </p:nvSpPr>
+            <p:spPr/>
+            <p:txBody>
+              <a:bodyPr/>
+              <a:lstStyle/>
+              <a:p>
+                <a14:m>
+                  <m:oMath xmlns:m="http://schemas.openxmlformats.org/officeDocument/2006/math">
+                    <m:sSub>
+                      <m:sSubPr>
+                        <m:ctrlPr>
+                          <a:rPr lang="de-DE" b="0" i="1" smtClean="0">
+                            <a:latin typeface="Cambria Math" panose="02040503050406030204" pitchFamily="18" charset="0"/>
+                          </a:rPr>
+                        </m:ctrlPr>
+                      </m:sSubPr>
+                      <m:e>
+                        <m:r>
+                          <a:rPr lang="de-DE" b="0" i="1" smtClean="0">
+                            <a:latin typeface="Cambria Math" panose="02040503050406030204" pitchFamily="18" charset="0"/>
+                          </a:rPr>
+                          <m:t>𝜆</m:t>
+                        </m:r>
+                      </m:e>
+                      <m:sub>
+                        <m:r>
+                          <a:rPr lang="de-DE" b="0" i="1" smtClean="0">
+                            <a:latin typeface="Cambria Math" panose="02040503050406030204" pitchFamily="18" charset="0"/>
+                          </a:rPr>
+                          <m:t>𝐴</m:t>
+                        </m:r>
+                      </m:sub>
+                    </m:sSub>
+                    <m:r>
+                      <a:rPr lang="de-DE" b="0" i="1" smtClean="0">
+                        <a:latin typeface="Cambria Math" panose="02040503050406030204" pitchFamily="18" charset="0"/>
+                      </a:rPr>
+                      <m:t>=(522,6±2,0±2,1)</m:t>
+                    </m:r>
+                  </m:oMath>
+                </a14:m>
+                <a:r>
+                  <a:rPr lang="de-DE" dirty="0"/>
+                  <a:t>nm</a:t>
+                </a:r>
+              </a:p>
+              <a:p>
+                <a:endParaRPr lang="de-DE" dirty="0"/>
+              </a:p>
+              <a:p>
+                <a14:m>
+                  <m:oMath xmlns:m="http://schemas.openxmlformats.org/officeDocument/2006/math">
+                    <m:sSub>
+                      <m:sSubPr>
+                        <m:ctrlPr>
+                          <a:rPr lang="de-DE" b="0" i="1" smtClean="0">
+                            <a:latin typeface="Cambria Math" panose="02040503050406030204" pitchFamily="18" charset="0"/>
+                          </a:rPr>
+                        </m:ctrlPr>
+                      </m:sSubPr>
+                      <m:e>
+                        <m:r>
+                          <a:rPr lang="de-DE" b="0" i="1" smtClean="0">
+                            <a:latin typeface="Cambria Math" panose="02040503050406030204" pitchFamily="18" charset="0"/>
+                          </a:rPr>
+                          <m:t>𝜆</m:t>
+                        </m:r>
+                      </m:e>
+                      <m:sub>
+                        <m:r>
+                          <a:rPr lang="de-DE" b="0" i="1" smtClean="0">
+                            <a:latin typeface="Cambria Math" panose="02040503050406030204" pitchFamily="18" charset="0"/>
+                          </a:rPr>
+                          <m:t>𝐵</m:t>
+                        </m:r>
+                      </m:sub>
+                    </m:sSub>
+                    <m:r>
+                      <a:rPr lang="de-DE" b="0" i="0" smtClean="0">
+                        <a:latin typeface="Cambria Math" panose="02040503050406030204" pitchFamily="18" charset="0"/>
+                      </a:rPr>
+                      <m:t>=(526,1</m:t>
+                    </m:r>
+                    <m:r>
+                      <a:rPr lang="de-DE" b="0" i="1" smtClean="0">
+                        <a:latin typeface="Cambria Math" panose="02040503050406030204" pitchFamily="18" charset="0"/>
+                      </a:rPr>
+                      <m:t>±1,7±2,0)</m:t>
+                    </m:r>
+                  </m:oMath>
+                </a14:m>
+                <a:r>
+                  <a:rPr lang="de-DE" dirty="0"/>
+                  <a:t>nm</a:t>
+                </a:r>
+              </a:p>
+              <a:p>
+                <a:endParaRPr lang="de-DE" dirty="0"/>
+              </a:p>
+              <a:p>
+                <a:r>
+                  <a:rPr lang="de-DE" dirty="0"/>
+                  <a:t>Nominal: </a:t>
+                </a:r>
+                <a14:m>
+                  <m:oMath xmlns:m="http://schemas.openxmlformats.org/officeDocument/2006/math">
+                    <m:r>
+                      <a:rPr lang="de-DE" b="0" i="1" smtClean="0">
+                        <a:latin typeface="Cambria Math" panose="02040503050406030204" pitchFamily="18" charset="0"/>
+                      </a:rPr>
+                      <m:t>𝜆</m:t>
+                    </m:r>
+                    <m:r>
+                      <a:rPr lang="de-DE" b="0" i="1" smtClean="0">
+                        <a:latin typeface="Cambria Math" panose="02040503050406030204" pitchFamily="18" charset="0"/>
+                      </a:rPr>
+                      <m:t>=532</m:t>
+                    </m:r>
+                  </m:oMath>
+                </a14:m>
+                <a:r>
+                  <a:rPr lang="de-DE" dirty="0"/>
+                  <a:t>nm</a:t>
+                </a:r>
+              </a:p>
+            </p:txBody>
+          </p:sp>
+        </mc:Choice>
+        <mc:Fallback xmlns="">
+          <p:sp>
+            <p:nvSpPr>
+              <p:cNvPr id="4" name="Inhaltsplatzhalter 3">
+                <a:extLst>
+                  <a:ext uri="{FF2B5EF4-FFF2-40B4-BE49-F238E27FC236}">
+                    <a16:creationId xmlns:a16="http://schemas.microsoft.com/office/drawing/2014/main" id="{21317AA6-7E75-483E-A8C6-6B42E89EBC56}"/>
+                  </a:ext>
+                </a:extLst>
+              </p:cNvPr>
+              <p:cNvSpPr>
+                <a:spLocks noGrp="1" noRot="1" noChangeAspect="1" noMove="1" noResize="1" noEditPoints="1" noAdjustHandles="1" noChangeArrowheads="1" noChangeShapeType="1" noTextEdit="1"/>
+              </p:cNvSpPr>
+              <p:nvPr>
+                <p:ph sz="half" idx="1"/>
+              </p:nvPr>
+            </p:nvSpPr>
+            <p:spPr>
+              <a:blipFill>
+                <a:blip r:embed="rId2"/>
+                <a:stretch>
+                  <a:fillRect l="-2118" t="-2241"/>
+                </a:stretch>
+              </a:blipFill>
+            </p:spPr>
+            <p:txBody>
+              <a:bodyPr/>
+              <a:lstStyle/>
+              <a:p>
+                <a:r>
+                  <a:rPr lang="de-DE">
+                    <a:noFill/>
+                  </a:rPr>
+                  <a:t> </a:t>
+                </a:r>
+              </a:p>
+            </p:txBody>
+          </p:sp>
+        </mc:Fallback>
+      </mc:AlternateContent>
+      <p:pic>
+        <p:nvPicPr>
+          <p:cNvPr id="7" name="Inhaltsplatzhalter 6">
+            <a:extLst>
+              <a:ext uri="{FF2B5EF4-FFF2-40B4-BE49-F238E27FC236}">
+                <a16:creationId xmlns:a16="http://schemas.microsoft.com/office/drawing/2014/main" id="{DFBB4AD2-6CFD-478C-AA72-4407B9B26771}"/>
+              </a:ext>
+            </a:extLst>
+          </p:cNvPr>
+          <p:cNvPicPr>
+            <a:picLocks noGrp="1" noChangeAspect="1"/>
+          </p:cNvPicPr>
+          <p:nvPr>
+            <p:ph sz="half" idx="2"/>
+          </p:nvPr>
+        </p:nvPicPr>
+        <p:blipFill>
+          <a:blip r:embed="rId3">
+            <a:extLst>
+              <a:ext uri="{28A0092B-C50C-407E-A947-70E740481C1C}">
+                <a14:useLocalDpi xmlns:a14="http://schemas.microsoft.com/office/drawing/2010/main" val="0"/>
+              </a:ext>
+            </a:extLst>
+          </a:blip>
+          <a:stretch>
+            <a:fillRect/>
+          </a:stretch>
+        </p:blipFill>
+        <p:spPr>
+          <a:xfrm>
+            <a:off x="6172200" y="2215635"/>
+            <a:ext cx="5181600" cy="3571317"/>
+          </a:xfrm>
+        </p:spPr>
+      </p:pic>
+    </p:spTree>
+    <p:extLst>
+      <p:ext uri="{BB962C8B-B14F-4D97-AF65-F5344CB8AC3E}">
+        <p14:creationId xmlns:p14="http://schemas.microsoft.com/office/powerpoint/2010/main" val="3518068574"/>
+      </p:ext>
+    </p:extLst>
+  </p:cSld>
+  <p:clrMapOvr>
+    <a:masterClrMapping/>
+  </p:clrMapOvr>
+</p:sld>
+</file>
+
+<file path=ppt/slides/slide8.xml><?xml version="1.0" encoding="utf-8"?>
+<p:sld xmlns:a="http://schemas.openxmlformats.org/drawingml/2006/main" xmlns:r="http://schemas.openxmlformats.org/officeDocument/2006/relationships" xmlns:p="http://schemas.openxmlformats.org/presentationml/2006/main">
+  <p:cSld>
+    <p:spTree>
+      <p:nvGrpSpPr>
+        <p:cNvPr id="1" name=""/>
+        <p:cNvGrpSpPr/>
+        <p:nvPr/>
+      </p:nvGrpSpPr>
+      <p:grpSpPr>
+        <a:xfrm>
+          <a:off x="0" y="0"/>
+          <a:ext cx="0" cy="0"/>
+          <a:chOff x="0" y="0"/>
+          <a:chExt cx="0" cy="0"/>
+        </a:xfrm>
+      </p:grpSpPr>
+      <p:sp>
+        <p:nvSpPr>
+          <p:cNvPr id="2" name="Titel 1">
+            <a:extLst>
+              <a:ext uri="{FF2B5EF4-FFF2-40B4-BE49-F238E27FC236}">
+                <a16:creationId xmlns:a16="http://schemas.microsoft.com/office/drawing/2014/main" id="{ABBF87BF-7588-4FB8-B28E-6B7F15DA69A9}"/>
+              </a:ext>
+            </a:extLst>
+          </p:cNvPr>
+          <p:cNvSpPr>
+            <a:spLocks noGrp="1"/>
+          </p:cNvSpPr>
+          <p:nvPr>
+            <p:ph type="title"/>
+          </p:nvPr>
+        </p:nvSpPr>
+        <p:spPr/>
+        <p:txBody>
+          <a:bodyPr/>
+          <a:lstStyle/>
+          <a:p>
+            <a:r>
+              <a:rPr lang="de-DE" dirty="0"/>
+              <a:t>Druckabhängigkeit</a:t>
+            </a:r>
+          </a:p>
+        </p:txBody>
+      </p:sp>
+      <mc:AlternateContent xmlns:mc="http://schemas.openxmlformats.org/markup-compatibility/2006">
+        <mc:Choice xmlns:a14="http://schemas.microsoft.com/office/drawing/2010/main" Requires="a14">
+          <p:sp>
+            <p:nvSpPr>
+              <p:cNvPr id="3" name="Inhaltsplatzhalter 2">
+                <a:extLst>
+                  <a:ext uri="{FF2B5EF4-FFF2-40B4-BE49-F238E27FC236}">
+                    <a16:creationId xmlns:a16="http://schemas.microsoft.com/office/drawing/2014/main" id="{941DB0CC-1FB6-4CDF-945A-8DFEC43257A6}"/>
+                  </a:ext>
+                </a:extLst>
+              </p:cNvPr>
+              <p:cNvSpPr>
+                <a:spLocks noGrp="1"/>
+              </p:cNvSpPr>
+              <p:nvPr>
+                <p:ph idx="1"/>
+              </p:nvPr>
+            </p:nvSpPr>
+            <p:spPr>
+              <a:xfrm>
+                <a:off x="838199" y="1825625"/>
+                <a:ext cx="5264889" cy="4351338"/>
+              </a:xfrm>
+            </p:spPr>
+            <p:txBody>
+              <a:bodyPr>
+                <a:normAutofit/>
+              </a:bodyPr>
+              <a:lstStyle/>
+              <a:p>
+                <a:r>
+                  <a:rPr lang="de-DE" sz="2400" dirty="0">
+                    <a:latin typeface="Cambria Math" panose="02040503050406030204" pitchFamily="18" charset="0"/>
+                  </a:rPr>
+                  <a:t>Mitteln aller Werte für jedes Maximum</a:t>
+                </a:r>
+              </a:p>
+              <a:p>
+                <a:endParaRPr lang="de-DE" sz="2400" dirty="0">
+                  <a:latin typeface="Cambria Math" panose="02040503050406030204" pitchFamily="18" charset="0"/>
+                </a:endParaRPr>
+              </a:p>
+              <a:p>
+                <a:r>
+                  <a:rPr lang="de-DE" sz="2400" dirty="0">
+                    <a:latin typeface="Cambria Math" panose="02040503050406030204" pitchFamily="18" charset="0"/>
+                  </a:rPr>
+                  <a:t>Fehler zu groß</a:t>
+                </a:r>
+                <a:endParaRPr lang="de-DE" sz="2400" i="1" dirty="0">
+                  <a:latin typeface="Cambria Math" panose="02040503050406030204" pitchFamily="18" charset="0"/>
+                </a:endParaRPr>
+              </a:p>
+              <a:p>
+                <a:endParaRPr lang="de-DE" sz="2400" i="1" dirty="0">
+                  <a:latin typeface="Cambria Math" panose="02040503050406030204" pitchFamily="18" charset="0"/>
+                </a:endParaRPr>
+              </a:p>
+              <a:p>
+                <a14:m>
+                  <m:oMath xmlns:m="http://schemas.openxmlformats.org/officeDocument/2006/math">
+                    <m:f>
+                      <m:fPr>
+                        <m:ctrlPr>
+                          <a:rPr lang="de-DE" sz="2400" i="1" smtClean="0">
+                            <a:latin typeface="Cambria Math" panose="02040503050406030204" pitchFamily="18" charset="0"/>
+                          </a:rPr>
+                        </m:ctrlPr>
+                      </m:fPr>
+                      <m:num>
+                        <m:r>
+                          <a:rPr lang="de-DE" sz="2400" b="0" i="1" smtClean="0">
+                            <a:latin typeface="Cambria Math" panose="02040503050406030204" pitchFamily="18" charset="0"/>
+                          </a:rPr>
+                          <m:t>𝑑𝑛</m:t>
+                        </m:r>
+                      </m:num>
+                      <m:den>
+                        <m:r>
+                          <a:rPr lang="de-DE" sz="2400" b="0" i="1" smtClean="0">
+                            <a:latin typeface="Cambria Math" panose="02040503050406030204" pitchFamily="18" charset="0"/>
+                          </a:rPr>
+                          <m:t>𝑑𝑃</m:t>
+                        </m:r>
+                      </m:den>
+                    </m:f>
+                    <m:r>
+                      <a:rPr lang="de-DE" sz="2400" b="0" i="1" smtClean="0">
+                        <a:latin typeface="Cambria Math" panose="02040503050406030204" pitchFamily="18" charset="0"/>
+                      </a:rPr>
+                      <m:t>=</m:t>
+                    </m:r>
+                    <m:d>
+                      <m:dPr>
+                        <m:ctrlPr>
+                          <a:rPr lang="de-DE" sz="2400" b="0" i="1" smtClean="0">
+                            <a:latin typeface="Cambria Math" panose="02040503050406030204" pitchFamily="18" charset="0"/>
+                          </a:rPr>
+                        </m:ctrlPr>
+                      </m:dPr>
+                      <m:e>
+                        <m:r>
+                          <a:rPr lang="de-DE" sz="2400" b="0" i="1" smtClean="0">
+                            <a:latin typeface="Cambria Math" panose="02040503050406030204" pitchFamily="18" charset="0"/>
+                          </a:rPr>
+                          <m:t>2.5931±0.034±0.014</m:t>
+                        </m:r>
+                      </m:e>
+                    </m:d>
+                    <m:f>
+                      <m:fPr>
+                        <m:ctrlPr>
+                          <a:rPr lang="de-DE" sz="2400" b="0" i="1" smtClean="0">
+                            <a:latin typeface="Cambria Math" panose="02040503050406030204" pitchFamily="18" charset="0"/>
+                          </a:rPr>
+                        </m:ctrlPr>
+                      </m:fPr>
+                      <m:num>
+                        <m:sSup>
+                          <m:sSupPr>
+                            <m:ctrlPr>
+                              <a:rPr lang="de-DE" sz="2400" b="0" i="1" smtClean="0">
+                                <a:latin typeface="Cambria Math" panose="02040503050406030204" pitchFamily="18" charset="0"/>
+                              </a:rPr>
+                            </m:ctrlPr>
+                          </m:sSupPr>
+                          <m:e>
+                            <m:r>
+                              <a:rPr lang="de-DE" sz="2400" b="0" i="1" smtClean="0">
+                                <a:latin typeface="Cambria Math" panose="02040503050406030204" pitchFamily="18" charset="0"/>
+                              </a:rPr>
+                              <m:t>10</m:t>
+                            </m:r>
+                          </m:e>
+                          <m:sup>
+                            <m:r>
+                              <a:rPr lang="de-DE" sz="2400" b="0" i="1" smtClean="0">
+                                <a:latin typeface="Cambria Math" panose="02040503050406030204" pitchFamily="18" charset="0"/>
+                              </a:rPr>
+                              <m:t>−7</m:t>
+                            </m:r>
+                          </m:sup>
+                        </m:sSup>
+                      </m:num>
+                      <m:den>
+                        <m:r>
+                          <a:rPr lang="de-DE" sz="2400" b="0" i="1" smtClean="0">
+                            <a:latin typeface="Cambria Math" panose="02040503050406030204" pitchFamily="18" charset="0"/>
+                          </a:rPr>
+                          <m:t>𝑚𝑏𝑎𝑟</m:t>
+                        </m:r>
+                      </m:den>
+                    </m:f>
+                  </m:oMath>
+                </a14:m>
+                <a:endParaRPr lang="de-DE" sz="2400" dirty="0"/>
+              </a:p>
+              <a:p>
+                <a:endParaRPr lang="de-DE" sz="2400" dirty="0"/>
+              </a:p>
+              <a:p>
+                <a:endParaRPr lang="de-DE" sz="2400" dirty="0"/>
+              </a:p>
+            </p:txBody>
+          </p:sp>
+        </mc:Choice>
+        <mc:Fallback>
+          <p:sp>
+            <p:nvSpPr>
+              <p:cNvPr id="3" name="Inhaltsplatzhalter 2">
+                <a:extLst>
+                  <a:ext uri="{FF2B5EF4-FFF2-40B4-BE49-F238E27FC236}">
+                    <a16:creationId xmlns:a16="http://schemas.microsoft.com/office/drawing/2014/main" id="{941DB0CC-1FB6-4CDF-945A-8DFEC43257A6}"/>
+                  </a:ext>
+                </a:extLst>
+              </p:cNvPr>
+              <p:cNvSpPr>
+                <a:spLocks noGrp="1" noRot="1" noChangeAspect="1" noMove="1" noResize="1" noEditPoints="1" noAdjustHandles="1" noChangeArrowheads="1" noChangeShapeType="1" noTextEdit="1"/>
+              </p:cNvSpPr>
+              <p:nvPr>
+                <p:ph idx="1"/>
+              </p:nvPr>
+            </p:nvSpPr>
+            <p:spPr>
+              <a:xfrm>
+                <a:off x="838199" y="1825625"/>
+                <a:ext cx="5264889" cy="4351338"/>
+              </a:xfrm>
+              <a:blipFill>
+                <a:blip r:embed="rId2"/>
+                <a:stretch>
+                  <a:fillRect l="-1505" t="-1961"/>
+                </a:stretch>
+              </a:blipFill>
+            </p:spPr>
+            <p:txBody>
+              <a:bodyPr/>
+              <a:lstStyle/>
+              <a:p>
+                <a:r>
+                  <a:rPr lang="de-DE">
+                    <a:noFill/>
+                  </a:rPr>
+                  <a:t> </a:t>
+                </a:r>
+              </a:p>
+            </p:txBody>
+          </p:sp>
+        </mc:Fallback>
+      </mc:AlternateContent>
+      <p:pic>
+        <p:nvPicPr>
+          <p:cNvPr id="6" name="Inhaltsplatzhalter 4">
+            <a:extLst>
+              <a:ext uri="{FF2B5EF4-FFF2-40B4-BE49-F238E27FC236}">
+                <a16:creationId xmlns:a16="http://schemas.microsoft.com/office/drawing/2014/main" id="{BBF1D7CE-3010-4FDE-A027-3F8D0C9344C2}"/>
+              </a:ext>
+            </a:extLst>
+          </p:cNvPr>
+          <p:cNvPicPr>
+            <a:picLocks noChangeAspect="1"/>
+          </p:cNvPicPr>
+          <p:nvPr/>
+        </p:nvPicPr>
+        <p:blipFill>
+          <a:blip r:embed="rId3">
+            <a:extLst>
+              <a:ext uri="{28A0092B-C50C-407E-A947-70E740481C1C}">
+                <a14:useLocalDpi xmlns:a14="http://schemas.microsoft.com/office/drawing/2010/main" val="0"/>
+              </a:ext>
+            </a:extLst>
+          </a:blip>
+          <a:stretch>
+            <a:fillRect/>
+          </a:stretch>
+        </p:blipFill>
+        <p:spPr>
+          <a:xfrm>
+            <a:off x="6310019" y="1346891"/>
+            <a:ext cx="5162377" cy="3855650"/>
+          </a:xfrm>
+          <a:prstGeom prst="rect">
+            <a:avLst/>
+          </a:prstGeom>
+        </p:spPr>
+      </p:pic>
+    </p:spTree>
+    <p:extLst>
+      <p:ext uri="{BB962C8B-B14F-4D97-AF65-F5344CB8AC3E}">
+        <p14:creationId xmlns:p14="http://schemas.microsoft.com/office/powerpoint/2010/main" val="3870067177"/>
+      </p:ext>
+    </p:extLst>
+  </p:cSld>
+  <p:clrMapOvr>
+    <a:masterClrMapping/>
+  </p:clrMapOvr>
+</p:sld>
+</file>
+
+<file path=ppt/slides/slide9.xml><?xml version="1.0" encoding="utf-8"?>
+<p:sld xmlns:a="http://schemas.openxmlformats.org/drawingml/2006/main" xmlns:r="http://schemas.openxmlformats.org/officeDocument/2006/relationships" xmlns:p="http://schemas.openxmlformats.org/presentationml/2006/main">
+  <p:cSld>
+    <p:spTree>
+      <p:nvGrpSpPr>
+        <p:cNvPr id="1" name=""/>
+        <p:cNvGrpSpPr/>
+        <p:nvPr/>
+      </p:nvGrpSpPr>
+      <p:grpSpPr>
+        <a:xfrm>
+          <a:off x="0" y="0"/>
+          <a:ext cx="0" cy="0"/>
+          <a:chOff x="0" y="0"/>
+          <a:chExt cx="0" cy="0"/>
+        </a:xfrm>
+      </p:grpSpPr>
+      <p:sp>
+        <p:nvSpPr>
+          <p:cNvPr id="2" name="Titel 1">
+            <a:extLst>
+              <a:ext uri="{FF2B5EF4-FFF2-40B4-BE49-F238E27FC236}">
+                <a16:creationId xmlns:a16="http://schemas.microsoft.com/office/drawing/2014/main" id="{E6EA4A09-4BDD-427F-8D95-1CC103C2C197}"/>
+              </a:ext>
+            </a:extLst>
+          </p:cNvPr>
+          <p:cNvSpPr>
+            <a:spLocks noGrp="1"/>
+          </p:cNvSpPr>
+          <p:nvPr>
+            <p:ph type="title"/>
+          </p:nvPr>
+        </p:nvSpPr>
+        <p:spPr/>
+        <p:txBody>
+          <a:bodyPr/>
+          <a:lstStyle/>
+          <a:p>
+            <a:r>
+              <a:rPr lang="de-DE" dirty="0"/>
+              <a:t>Druckabhängigkeit</a:t>
+            </a:r>
+          </a:p>
+        </p:txBody>
+      </p:sp>
+      <mc:AlternateContent xmlns:mc="http://schemas.openxmlformats.org/markup-compatibility/2006">
+        <mc:Choice xmlns:a14="http://schemas.microsoft.com/office/drawing/2010/main" Requires="a14">
+          <p:sp>
+            <p:nvSpPr>
+              <p:cNvPr id="3" name="Inhaltsplatzhalter 2">
+                <a:extLst>
+                  <a:ext uri="{FF2B5EF4-FFF2-40B4-BE49-F238E27FC236}">
+                    <a16:creationId xmlns:a16="http://schemas.microsoft.com/office/drawing/2014/main" id="{FF10F612-E099-4DEE-BE30-B939E5F9237C}"/>
+                  </a:ext>
+                </a:extLst>
+              </p:cNvPr>
+              <p:cNvSpPr>
+                <a:spLocks noGrp="1"/>
+              </p:cNvSpPr>
+              <p:nvPr>
+                <p:ph idx="1"/>
+              </p:nvPr>
+            </p:nvSpPr>
+            <p:spPr>
+              <a:xfrm>
+                <a:off x="838200" y="1446028"/>
+                <a:ext cx="5520070" cy="4730935"/>
+              </a:xfrm>
+            </p:spPr>
+            <p:txBody>
+              <a:bodyPr>
+                <a:normAutofit fontScale="92500" lnSpcReduction="10000"/>
+              </a:bodyPr>
+              <a:lstStyle/>
+              <a:p>
+                <a:r>
+                  <a:rPr lang="de-DE" sz="2400" dirty="0"/>
+                  <a:t>Steigungen mitteln</a:t>
+                </a:r>
+              </a:p>
+              <a:p>
+                <a:endParaRPr lang="de-DE" sz="2400" dirty="0"/>
+              </a:p>
+              <a:p>
+                <a:r>
+                  <a:rPr lang="de-DE" sz="2400" dirty="0"/>
+                  <a:t>A:</a:t>
+                </a:r>
+              </a:p>
+              <a:p>
+                <a:pPr marL="0" indent="0">
+                  <a:buNone/>
+                </a:pPr>
+                <a14:m>
+                  <m:oMathPara xmlns:m="http://schemas.openxmlformats.org/officeDocument/2006/math">
+                    <m:oMathParaPr>
+                      <m:jc m:val="centerGroup"/>
+                    </m:oMathParaPr>
+                    <m:oMath xmlns:m="http://schemas.openxmlformats.org/officeDocument/2006/math">
+                      <m:f>
+                        <m:fPr>
+                          <m:ctrlPr>
+                            <a:rPr lang="de-DE" sz="2400" i="1">
+                              <a:latin typeface="Cambria Math" panose="02040503050406030204" pitchFamily="18" charset="0"/>
+                            </a:rPr>
+                          </m:ctrlPr>
+                        </m:fPr>
+                        <m:num>
+                          <m:r>
+                            <a:rPr lang="de-DE" sz="2400" i="1">
+                              <a:latin typeface="Cambria Math" panose="02040503050406030204" pitchFamily="18" charset="0"/>
+                            </a:rPr>
+                            <m:t>𝑑𝑛</m:t>
+                          </m:r>
+                        </m:num>
+                        <m:den>
+                          <m:r>
+                            <a:rPr lang="de-DE" sz="2400" i="1">
+                              <a:latin typeface="Cambria Math" panose="02040503050406030204" pitchFamily="18" charset="0"/>
+                            </a:rPr>
+                            <m:t>𝑑𝑃</m:t>
+                          </m:r>
+                        </m:den>
+                      </m:f>
+                      <m:r>
+                        <a:rPr lang="de-DE" sz="2400" i="1">
+                          <a:latin typeface="Cambria Math" panose="02040503050406030204" pitchFamily="18" charset="0"/>
+                        </a:rPr>
+                        <m:t>=</m:t>
+                      </m:r>
+                      <m:d>
+                        <m:dPr>
+                          <m:ctrlPr>
+                            <a:rPr lang="de-DE" sz="2400" i="1">
+                              <a:latin typeface="Cambria Math" panose="02040503050406030204" pitchFamily="18" charset="0"/>
+                            </a:rPr>
+                          </m:ctrlPr>
+                        </m:dPr>
+                        <m:e>
+                          <m:r>
+                            <a:rPr lang="de-DE" sz="2400" i="1">
+                              <a:latin typeface="Cambria Math" panose="02040503050406030204" pitchFamily="18" charset="0"/>
+                            </a:rPr>
+                            <m:t>2.</m:t>
+                          </m:r>
+                          <m:r>
+                            <a:rPr lang="de-DE" sz="2400" b="0" i="1" smtClean="0">
+                              <a:latin typeface="Cambria Math" panose="02040503050406030204" pitchFamily="18" charset="0"/>
+                            </a:rPr>
+                            <m:t>6103</m:t>
+                          </m:r>
+                          <m:r>
+                            <a:rPr lang="de-DE" sz="2400" i="1">
+                              <a:latin typeface="Cambria Math" panose="02040503050406030204" pitchFamily="18" charset="0"/>
+                            </a:rPr>
+                            <m:t>±0.0</m:t>
+                          </m:r>
+                          <m:r>
+                            <a:rPr lang="de-DE" sz="2400" b="0" i="1" smtClean="0">
+                              <a:latin typeface="Cambria Math" panose="02040503050406030204" pitchFamily="18" charset="0"/>
+                            </a:rPr>
+                            <m:t>28</m:t>
+                          </m:r>
+                          <m:r>
+                            <a:rPr lang="de-DE" sz="2400" i="1">
+                              <a:latin typeface="Cambria Math" panose="02040503050406030204" pitchFamily="18" charset="0"/>
+                            </a:rPr>
+                            <m:t>±0.014</m:t>
+                          </m:r>
+                        </m:e>
+                      </m:d>
+                      <m:f>
+                        <m:fPr>
+                          <m:ctrlPr>
+                            <a:rPr lang="de-DE" sz="2400" i="1">
+                              <a:latin typeface="Cambria Math" panose="02040503050406030204" pitchFamily="18" charset="0"/>
+                            </a:rPr>
+                          </m:ctrlPr>
+                        </m:fPr>
+                        <m:num>
+                          <m:sSup>
+                            <m:sSupPr>
+                              <m:ctrlPr>
+                                <a:rPr lang="de-DE" sz="2400" i="1">
+                                  <a:latin typeface="Cambria Math" panose="02040503050406030204" pitchFamily="18" charset="0"/>
+                                </a:rPr>
+                              </m:ctrlPr>
+                            </m:sSupPr>
+                            <m:e>
+                              <m:r>
+                                <a:rPr lang="de-DE" sz="2400" i="1">
+                                  <a:latin typeface="Cambria Math" panose="02040503050406030204" pitchFamily="18" charset="0"/>
+                                </a:rPr>
+                                <m:t>10</m:t>
+                              </m:r>
+                            </m:e>
+                            <m:sup>
+                              <m:r>
+                                <a:rPr lang="de-DE" sz="2400" i="1">
+                                  <a:latin typeface="Cambria Math" panose="02040503050406030204" pitchFamily="18" charset="0"/>
+                                </a:rPr>
+                                <m:t>−7</m:t>
+                              </m:r>
+                            </m:sup>
+                          </m:sSup>
+                        </m:num>
+                        <m:den>
+                          <m:r>
+                            <a:rPr lang="de-DE" sz="2400" i="1">
+                              <a:latin typeface="Cambria Math" panose="02040503050406030204" pitchFamily="18" charset="0"/>
+                            </a:rPr>
+                            <m:t>𝑚𝑏𝑎𝑟</m:t>
+                          </m:r>
+                        </m:den>
+                      </m:f>
+                    </m:oMath>
+                  </m:oMathPara>
+                </a14:m>
+                <a:endParaRPr lang="de-DE" sz="2400" dirty="0"/>
+              </a:p>
+              <a:p>
+                <a:endParaRPr lang="de-DE" sz="2400" dirty="0"/>
+              </a:p>
+              <a:p>
+                <a14:m>
+                  <m:oMath xmlns:m="http://schemas.openxmlformats.org/officeDocument/2006/math">
+                    <m:r>
+                      <a:rPr lang="de-DE" sz="2400" b="0" i="1" smtClean="0">
+                        <a:latin typeface="Cambria Math" panose="02040503050406030204" pitchFamily="18" charset="0"/>
+                      </a:rPr>
+                      <m:t>𝐵</m:t>
+                    </m:r>
+                    <m:r>
+                      <a:rPr lang="de-DE" sz="2400" b="0" i="1" smtClean="0">
+                        <a:latin typeface="Cambria Math" panose="02040503050406030204" pitchFamily="18" charset="0"/>
+                      </a:rPr>
+                      <m:t>:</m:t>
+                    </m:r>
+                  </m:oMath>
+                </a14:m>
+                <a:endParaRPr lang="de-DE" sz="2400" b="0" i="1" dirty="0">
+                  <a:latin typeface="Cambria Math" panose="02040503050406030204" pitchFamily="18" charset="0"/>
+                </a:endParaRPr>
+              </a:p>
+              <a:p>
+                <a:pPr marL="0" indent="0">
+                  <a:buNone/>
+                </a:pPr>
+                <a14:m>
+                  <m:oMathPara xmlns:m="http://schemas.openxmlformats.org/officeDocument/2006/math">
+                    <m:oMathParaPr>
+                      <m:jc m:val="centerGroup"/>
+                    </m:oMathParaPr>
+                    <m:oMath xmlns:m="http://schemas.openxmlformats.org/officeDocument/2006/math">
+                      <m:f>
+                        <m:fPr>
+                          <m:ctrlPr>
+                            <a:rPr lang="de-DE" sz="2400" i="1">
+                              <a:latin typeface="Cambria Math" panose="02040503050406030204" pitchFamily="18" charset="0"/>
+                            </a:rPr>
+                          </m:ctrlPr>
+                        </m:fPr>
+                        <m:num>
+                          <m:r>
+                            <a:rPr lang="de-DE" sz="2400" i="1">
+                              <a:latin typeface="Cambria Math" panose="02040503050406030204" pitchFamily="18" charset="0"/>
+                            </a:rPr>
+                            <m:t>𝑑𝑛</m:t>
+                          </m:r>
+                        </m:num>
+                        <m:den>
+                          <m:r>
+                            <a:rPr lang="de-DE" sz="2400" i="1">
+                              <a:latin typeface="Cambria Math" panose="02040503050406030204" pitchFamily="18" charset="0"/>
+                            </a:rPr>
+                            <m:t>𝑑𝑃</m:t>
+                          </m:r>
+                        </m:den>
+                      </m:f>
+                      <m:r>
+                        <a:rPr lang="de-DE" sz="2400" i="1">
+                          <a:latin typeface="Cambria Math" panose="02040503050406030204" pitchFamily="18" charset="0"/>
+                        </a:rPr>
+                        <m:t>=</m:t>
+                      </m:r>
+                      <m:d>
+                        <m:dPr>
+                          <m:ctrlPr>
+                            <a:rPr lang="de-DE" sz="2400" i="1">
+                              <a:latin typeface="Cambria Math" panose="02040503050406030204" pitchFamily="18" charset="0"/>
+                            </a:rPr>
+                          </m:ctrlPr>
+                        </m:dPr>
+                        <m:e>
+                          <m:r>
+                            <a:rPr lang="de-DE" sz="2400" i="1">
+                              <a:latin typeface="Cambria Math" panose="02040503050406030204" pitchFamily="18" charset="0"/>
+                            </a:rPr>
+                            <m:t>2.5</m:t>
+                          </m:r>
+                          <m:r>
+                            <a:rPr lang="de-DE" sz="2400" b="0" i="1" smtClean="0">
+                              <a:latin typeface="Cambria Math" panose="02040503050406030204" pitchFamily="18" charset="0"/>
+                            </a:rPr>
+                            <m:t>612</m:t>
+                          </m:r>
+                          <m:r>
+                            <a:rPr lang="de-DE" sz="2400" i="1">
+                              <a:latin typeface="Cambria Math" panose="02040503050406030204" pitchFamily="18" charset="0"/>
+                            </a:rPr>
+                            <m:t>±0.0</m:t>
+                          </m:r>
+                          <m:r>
+                            <a:rPr lang="de-DE" sz="2400" b="0" i="1" smtClean="0">
+                              <a:latin typeface="Cambria Math" panose="02040503050406030204" pitchFamily="18" charset="0"/>
+                            </a:rPr>
+                            <m:t>69</m:t>
+                          </m:r>
+                          <m:r>
+                            <a:rPr lang="de-DE" sz="2400" i="1">
+                              <a:latin typeface="Cambria Math" panose="02040503050406030204" pitchFamily="18" charset="0"/>
+                            </a:rPr>
+                            <m:t>±0.014</m:t>
+                          </m:r>
+                        </m:e>
+                      </m:d>
+                      <m:f>
+                        <m:fPr>
+                          <m:ctrlPr>
+                            <a:rPr lang="de-DE" sz="2400" i="1">
+                              <a:latin typeface="Cambria Math" panose="02040503050406030204" pitchFamily="18" charset="0"/>
+                            </a:rPr>
+                          </m:ctrlPr>
+                        </m:fPr>
+                        <m:num>
+                          <m:sSup>
+                            <m:sSupPr>
+                              <m:ctrlPr>
+                                <a:rPr lang="de-DE" sz="2400" i="1">
+                                  <a:latin typeface="Cambria Math" panose="02040503050406030204" pitchFamily="18" charset="0"/>
+                                </a:rPr>
+                              </m:ctrlPr>
+                            </m:sSupPr>
+                            <m:e>
+                              <m:r>
+                                <a:rPr lang="de-DE" sz="2400" i="1">
+                                  <a:latin typeface="Cambria Math" panose="02040503050406030204" pitchFamily="18" charset="0"/>
+                                </a:rPr>
+                                <m:t>10</m:t>
+                              </m:r>
+                            </m:e>
+                            <m:sup>
+                              <m:r>
+                                <a:rPr lang="de-DE" sz="2400" i="1">
+                                  <a:latin typeface="Cambria Math" panose="02040503050406030204" pitchFamily="18" charset="0"/>
+                                </a:rPr>
+                                <m:t>−7</m:t>
+                              </m:r>
+                            </m:sup>
+                          </m:sSup>
+                        </m:num>
+                        <m:den>
+                          <m:r>
+                            <a:rPr lang="de-DE" sz="2400" i="1">
+                              <a:latin typeface="Cambria Math" panose="02040503050406030204" pitchFamily="18" charset="0"/>
+                            </a:rPr>
+                            <m:t>𝑚𝑏𝑎𝑟</m:t>
+                          </m:r>
+                        </m:den>
+                      </m:f>
+                    </m:oMath>
+                  </m:oMathPara>
+                </a14:m>
+                <a:endParaRPr lang="de-DE" sz="2400" dirty="0"/>
+              </a:p>
+              <a:p>
+                <a:pPr marL="0" indent="0">
+                  <a:buNone/>
+                </a:pPr>
+                <a:endParaRPr lang="de-DE" sz="2400" dirty="0"/>
+              </a:p>
+              <a:p>
+                <a:r>
+                  <a:rPr lang="de-DE" sz="2400" dirty="0"/>
+                  <a:t>Literatur: </a:t>
+                </a:r>
+              </a:p>
+              <a:p>
+                <a:pPr marL="0" indent="0">
+                  <a:buNone/>
+                </a:pPr>
+                <a14:m>
+                  <m:oMathPara xmlns:m="http://schemas.openxmlformats.org/officeDocument/2006/math">
+                    <m:oMathParaPr>
+                      <m:jc m:val="centerGroup"/>
+                    </m:oMathParaPr>
+                    <m:oMath xmlns:m="http://schemas.openxmlformats.org/officeDocument/2006/math">
+                      <m:f>
+                        <m:fPr>
+                          <m:ctrlPr>
+                            <a:rPr lang="de-DE" sz="2400" i="1">
+                              <a:latin typeface="Cambria Math" panose="02040503050406030204" pitchFamily="18" charset="0"/>
+                            </a:rPr>
+                          </m:ctrlPr>
+                        </m:fPr>
+                        <m:num>
+                          <m:r>
+                            <a:rPr lang="de-DE" sz="2400" i="1">
+                              <a:latin typeface="Cambria Math" panose="02040503050406030204" pitchFamily="18" charset="0"/>
+                            </a:rPr>
+                            <m:t>𝑑𝑛</m:t>
+                          </m:r>
+                        </m:num>
+                        <m:den>
+                          <m:r>
+                            <a:rPr lang="de-DE" sz="2400" i="1">
+                              <a:latin typeface="Cambria Math" panose="02040503050406030204" pitchFamily="18" charset="0"/>
+                            </a:rPr>
+                            <m:t>𝑑𝑃</m:t>
+                          </m:r>
+                        </m:den>
+                      </m:f>
+                      <m:r>
+                        <a:rPr lang="de-DE" sz="2400" i="1">
+                          <a:latin typeface="Cambria Math" panose="02040503050406030204" pitchFamily="18" charset="0"/>
+                        </a:rPr>
+                        <m:t>=</m:t>
+                      </m:r>
+                      <m:r>
+                        <a:rPr lang="de-DE" sz="2400" b="0" i="1" smtClean="0">
+                          <a:latin typeface="Cambria Math" panose="02040503050406030204" pitchFamily="18" charset="0"/>
+                        </a:rPr>
+                        <m:t>2.655</m:t>
+                      </m:r>
+                      <m:f>
+                        <m:fPr>
+                          <m:ctrlPr>
+                            <a:rPr lang="de-DE" sz="2400" i="1">
+                              <a:latin typeface="Cambria Math" panose="02040503050406030204" pitchFamily="18" charset="0"/>
+                            </a:rPr>
+                          </m:ctrlPr>
+                        </m:fPr>
+                        <m:num>
+                          <m:sSup>
+                            <m:sSupPr>
+                              <m:ctrlPr>
+                                <a:rPr lang="de-DE" sz="2400" i="1">
+                                  <a:latin typeface="Cambria Math" panose="02040503050406030204" pitchFamily="18" charset="0"/>
+                                </a:rPr>
+                              </m:ctrlPr>
+                            </m:sSupPr>
+                            <m:e>
+                              <m:r>
+                                <a:rPr lang="de-DE" sz="2400" i="1">
+                                  <a:latin typeface="Cambria Math" panose="02040503050406030204" pitchFamily="18" charset="0"/>
+                                </a:rPr>
+                                <m:t>10</m:t>
+                              </m:r>
+                            </m:e>
+                            <m:sup>
+                              <m:r>
+                                <a:rPr lang="de-DE" sz="2400" i="1">
+                                  <a:latin typeface="Cambria Math" panose="02040503050406030204" pitchFamily="18" charset="0"/>
+                                </a:rPr>
+                                <m:t>−7</m:t>
+                              </m:r>
+                            </m:sup>
+                          </m:sSup>
+                        </m:num>
+                        <m:den>
+                          <m:r>
+                            <a:rPr lang="de-DE" sz="2400" i="1">
+                              <a:latin typeface="Cambria Math" panose="02040503050406030204" pitchFamily="18" charset="0"/>
+                            </a:rPr>
+                            <m:t>𝑚𝑏𝑎𝑟</m:t>
+                          </m:r>
+                        </m:den>
+                      </m:f>
+                    </m:oMath>
+                  </m:oMathPara>
+                </a14:m>
+                <a:endParaRPr lang="de-DE" sz="2400" dirty="0"/>
+              </a:p>
+              <a:p>
+                <a:endParaRPr lang="de-DE" sz="2400" dirty="0"/>
+              </a:p>
+              <a:p>
+                <a:pPr marL="0" indent="0">
+                  <a:buNone/>
+                </a:pPr>
+                <a:endParaRPr lang="de-DE" sz="2400" dirty="0"/>
+              </a:p>
+              <a:p>
+                <a:endParaRPr lang="de-DE" sz="2400" dirty="0"/>
+              </a:p>
+            </p:txBody>
+          </p:sp>
+        </mc:Choice>
+        <mc:Fallback>
+          <p:sp>
+            <p:nvSpPr>
+              <p:cNvPr id="3" name="Inhaltsplatzhalter 2">
+                <a:extLst>
+                  <a:ext uri="{FF2B5EF4-FFF2-40B4-BE49-F238E27FC236}">
+                    <a16:creationId xmlns:a16="http://schemas.microsoft.com/office/drawing/2014/main" id="{FF10F612-E099-4DEE-BE30-B939E5F9237C}"/>
+                  </a:ext>
+                </a:extLst>
+              </p:cNvPr>
+              <p:cNvSpPr>
+                <a:spLocks noGrp="1" noRot="1" noChangeAspect="1" noMove="1" noResize="1" noEditPoints="1" noAdjustHandles="1" noChangeArrowheads="1" noChangeShapeType="1" noTextEdit="1"/>
+              </p:cNvSpPr>
+              <p:nvPr>
+                <p:ph idx="1"/>
+              </p:nvPr>
+            </p:nvSpPr>
+            <p:spPr>
+              <a:xfrm>
+                <a:off x="838200" y="1446028"/>
+                <a:ext cx="5520070" cy="4730935"/>
+              </a:xfrm>
+              <a:blipFill>
+                <a:blip r:embed="rId2"/>
+                <a:stretch>
+                  <a:fillRect l="-1326" t="-2191"/>
+                </a:stretch>
+              </a:blipFill>
+            </p:spPr>
+            <p:txBody>
+              <a:bodyPr/>
+              <a:lstStyle/>
+              <a:p>
+                <a:r>
+                  <a:rPr lang="de-DE">
+                    <a:noFill/>
+                  </a:rPr>
+                  <a:t> </a:t>
+                </a:r>
+              </a:p>
+            </p:txBody>
+          </p:sp>
+        </mc:Fallback>
+      </mc:AlternateContent>
+      <p:pic>
+        <p:nvPicPr>
+          <p:cNvPr id="7" name="Grafik 6">
+            <a:extLst>
+              <a:ext uri="{FF2B5EF4-FFF2-40B4-BE49-F238E27FC236}">
+                <a16:creationId xmlns:a16="http://schemas.microsoft.com/office/drawing/2014/main" id="{B9C46D21-1EDE-408A-A65F-5E295CD4D5CB}"/>
+              </a:ext>
+            </a:extLst>
+          </p:cNvPr>
+          <p:cNvPicPr>
+            <a:picLocks noChangeAspect="1"/>
+          </p:cNvPicPr>
+          <p:nvPr/>
+        </p:nvPicPr>
+        <p:blipFill>
+          <a:blip r:embed="rId3">
+            <a:extLst>
+              <a:ext uri="{28A0092B-C50C-407E-A947-70E740481C1C}">
+                <a14:useLocalDpi xmlns:a14="http://schemas.microsoft.com/office/drawing/2010/main" val="0"/>
+              </a:ext>
+            </a:extLst>
+          </a:blip>
+          <a:stretch>
+            <a:fillRect/>
+          </a:stretch>
+        </p:blipFill>
+        <p:spPr>
+          <a:xfrm>
+            <a:off x="6096000" y="1301453"/>
+            <a:ext cx="5852172" cy="4370841"/>
+          </a:xfrm>
+          <a:prstGeom prst="rect">
+            <a:avLst/>
+          </a:prstGeom>
+        </p:spPr>
+      </p:pic>
+    </p:spTree>
+    <p:extLst>
+      <p:ext uri="{BB962C8B-B14F-4D97-AF65-F5344CB8AC3E}">
+        <p14:creationId xmlns:p14="http://schemas.microsoft.com/office/powerpoint/2010/main" val="733993921"/>
       </p:ext>
     </p:extLst>
   </p:cSld>

--- a/grundpraktikum2/Optik 2/Optik II.pptx
+++ b/grundpraktikum2/Optik 2/Optik II.pptx
@@ -1,9 +1,12 @@
 
 <file path=ppt/presentation.xml><?xml version="1.0" encoding="utf-8"?>
-<p:presentation xmlns:a="http://schemas.openxmlformats.org/drawingml/2006/main" xmlns:r="http://schemas.openxmlformats.org/officeDocument/2006/relationships" xmlns:p="http://schemas.openxmlformats.org/presentationml/2006/main" saveSubsetFonts="1">
+<p:presentation xmlns:a="http://schemas.openxmlformats.org/drawingml/2006/main" xmlns:r="http://schemas.openxmlformats.org/officeDocument/2006/relationships" xmlns:p="http://schemas.openxmlformats.org/presentationml/2006/main" showSpecialPlsOnTitleSld="0" saveSubsetFonts="1">
   <p:sldMasterIdLst>
     <p:sldMasterId id="2147483648" r:id="rId1"/>
   </p:sldMasterIdLst>
+  <p:notesMasterIdLst>
+    <p:notesMasterId r:id="rId13"/>
+  </p:notesMasterIdLst>
   <p:sldIdLst>
     <p:sldId id="256" r:id="rId2"/>
     <p:sldId id="257" r:id="rId3"/>
@@ -12,9 +15,10 @@
     <p:sldId id="259" r:id="rId6"/>
     <p:sldId id="260" r:id="rId7"/>
     <p:sldId id="261" r:id="rId8"/>
-    <p:sldId id="262" r:id="rId9"/>
-    <p:sldId id="266" r:id="rId10"/>
-    <p:sldId id="263" r:id="rId11"/>
+    <p:sldId id="267" r:id="rId9"/>
+    <p:sldId id="262" r:id="rId10"/>
+    <p:sldId id="266" r:id="rId11"/>
+    <p:sldId id="263" r:id="rId12"/>
   </p:sldIdLst>
   <p:sldSz cx="12192000" cy="6858000"/>
   <p:notesSz cx="6858000" cy="9144000"/>
@@ -125,6 +129,7 @@
             <p14:sldId id="259"/>
             <p14:sldId id="260"/>
             <p14:sldId id="261"/>
+            <p14:sldId id="267"/>
             <p14:sldId id="262"/>
             <p14:sldId id="266"/>
             <p14:sldId id="263"/>
@@ -141,6 +146,355 @@
 
 <file path=ppt/revisionInfo.xml><?xml version="1.0" encoding="utf-8"?>
 <p1510:revInfo xmlns:a="http://schemas.openxmlformats.org/drawingml/2006/main" xmlns:r="http://schemas.openxmlformats.org/officeDocument/2006/relationships" xmlns:p1510="http://schemas.microsoft.com/office/powerpoint/2015/10/main"/>
+</file>
+
+<file path=ppt/notesMasters/notesMaster1.xml><?xml version="1.0" encoding="utf-8"?>
+<p:notesMaster xmlns:a="http://schemas.openxmlformats.org/drawingml/2006/main" xmlns:r="http://schemas.openxmlformats.org/officeDocument/2006/relationships" xmlns:p="http://schemas.openxmlformats.org/presentationml/2006/main">
+  <p:cSld>
+    <p:bg>
+      <p:bgRef idx="1001">
+        <a:schemeClr val="bg1"/>
+      </p:bgRef>
+    </p:bg>
+    <p:spTree>
+      <p:nvGrpSpPr>
+        <p:cNvPr id="1" name=""/>
+        <p:cNvGrpSpPr/>
+        <p:nvPr/>
+      </p:nvGrpSpPr>
+      <p:grpSpPr>
+        <a:xfrm>
+          <a:off x="0" y="0"/>
+          <a:ext cx="0" cy="0"/>
+          <a:chOff x="0" y="0"/>
+          <a:chExt cx="0" cy="0"/>
+        </a:xfrm>
+      </p:grpSpPr>
+      <p:sp>
+        <p:nvSpPr>
+          <p:cNvPr id="2" name="Kopfzeilenplatzhalter 1"/>
+          <p:cNvSpPr>
+            <a:spLocks noGrp="1"/>
+          </p:cNvSpPr>
+          <p:nvPr>
+            <p:ph type="hdr" sz="quarter"/>
+          </p:nvPr>
+        </p:nvSpPr>
+        <p:spPr>
+          <a:xfrm>
+            <a:off x="0" y="0"/>
+            <a:ext cx="2971800" cy="458788"/>
+          </a:xfrm>
+          <a:prstGeom prst="rect">
+            <a:avLst/>
+          </a:prstGeom>
+        </p:spPr>
+        <p:txBody>
+          <a:bodyPr vert="horz" lIns="91440" tIns="45720" rIns="91440" bIns="45720" rtlCol="0"/>
+          <a:lstStyle>
+            <a:lvl1pPr algn="l">
+              <a:defRPr sz="1200"/>
+            </a:lvl1pPr>
+          </a:lstStyle>
+          <a:p>
+            <a:endParaRPr lang="de-DE"/>
+          </a:p>
+        </p:txBody>
+      </p:sp>
+      <p:sp>
+        <p:nvSpPr>
+          <p:cNvPr id="3" name="Datumsplatzhalter 2"/>
+          <p:cNvSpPr>
+            <a:spLocks noGrp="1"/>
+          </p:cNvSpPr>
+          <p:nvPr>
+            <p:ph type="dt" idx="1"/>
+          </p:nvPr>
+        </p:nvSpPr>
+        <p:spPr>
+          <a:xfrm>
+            <a:off x="3884613" y="0"/>
+            <a:ext cx="2971800" cy="458788"/>
+          </a:xfrm>
+          <a:prstGeom prst="rect">
+            <a:avLst/>
+          </a:prstGeom>
+        </p:spPr>
+        <p:txBody>
+          <a:bodyPr vert="horz" lIns="91440" tIns="45720" rIns="91440" bIns="45720" rtlCol="0"/>
+          <a:lstStyle>
+            <a:lvl1pPr algn="r">
+              <a:defRPr sz="1200"/>
+            </a:lvl1pPr>
+          </a:lstStyle>
+          <a:p>
+            <a:fld id="{FBB1428B-50CF-4524-87E6-ADC769EA5EB8}" type="datetimeFigureOut">
+              <a:rPr lang="de-DE" smtClean="0"/>
+              <a:t>12.09.2017</a:t>
+            </a:fld>
+            <a:endParaRPr lang="de-DE"/>
+          </a:p>
+        </p:txBody>
+      </p:sp>
+      <p:sp>
+        <p:nvSpPr>
+          <p:cNvPr id="4" name="Folienbildplatzhalter 3"/>
+          <p:cNvSpPr>
+            <a:spLocks noGrp="1" noRot="1" noChangeAspect="1"/>
+          </p:cNvSpPr>
+          <p:nvPr>
+            <p:ph type="sldImg" idx="2"/>
+          </p:nvPr>
+        </p:nvSpPr>
+        <p:spPr>
+          <a:xfrm>
+            <a:off x="685800" y="1143000"/>
+            <a:ext cx="5486400" cy="3086100"/>
+          </a:xfrm>
+          <a:prstGeom prst="rect">
+            <a:avLst/>
+          </a:prstGeom>
+          <a:noFill/>
+          <a:ln w="12700">
+            <a:solidFill>
+              <a:prstClr val="black"/>
+            </a:solidFill>
+          </a:ln>
+        </p:spPr>
+        <p:txBody>
+          <a:bodyPr vert="horz" lIns="91440" tIns="45720" rIns="91440" bIns="45720" rtlCol="0" anchor="ctr"/>
+          <a:lstStyle/>
+          <a:p>
+            <a:endParaRPr lang="de-DE"/>
+          </a:p>
+        </p:txBody>
+      </p:sp>
+      <p:sp>
+        <p:nvSpPr>
+          <p:cNvPr id="5" name="Notizenplatzhalter 4"/>
+          <p:cNvSpPr>
+            <a:spLocks noGrp="1"/>
+          </p:cNvSpPr>
+          <p:nvPr>
+            <p:ph type="body" sz="quarter" idx="3"/>
+          </p:nvPr>
+        </p:nvSpPr>
+        <p:spPr>
+          <a:xfrm>
+            <a:off x="685800" y="4400550"/>
+            <a:ext cx="5486400" cy="3600450"/>
+          </a:xfrm>
+          <a:prstGeom prst="rect">
+            <a:avLst/>
+          </a:prstGeom>
+        </p:spPr>
+        <p:txBody>
+          <a:bodyPr vert="horz" lIns="91440" tIns="45720" rIns="91440" bIns="45720" rtlCol="0"/>
+          <a:lstStyle/>
+          <a:p>
+            <a:pPr lvl="0"/>
+            <a:r>
+              <a:rPr lang="de-DE"/>
+              <a:t>Formatvorlagen des Textmasters bearbeiten</a:t>
+            </a:r>
+          </a:p>
+          <a:p>
+            <a:pPr lvl="1"/>
+            <a:r>
+              <a:rPr lang="de-DE"/>
+              <a:t>Zweite Ebene</a:t>
+            </a:r>
+          </a:p>
+          <a:p>
+            <a:pPr lvl="2"/>
+            <a:r>
+              <a:rPr lang="de-DE"/>
+              <a:t>Dritte Ebene</a:t>
+            </a:r>
+          </a:p>
+          <a:p>
+            <a:pPr lvl="3"/>
+            <a:r>
+              <a:rPr lang="de-DE"/>
+              <a:t>Vierte Ebene</a:t>
+            </a:r>
+          </a:p>
+          <a:p>
+            <a:pPr lvl="4"/>
+            <a:r>
+              <a:rPr lang="de-DE"/>
+              <a:t>Fünfte Ebene</a:t>
+            </a:r>
+          </a:p>
+        </p:txBody>
+      </p:sp>
+      <p:sp>
+        <p:nvSpPr>
+          <p:cNvPr id="6" name="Fußzeilenplatzhalter 5"/>
+          <p:cNvSpPr>
+            <a:spLocks noGrp="1"/>
+          </p:cNvSpPr>
+          <p:nvPr>
+            <p:ph type="ftr" sz="quarter" idx="4"/>
+          </p:nvPr>
+        </p:nvSpPr>
+        <p:spPr>
+          <a:xfrm>
+            <a:off x="0" y="8685213"/>
+            <a:ext cx="2971800" cy="458787"/>
+          </a:xfrm>
+          <a:prstGeom prst="rect">
+            <a:avLst/>
+          </a:prstGeom>
+        </p:spPr>
+        <p:txBody>
+          <a:bodyPr vert="horz" lIns="91440" tIns="45720" rIns="91440" bIns="45720" rtlCol="0" anchor="b"/>
+          <a:lstStyle>
+            <a:lvl1pPr algn="l">
+              <a:defRPr sz="1200"/>
+            </a:lvl1pPr>
+          </a:lstStyle>
+          <a:p>
+            <a:endParaRPr lang="de-DE"/>
+          </a:p>
+        </p:txBody>
+      </p:sp>
+      <p:sp>
+        <p:nvSpPr>
+          <p:cNvPr id="7" name="Foliennummernplatzhalter 6"/>
+          <p:cNvSpPr>
+            <a:spLocks noGrp="1"/>
+          </p:cNvSpPr>
+          <p:nvPr>
+            <p:ph type="sldNum" sz="quarter" idx="5"/>
+          </p:nvPr>
+        </p:nvSpPr>
+        <p:spPr>
+          <a:xfrm>
+            <a:off x="3884613" y="8685213"/>
+            <a:ext cx="2971800" cy="458787"/>
+          </a:xfrm>
+          <a:prstGeom prst="rect">
+            <a:avLst/>
+          </a:prstGeom>
+        </p:spPr>
+        <p:txBody>
+          <a:bodyPr vert="horz" lIns="91440" tIns="45720" rIns="91440" bIns="45720" rtlCol="0" anchor="b"/>
+          <a:lstStyle>
+            <a:lvl1pPr algn="r">
+              <a:defRPr sz="1200"/>
+            </a:lvl1pPr>
+          </a:lstStyle>
+          <a:p>
+            <a:fld id="{7B60F247-3FA4-4740-9289-58180B3DAF68}" type="slidenum">
+              <a:rPr lang="de-DE" smtClean="0"/>
+              <a:t>‹Nr.›</a:t>
+            </a:fld>
+            <a:endParaRPr lang="de-DE"/>
+          </a:p>
+        </p:txBody>
+      </p:sp>
+    </p:spTree>
+    <p:extLst>
+      <p:ext uri="{BB962C8B-B14F-4D97-AF65-F5344CB8AC3E}">
+        <p14:creationId xmlns:p14="http://schemas.microsoft.com/office/powerpoint/2010/main" val="439330524"/>
+      </p:ext>
+    </p:extLst>
+  </p:cSld>
+  <p:clrMap bg1="lt1" tx1="dk1" bg2="lt2" tx2="dk2" accent1="accent1" accent2="accent2" accent3="accent3" accent4="accent4" accent5="accent5" accent6="accent6" hlink="hlink" folHlink="folHlink"/>
+  <p:notesStyle>
+    <a:lvl1pPr marL="0" algn="l" defTabSz="914400" rtl="0" eaLnBrk="1" latinLnBrk="0" hangingPunct="1">
+      <a:defRPr sz="1200" kern="1200">
+        <a:solidFill>
+          <a:schemeClr val="tx1"/>
+        </a:solidFill>
+        <a:latin typeface="+mn-lt"/>
+        <a:ea typeface="+mn-ea"/>
+        <a:cs typeface="+mn-cs"/>
+      </a:defRPr>
+    </a:lvl1pPr>
+    <a:lvl2pPr marL="457200" algn="l" defTabSz="914400" rtl="0" eaLnBrk="1" latinLnBrk="0" hangingPunct="1">
+      <a:defRPr sz="1200" kern="1200">
+        <a:solidFill>
+          <a:schemeClr val="tx1"/>
+        </a:solidFill>
+        <a:latin typeface="+mn-lt"/>
+        <a:ea typeface="+mn-ea"/>
+        <a:cs typeface="+mn-cs"/>
+      </a:defRPr>
+    </a:lvl2pPr>
+    <a:lvl3pPr marL="914400" algn="l" defTabSz="914400" rtl="0" eaLnBrk="1" latinLnBrk="0" hangingPunct="1">
+      <a:defRPr sz="1200" kern="1200">
+        <a:solidFill>
+          <a:schemeClr val="tx1"/>
+        </a:solidFill>
+        <a:latin typeface="+mn-lt"/>
+        <a:ea typeface="+mn-ea"/>
+        <a:cs typeface="+mn-cs"/>
+      </a:defRPr>
+    </a:lvl3pPr>
+    <a:lvl4pPr marL="1371600" algn="l" defTabSz="914400" rtl="0" eaLnBrk="1" latinLnBrk="0" hangingPunct="1">
+      <a:defRPr sz="1200" kern="1200">
+        <a:solidFill>
+          <a:schemeClr val="tx1"/>
+        </a:solidFill>
+        <a:latin typeface="+mn-lt"/>
+        <a:ea typeface="+mn-ea"/>
+        <a:cs typeface="+mn-cs"/>
+      </a:defRPr>
+    </a:lvl4pPr>
+    <a:lvl5pPr marL="1828800" algn="l" defTabSz="914400" rtl="0" eaLnBrk="1" latinLnBrk="0" hangingPunct="1">
+      <a:defRPr sz="1200" kern="1200">
+        <a:solidFill>
+          <a:schemeClr val="tx1"/>
+        </a:solidFill>
+        <a:latin typeface="+mn-lt"/>
+        <a:ea typeface="+mn-ea"/>
+        <a:cs typeface="+mn-cs"/>
+      </a:defRPr>
+    </a:lvl5pPr>
+    <a:lvl6pPr marL="2286000" algn="l" defTabSz="914400" rtl="0" eaLnBrk="1" latinLnBrk="0" hangingPunct="1">
+      <a:defRPr sz="1200" kern="1200">
+        <a:solidFill>
+          <a:schemeClr val="tx1"/>
+        </a:solidFill>
+        <a:latin typeface="+mn-lt"/>
+        <a:ea typeface="+mn-ea"/>
+        <a:cs typeface="+mn-cs"/>
+      </a:defRPr>
+    </a:lvl6pPr>
+    <a:lvl7pPr marL="2743200" algn="l" defTabSz="914400" rtl="0" eaLnBrk="1" latinLnBrk="0" hangingPunct="1">
+      <a:defRPr sz="1200" kern="1200">
+        <a:solidFill>
+          <a:schemeClr val="tx1"/>
+        </a:solidFill>
+        <a:latin typeface="+mn-lt"/>
+        <a:ea typeface="+mn-ea"/>
+        <a:cs typeface="+mn-cs"/>
+      </a:defRPr>
+    </a:lvl7pPr>
+    <a:lvl8pPr marL="3200400" algn="l" defTabSz="914400" rtl="0" eaLnBrk="1" latinLnBrk="0" hangingPunct="1">
+      <a:defRPr sz="1200" kern="1200">
+        <a:solidFill>
+          <a:schemeClr val="tx1"/>
+        </a:solidFill>
+        <a:latin typeface="+mn-lt"/>
+        <a:ea typeface="+mn-ea"/>
+        <a:cs typeface="+mn-cs"/>
+      </a:defRPr>
+    </a:lvl8pPr>
+    <a:lvl9pPr marL="3657600" algn="l" defTabSz="914400" rtl="0" eaLnBrk="1" latinLnBrk="0" hangingPunct="1">
+      <a:defRPr sz="1200" kern="1200">
+        <a:solidFill>
+          <a:schemeClr val="tx1"/>
+        </a:solidFill>
+        <a:latin typeface="+mn-lt"/>
+        <a:ea typeface="+mn-ea"/>
+        <a:cs typeface="+mn-cs"/>
+      </a:defRPr>
+    </a:lvl9pPr>
+  </p:notesStyle>
+</p:notesMaster>
 </file>
 
 <file path=ppt/slideLayouts/slideLayout1.xml><?xml version="1.0" encoding="utf-8"?>
@@ -288,9 +642,9 @@
           <a:bodyPr/>
           <a:lstStyle/>
           <a:p>
-            <a:fld id="{51762B1C-150F-4B00-BBF2-B31DE7314112}" type="datetimeFigureOut">
+            <a:fld id="{C7614AAD-E6A5-40A6-8D48-281802A962DD}" type="datetime1">
               <a:rPr lang="de-DE" smtClean="0"/>
-              <a:t>11.09.2017</a:t>
+              <a:t>12.09.2017</a:t>
             </a:fld>
             <a:endParaRPr lang="de-DE"/>
           </a:p>
@@ -486,9 +840,9 @@
           <a:bodyPr/>
           <a:lstStyle/>
           <a:p>
-            <a:fld id="{51762B1C-150F-4B00-BBF2-B31DE7314112}" type="datetimeFigureOut">
+            <a:fld id="{151A89D3-BD56-473E-B53D-BBA4F4DE41B9}" type="datetime1">
               <a:rPr lang="de-DE" smtClean="0"/>
-              <a:t>11.09.2017</a:t>
+              <a:t>12.09.2017</a:t>
             </a:fld>
             <a:endParaRPr lang="de-DE"/>
           </a:p>
@@ -694,9 +1048,9 @@
           <a:bodyPr/>
           <a:lstStyle/>
           <a:p>
-            <a:fld id="{51762B1C-150F-4B00-BBF2-B31DE7314112}" type="datetimeFigureOut">
+            <a:fld id="{D465E7CF-B6C6-46F2-872A-1ECC6948CD97}" type="datetime1">
               <a:rPr lang="de-DE" smtClean="0"/>
-              <a:t>11.09.2017</a:t>
+              <a:t>12.09.2017</a:t>
             </a:fld>
             <a:endParaRPr lang="de-DE"/>
           </a:p>
@@ -892,9 +1246,9 @@
           <a:bodyPr/>
           <a:lstStyle/>
           <a:p>
-            <a:fld id="{51762B1C-150F-4B00-BBF2-B31DE7314112}" type="datetimeFigureOut">
+            <a:fld id="{110678BF-9E91-41E5-988A-EA6403801EFB}" type="datetime1">
               <a:rPr lang="de-DE" smtClean="0"/>
-              <a:t>11.09.2017</a:t>
+              <a:t>12.09.2017</a:t>
             </a:fld>
             <a:endParaRPr lang="de-DE"/>
           </a:p>
@@ -1167,9 +1521,9 @@
           <a:bodyPr/>
           <a:lstStyle/>
           <a:p>
-            <a:fld id="{51762B1C-150F-4B00-BBF2-B31DE7314112}" type="datetimeFigureOut">
+            <a:fld id="{38F01F9E-A3C4-4E67-B90A-0DAB68B8E8DB}" type="datetime1">
               <a:rPr lang="de-DE" smtClean="0"/>
-              <a:t>11.09.2017</a:t>
+              <a:t>12.09.2017</a:t>
             </a:fld>
             <a:endParaRPr lang="de-DE"/>
           </a:p>
@@ -1432,9 +1786,9 @@
           <a:bodyPr/>
           <a:lstStyle/>
           <a:p>
-            <a:fld id="{51762B1C-150F-4B00-BBF2-B31DE7314112}" type="datetimeFigureOut">
+            <a:fld id="{6132A174-EB99-46D5-80EB-39C6B924FBC7}" type="datetime1">
               <a:rPr lang="de-DE" smtClean="0"/>
-              <a:t>11.09.2017</a:t>
+              <a:t>12.09.2017</a:t>
             </a:fld>
             <a:endParaRPr lang="de-DE"/>
           </a:p>
@@ -1844,9 +2198,9 @@
           <a:bodyPr/>
           <a:lstStyle/>
           <a:p>
-            <a:fld id="{51762B1C-150F-4B00-BBF2-B31DE7314112}" type="datetimeFigureOut">
+            <a:fld id="{1E5ED934-C283-4544-BCA6-058DFCAF6543}" type="datetime1">
               <a:rPr lang="de-DE" smtClean="0"/>
-              <a:t>11.09.2017</a:t>
+              <a:t>12.09.2017</a:t>
             </a:fld>
             <a:endParaRPr lang="de-DE"/>
           </a:p>
@@ -1985,9 +2339,9 @@
           <a:bodyPr/>
           <a:lstStyle/>
           <a:p>
-            <a:fld id="{51762B1C-150F-4B00-BBF2-B31DE7314112}" type="datetimeFigureOut">
+            <a:fld id="{E154E9F1-A874-4DEE-AD9A-79257DAC690F}" type="datetime1">
               <a:rPr lang="de-DE" smtClean="0"/>
-              <a:t>11.09.2017</a:t>
+              <a:t>12.09.2017</a:t>
             </a:fld>
             <a:endParaRPr lang="de-DE"/>
           </a:p>
@@ -2098,9 +2452,9 @@
           <a:bodyPr/>
           <a:lstStyle/>
           <a:p>
-            <a:fld id="{51762B1C-150F-4B00-BBF2-B31DE7314112}" type="datetimeFigureOut">
+            <a:fld id="{DC87A9B5-3B68-47A3-B12F-1990355644A3}" type="datetime1">
               <a:rPr lang="de-DE" smtClean="0"/>
-              <a:t>11.09.2017</a:t>
+              <a:t>12.09.2017</a:t>
             </a:fld>
             <a:endParaRPr lang="de-DE"/>
           </a:p>
@@ -2409,9 +2763,9 @@
           <a:bodyPr/>
           <a:lstStyle/>
           <a:p>
-            <a:fld id="{51762B1C-150F-4B00-BBF2-B31DE7314112}" type="datetimeFigureOut">
+            <a:fld id="{7E45B7FC-29E1-4FF8-A0C2-46668312564A}" type="datetime1">
               <a:rPr lang="de-DE" smtClean="0"/>
-              <a:t>11.09.2017</a:t>
+              <a:t>12.09.2017</a:t>
             </a:fld>
             <a:endParaRPr lang="de-DE"/>
           </a:p>
@@ -2697,9 +3051,9 @@
           <a:bodyPr/>
           <a:lstStyle/>
           <a:p>
-            <a:fld id="{51762B1C-150F-4B00-BBF2-B31DE7314112}" type="datetimeFigureOut">
+            <a:fld id="{11A9E73C-40A7-4703-B716-7B576A964D7A}" type="datetime1">
               <a:rPr lang="de-DE" smtClean="0"/>
-              <a:t>11.09.2017</a:t>
+              <a:t>12.09.2017</a:t>
             </a:fld>
             <a:endParaRPr lang="de-DE"/>
           </a:p>
@@ -2938,9 +3292,9 @@
             </a:lvl1pPr>
           </a:lstStyle>
           <a:p>
-            <a:fld id="{51762B1C-150F-4B00-BBF2-B31DE7314112}" type="datetimeFigureOut">
+            <a:fld id="{5CF8F44E-BC2F-4F55-B300-4E56F21D885C}" type="datetime1">
               <a:rPr lang="de-DE" smtClean="0"/>
-              <a:t>11.09.2017</a:t>
+              <a:t>12.09.2017</a:t>
             </a:fld>
             <a:endParaRPr lang="de-DE"/>
           </a:p>
@@ -3057,6 +3411,7 @@
     <p:sldLayoutId id="2147483658" r:id="rId10"/>
     <p:sldLayoutId id="2147483659" r:id="rId11"/>
   </p:sldLayoutIdLst>
+  <p:hf hdr="0" ftr="0" dt="0"/>
   <p:txStyles>
     <p:titleStyle>
       <a:lvl1pPr algn="l" defTabSz="914400" rtl="0" eaLnBrk="1" latinLnBrk="0" hangingPunct="1">
@@ -3385,7 +3740,7 @@
           <a:p>
             <a:r>
               <a:rPr lang="de-DE" dirty="0"/>
-              <a:t>Optik II</a:t>
+              <a:t>Michelson-Interferometer</a:t>
             </a:r>
           </a:p>
         </p:txBody>
@@ -3413,13 +3768,18 @@
           </a:xfrm>
         </p:spPr>
         <p:txBody>
-          <a:bodyPr/>
+          <a:bodyPr>
+            <a:normAutofit lnSpcReduction="10000"/>
+          </a:bodyPr>
           <a:lstStyle/>
           <a:p>
             <a:r>
-              <a:rPr lang="de-DE" dirty="0"/>
+              <a:rPr lang="de-DE" sz="2800" dirty="0"/>
               <a:t>A07</a:t>
             </a:r>
+          </a:p>
+          <a:p>
+            <a:endParaRPr lang="de-DE" dirty="0"/>
           </a:p>
           <a:p>
             <a:r>
@@ -3435,7 +3795,7 @@
           </a:p>
           <a:p>
             <a:r>
-              <a:rPr lang="de-DE" dirty="0"/>
+              <a:rPr lang="de-DE" u="sng" dirty="0"/>
               <a:t>Gerald Kolter</a:t>
             </a:r>
           </a:p>
@@ -3461,6 +3821,626 @@
 </file>
 
 <file path=ppt/slides/slide10.xml><?xml version="1.0" encoding="utf-8"?>
+<p:sld xmlns:a="http://schemas.openxmlformats.org/drawingml/2006/main" xmlns:r="http://schemas.openxmlformats.org/officeDocument/2006/relationships" xmlns:p="http://schemas.openxmlformats.org/presentationml/2006/main">
+  <p:cSld>
+    <p:spTree>
+      <p:nvGrpSpPr>
+        <p:cNvPr id="1" name=""/>
+        <p:cNvGrpSpPr/>
+        <p:nvPr/>
+      </p:nvGrpSpPr>
+      <p:grpSpPr>
+        <a:xfrm>
+          <a:off x="0" y="0"/>
+          <a:ext cx="0" cy="0"/>
+          <a:chOff x="0" y="0"/>
+          <a:chExt cx="0" cy="0"/>
+        </a:xfrm>
+      </p:grpSpPr>
+      <p:sp>
+        <p:nvSpPr>
+          <p:cNvPr id="2" name="Titel 1">
+            <a:extLst>
+              <a:ext uri="{FF2B5EF4-FFF2-40B4-BE49-F238E27FC236}">
+                <a16:creationId xmlns:a16="http://schemas.microsoft.com/office/drawing/2014/main" id="{E6EA4A09-4BDD-427F-8D95-1CC103C2C197}"/>
+              </a:ext>
+            </a:extLst>
+          </p:cNvPr>
+          <p:cNvSpPr>
+            <a:spLocks noGrp="1"/>
+          </p:cNvSpPr>
+          <p:nvPr>
+            <p:ph type="title"/>
+          </p:nvPr>
+        </p:nvSpPr>
+        <p:spPr/>
+        <p:txBody>
+          <a:bodyPr/>
+          <a:lstStyle/>
+          <a:p>
+            <a:r>
+              <a:rPr lang="de-DE" dirty="0"/>
+              <a:t>Druckabhängigkeit</a:t>
+            </a:r>
+          </a:p>
+        </p:txBody>
+      </p:sp>
+      <mc:AlternateContent xmlns:mc="http://schemas.openxmlformats.org/markup-compatibility/2006" xmlns:a14="http://schemas.microsoft.com/office/drawing/2010/main">
+        <mc:Choice Requires="a14">
+          <p:sp>
+            <p:nvSpPr>
+              <p:cNvPr id="3" name="Inhaltsplatzhalter 2">
+                <a:extLst>
+                  <a:ext uri="{FF2B5EF4-FFF2-40B4-BE49-F238E27FC236}">
+                    <a16:creationId xmlns:a16="http://schemas.microsoft.com/office/drawing/2014/main" id="{FF10F612-E099-4DEE-BE30-B939E5F9237C}"/>
+                  </a:ext>
+                </a:extLst>
+              </p:cNvPr>
+              <p:cNvSpPr>
+                <a:spLocks noGrp="1"/>
+              </p:cNvSpPr>
+              <p:nvPr>
+                <p:ph idx="1"/>
+              </p:nvPr>
+            </p:nvSpPr>
+            <p:spPr>
+              <a:xfrm>
+                <a:off x="838200" y="1446028"/>
+                <a:ext cx="5520070" cy="4730935"/>
+              </a:xfrm>
+            </p:spPr>
+            <p:txBody>
+              <a:bodyPr>
+                <a:normAutofit fontScale="92500" lnSpcReduction="10000"/>
+              </a:bodyPr>
+              <a:lstStyle/>
+              <a:p>
+                <a:r>
+                  <a:rPr lang="de-DE" sz="2400" dirty="0"/>
+                  <a:t>Steigungen mitteln</a:t>
+                </a:r>
+              </a:p>
+              <a:p>
+                <a:endParaRPr lang="de-DE" sz="2400" dirty="0"/>
+              </a:p>
+              <a:p>
+                <a:r>
+                  <a:rPr lang="de-DE" sz="2400" dirty="0"/>
+                  <a:t>A:</a:t>
+                </a:r>
+              </a:p>
+              <a:p>
+                <a:pPr marL="0" indent="0">
+                  <a:buNone/>
+                </a:pPr>
+                <a14:m>
+                  <m:oMathPara xmlns:m="http://schemas.openxmlformats.org/officeDocument/2006/math">
+                    <m:oMathParaPr>
+                      <m:jc m:val="centerGroup"/>
+                    </m:oMathParaPr>
+                    <m:oMath xmlns:m="http://schemas.openxmlformats.org/officeDocument/2006/math">
+                      <m:f>
+                        <m:fPr>
+                          <m:ctrlPr>
+                            <a:rPr lang="de-DE" sz="2400" i="1">
+                              <a:latin typeface="Cambria Math" panose="02040503050406030204" pitchFamily="18" charset="0"/>
+                            </a:rPr>
+                          </m:ctrlPr>
+                        </m:fPr>
+                        <m:num>
+                          <m:r>
+                            <a:rPr lang="de-DE" sz="2400" i="1">
+                              <a:latin typeface="Cambria Math" panose="02040503050406030204" pitchFamily="18" charset="0"/>
+                            </a:rPr>
+                            <m:t>𝑑𝑛</m:t>
+                          </m:r>
+                        </m:num>
+                        <m:den>
+                          <m:r>
+                            <a:rPr lang="de-DE" sz="2400" i="1">
+                              <a:latin typeface="Cambria Math" panose="02040503050406030204" pitchFamily="18" charset="0"/>
+                            </a:rPr>
+                            <m:t>𝑑𝑃</m:t>
+                          </m:r>
+                        </m:den>
+                      </m:f>
+                      <m:r>
+                        <a:rPr lang="de-DE" sz="2400" i="1">
+                          <a:latin typeface="Cambria Math" panose="02040503050406030204" pitchFamily="18" charset="0"/>
+                        </a:rPr>
+                        <m:t>=</m:t>
+                      </m:r>
+                      <m:d>
+                        <m:dPr>
+                          <m:ctrlPr>
+                            <a:rPr lang="de-DE" sz="2400" i="1">
+                              <a:latin typeface="Cambria Math" panose="02040503050406030204" pitchFamily="18" charset="0"/>
+                            </a:rPr>
+                          </m:ctrlPr>
+                        </m:dPr>
+                        <m:e>
+                          <m:r>
+                            <a:rPr lang="de-DE" sz="2400" i="1">
+                              <a:latin typeface="Cambria Math" panose="02040503050406030204" pitchFamily="18" charset="0"/>
+                            </a:rPr>
+                            <m:t>2.</m:t>
+                          </m:r>
+                          <m:r>
+                            <a:rPr lang="de-DE" sz="2400" b="0" i="1" smtClean="0">
+                              <a:latin typeface="Cambria Math" panose="02040503050406030204" pitchFamily="18" charset="0"/>
+                            </a:rPr>
+                            <m:t>6103</m:t>
+                          </m:r>
+                          <m:r>
+                            <a:rPr lang="de-DE" sz="2400" i="1">
+                              <a:latin typeface="Cambria Math" panose="02040503050406030204" pitchFamily="18" charset="0"/>
+                            </a:rPr>
+                            <m:t>±0.0</m:t>
+                          </m:r>
+                          <m:r>
+                            <a:rPr lang="de-DE" sz="2400" b="0" i="1" smtClean="0">
+                              <a:latin typeface="Cambria Math" panose="02040503050406030204" pitchFamily="18" charset="0"/>
+                            </a:rPr>
+                            <m:t>28</m:t>
+                          </m:r>
+                          <m:r>
+                            <a:rPr lang="de-DE" sz="2400" i="1">
+                              <a:latin typeface="Cambria Math" panose="02040503050406030204" pitchFamily="18" charset="0"/>
+                            </a:rPr>
+                            <m:t>±0.014</m:t>
+                          </m:r>
+                        </m:e>
+                      </m:d>
+                      <m:f>
+                        <m:fPr>
+                          <m:ctrlPr>
+                            <a:rPr lang="de-DE" sz="2400" i="1">
+                              <a:latin typeface="Cambria Math" panose="02040503050406030204" pitchFamily="18" charset="0"/>
+                            </a:rPr>
+                          </m:ctrlPr>
+                        </m:fPr>
+                        <m:num>
+                          <m:sSup>
+                            <m:sSupPr>
+                              <m:ctrlPr>
+                                <a:rPr lang="de-DE" sz="2400" i="1">
+                                  <a:latin typeface="Cambria Math" panose="02040503050406030204" pitchFamily="18" charset="0"/>
+                                </a:rPr>
+                              </m:ctrlPr>
+                            </m:sSupPr>
+                            <m:e>
+                              <m:r>
+                                <a:rPr lang="de-DE" sz="2400" i="1">
+                                  <a:latin typeface="Cambria Math" panose="02040503050406030204" pitchFamily="18" charset="0"/>
+                                </a:rPr>
+                                <m:t>10</m:t>
+                              </m:r>
+                            </m:e>
+                            <m:sup>
+                              <m:r>
+                                <a:rPr lang="de-DE" sz="2400" i="1">
+                                  <a:latin typeface="Cambria Math" panose="02040503050406030204" pitchFamily="18" charset="0"/>
+                                </a:rPr>
+                                <m:t>−7</m:t>
+                              </m:r>
+                            </m:sup>
+                          </m:sSup>
+                        </m:num>
+                        <m:den>
+                          <m:r>
+                            <a:rPr lang="de-DE" sz="2400" i="1">
+                              <a:latin typeface="Cambria Math" panose="02040503050406030204" pitchFamily="18" charset="0"/>
+                            </a:rPr>
+                            <m:t>𝑚𝑏𝑎𝑟</m:t>
+                          </m:r>
+                        </m:den>
+                      </m:f>
+                    </m:oMath>
+                  </m:oMathPara>
+                </a14:m>
+                <a:endParaRPr lang="de-DE" sz="2400" dirty="0"/>
+              </a:p>
+              <a:p>
+                <a:endParaRPr lang="de-DE" sz="2400" dirty="0"/>
+              </a:p>
+              <a:p>
+                <a14:m>
+                  <m:oMath xmlns:m="http://schemas.openxmlformats.org/officeDocument/2006/math">
+                    <m:r>
+                      <a:rPr lang="de-DE" sz="2400" b="0" i="1" smtClean="0">
+                        <a:latin typeface="Cambria Math" panose="02040503050406030204" pitchFamily="18" charset="0"/>
+                      </a:rPr>
+                      <m:t>𝐵</m:t>
+                    </m:r>
+                    <m:r>
+                      <a:rPr lang="de-DE" sz="2400" b="0" i="1" smtClean="0">
+                        <a:latin typeface="Cambria Math" panose="02040503050406030204" pitchFamily="18" charset="0"/>
+                      </a:rPr>
+                      <m:t>:</m:t>
+                    </m:r>
+                  </m:oMath>
+                </a14:m>
+                <a:endParaRPr lang="de-DE" sz="2400" b="0" i="1" dirty="0">
+                  <a:latin typeface="Cambria Math" panose="02040503050406030204" pitchFamily="18" charset="0"/>
+                </a:endParaRPr>
+              </a:p>
+              <a:p>
+                <a:pPr marL="0" indent="0">
+                  <a:buNone/>
+                </a:pPr>
+                <a14:m>
+                  <m:oMathPara xmlns:m="http://schemas.openxmlformats.org/officeDocument/2006/math">
+                    <m:oMathParaPr>
+                      <m:jc m:val="centerGroup"/>
+                    </m:oMathParaPr>
+                    <m:oMath xmlns:m="http://schemas.openxmlformats.org/officeDocument/2006/math">
+                      <m:f>
+                        <m:fPr>
+                          <m:ctrlPr>
+                            <a:rPr lang="de-DE" sz="2400" i="1">
+                              <a:latin typeface="Cambria Math" panose="02040503050406030204" pitchFamily="18" charset="0"/>
+                            </a:rPr>
+                          </m:ctrlPr>
+                        </m:fPr>
+                        <m:num>
+                          <m:r>
+                            <a:rPr lang="de-DE" sz="2400" i="1">
+                              <a:latin typeface="Cambria Math" panose="02040503050406030204" pitchFamily="18" charset="0"/>
+                            </a:rPr>
+                            <m:t>𝑑𝑛</m:t>
+                          </m:r>
+                        </m:num>
+                        <m:den>
+                          <m:r>
+                            <a:rPr lang="de-DE" sz="2400" i="1">
+                              <a:latin typeface="Cambria Math" panose="02040503050406030204" pitchFamily="18" charset="0"/>
+                            </a:rPr>
+                            <m:t>𝑑𝑃</m:t>
+                          </m:r>
+                        </m:den>
+                      </m:f>
+                      <m:r>
+                        <a:rPr lang="de-DE" sz="2400" i="1">
+                          <a:latin typeface="Cambria Math" panose="02040503050406030204" pitchFamily="18" charset="0"/>
+                        </a:rPr>
+                        <m:t>=</m:t>
+                      </m:r>
+                      <m:d>
+                        <m:dPr>
+                          <m:ctrlPr>
+                            <a:rPr lang="de-DE" sz="2400" i="1">
+                              <a:latin typeface="Cambria Math" panose="02040503050406030204" pitchFamily="18" charset="0"/>
+                            </a:rPr>
+                          </m:ctrlPr>
+                        </m:dPr>
+                        <m:e>
+                          <m:r>
+                            <a:rPr lang="de-DE" sz="2400" i="1">
+                              <a:latin typeface="Cambria Math" panose="02040503050406030204" pitchFamily="18" charset="0"/>
+                            </a:rPr>
+                            <m:t>2.5</m:t>
+                          </m:r>
+                          <m:r>
+                            <a:rPr lang="de-DE" sz="2400" b="0" i="1" smtClean="0">
+                              <a:latin typeface="Cambria Math" panose="02040503050406030204" pitchFamily="18" charset="0"/>
+                            </a:rPr>
+                            <m:t>612</m:t>
+                          </m:r>
+                          <m:r>
+                            <a:rPr lang="de-DE" sz="2400" i="1">
+                              <a:latin typeface="Cambria Math" panose="02040503050406030204" pitchFamily="18" charset="0"/>
+                            </a:rPr>
+                            <m:t>±0.0</m:t>
+                          </m:r>
+                          <m:r>
+                            <a:rPr lang="de-DE" sz="2400" b="0" i="1" smtClean="0">
+                              <a:latin typeface="Cambria Math" panose="02040503050406030204" pitchFamily="18" charset="0"/>
+                            </a:rPr>
+                            <m:t>69</m:t>
+                          </m:r>
+                          <m:r>
+                            <a:rPr lang="de-DE" sz="2400" i="1">
+                              <a:latin typeface="Cambria Math" panose="02040503050406030204" pitchFamily="18" charset="0"/>
+                            </a:rPr>
+                            <m:t>±0.014</m:t>
+                          </m:r>
+                        </m:e>
+                      </m:d>
+                      <m:f>
+                        <m:fPr>
+                          <m:ctrlPr>
+                            <a:rPr lang="de-DE" sz="2400" i="1">
+                              <a:latin typeface="Cambria Math" panose="02040503050406030204" pitchFamily="18" charset="0"/>
+                            </a:rPr>
+                          </m:ctrlPr>
+                        </m:fPr>
+                        <m:num>
+                          <m:sSup>
+                            <m:sSupPr>
+                              <m:ctrlPr>
+                                <a:rPr lang="de-DE" sz="2400" i="1">
+                                  <a:latin typeface="Cambria Math" panose="02040503050406030204" pitchFamily="18" charset="0"/>
+                                </a:rPr>
+                              </m:ctrlPr>
+                            </m:sSupPr>
+                            <m:e>
+                              <m:r>
+                                <a:rPr lang="de-DE" sz="2400" i="1">
+                                  <a:latin typeface="Cambria Math" panose="02040503050406030204" pitchFamily="18" charset="0"/>
+                                </a:rPr>
+                                <m:t>10</m:t>
+                              </m:r>
+                            </m:e>
+                            <m:sup>
+                              <m:r>
+                                <a:rPr lang="de-DE" sz="2400" i="1">
+                                  <a:latin typeface="Cambria Math" panose="02040503050406030204" pitchFamily="18" charset="0"/>
+                                </a:rPr>
+                                <m:t>−7</m:t>
+                              </m:r>
+                            </m:sup>
+                          </m:sSup>
+                        </m:num>
+                        <m:den>
+                          <m:r>
+                            <a:rPr lang="de-DE" sz="2400" i="1">
+                              <a:latin typeface="Cambria Math" panose="02040503050406030204" pitchFamily="18" charset="0"/>
+                            </a:rPr>
+                            <m:t>𝑚𝑏𝑎𝑟</m:t>
+                          </m:r>
+                        </m:den>
+                      </m:f>
+                    </m:oMath>
+                  </m:oMathPara>
+                </a14:m>
+                <a:endParaRPr lang="de-DE" sz="2400" dirty="0"/>
+              </a:p>
+              <a:p>
+                <a:pPr marL="0" indent="0">
+                  <a:buNone/>
+                </a:pPr>
+                <a:endParaRPr lang="de-DE" sz="2400" dirty="0"/>
+              </a:p>
+              <a:p>
+                <a:r>
+                  <a:rPr lang="de-DE" sz="2400" dirty="0"/>
+                  <a:t>Literatur: </a:t>
+                </a:r>
+              </a:p>
+              <a:p>
+                <a:pPr marL="0" indent="0">
+                  <a:buNone/>
+                </a:pPr>
+                <a14:m>
+                  <m:oMathPara xmlns:m="http://schemas.openxmlformats.org/officeDocument/2006/math">
+                    <m:oMathParaPr>
+                      <m:jc m:val="centerGroup"/>
+                    </m:oMathParaPr>
+                    <m:oMath xmlns:m="http://schemas.openxmlformats.org/officeDocument/2006/math">
+                      <m:f>
+                        <m:fPr>
+                          <m:ctrlPr>
+                            <a:rPr lang="de-DE" sz="2400" i="1">
+                              <a:latin typeface="Cambria Math" panose="02040503050406030204" pitchFamily="18" charset="0"/>
+                            </a:rPr>
+                          </m:ctrlPr>
+                        </m:fPr>
+                        <m:num>
+                          <m:r>
+                            <a:rPr lang="de-DE" sz="2400" i="1">
+                              <a:latin typeface="Cambria Math" panose="02040503050406030204" pitchFamily="18" charset="0"/>
+                            </a:rPr>
+                            <m:t>𝑑𝑛</m:t>
+                          </m:r>
+                        </m:num>
+                        <m:den>
+                          <m:r>
+                            <a:rPr lang="de-DE" sz="2400" i="1">
+                              <a:latin typeface="Cambria Math" panose="02040503050406030204" pitchFamily="18" charset="0"/>
+                            </a:rPr>
+                            <m:t>𝑑𝑃</m:t>
+                          </m:r>
+                        </m:den>
+                      </m:f>
+                      <m:r>
+                        <a:rPr lang="de-DE" sz="2400" i="1">
+                          <a:latin typeface="Cambria Math" panose="02040503050406030204" pitchFamily="18" charset="0"/>
+                        </a:rPr>
+                        <m:t>=</m:t>
+                      </m:r>
+                      <m:r>
+                        <a:rPr lang="de-DE" sz="2400" b="0" i="1" smtClean="0">
+                          <a:latin typeface="Cambria Math" panose="02040503050406030204" pitchFamily="18" charset="0"/>
+                        </a:rPr>
+                        <m:t>2.655</m:t>
+                      </m:r>
+                      <m:f>
+                        <m:fPr>
+                          <m:ctrlPr>
+                            <a:rPr lang="de-DE" sz="2400" i="1">
+                              <a:latin typeface="Cambria Math" panose="02040503050406030204" pitchFamily="18" charset="0"/>
+                            </a:rPr>
+                          </m:ctrlPr>
+                        </m:fPr>
+                        <m:num>
+                          <m:sSup>
+                            <m:sSupPr>
+                              <m:ctrlPr>
+                                <a:rPr lang="de-DE" sz="2400" i="1">
+                                  <a:latin typeface="Cambria Math" panose="02040503050406030204" pitchFamily="18" charset="0"/>
+                                </a:rPr>
+                              </m:ctrlPr>
+                            </m:sSupPr>
+                            <m:e>
+                              <m:r>
+                                <a:rPr lang="de-DE" sz="2400" i="1">
+                                  <a:latin typeface="Cambria Math" panose="02040503050406030204" pitchFamily="18" charset="0"/>
+                                </a:rPr>
+                                <m:t>10</m:t>
+                              </m:r>
+                            </m:e>
+                            <m:sup>
+                              <m:r>
+                                <a:rPr lang="de-DE" sz="2400" i="1">
+                                  <a:latin typeface="Cambria Math" panose="02040503050406030204" pitchFamily="18" charset="0"/>
+                                </a:rPr>
+                                <m:t>−7</m:t>
+                              </m:r>
+                            </m:sup>
+                          </m:sSup>
+                        </m:num>
+                        <m:den>
+                          <m:r>
+                            <a:rPr lang="de-DE" sz="2400" i="1">
+                              <a:latin typeface="Cambria Math" panose="02040503050406030204" pitchFamily="18" charset="0"/>
+                            </a:rPr>
+                            <m:t>𝑚𝑏𝑎𝑟</m:t>
+                          </m:r>
+                        </m:den>
+                      </m:f>
+                    </m:oMath>
+                  </m:oMathPara>
+                </a14:m>
+                <a:endParaRPr lang="de-DE" sz="2400" dirty="0"/>
+              </a:p>
+              <a:p>
+                <a:endParaRPr lang="de-DE" sz="2400" dirty="0"/>
+              </a:p>
+              <a:p>
+                <a:pPr marL="0" indent="0">
+                  <a:buNone/>
+                </a:pPr>
+                <a:endParaRPr lang="de-DE" sz="2400" dirty="0"/>
+              </a:p>
+              <a:p>
+                <a:endParaRPr lang="de-DE" sz="2400" dirty="0"/>
+              </a:p>
+            </p:txBody>
+          </p:sp>
+        </mc:Choice>
+        <mc:Fallback xmlns="">
+          <p:sp>
+            <p:nvSpPr>
+              <p:cNvPr id="3" name="Inhaltsplatzhalter 2">
+                <a:extLst>
+                  <a:ext uri="{FF2B5EF4-FFF2-40B4-BE49-F238E27FC236}">
+                    <a16:creationId xmlns:a16="http://schemas.microsoft.com/office/drawing/2014/main" id="{FF10F612-E099-4DEE-BE30-B939E5F9237C}"/>
+                  </a:ext>
+                </a:extLst>
+              </p:cNvPr>
+              <p:cNvSpPr>
+                <a:spLocks noGrp="1" noRot="1" noChangeAspect="1" noMove="1" noResize="1" noEditPoints="1" noAdjustHandles="1" noChangeArrowheads="1" noChangeShapeType="1" noTextEdit="1"/>
+              </p:cNvSpPr>
+              <p:nvPr>
+                <p:ph idx="1"/>
+              </p:nvPr>
+            </p:nvSpPr>
+            <p:spPr>
+              <a:xfrm>
+                <a:off x="838200" y="1446028"/>
+                <a:ext cx="5520070" cy="4730935"/>
+              </a:xfrm>
+              <a:blipFill>
+                <a:blip r:embed="rId2"/>
+                <a:stretch>
+                  <a:fillRect l="-1326" t="-2191"/>
+                </a:stretch>
+              </a:blipFill>
+            </p:spPr>
+            <p:txBody>
+              <a:bodyPr/>
+              <a:lstStyle/>
+              <a:p>
+                <a:r>
+                  <a:rPr lang="de-DE">
+                    <a:noFill/>
+                  </a:rPr>
+                  <a:t> </a:t>
+                </a:r>
+              </a:p>
+            </p:txBody>
+          </p:sp>
+        </mc:Fallback>
+      </mc:AlternateContent>
+      <p:pic>
+        <p:nvPicPr>
+          <p:cNvPr id="7" name="Grafik 6">
+            <a:extLst>
+              <a:ext uri="{FF2B5EF4-FFF2-40B4-BE49-F238E27FC236}">
+                <a16:creationId xmlns:a16="http://schemas.microsoft.com/office/drawing/2014/main" id="{B9C46D21-1EDE-408A-A65F-5E295CD4D5CB}"/>
+              </a:ext>
+            </a:extLst>
+          </p:cNvPr>
+          <p:cNvPicPr>
+            <a:picLocks noChangeAspect="1"/>
+          </p:cNvPicPr>
+          <p:nvPr/>
+        </p:nvPicPr>
+        <p:blipFill>
+          <a:blip r:embed="rId3">
+            <a:extLst>
+              <a:ext uri="{28A0092B-C50C-407E-A947-70E740481C1C}">
+                <a14:useLocalDpi xmlns:a14="http://schemas.microsoft.com/office/drawing/2010/main" val="0"/>
+              </a:ext>
+            </a:extLst>
+          </a:blip>
+          <a:stretch>
+            <a:fillRect/>
+          </a:stretch>
+        </p:blipFill>
+        <p:spPr>
+          <a:xfrm>
+            <a:off x="6096000" y="1301453"/>
+            <a:ext cx="5852172" cy="4370841"/>
+          </a:xfrm>
+          <a:prstGeom prst="rect">
+            <a:avLst/>
+          </a:prstGeom>
+        </p:spPr>
+      </p:pic>
+      <p:sp>
+        <p:nvSpPr>
+          <p:cNvPr id="4" name="Foliennummernplatzhalter 3">
+            <a:extLst>
+              <a:ext uri="{FF2B5EF4-FFF2-40B4-BE49-F238E27FC236}">
+                <a16:creationId xmlns:a16="http://schemas.microsoft.com/office/drawing/2014/main" id="{D85165F8-8976-4125-ADC4-848F9E801D55}"/>
+              </a:ext>
+            </a:extLst>
+          </p:cNvPr>
+          <p:cNvSpPr>
+            <a:spLocks noGrp="1"/>
+          </p:cNvSpPr>
+          <p:nvPr>
+            <p:ph type="sldNum" sz="quarter" idx="12"/>
+          </p:nvPr>
+        </p:nvSpPr>
+        <p:spPr/>
+        <p:txBody>
+          <a:bodyPr/>
+          <a:lstStyle/>
+          <a:p>
+            <a:fld id="{E276D0E3-8A91-4195-9D97-D4903B6F688B}" type="slidenum">
+              <a:rPr lang="de-DE" smtClean="0"/>
+              <a:t>10</a:t>
+            </a:fld>
+            <a:endParaRPr lang="de-DE"/>
+          </a:p>
+        </p:txBody>
+      </p:sp>
+    </p:spTree>
+    <p:extLst>
+      <p:ext uri="{BB962C8B-B14F-4D97-AF65-F5344CB8AC3E}">
+        <p14:creationId xmlns:p14="http://schemas.microsoft.com/office/powerpoint/2010/main" val="733993921"/>
+      </p:ext>
+    </p:extLst>
+  </p:cSld>
+  <p:clrMapOvr>
+    <a:masterClrMapping/>
+  </p:clrMapOvr>
+</p:sld>
+</file>
+
+<file path=ppt/slides/slide11.xml><?xml version="1.0" encoding="utf-8"?>
 <p:sld xmlns:a="http://schemas.openxmlformats.org/drawingml/2006/main" xmlns:r="http://schemas.openxmlformats.org/officeDocument/2006/relationships" xmlns:p="http://schemas.openxmlformats.org/presentationml/2006/main">
   <p:cSld>
     <p:spTree>
@@ -4009,6 +4989,35 @@
           </p:sp>
         </mc:Fallback>
       </mc:AlternateContent>
+      <p:sp>
+        <p:nvSpPr>
+          <p:cNvPr id="4" name="Foliennummernplatzhalter 3">
+            <a:extLst>
+              <a:ext uri="{FF2B5EF4-FFF2-40B4-BE49-F238E27FC236}">
+                <a16:creationId xmlns:a16="http://schemas.microsoft.com/office/drawing/2014/main" id="{BA1FAF26-5B9F-4941-BBB6-8DBAA0815A16}"/>
+              </a:ext>
+            </a:extLst>
+          </p:cNvPr>
+          <p:cNvSpPr>
+            <a:spLocks noGrp="1"/>
+          </p:cNvSpPr>
+          <p:nvPr>
+            <p:ph type="sldNum" sz="quarter" idx="12"/>
+          </p:nvPr>
+        </p:nvSpPr>
+        <p:spPr/>
+        <p:txBody>
+          <a:bodyPr/>
+          <a:lstStyle/>
+          <a:p>
+            <a:fld id="{E276D0E3-8A91-4195-9D97-D4903B6F688B}" type="slidenum">
+              <a:rPr lang="de-DE" smtClean="0"/>
+              <a:t>11</a:t>
+            </a:fld>
+            <a:endParaRPr lang="de-DE"/>
+          </a:p>
+        </p:txBody>
+      </p:sp>
     </p:spTree>
     <p:extLst>
       <p:ext uri="{BB962C8B-B14F-4D97-AF65-F5344CB8AC3E}">
@@ -4062,7 +5071,7 @@
           <a:p>
             <a:r>
               <a:rPr lang="de-DE" dirty="0"/>
-              <a:t>Inhalt</a:t>
+              <a:t>Gliederung</a:t>
             </a:r>
           </a:p>
         </p:txBody>
@@ -4088,6 +5097,73 @@
           <a:bodyPr/>
           <a:lstStyle/>
           <a:p>
+            <a:r>
+              <a:rPr lang="de-DE" dirty="0"/>
+              <a:t>Versuchsziele</a:t>
+            </a:r>
+          </a:p>
+          <a:p>
+            <a:r>
+              <a:rPr lang="de-DE" dirty="0"/>
+              <a:t>Aufbau Interferometer und Versuchsdurchführung</a:t>
+            </a:r>
+          </a:p>
+          <a:p>
+            <a:r>
+              <a:rPr lang="de-DE" dirty="0"/>
+              <a:t>Kalibration</a:t>
+            </a:r>
+          </a:p>
+          <a:p>
+            <a:r>
+              <a:rPr lang="de-DE" dirty="0"/>
+              <a:t>Wellenlängenbestimmung</a:t>
+            </a:r>
+          </a:p>
+          <a:p>
+            <a:r>
+              <a:rPr lang="de-DE" dirty="0"/>
+              <a:t>Druckabhängigkeit Brechungsindex</a:t>
+            </a:r>
+          </a:p>
+          <a:p>
+            <a:r>
+              <a:rPr lang="de-DE" dirty="0"/>
+              <a:t>Brechungsindex CO</a:t>
+            </a:r>
+            <a:r>
+              <a:rPr lang="de-DE" baseline="-25000" dirty="0"/>
+              <a:t>2</a:t>
+            </a:r>
+            <a:endParaRPr lang="de-DE" dirty="0"/>
+          </a:p>
+        </p:txBody>
+      </p:sp>
+      <p:sp>
+        <p:nvSpPr>
+          <p:cNvPr id="4" name="Foliennummernplatzhalter 3">
+            <a:extLst>
+              <a:ext uri="{FF2B5EF4-FFF2-40B4-BE49-F238E27FC236}">
+                <a16:creationId xmlns:a16="http://schemas.microsoft.com/office/drawing/2014/main" id="{BAC7053E-5303-4355-81D1-A82D72D22EE3}"/>
+              </a:ext>
+            </a:extLst>
+          </p:cNvPr>
+          <p:cNvSpPr>
+            <a:spLocks noGrp="1"/>
+          </p:cNvSpPr>
+          <p:nvPr>
+            <p:ph type="sldNum" sz="quarter" idx="12"/>
+          </p:nvPr>
+        </p:nvSpPr>
+        <p:spPr/>
+        <p:txBody>
+          <a:bodyPr/>
+          <a:lstStyle/>
+          <a:p>
+            <a:fld id="{E276D0E3-8A91-4195-9D97-D4903B6F688B}" type="slidenum">
+              <a:rPr lang="de-DE" smtClean="0"/>
+              <a:t>2</a:t>
+            </a:fld>
             <a:endParaRPr lang="de-DE"/>
           </a:p>
         </p:txBody>
@@ -4171,6 +5247,55 @@
           <a:bodyPr/>
           <a:lstStyle/>
           <a:p>
+            <a:r>
+              <a:rPr lang="de-DE" dirty="0"/>
+              <a:t>Wellenlänge eines Lasers</a:t>
+            </a:r>
+          </a:p>
+          <a:p>
+            <a:r>
+              <a:rPr lang="de-DE" dirty="0"/>
+              <a:t>Druckabhängigkeit Brechungsindex von Luft</a:t>
+            </a:r>
+          </a:p>
+          <a:p>
+            <a:r>
+              <a:rPr lang="de-DE" dirty="0"/>
+              <a:t>Brechungsindex CO</a:t>
+            </a:r>
+            <a:r>
+              <a:rPr lang="de-DE" baseline="-25000" dirty="0"/>
+              <a:t>2</a:t>
+            </a:r>
+            <a:endParaRPr lang="de-DE" dirty="0"/>
+          </a:p>
+        </p:txBody>
+      </p:sp>
+      <p:sp>
+        <p:nvSpPr>
+          <p:cNvPr id="4" name="Foliennummernplatzhalter 3">
+            <a:extLst>
+              <a:ext uri="{FF2B5EF4-FFF2-40B4-BE49-F238E27FC236}">
+                <a16:creationId xmlns:a16="http://schemas.microsoft.com/office/drawing/2014/main" id="{38AEDA82-2BC3-463F-AECC-9F9907734F02}"/>
+              </a:ext>
+            </a:extLst>
+          </p:cNvPr>
+          <p:cNvSpPr>
+            <a:spLocks noGrp="1"/>
+          </p:cNvSpPr>
+          <p:nvPr>
+            <p:ph type="sldNum" sz="quarter" idx="12"/>
+          </p:nvPr>
+        </p:nvSpPr>
+        <p:spPr/>
+        <p:txBody>
+          <a:bodyPr/>
+          <a:lstStyle/>
+          <a:p>
+            <a:fld id="{E276D0E3-8A91-4195-9D97-D4903B6F688B}" type="slidenum">
+              <a:rPr lang="de-DE" smtClean="0"/>
+              <a:t>3</a:t>
+            </a:fld>
             <a:endParaRPr lang="de-DE"/>
           </a:p>
         </p:txBody>
@@ -4807,6 +5932,35 @@
           </p:sp>
         </mc:Fallback>
       </mc:AlternateContent>
+      <p:sp>
+        <p:nvSpPr>
+          <p:cNvPr id="4" name="Foliennummernplatzhalter 3">
+            <a:extLst>
+              <a:ext uri="{FF2B5EF4-FFF2-40B4-BE49-F238E27FC236}">
+                <a16:creationId xmlns:a16="http://schemas.microsoft.com/office/drawing/2014/main" id="{617A2F57-BE85-44C4-838A-2DEF9BC568C0}"/>
+              </a:ext>
+            </a:extLst>
+          </p:cNvPr>
+          <p:cNvSpPr>
+            <a:spLocks noGrp="1"/>
+          </p:cNvSpPr>
+          <p:nvPr>
+            <p:ph type="sldNum" sz="quarter" idx="12"/>
+          </p:nvPr>
+        </p:nvSpPr>
+        <p:spPr/>
+        <p:txBody>
+          <a:bodyPr/>
+          <a:lstStyle/>
+          <a:p>
+            <a:fld id="{E276D0E3-8A91-4195-9D97-D4903B6F688B}" type="slidenum">
+              <a:rPr lang="de-DE" smtClean="0"/>
+              <a:t>4</a:t>
+            </a:fld>
+            <a:endParaRPr lang="de-DE"/>
+          </a:p>
+        </p:txBody>
+      </p:sp>
     </p:spTree>
     <p:extLst>
       <p:ext uri="{BB962C8B-B14F-4D97-AF65-F5344CB8AC3E}">
@@ -4860,7 +6014,7 @@
           <a:p>
             <a:r>
               <a:rPr lang="de-DE" dirty="0"/>
-              <a:t>Aufbau</a:t>
+              <a:t>Grundlagen Wellenlängenmessung</a:t>
             </a:r>
           </a:p>
         </p:txBody>
@@ -4895,11 +6049,221 @@
         </p:blipFill>
         <p:spPr>
           <a:xfrm>
-            <a:off x="2546252" y="597086"/>
-            <a:ext cx="7399899" cy="5713942"/>
+            <a:off x="4503556" y="1351722"/>
+            <a:ext cx="6717724" cy="5187190"/>
           </a:xfrm>
         </p:spPr>
       </p:pic>
+      <p:sp>
+        <p:nvSpPr>
+          <p:cNvPr id="3" name="Foliennummernplatzhalter 2">
+            <a:extLst>
+              <a:ext uri="{FF2B5EF4-FFF2-40B4-BE49-F238E27FC236}">
+                <a16:creationId xmlns:a16="http://schemas.microsoft.com/office/drawing/2014/main" id="{D22DF2DA-CB34-4FA8-B71E-6754D2036A66}"/>
+              </a:ext>
+            </a:extLst>
+          </p:cNvPr>
+          <p:cNvSpPr>
+            <a:spLocks noGrp="1"/>
+          </p:cNvSpPr>
+          <p:nvPr>
+            <p:ph type="sldNum" sz="quarter" idx="12"/>
+          </p:nvPr>
+        </p:nvSpPr>
+        <p:spPr/>
+        <p:txBody>
+          <a:bodyPr/>
+          <a:lstStyle/>
+          <a:p>
+            <a:fld id="{E276D0E3-8A91-4195-9D97-D4903B6F688B}" type="slidenum">
+              <a:rPr lang="de-DE" smtClean="0"/>
+              <a:t>5</a:t>
+            </a:fld>
+            <a:endParaRPr lang="de-DE"/>
+          </a:p>
+        </p:txBody>
+      </p:sp>
+      <mc:AlternateContent xmlns:mc="http://schemas.openxmlformats.org/markup-compatibility/2006">
+        <mc:Choice xmlns:a14="http://schemas.microsoft.com/office/drawing/2010/main" Requires="a14">
+          <p:sp>
+            <p:nvSpPr>
+              <p:cNvPr id="4" name="Textfeld 3">
+                <a:extLst>
+                  <a:ext uri="{FF2B5EF4-FFF2-40B4-BE49-F238E27FC236}">
+                    <a16:creationId xmlns:a16="http://schemas.microsoft.com/office/drawing/2014/main" id="{E19D00B9-E73B-4A46-BFED-9B5175699A6A}"/>
+                  </a:ext>
+                </a:extLst>
+              </p:cNvPr>
+              <p:cNvSpPr txBox="1"/>
+              <p:nvPr/>
+            </p:nvSpPr>
+            <p:spPr>
+              <a:xfrm>
+                <a:off x="689113" y="2881096"/>
+                <a:ext cx="3313044" cy="1805944"/>
+              </a:xfrm>
+              <a:prstGeom prst="rect">
+                <a:avLst/>
+              </a:prstGeom>
+              <a:noFill/>
+            </p:spPr>
+            <p:txBody>
+              <a:bodyPr wrap="square" rtlCol="0">
+                <a:spAutoFit/>
+              </a:bodyPr>
+              <a:lstStyle/>
+              <a:p>
+                <a:r>
+                  <a:rPr lang="de-DE" sz="2800" dirty="0">
+                    <a:latin typeface="Cambria Math" panose="02040503050406030204" pitchFamily="18" charset="0"/>
+                  </a:rPr>
+                  <a:t>Interferenz-Maxima:</a:t>
+                </a:r>
+              </a:p>
+              <a:p>
+                <a:endParaRPr lang="de-DE" sz="2800" dirty="0">
+                  <a:latin typeface="Cambria Math" panose="02040503050406030204" pitchFamily="18" charset="0"/>
+                </a:endParaRPr>
+              </a:p>
+              <a:p>
+                <a14:m>
+                  <m:oMathPara xmlns:m="http://schemas.openxmlformats.org/officeDocument/2006/math">
+                    <m:oMathParaPr>
+                      <m:jc m:val="centerGroup"/>
+                    </m:oMathParaPr>
+                    <m:oMath xmlns:m="http://schemas.openxmlformats.org/officeDocument/2006/math">
+                      <m:r>
+                        <a:rPr lang="de-DE" sz="2800" i="1">
+                          <a:latin typeface="Cambria Math" panose="02040503050406030204" pitchFamily="18" charset="0"/>
+                        </a:rPr>
+                        <m:t>2</m:t>
+                      </m:r>
+                      <m:r>
+                        <a:rPr lang="de-DE" sz="2800" i="1">
+                          <a:latin typeface="Cambria Math" panose="02040503050406030204" pitchFamily="18" charset="0"/>
+                        </a:rPr>
+                        <m:t>𝑑</m:t>
+                      </m:r>
+                      <m:func>
+                        <m:funcPr>
+                          <m:ctrlPr>
+                            <a:rPr lang="de-DE" sz="2800" i="1">
+                              <a:latin typeface="Cambria Math" panose="02040503050406030204" pitchFamily="18" charset="0"/>
+                            </a:rPr>
+                          </m:ctrlPr>
+                        </m:funcPr>
+                        <m:fName>
+                          <m:r>
+                            <m:rPr>
+                              <m:sty m:val="p"/>
+                            </m:rPr>
+                            <a:rPr lang="de-DE" sz="2800">
+                              <a:latin typeface="Cambria Math" panose="02040503050406030204" pitchFamily="18" charset="0"/>
+                            </a:rPr>
+                            <m:t>cos</m:t>
+                          </m:r>
+                        </m:fName>
+                        <m:e>
+                          <m:r>
+                            <a:rPr lang="de-DE" sz="2800" i="1">
+                              <a:latin typeface="Cambria Math" panose="02040503050406030204" pitchFamily="18" charset="0"/>
+                            </a:rPr>
+                            <m:t>𝜃</m:t>
+                          </m:r>
+                        </m:e>
+                      </m:func>
+                      <m:r>
+                        <a:rPr lang="de-DE" sz="2800" i="1">
+                          <a:latin typeface="Cambria Math" panose="02040503050406030204" pitchFamily="18" charset="0"/>
+                        </a:rPr>
+                        <m:t>=</m:t>
+                      </m:r>
+                      <m:r>
+                        <a:rPr lang="de-DE" sz="2800" i="1">
+                          <a:latin typeface="Cambria Math" panose="02040503050406030204" pitchFamily="18" charset="0"/>
+                        </a:rPr>
+                        <m:t>𝑚</m:t>
+                      </m:r>
+                      <m:r>
+                        <a:rPr lang="de-DE" sz="2800" i="1">
+                          <a:latin typeface="Cambria Math" panose="02040503050406030204" pitchFamily="18" charset="0"/>
+                        </a:rPr>
+                        <m:t>𝜆</m:t>
+                      </m:r>
+                      <m:r>
+                        <a:rPr lang="de-DE" sz="2800">
+                          <a:latin typeface="Cambria Math" panose="02040503050406030204" pitchFamily="18" charset="0"/>
+                        </a:rPr>
+                        <m:t> ,  </m:t>
+                      </m:r>
+                      <m:r>
+                        <m:rPr>
+                          <m:sty m:val="p"/>
+                        </m:rPr>
+                        <a:rPr lang="de-DE" sz="2800">
+                          <a:latin typeface="Cambria Math" panose="02040503050406030204" pitchFamily="18" charset="0"/>
+                        </a:rPr>
+                        <m:t>m</m:t>
+                      </m:r>
+                      <m:r>
+                        <a:rPr lang="de-DE" sz="2800">
+                          <a:latin typeface="Cambria Math" panose="02040503050406030204" pitchFamily="18" charset="0"/>
+                        </a:rPr>
+                        <m:t>=0, 1, 2, …</m:t>
+                      </m:r>
+                    </m:oMath>
+                  </m:oMathPara>
+                </a14:m>
+                <a:endParaRPr lang="de-DE" sz="2800" dirty="0"/>
+              </a:p>
+            </p:txBody>
+          </p:sp>
+        </mc:Choice>
+        <mc:Fallback>
+          <p:sp>
+            <p:nvSpPr>
+              <p:cNvPr id="4" name="Textfeld 3">
+                <a:extLst>
+                  <a:ext uri="{FF2B5EF4-FFF2-40B4-BE49-F238E27FC236}">
+                    <a16:creationId xmlns:a16="http://schemas.microsoft.com/office/drawing/2014/main" id="{E19D00B9-E73B-4A46-BFED-9B5175699A6A}"/>
+                  </a:ext>
+                </a:extLst>
+              </p:cNvPr>
+              <p:cNvSpPr txBox="1">
+                <a:spLocks noRot="1" noChangeAspect="1" noMove="1" noResize="1" noEditPoints="1" noAdjustHandles="1" noChangeArrowheads="1" noChangeShapeType="1" noTextEdit="1"/>
+              </p:cNvSpPr>
+              <p:nvPr/>
+            </p:nvSpPr>
+            <p:spPr>
+              <a:xfrm>
+                <a:off x="689113" y="2881096"/>
+                <a:ext cx="3313044" cy="1805944"/>
+              </a:xfrm>
+              <a:prstGeom prst="rect">
+                <a:avLst/>
+              </a:prstGeom>
+              <a:blipFill>
+                <a:blip r:embed="rId3"/>
+                <a:stretch>
+                  <a:fillRect l="-3676" t="-3716" r="-2390"/>
+                </a:stretch>
+              </a:blipFill>
+            </p:spPr>
+            <p:txBody>
+              <a:bodyPr/>
+              <a:lstStyle/>
+              <a:p>
+                <a:r>
+                  <a:rPr lang="de-DE">
+                    <a:noFill/>
+                  </a:rPr>
+                  <a:t> </a:t>
+                </a:r>
+              </a:p>
+            </p:txBody>
+          </p:sp>
+        </mc:Fallback>
+      </mc:AlternateContent>
     </p:spTree>
     <p:extLst>
       <p:ext uri="{BB962C8B-B14F-4D97-AF65-F5344CB8AC3E}">
@@ -4981,7 +6345,7 @@
               <a:bodyPr/>
               <a:lstStyle/>
               <a:p>
-                <a:endParaRPr lang="de-DE" b="0" i="1">
+                <a:endParaRPr lang="de-DE" b="0" i="1" dirty="0">
                   <a:latin typeface="Cambria Math" panose="02040503050406030204" pitchFamily="18" charset="0"/>
                 </a:endParaRPr>
               </a:p>
@@ -5137,11 +6501,40 @@
         </p:blipFill>
         <p:spPr>
           <a:xfrm>
-            <a:off x="6172200" y="2215635"/>
-            <a:ext cx="5181600" cy="3571317"/>
+            <a:off x="5062330" y="1005488"/>
+            <a:ext cx="7129670" cy="4913986"/>
           </a:xfrm>
         </p:spPr>
       </p:pic>
+      <p:sp>
+        <p:nvSpPr>
+          <p:cNvPr id="3" name="Foliennummernplatzhalter 2">
+            <a:extLst>
+              <a:ext uri="{FF2B5EF4-FFF2-40B4-BE49-F238E27FC236}">
+                <a16:creationId xmlns:a16="http://schemas.microsoft.com/office/drawing/2014/main" id="{4852BBB5-08AB-4384-A9C3-78ED28E7BB32}"/>
+              </a:ext>
+            </a:extLst>
+          </p:cNvPr>
+          <p:cNvSpPr>
+            <a:spLocks noGrp="1"/>
+          </p:cNvSpPr>
+          <p:nvPr>
+            <p:ph type="sldNum" sz="quarter" idx="12"/>
+          </p:nvPr>
+        </p:nvSpPr>
+        <p:spPr/>
+        <p:txBody>
+          <a:bodyPr/>
+          <a:lstStyle/>
+          <a:p>
+            <a:fld id="{E276D0E3-8A91-4195-9D97-D4903B6F688B}" type="slidenum">
+              <a:rPr lang="de-DE" smtClean="0"/>
+              <a:t>6</a:t>
+            </a:fld>
+            <a:endParaRPr lang="de-DE"/>
+          </a:p>
+        </p:txBody>
+      </p:sp>
     </p:spTree>
     <p:extLst>
       <p:ext uri="{BB962C8B-B14F-4D97-AF65-F5344CB8AC3E}">
@@ -5415,11 +6808,40 @@
         </p:blipFill>
         <p:spPr>
           <a:xfrm>
-            <a:off x="6172200" y="2215635"/>
-            <a:ext cx="5181600" cy="3571317"/>
+            <a:off x="6172199" y="1825625"/>
+            <a:ext cx="5747463" cy="3961327"/>
           </a:xfrm>
         </p:spPr>
       </p:pic>
+      <p:sp>
+        <p:nvSpPr>
+          <p:cNvPr id="3" name="Foliennummernplatzhalter 2">
+            <a:extLst>
+              <a:ext uri="{FF2B5EF4-FFF2-40B4-BE49-F238E27FC236}">
+                <a16:creationId xmlns:a16="http://schemas.microsoft.com/office/drawing/2014/main" id="{BB176CEA-466A-4BA5-A265-F1668C4E6D02}"/>
+              </a:ext>
+            </a:extLst>
+          </p:cNvPr>
+          <p:cNvSpPr>
+            <a:spLocks noGrp="1"/>
+          </p:cNvSpPr>
+          <p:nvPr>
+            <p:ph type="sldNum" sz="quarter" idx="12"/>
+          </p:nvPr>
+        </p:nvSpPr>
+        <p:spPr/>
+        <p:txBody>
+          <a:bodyPr/>
+          <a:lstStyle/>
+          <a:p>
+            <a:fld id="{E276D0E3-8A91-4195-9D97-D4903B6F688B}" type="slidenum">
+              <a:rPr lang="de-DE" smtClean="0"/>
+              <a:t>7</a:t>
+            </a:fld>
+            <a:endParaRPr lang="de-DE"/>
+          </a:p>
+        </p:txBody>
+      </p:sp>
     </p:spTree>
     <p:extLst>
       <p:ext uri="{BB962C8B-B14F-4D97-AF65-F5344CB8AC3E}">
@@ -5455,7 +6877,7 @@
           <p:cNvPr id="2" name="Titel 1">
             <a:extLst>
               <a:ext uri="{FF2B5EF4-FFF2-40B4-BE49-F238E27FC236}">
-                <a16:creationId xmlns:a16="http://schemas.microsoft.com/office/drawing/2014/main" id="{ABBF87BF-7588-4FB8-B28E-6B7F15DA69A9}"/>
+                <a16:creationId xmlns:a16="http://schemas.microsoft.com/office/drawing/2014/main" id="{C69F4D52-1795-4EF8-B76F-3C660751E6AB}"/>
               </a:ext>
             </a:extLst>
           </p:cNvPr>
@@ -5473,13 +6895,668 @@
           <a:p>
             <a:r>
               <a:rPr lang="de-DE" dirty="0"/>
-              <a:t>Druckabhängigkeit</a:t>
-            </a:r>
+              <a:t>Brechungsindex Gase</a:t>
+            </a:r>
+          </a:p>
+        </p:txBody>
+      </p:sp>
+      <p:pic>
+        <p:nvPicPr>
+          <p:cNvPr id="7" name="Inhaltsplatzhalter 6">
+            <a:extLst>
+              <a:ext uri="{FF2B5EF4-FFF2-40B4-BE49-F238E27FC236}">
+                <a16:creationId xmlns:a16="http://schemas.microsoft.com/office/drawing/2014/main" id="{D4223237-3BA1-4021-8A97-31651D7A577D}"/>
+              </a:ext>
+            </a:extLst>
+          </p:cNvPr>
+          <p:cNvPicPr>
+            <a:picLocks noGrp="1" noChangeAspect="1"/>
+          </p:cNvPicPr>
+          <p:nvPr>
+            <p:ph sz="half" idx="1"/>
+          </p:nvPr>
+        </p:nvPicPr>
+        <p:blipFill>
+          <a:blip r:embed="rId2">
+            <a:extLst>
+              <a:ext uri="{28A0092B-C50C-407E-A947-70E740481C1C}">
+                <a14:useLocalDpi xmlns:a14="http://schemas.microsoft.com/office/drawing/2010/main" val="0"/>
+              </a:ext>
+            </a:extLst>
+          </a:blip>
+          <a:stretch>
+            <a:fillRect/>
+          </a:stretch>
+        </p:blipFill>
+        <p:spPr>
+          <a:xfrm>
+            <a:off x="4293704" y="1662089"/>
+            <a:ext cx="7060096" cy="4694261"/>
+          </a:xfrm>
+        </p:spPr>
+      </p:pic>
+      <p:sp>
+        <p:nvSpPr>
+          <p:cNvPr id="5" name="Foliennummernplatzhalter 4">
+            <a:extLst>
+              <a:ext uri="{FF2B5EF4-FFF2-40B4-BE49-F238E27FC236}">
+                <a16:creationId xmlns:a16="http://schemas.microsoft.com/office/drawing/2014/main" id="{98F4B420-CC90-4BC3-A488-24C1098A7450}"/>
+              </a:ext>
+            </a:extLst>
+          </p:cNvPr>
+          <p:cNvSpPr>
+            <a:spLocks noGrp="1"/>
+          </p:cNvSpPr>
+          <p:nvPr>
+            <p:ph type="sldNum" sz="quarter" idx="12"/>
+          </p:nvPr>
+        </p:nvSpPr>
+        <p:spPr/>
+        <p:txBody>
+          <a:bodyPr/>
+          <a:lstStyle/>
+          <a:p>
+            <a:fld id="{E276D0E3-8A91-4195-9D97-D4903B6F688B}" type="slidenum">
+              <a:rPr lang="de-DE" smtClean="0"/>
+              <a:t>8</a:t>
+            </a:fld>
+            <a:endParaRPr lang="de-DE"/>
           </a:p>
         </p:txBody>
       </p:sp>
       <mc:AlternateContent xmlns:mc="http://schemas.openxmlformats.org/markup-compatibility/2006">
         <mc:Choice xmlns:a14="http://schemas.microsoft.com/office/drawing/2010/main" Requires="a14">
+          <p:sp>
+            <p:nvSpPr>
+              <p:cNvPr id="8" name="Textfeld 7">
+                <a:extLst>
+                  <a:ext uri="{FF2B5EF4-FFF2-40B4-BE49-F238E27FC236}">
+                    <a16:creationId xmlns:a16="http://schemas.microsoft.com/office/drawing/2014/main" id="{B9861C1E-9634-4010-8D45-D5238ACF7445}"/>
+                  </a:ext>
+                </a:extLst>
+              </p:cNvPr>
+              <p:cNvSpPr txBox="1"/>
+              <p:nvPr/>
+            </p:nvSpPr>
+            <p:spPr>
+              <a:xfrm>
+                <a:off x="583096" y="1662089"/>
+                <a:ext cx="3710608" cy="4687245"/>
+              </a:xfrm>
+              <a:prstGeom prst="rect">
+                <a:avLst/>
+              </a:prstGeom>
+              <a:noFill/>
+            </p:spPr>
+            <p:txBody>
+              <a:bodyPr wrap="square" rtlCol="0">
+                <a:spAutoFit/>
+              </a:bodyPr>
+              <a:lstStyle/>
+              <a:p>
+                <a:r>
+                  <a:rPr lang="de-DE" sz="2800" dirty="0">
+                    <a:latin typeface="Cambria Math" panose="02040503050406030204" pitchFamily="18" charset="0"/>
+                  </a:rPr>
+                  <a:t>Druckabhängigkeit</a:t>
+                </a:r>
+              </a:p>
+              <a:p>
+                <a14:m>
+                  <m:oMathPara xmlns:m="http://schemas.openxmlformats.org/officeDocument/2006/math">
+                    <m:oMathParaPr>
+                      <m:jc m:val="centerGroup"/>
+                    </m:oMathParaPr>
+                    <m:oMath xmlns:m="http://schemas.openxmlformats.org/officeDocument/2006/math">
+                      <m:r>
+                        <a:rPr lang="de-DE" sz="2800" i="1" smtClean="0">
+                          <a:latin typeface="Cambria Math" panose="02040503050406030204" pitchFamily="18" charset="0"/>
+                        </a:rPr>
+                        <m:t>𝑛</m:t>
+                      </m:r>
+                      <m:d>
+                        <m:dPr>
+                          <m:ctrlPr>
+                            <a:rPr lang="de-DE" sz="2800" i="1">
+                              <a:latin typeface="Cambria Math" panose="02040503050406030204" pitchFamily="18" charset="0"/>
+                            </a:rPr>
+                          </m:ctrlPr>
+                        </m:dPr>
+                        <m:e>
+                          <m:r>
+                            <a:rPr lang="de-DE" sz="2800" i="1">
+                              <a:latin typeface="Cambria Math" panose="02040503050406030204" pitchFamily="18" charset="0"/>
+                            </a:rPr>
+                            <m:t>𝑃</m:t>
+                          </m:r>
+                        </m:e>
+                      </m:d>
+                      <m:r>
+                        <a:rPr lang="de-DE" sz="2800" i="1">
+                          <a:latin typeface="Cambria Math" panose="02040503050406030204" pitchFamily="18" charset="0"/>
+                        </a:rPr>
+                        <m:t>=1+ </m:t>
+                      </m:r>
+                      <m:f>
+                        <m:fPr>
+                          <m:ctrlPr>
+                            <a:rPr lang="de-DE" sz="2800" i="1">
+                              <a:latin typeface="Cambria Math" panose="02040503050406030204" pitchFamily="18" charset="0"/>
+                            </a:rPr>
+                          </m:ctrlPr>
+                        </m:fPr>
+                        <m:num>
+                          <m:r>
+                            <m:rPr>
+                              <m:sty m:val="p"/>
+                            </m:rPr>
+                            <a:rPr lang="de-DE" sz="2800">
+                              <a:latin typeface="Cambria Math" panose="02040503050406030204" pitchFamily="18" charset="0"/>
+                            </a:rPr>
+                            <m:t>Δ</m:t>
+                          </m:r>
+                          <m:r>
+                            <a:rPr lang="de-DE" sz="2800" i="1">
+                              <a:latin typeface="Cambria Math" panose="02040503050406030204" pitchFamily="18" charset="0"/>
+                            </a:rPr>
+                            <m:t>𝑛</m:t>
+                          </m:r>
+                        </m:num>
+                        <m:den>
+                          <m:r>
+                            <m:rPr>
+                              <m:sty m:val="p"/>
+                            </m:rPr>
+                            <a:rPr lang="de-DE" sz="2800">
+                              <a:latin typeface="Cambria Math" panose="02040503050406030204" pitchFamily="18" charset="0"/>
+                            </a:rPr>
+                            <m:t>Δ</m:t>
+                          </m:r>
+                          <m:r>
+                            <a:rPr lang="de-DE" sz="2800" i="1">
+                              <a:latin typeface="Cambria Math" panose="02040503050406030204" pitchFamily="18" charset="0"/>
+                            </a:rPr>
+                            <m:t>𝑝</m:t>
+                          </m:r>
+                        </m:den>
+                      </m:f>
+                      <m:r>
+                        <a:rPr lang="de-DE" sz="2800" i="1">
+                          <a:latin typeface="Cambria Math" panose="02040503050406030204" pitchFamily="18" charset="0"/>
+                        </a:rPr>
+                        <m:t>𝑃</m:t>
+                      </m:r>
+                    </m:oMath>
+                  </m:oMathPara>
+                </a14:m>
+                <a:endParaRPr lang="de-DE" sz="2800" i="1" dirty="0">
+                  <a:latin typeface="Cambria Math" panose="02040503050406030204" pitchFamily="18" charset="0"/>
+                </a:endParaRPr>
+              </a:p>
+              <a:p>
+                <a14:m>
+                  <m:oMathPara xmlns:m="http://schemas.openxmlformats.org/officeDocument/2006/math">
+                    <m:oMathParaPr>
+                      <m:jc m:val="centerGroup"/>
+                    </m:oMathParaPr>
+                    <m:oMath xmlns:m="http://schemas.openxmlformats.org/officeDocument/2006/math">
+                      <m:f>
+                        <m:fPr>
+                          <m:ctrlPr>
+                            <a:rPr lang="de-DE" sz="2800" i="1">
+                              <a:latin typeface="Cambria Math" panose="02040503050406030204" pitchFamily="18" charset="0"/>
+                            </a:rPr>
+                          </m:ctrlPr>
+                        </m:fPr>
+                        <m:num>
+                          <m:r>
+                            <m:rPr>
+                              <m:sty m:val="p"/>
+                            </m:rPr>
+                            <a:rPr lang="de-DE" sz="2800">
+                              <a:latin typeface="Cambria Math" panose="02040503050406030204" pitchFamily="18" charset="0"/>
+                            </a:rPr>
+                            <m:t>Δ</m:t>
+                          </m:r>
+                          <m:r>
+                            <a:rPr lang="de-DE" sz="2800" i="1">
+                              <a:latin typeface="Cambria Math" panose="02040503050406030204" pitchFamily="18" charset="0"/>
+                            </a:rPr>
+                            <m:t>𝑛</m:t>
+                          </m:r>
+                        </m:num>
+                        <m:den>
+                          <m:r>
+                            <m:rPr>
+                              <m:sty m:val="p"/>
+                            </m:rPr>
+                            <a:rPr lang="de-DE" sz="2800">
+                              <a:latin typeface="Cambria Math" panose="02040503050406030204" pitchFamily="18" charset="0"/>
+                            </a:rPr>
+                            <m:t>Δ</m:t>
+                          </m:r>
+                          <m:r>
+                            <a:rPr lang="de-DE" sz="2800" i="1">
+                              <a:latin typeface="Cambria Math" panose="02040503050406030204" pitchFamily="18" charset="0"/>
+                            </a:rPr>
+                            <m:t>𝑝</m:t>
+                          </m:r>
+                        </m:den>
+                      </m:f>
+                      <m:r>
+                        <a:rPr lang="de-DE" sz="2800" i="1">
+                          <a:latin typeface="Cambria Math" panose="02040503050406030204" pitchFamily="18" charset="0"/>
+                        </a:rPr>
+                        <m:t>=</m:t>
+                      </m:r>
+                      <m:f>
+                        <m:fPr>
+                          <m:ctrlPr>
+                            <a:rPr lang="de-DE" sz="2800" i="1">
+                              <a:latin typeface="Cambria Math" panose="02040503050406030204" pitchFamily="18" charset="0"/>
+                            </a:rPr>
+                          </m:ctrlPr>
+                        </m:fPr>
+                        <m:num>
+                          <m:r>
+                            <m:rPr>
+                              <m:sty m:val="p"/>
+                            </m:rPr>
+                            <a:rPr lang="de-DE" sz="2800">
+                              <a:latin typeface="Cambria Math" panose="02040503050406030204" pitchFamily="18" charset="0"/>
+                            </a:rPr>
+                            <m:t>Δ</m:t>
+                          </m:r>
+                          <m:r>
+                            <a:rPr lang="de-DE" sz="2800" i="1">
+                              <a:latin typeface="Cambria Math" panose="02040503050406030204" pitchFamily="18" charset="0"/>
+                            </a:rPr>
+                            <m:t>𝑚</m:t>
+                          </m:r>
+                        </m:num>
+                        <m:den>
+                          <m:r>
+                            <m:rPr>
+                              <m:sty m:val="p"/>
+                            </m:rPr>
+                            <a:rPr lang="de-DE" sz="2800">
+                              <a:latin typeface="Cambria Math" panose="02040503050406030204" pitchFamily="18" charset="0"/>
+                            </a:rPr>
+                            <m:t>Δ</m:t>
+                          </m:r>
+                          <m:r>
+                            <a:rPr lang="de-DE" sz="2800" i="1">
+                              <a:latin typeface="Cambria Math" panose="02040503050406030204" pitchFamily="18" charset="0"/>
+                            </a:rPr>
+                            <m:t>𝑝</m:t>
+                          </m:r>
+                        </m:den>
+                      </m:f>
+                      <m:r>
+                        <a:rPr lang="de-DE" sz="2800" i="1">
+                          <a:latin typeface="Cambria Math" panose="02040503050406030204" pitchFamily="18" charset="0"/>
+                        </a:rPr>
+                        <m:t> </m:t>
+                      </m:r>
+                      <m:f>
+                        <m:fPr>
+                          <m:ctrlPr>
+                            <a:rPr lang="de-DE" sz="2800" i="1">
+                              <a:latin typeface="Cambria Math" panose="02040503050406030204" pitchFamily="18" charset="0"/>
+                            </a:rPr>
+                          </m:ctrlPr>
+                        </m:fPr>
+                        <m:num>
+                          <m:r>
+                            <a:rPr lang="de-DE" sz="2800" i="1">
+                              <a:latin typeface="Cambria Math" panose="02040503050406030204" pitchFamily="18" charset="0"/>
+                            </a:rPr>
+                            <m:t>𝜆</m:t>
+                          </m:r>
+                        </m:num>
+                        <m:den>
+                          <m:r>
+                            <a:rPr lang="de-DE" sz="2800" i="1">
+                              <a:latin typeface="Cambria Math" panose="02040503050406030204" pitchFamily="18" charset="0"/>
+                            </a:rPr>
+                            <m:t>2</m:t>
+                          </m:r>
+                          <m:r>
+                            <a:rPr lang="de-DE" sz="2800" i="1">
+                              <a:latin typeface="Cambria Math" panose="02040503050406030204" pitchFamily="18" charset="0"/>
+                            </a:rPr>
+                            <m:t>𝐿</m:t>
+                          </m:r>
+                        </m:den>
+                      </m:f>
+                    </m:oMath>
+                  </m:oMathPara>
+                </a14:m>
+                <a:endParaRPr lang="de-DE" sz="2800" dirty="0"/>
+              </a:p>
+              <a:p>
+                <a:endParaRPr lang="de-DE" sz="2800" dirty="0"/>
+              </a:p>
+              <a:p>
+                <a:r>
+                  <a:rPr lang="de-DE" sz="2800" dirty="0"/>
+                  <a:t>Bestimmung CO</a:t>
+                </a:r>
+                <a:r>
+                  <a:rPr lang="de-DE" sz="2800" baseline="-25000" dirty="0"/>
+                  <a:t>2</a:t>
+                </a:r>
+                <a:endParaRPr lang="de-DE" sz="2800" dirty="0"/>
+              </a:p>
+              <a:p>
+                <a14:m>
+                  <m:oMathPara xmlns:m="http://schemas.openxmlformats.org/officeDocument/2006/math">
+                    <m:oMathParaPr>
+                      <m:jc m:val="centerGroup"/>
+                    </m:oMathParaPr>
+                    <m:oMath xmlns:m="http://schemas.openxmlformats.org/officeDocument/2006/math">
+                      <m:sSub>
+                        <m:sSubPr>
+                          <m:ctrlPr>
+                            <a:rPr lang="de-DE" sz="2800" i="1">
+                              <a:latin typeface="Cambria Math" panose="02040503050406030204" pitchFamily="18" charset="0"/>
+                            </a:rPr>
+                          </m:ctrlPr>
+                        </m:sSubPr>
+                        <m:e>
+                          <m:r>
+                            <a:rPr lang="de-DE" sz="2800" i="1">
+                              <a:latin typeface="Cambria Math" panose="02040503050406030204" pitchFamily="18" charset="0"/>
+                            </a:rPr>
+                            <m:t>𝑛</m:t>
+                          </m:r>
+                        </m:e>
+                        <m:sub>
+                          <m:r>
+                            <a:rPr lang="de-DE" sz="2800" i="1">
+                              <a:latin typeface="Cambria Math" panose="02040503050406030204" pitchFamily="18" charset="0"/>
+                            </a:rPr>
+                            <m:t>𝐶</m:t>
+                          </m:r>
+                          <m:sSub>
+                            <m:sSubPr>
+                              <m:ctrlPr>
+                                <a:rPr lang="de-DE" sz="2800" i="1">
+                                  <a:latin typeface="Cambria Math" panose="02040503050406030204" pitchFamily="18" charset="0"/>
+                                </a:rPr>
+                              </m:ctrlPr>
+                            </m:sSubPr>
+                            <m:e>
+                              <m:r>
+                                <a:rPr lang="de-DE" sz="2800" i="1">
+                                  <a:latin typeface="Cambria Math" panose="02040503050406030204" pitchFamily="18" charset="0"/>
+                                </a:rPr>
+                                <m:t>𝑂</m:t>
+                              </m:r>
+                            </m:e>
+                            <m:sub>
+                              <m:r>
+                                <a:rPr lang="de-DE" sz="2800" i="1">
+                                  <a:latin typeface="Cambria Math" panose="02040503050406030204" pitchFamily="18" charset="0"/>
+                                </a:rPr>
+                                <m:t>2</m:t>
+                              </m:r>
+                            </m:sub>
+                          </m:sSub>
+                        </m:sub>
+                      </m:sSub>
+                      <m:r>
+                        <a:rPr lang="de-DE" sz="2800" i="1">
+                          <a:latin typeface="Cambria Math" panose="02040503050406030204" pitchFamily="18" charset="0"/>
+                        </a:rPr>
+                        <m:t>=</m:t>
+                      </m:r>
+                      <m:sSub>
+                        <m:sSubPr>
+                          <m:ctrlPr>
+                            <a:rPr lang="de-DE" sz="2800" i="1">
+                              <a:latin typeface="Cambria Math" panose="02040503050406030204" pitchFamily="18" charset="0"/>
+                            </a:rPr>
+                          </m:ctrlPr>
+                        </m:sSubPr>
+                        <m:e>
+                          <m:r>
+                            <a:rPr lang="de-DE" sz="2800" i="1">
+                              <a:latin typeface="Cambria Math" panose="02040503050406030204" pitchFamily="18" charset="0"/>
+                            </a:rPr>
+                            <m:t>𝑛</m:t>
+                          </m:r>
+                        </m:e>
+                        <m:sub>
+                          <m:r>
+                            <a:rPr lang="de-DE" sz="2800" i="1">
+                              <a:latin typeface="Cambria Math" panose="02040503050406030204" pitchFamily="18" charset="0"/>
+                            </a:rPr>
+                            <m:t>𝐿𝑢𝑓𝑡</m:t>
+                          </m:r>
+                        </m:sub>
+                      </m:sSub>
+                      <m:r>
+                        <a:rPr lang="de-DE" sz="2800" i="1">
+                          <a:latin typeface="Cambria Math" panose="02040503050406030204" pitchFamily="18" charset="0"/>
+                        </a:rPr>
+                        <m:t>+</m:t>
+                      </m:r>
+                      <m:r>
+                        <m:rPr>
+                          <m:sty m:val="p"/>
+                        </m:rPr>
+                        <a:rPr lang="de-DE" sz="2800">
+                          <a:latin typeface="Cambria Math" panose="02040503050406030204" pitchFamily="18" charset="0"/>
+                        </a:rPr>
+                        <m:t>Δ</m:t>
+                      </m:r>
+                      <m:r>
+                        <a:rPr lang="de-DE" sz="2800" i="1">
+                          <a:latin typeface="Cambria Math" panose="02040503050406030204" pitchFamily="18" charset="0"/>
+                        </a:rPr>
+                        <m:t>𝑛</m:t>
+                      </m:r>
+                    </m:oMath>
+                  </m:oMathPara>
+                </a14:m>
+                <a:endParaRPr lang="de-DE" sz="2800" dirty="0"/>
+              </a:p>
+              <a:p>
+                <a:r>
+                  <a:rPr lang="de-DE" sz="2800" dirty="0"/>
+                  <a:t>	</a:t>
+                </a:r>
+                <a14:m>
+                  <m:oMath xmlns:m="http://schemas.openxmlformats.org/officeDocument/2006/math">
+                    <m:r>
+                      <m:rPr>
+                        <m:sty m:val="p"/>
+                      </m:rPr>
+                      <a:rPr lang="de-DE" sz="2800">
+                        <a:latin typeface="Cambria Math" panose="02040503050406030204" pitchFamily="18" charset="0"/>
+                      </a:rPr>
+                      <m:t>Δ</m:t>
+                    </m:r>
+                    <m:r>
+                      <a:rPr lang="de-DE" sz="2800" i="1">
+                        <a:latin typeface="Cambria Math" panose="02040503050406030204" pitchFamily="18" charset="0"/>
+                      </a:rPr>
+                      <m:t>𝑛</m:t>
+                    </m:r>
+                    <m:r>
+                      <a:rPr lang="de-DE" sz="2800" i="1">
+                        <a:latin typeface="Cambria Math" panose="02040503050406030204" pitchFamily="18" charset="0"/>
+                      </a:rPr>
+                      <m:t>=</m:t>
+                    </m:r>
+                    <m:r>
+                      <m:rPr>
+                        <m:sty m:val="p"/>
+                      </m:rPr>
+                      <a:rPr lang="de-DE" sz="2800">
+                        <a:latin typeface="Cambria Math" panose="02040503050406030204" pitchFamily="18" charset="0"/>
+                      </a:rPr>
+                      <m:t>Δ</m:t>
+                    </m:r>
+                    <m:r>
+                      <a:rPr lang="de-DE" sz="2800" i="1">
+                        <a:latin typeface="Cambria Math" panose="02040503050406030204" pitchFamily="18" charset="0"/>
+                      </a:rPr>
+                      <m:t>𝑚</m:t>
+                    </m:r>
+                    <m:r>
+                      <a:rPr lang="de-DE" sz="2800" i="1">
+                        <a:latin typeface="Cambria Math" panose="02040503050406030204" pitchFamily="18" charset="0"/>
+                      </a:rPr>
+                      <m:t> </m:t>
+                    </m:r>
+                    <m:f>
+                      <m:fPr>
+                        <m:ctrlPr>
+                          <a:rPr lang="de-DE" sz="2800" i="1">
+                            <a:latin typeface="Cambria Math" panose="02040503050406030204" pitchFamily="18" charset="0"/>
+                          </a:rPr>
+                        </m:ctrlPr>
+                      </m:fPr>
+                      <m:num>
+                        <m:r>
+                          <a:rPr lang="de-DE" sz="2800" i="1">
+                            <a:latin typeface="Cambria Math" panose="02040503050406030204" pitchFamily="18" charset="0"/>
+                          </a:rPr>
+                          <m:t>𝜆</m:t>
+                        </m:r>
+                      </m:num>
+                      <m:den>
+                        <m:r>
+                          <a:rPr lang="de-DE" sz="2800" i="1">
+                            <a:latin typeface="Cambria Math" panose="02040503050406030204" pitchFamily="18" charset="0"/>
+                          </a:rPr>
+                          <m:t>2</m:t>
+                        </m:r>
+                        <m:r>
+                          <a:rPr lang="de-DE" sz="2800" i="1">
+                            <a:latin typeface="Cambria Math" panose="02040503050406030204" pitchFamily="18" charset="0"/>
+                          </a:rPr>
+                          <m:t>𝐿</m:t>
+                        </m:r>
+                      </m:den>
+                    </m:f>
+                  </m:oMath>
+                </a14:m>
+                <a:endParaRPr lang="de-DE" sz="2800" dirty="0"/>
+              </a:p>
+              <a:p>
+                <a:endParaRPr lang="de-DE" sz="2800" dirty="0"/>
+              </a:p>
+            </p:txBody>
+          </p:sp>
+        </mc:Choice>
+        <mc:Fallback>
+          <p:sp>
+            <p:nvSpPr>
+              <p:cNvPr id="8" name="Textfeld 7">
+                <a:extLst>
+                  <a:ext uri="{FF2B5EF4-FFF2-40B4-BE49-F238E27FC236}">
+                    <a16:creationId xmlns:a16="http://schemas.microsoft.com/office/drawing/2014/main" id="{B9861C1E-9634-4010-8D45-D5238ACF7445}"/>
+                  </a:ext>
+                </a:extLst>
+              </p:cNvPr>
+              <p:cNvSpPr txBox="1">
+                <a:spLocks noRot="1" noChangeAspect="1" noMove="1" noResize="1" noEditPoints="1" noAdjustHandles="1" noChangeArrowheads="1" noChangeShapeType="1" noTextEdit="1"/>
+              </p:cNvSpPr>
+              <p:nvPr/>
+            </p:nvSpPr>
+            <p:spPr>
+              <a:xfrm>
+                <a:off x="583096" y="1662089"/>
+                <a:ext cx="3710608" cy="4687245"/>
+              </a:xfrm>
+              <a:prstGeom prst="rect">
+                <a:avLst/>
+              </a:prstGeom>
+              <a:blipFill>
+                <a:blip r:embed="rId3"/>
+                <a:stretch>
+                  <a:fillRect l="-3454" t="-1430"/>
+                </a:stretch>
+              </a:blipFill>
+            </p:spPr>
+            <p:txBody>
+              <a:bodyPr/>
+              <a:lstStyle/>
+              <a:p>
+                <a:r>
+                  <a:rPr lang="de-DE">
+                    <a:noFill/>
+                  </a:rPr>
+                  <a:t> </a:t>
+                </a:r>
+              </a:p>
+            </p:txBody>
+          </p:sp>
+        </mc:Fallback>
+      </mc:AlternateContent>
+    </p:spTree>
+    <p:extLst>
+      <p:ext uri="{BB962C8B-B14F-4D97-AF65-F5344CB8AC3E}">
+        <p14:creationId xmlns:p14="http://schemas.microsoft.com/office/powerpoint/2010/main" val="3527159000"/>
+      </p:ext>
+    </p:extLst>
+  </p:cSld>
+  <p:clrMapOvr>
+    <a:masterClrMapping/>
+  </p:clrMapOvr>
+</p:sld>
+</file>
+
+<file path=ppt/slides/slide9.xml><?xml version="1.0" encoding="utf-8"?>
+<p:sld xmlns:a="http://schemas.openxmlformats.org/drawingml/2006/main" xmlns:r="http://schemas.openxmlformats.org/officeDocument/2006/relationships" xmlns:p="http://schemas.openxmlformats.org/presentationml/2006/main">
+  <p:cSld>
+    <p:spTree>
+      <p:nvGrpSpPr>
+        <p:cNvPr id="1" name=""/>
+        <p:cNvGrpSpPr/>
+        <p:nvPr/>
+      </p:nvGrpSpPr>
+      <p:grpSpPr>
+        <a:xfrm>
+          <a:off x="0" y="0"/>
+          <a:ext cx="0" cy="0"/>
+          <a:chOff x="0" y="0"/>
+          <a:chExt cx="0" cy="0"/>
+        </a:xfrm>
+      </p:grpSpPr>
+      <p:sp>
+        <p:nvSpPr>
+          <p:cNvPr id="2" name="Titel 1">
+            <a:extLst>
+              <a:ext uri="{FF2B5EF4-FFF2-40B4-BE49-F238E27FC236}">
+                <a16:creationId xmlns:a16="http://schemas.microsoft.com/office/drawing/2014/main" id="{ABBF87BF-7588-4FB8-B28E-6B7F15DA69A9}"/>
+              </a:ext>
+            </a:extLst>
+          </p:cNvPr>
+          <p:cNvSpPr>
+            <a:spLocks noGrp="1"/>
+          </p:cNvSpPr>
+          <p:nvPr>
+            <p:ph type="title"/>
+          </p:nvPr>
+        </p:nvSpPr>
+        <p:spPr/>
+        <p:txBody>
+          <a:bodyPr/>
+          <a:lstStyle/>
+          <a:p>
+            <a:r>
+              <a:rPr lang="de-DE" dirty="0"/>
+              <a:t>Druckabhängigkeit</a:t>
+            </a:r>
+          </a:p>
+        </p:txBody>
+      </p:sp>
+      <mc:AlternateContent xmlns:mc="http://schemas.openxmlformats.org/markup-compatibility/2006" xmlns:a14="http://schemas.microsoft.com/office/drawing/2010/main">
+        <mc:Choice Requires="a14">
           <p:sp>
             <p:nvSpPr>
               <p:cNvPr id="3" name="Inhaltsplatzhalter 2">
@@ -5644,7 +7721,7 @@
             </p:txBody>
           </p:sp>
         </mc:Choice>
-        <mc:Fallback>
+        <mc:Fallback xmlns="">
           <p:sp>
             <p:nvSpPr>
               <p:cNvPr id="3" name="Inhaltsplatzhalter 2">
@@ -5724,601 +7801,39 @@
           </a:prstGeom>
         </p:spPr>
       </p:pic>
+      <p:sp>
+        <p:nvSpPr>
+          <p:cNvPr id="4" name="Foliennummernplatzhalter 3">
+            <a:extLst>
+              <a:ext uri="{FF2B5EF4-FFF2-40B4-BE49-F238E27FC236}">
+                <a16:creationId xmlns:a16="http://schemas.microsoft.com/office/drawing/2014/main" id="{5CF549E6-8356-4009-AA31-B86AF78B9AE0}"/>
+              </a:ext>
+            </a:extLst>
+          </p:cNvPr>
+          <p:cNvSpPr>
+            <a:spLocks noGrp="1"/>
+          </p:cNvSpPr>
+          <p:nvPr>
+            <p:ph type="sldNum" sz="quarter" idx="12"/>
+          </p:nvPr>
+        </p:nvSpPr>
+        <p:spPr/>
+        <p:txBody>
+          <a:bodyPr/>
+          <a:lstStyle/>
+          <a:p>
+            <a:fld id="{E276D0E3-8A91-4195-9D97-D4903B6F688B}" type="slidenum">
+              <a:rPr lang="de-DE" smtClean="0"/>
+              <a:t>9</a:t>
+            </a:fld>
+            <a:endParaRPr lang="de-DE"/>
+          </a:p>
+        </p:txBody>
+      </p:sp>
     </p:spTree>
     <p:extLst>
       <p:ext uri="{BB962C8B-B14F-4D97-AF65-F5344CB8AC3E}">
         <p14:creationId xmlns:p14="http://schemas.microsoft.com/office/powerpoint/2010/main" val="3870067177"/>
-      </p:ext>
-    </p:extLst>
-  </p:cSld>
-  <p:clrMapOvr>
-    <a:masterClrMapping/>
-  </p:clrMapOvr>
-</p:sld>
-</file>
-
-<file path=ppt/slides/slide9.xml><?xml version="1.0" encoding="utf-8"?>
-<p:sld xmlns:a="http://schemas.openxmlformats.org/drawingml/2006/main" xmlns:r="http://schemas.openxmlformats.org/officeDocument/2006/relationships" xmlns:p="http://schemas.openxmlformats.org/presentationml/2006/main">
-  <p:cSld>
-    <p:spTree>
-      <p:nvGrpSpPr>
-        <p:cNvPr id="1" name=""/>
-        <p:cNvGrpSpPr/>
-        <p:nvPr/>
-      </p:nvGrpSpPr>
-      <p:grpSpPr>
-        <a:xfrm>
-          <a:off x="0" y="0"/>
-          <a:ext cx="0" cy="0"/>
-          <a:chOff x="0" y="0"/>
-          <a:chExt cx="0" cy="0"/>
-        </a:xfrm>
-      </p:grpSpPr>
-      <p:sp>
-        <p:nvSpPr>
-          <p:cNvPr id="2" name="Titel 1">
-            <a:extLst>
-              <a:ext uri="{FF2B5EF4-FFF2-40B4-BE49-F238E27FC236}">
-                <a16:creationId xmlns:a16="http://schemas.microsoft.com/office/drawing/2014/main" id="{E6EA4A09-4BDD-427F-8D95-1CC103C2C197}"/>
-              </a:ext>
-            </a:extLst>
-          </p:cNvPr>
-          <p:cNvSpPr>
-            <a:spLocks noGrp="1"/>
-          </p:cNvSpPr>
-          <p:nvPr>
-            <p:ph type="title"/>
-          </p:nvPr>
-        </p:nvSpPr>
-        <p:spPr/>
-        <p:txBody>
-          <a:bodyPr/>
-          <a:lstStyle/>
-          <a:p>
-            <a:r>
-              <a:rPr lang="de-DE" dirty="0"/>
-              <a:t>Druckabhängigkeit</a:t>
-            </a:r>
-          </a:p>
-        </p:txBody>
-      </p:sp>
-      <mc:AlternateContent xmlns:mc="http://schemas.openxmlformats.org/markup-compatibility/2006">
-        <mc:Choice xmlns:a14="http://schemas.microsoft.com/office/drawing/2010/main" Requires="a14">
-          <p:sp>
-            <p:nvSpPr>
-              <p:cNvPr id="3" name="Inhaltsplatzhalter 2">
-                <a:extLst>
-                  <a:ext uri="{FF2B5EF4-FFF2-40B4-BE49-F238E27FC236}">
-                    <a16:creationId xmlns:a16="http://schemas.microsoft.com/office/drawing/2014/main" id="{FF10F612-E099-4DEE-BE30-B939E5F9237C}"/>
-                  </a:ext>
-                </a:extLst>
-              </p:cNvPr>
-              <p:cNvSpPr>
-                <a:spLocks noGrp="1"/>
-              </p:cNvSpPr>
-              <p:nvPr>
-                <p:ph idx="1"/>
-              </p:nvPr>
-            </p:nvSpPr>
-            <p:spPr>
-              <a:xfrm>
-                <a:off x="838200" y="1446028"/>
-                <a:ext cx="5520070" cy="4730935"/>
-              </a:xfrm>
-            </p:spPr>
-            <p:txBody>
-              <a:bodyPr>
-                <a:normAutofit fontScale="92500" lnSpcReduction="10000"/>
-              </a:bodyPr>
-              <a:lstStyle/>
-              <a:p>
-                <a:r>
-                  <a:rPr lang="de-DE" sz="2400" dirty="0"/>
-                  <a:t>Steigungen mitteln</a:t>
-                </a:r>
-              </a:p>
-              <a:p>
-                <a:endParaRPr lang="de-DE" sz="2400" dirty="0"/>
-              </a:p>
-              <a:p>
-                <a:r>
-                  <a:rPr lang="de-DE" sz="2400" dirty="0"/>
-                  <a:t>A:</a:t>
-                </a:r>
-              </a:p>
-              <a:p>
-                <a:pPr marL="0" indent="0">
-                  <a:buNone/>
-                </a:pPr>
-                <a14:m>
-                  <m:oMathPara xmlns:m="http://schemas.openxmlformats.org/officeDocument/2006/math">
-                    <m:oMathParaPr>
-                      <m:jc m:val="centerGroup"/>
-                    </m:oMathParaPr>
-                    <m:oMath xmlns:m="http://schemas.openxmlformats.org/officeDocument/2006/math">
-                      <m:f>
-                        <m:fPr>
-                          <m:ctrlPr>
-                            <a:rPr lang="de-DE" sz="2400" i="1">
-                              <a:latin typeface="Cambria Math" panose="02040503050406030204" pitchFamily="18" charset="0"/>
-                            </a:rPr>
-                          </m:ctrlPr>
-                        </m:fPr>
-                        <m:num>
-                          <m:r>
-                            <a:rPr lang="de-DE" sz="2400" i="1">
-                              <a:latin typeface="Cambria Math" panose="02040503050406030204" pitchFamily="18" charset="0"/>
-                            </a:rPr>
-                            <m:t>𝑑𝑛</m:t>
-                          </m:r>
-                        </m:num>
-                        <m:den>
-                          <m:r>
-                            <a:rPr lang="de-DE" sz="2400" i="1">
-                              <a:latin typeface="Cambria Math" panose="02040503050406030204" pitchFamily="18" charset="0"/>
-                            </a:rPr>
-                            <m:t>𝑑𝑃</m:t>
-                          </m:r>
-                        </m:den>
-                      </m:f>
-                      <m:r>
-                        <a:rPr lang="de-DE" sz="2400" i="1">
-                          <a:latin typeface="Cambria Math" panose="02040503050406030204" pitchFamily="18" charset="0"/>
-                        </a:rPr>
-                        <m:t>=</m:t>
-                      </m:r>
-                      <m:d>
-                        <m:dPr>
-                          <m:ctrlPr>
-                            <a:rPr lang="de-DE" sz="2400" i="1">
-                              <a:latin typeface="Cambria Math" panose="02040503050406030204" pitchFamily="18" charset="0"/>
-                            </a:rPr>
-                          </m:ctrlPr>
-                        </m:dPr>
-                        <m:e>
-                          <m:r>
-                            <a:rPr lang="de-DE" sz="2400" i="1">
-                              <a:latin typeface="Cambria Math" panose="02040503050406030204" pitchFamily="18" charset="0"/>
-                            </a:rPr>
-                            <m:t>2.</m:t>
-                          </m:r>
-                          <m:r>
-                            <a:rPr lang="de-DE" sz="2400" b="0" i="1" smtClean="0">
-                              <a:latin typeface="Cambria Math" panose="02040503050406030204" pitchFamily="18" charset="0"/>
-                            </a:rPr>
-                            <m:t>6103</m:t>
-                          </m:r>
-                          <m:r>
-                            <a:rPr lang="de-DE" sz="2400" i="1">
-                              <a:latin typeface="Cambria Math" panose="02040503050406030204" pitchFamily="18" charset="0"/>
-                            </a:rPr>
-                            <m:t>±0.0</m:t>
-                          </m:r>
-                          <m:r>
-                            <a:rPr lang="de-DE" sz="2400" b="0" i="1" smtClean="0">
-                              <a:latin typeface="Cambria Math" panose="02040503050406030204" pitchFamily="18" charset="0"/>
-                            </a:rPr>
-                            <m:t>28</m:t>
-                          </m:r>
-                          <m:r>
-                            <a:rPr lang="de-DE" sz="2400" i="1">
-                              <a:latin typeface="Cambria Math" panose="02040503050406030204" pitchFamily="18" charset="0"/>
-                            </a:rPr>
-                            <m:t>±0.014</m:t>
-                          </m:r>
-                        </m:e>
-                      </m:d>
-                      <m:f>
-                        <m:fPr>
-                          <m:ctrlPr>
-                            <a:rPr lang="de-DE" sz="2400" i="1">
-                              <a:latin typeface="Cambria Math" panose="02040503050406030204" pitchFamily="18" charset="0"/>
-                            </a:rPr>
-                          </m:ctrlPr>
-                        </m:fPr>
-                        <m:num>
-                          <m:sSup>
-                            <m:sSupPr>
-                              <m:ctrlPr>
-                                <a:rPr lang="de-DE" sz="2400" i="1">
-                                  <a:latin typeface="Cambria Math" panose="02040503050406030204" pitchFamily="18" charset="0"/>
-                                </a:rPr>
-                              </m:ctrlPr>
-                            </m:sSupPr>
-                            <m:e>
-                              <m:r>
-                                <a:rPr lang="de-DE" sz="2400" i="1">
-                                  <a:latin typeface="Cambria Math" panose="02040503050406030204" pitchFamily="18" charset="0"/>
-                                </a:rPr>
-                                <m:t>10</m:t>
-                              </m:r>
-                            </m:e>
-                            <m:sup>
-                              <m:r>
-                                <a:rPr lang="de-DE" sz="2400" i="1">
-                                  <a:latin typeface="Cambria Math" panose="02040503050406030204" pitchFamily="18" charset="0"/>
-                                </a:rPr>
-                                <m:t>−7</m:t>
-                              </m:r>
-                            </m:sup>
-                          </m:sSup>
-                        </m:num>
-                        <m:den>
-                          <m:r>
-                            <a:rPr lang="de-DE" sz="2400" i="1">
-                              <a:latin typeface="Cambria Math" panose="02040503050406030204" pitchFamily="18" charset="0"/>
-                            </a:rPr>
-                            <m:t>𝑚𝑏𝑎𝑟</m:t>
-                          </m:r>
-                        </m:den>
-                      </m:f>
-                    </m:oMath>
-                  </m:oMathPara>
-                </a14:m>
-                <a:endParaRPr lang="de-DE" sz="2400" dirty="0"/>
-              </a:p>
-              <a:p>
-                <a:endParaRPr lang="de-DE" sz="2400" dirty="0"/>
-              </a:p>
-              <a:p>
-                <a14:m>
-                  <m:oMath xmlns:m="http://schemas.openxmlformats.org/officeDocument/2006/math">
-                    <m:r>
-                      <a:rPr lang="de-DE" sz="2400" b="0" i="1" smtClean="0">
-                        <a:latin typeface="Cambria Math" panose="02040503050406030204" pitchFamily="18" charset="0"/>
-                      </a:rPr>
-                      <m:t>𝐵</m:t>
-                    </m:r>
-                    <m:r>
-                      <a:rPr lang="de-DE" sz="2400" b="0" i="1" smtClean="0">
-                        <a:latin typeface="Cambria Math" panose="02040503050406030204" pitchFamily="18" charset="0"/>
-                      </a:rPr>
-                      <m:t>:</m:t>
-                    </m:r>
-                  </m:oMath>
-                </a14:m>
-                <a:endParaRPr lang="de-DE" sz="2400" b="0" i="1" dirty="0">
-                  <a:latin typeface="Cambria Math" panose="02040503050406030204" pitchFamily="18" charset="0"/>
-                </a:endParaRPr>
-              </a:p>
-              <a:p>
-                <a:pPr marL="0" indent="0">
-                  <a:buNone/>
-                </a:pPr>
-                <a14:m>
-                  <m:oMathPara xmlns:m="http://schemas.openxmlformats.org/officeDocument/2006/math">
-                    <m:oMathParaPr>
-                      <m:jc m:val="centerGroup"/>
-                    </m:oMathParaPr>
-                    <m:oMath xmlns:m="http://schemas.openxmlformats.org/officeDocument/2006/math">
-                      <m:f>
-                        <m:fPr>
-                          <m:ctrlPr>
-                            <a:rPr lang="de-DE" sz="2400" i="1">
-                              <a:latin typeface="Cambria Math" panose="02040503050406030204" pitchFamily="18" charset="0"/>
-                            </a:rPr>
-                          </m:ctrlPr>
-                        </m:fPr>
-                        <m:num>
-                          <m:r>
-                            <a:rPr lang="de-DE" sz="2400" i="1">
-                              <a:latin typeface="Cambria Math" panose="02040503050406030204" pitchFamily="18" charset="0"/>
-                            </a:rPr>
-                            <m:t>𝑑𝑛</m:t>
-                          </m:r>
-                        </m:num>
-                        <m:den>
-                          <m:r>
-                            <a:rPr lang="de-DE" sz="2400" i="1">
-                              <a:latin typeface="Cambria Math" panose="02040503050406030204" pitchFamily="18" charset="0"/>
-                            </a:rPr>
-                            <m:t>𝑑𝑃</m:t>
-                          </m:r>
-                        </m:den>
-                      </m:f>
-                      <m:r>
-                        <a:rPr lang="de-DE" sz="2400" i="1">
-                          <a:latin typeface="Cambria Math" panose="02040503050406030204" pitchFamily="18" charset="0"/>
-                        </a:rPr>
-                        <m:t>=</m:t>
-                      </m:r>
-                      <m:d>
-                        <m:dPr>
-                          <m:ctrlPr>
-                            <a:rPr lang="de-DE" sz="2400" i="1">
-                              <a:latin typeface="Cambria Math" panose="02040503050406030204" pitchFamily="18" charset="0"/>
-                            </a:rPr>
-                          </m:ctrlPr>
-                        </m:dPr>
-                        <m:e>
-                          <m:r>
-                            <a:rPr lang="de-DE" sz="2400" i="1">
-                              <a:latin typeface="Cambria Math" panose="02040503050406030204" pitchFamily="18" charset="0"/>
-                            </a:rPr>
-                            <m:t>2.5</m:t>
-                          </m:r>
-                          <m:r>
-                            <a:rPr lang="de-DE" sz="2400" b="0" i="1" smtClean="0">
-                              <a:latin typeface="Cambria Math" panose="02040503050406030204" pitchFamily="18" charset="0"/>
-                            </a:rPr>
-                            <m:t>612</m:t>
-                          </m:r>
-                          <m:r>
-                            <a:rPr lang="de-DE" sz="2400" i="1">
-                              <a:latin typeface="Cambria Math" panose="02040503050406030204" pitchFamily="18" charset="0"/>
-                            </a:rPr>
-                            <m:t>±0.0</m:t>
-                          </m:r>
-                          <m:r>
-                            <a:rPr lang="de-DE" sz="2400" b="0" i="1" smtClean="0">
-                              <a:latin typeface="Cambria Math" panose="02040503050406030204" pitchFamily="18" charset="0"/>
-                            </a:rPr>
-                            <m:t>69</m:t>
-                          </m:r>
-                          <m:r>
-                            <a:rPr lang="de-DE" sz="2400" i="1">
-                              <a:latin typeface="Cambria Math" panose="02040503050406030204" pitchFamily="18" charset="0"/>
-                            </a:rPr>
-                            <m:t>±0.014</m:t>
-                          </m:r>
-                        </m:e>
-                      </m:d>
-                      <m:f>
-                        <m:fPr>
-                          <m:ctrlPr>
-                            <a:rPr lang="de-DE" sz="2400" i="1">
-                              <a:latin typeface="Cambria Math" panose="02040503050406030204" pitchFamily="18" charset="0"/>
-                            </a:rPr>
-                          </m:ctrlPr>
-                        </m:fPr>
-                        <m:num>
-                          <m:sSup>
-                            <m:sSupPr>
-                              <m:ctrlPr>
-                                <a:rPr lang="de-DE" sz="2400" i="1">
-                                  <a:latin typeface="Cambria Math" panose="02040503050406030204" pitchFamily="18" charset="0"/>
-                                </a:rPr>
-                              </m:ctrlPr>
-                            </m:sSupPr>
-                            <m:e>
-                              <m:r>
-                                <a:rPr lang="de-DE" sz="2400" i="1">
-                                  <a:latin typeface="Cambria Math" panose="02040503050406030204" pitchFamily="18" charset="0"/>
-                                </a:rPr>
-                                <m:t>10</m:t>
-                              </m:r>
-                            </m:e>
-                            <m:sup>
-                              <m:r>
-                                <a:rPr lang="de-DE" sz="2400" i="1">
-                                  <a:latin typeface="Cambria Math" panose="02040503050406030204" pitchFamily="18" charset="0"/>
-                                </a:rPr>
-                                <m:t>−7</m:t>
-                              </m:r>
-                            </m:sup>
-                          </m:sSup>
-                        </m:num>
-                        <m:den>
-                          <m:r>
-                            <a:rPr lang="de-DE" sz="2400" i="1">
-                              <a:latin typeface="Cambria Math" panose="02040503050406030204" pitchFamily="18" charset="0"/>
-                            </a:rPr>
-                            <m:t>𝑚𝑏𝑎𝑟</m:t>
-                          </m:r>
-                        </m:den>
-                      </m:f>
-                    </m:oMath>
-                  </m:oMathPara>
-                </a14:m>
-                <a:endParaRPr lang="de-DE" sz="2400" dirty="0"/>
-              </a:p>
-              <a:p>
-                <a:pPr marL="0" indent="0">
-                  <a:buNone/>
-                </a:pPr>
-                <a:endParaRPr lang="de-DE" sz="2400" dirty="0"/>
-              </a:p>
-              <a:p>
-                <a:r>
-                  <a:rPr lang="de-DE" sz="2400" dirty="0"/>
-                  <a:t>Literatur: </a:t>
-                </a:r>
-              </a:p>
-              <a:p>
-                <a:pPr marL="0" indent="0">
-                  <a:buNone/>
-                </a:pPr>
-                <a14:m>
-                  <m:oMathPara xmlns:m="http://schemas.openxmlformats.org/officeDocument/2006/math">
-                    <m:oMathParaPr>
-                      <m:jc m:val="centerGroup"/>
-                    </m:oMathParaPr>
-                    <m:oMath xmlns:m="http://schemas.openxmlformats.org/officeDocument/2006/math">
-                      <m:f>
-                        <m:fPr>
-                          <m:ctrlPr>
-                            <a:rPr lang="de-DE" sz="2400" i="1">
-                              <a:latin typeface="Cambria Math" panose="02040503050406030204" pitchFamily="18" charset="0"/>
-                            </a:rPr>
-                          </m:ctrlPr>
-                        </m:fPr>
-                        <m:num>
-                          <m:r>
-                            <a:rPr lang="de-DE" sz="2400" i="1">
-                              <a:latin typeface="Cambria Math" panose="02040503050406030204" pitchFamily="18" charset="0"/>
-                            </a:rPr>
-                            <m:t>𝑑𝑛</m:t>
-                          </m:r>
-                        </m:num>
-                        <m:den>
-                          <m:r>
-                            <a:rPr lang="de-DE" sz="2400" i="1">
-                              <a:latin typeface="Cambria Math" panose="02040503050406030204" pitchFamily="18" charset="0"/>
-                            </a:rPr>
-                            <m:t>𝑑𝑃</m:t>
-                          </m:r>
-                        </m:den>
-                      </m:f>
-                      <m:r>
-                        <a:rPr lang="de-DE" sz="2400" i="1">
-                          <a:latin typeface="Cambria Math" panose="02040503050406030204" pitchFamily="18" charset="0"/>
-                        </a:rPr>
-                        <m:t>=</m:t>
-                      </m:r>
-                      <m:r>
-                        <a:rPr lang="de-DE" sz="2400" b="0" i="1" smtClean="0">
-                          <a:latin typeface="Cambria Math" panose="02040503050406030204" pitchFamily="18" charset="0"/>
-                        </a:rPr>
-                        <m:t>2.655</m:t>
-                      </m:r>
-                      <m:f>
-                        <m:fPr>
-                          <m:ctrlPr>
-                            <a:rPr lang="de-DE" sz="2400" i="1">
-                              <a:latin typeface="Cambria Math" panose="02040503050406030204" pitchFamily="18" charset="0"/>
-                            </a:rPr>
-                          </m:ctrlPr>
-                        </m:fPr>
-                        <m:num>
-                          <m:sSup>
-                            <m:sSupPr>
-                              <m:ctrlPr>
-                                <a:rPr lang="de-DE" sz="2400" i="1">
-                                  <a:latin typeface="Cambria Math" panose="02040503050406030204" pitchFamily="18" charset="0"/>
-                                </a:rPr>
-                              </m:ctrlPr>
-                            </m:sSupPr>
-                            <m:e>
-                              <m:r>
-                                <a:rPr lang="de-DE" sz="2400" i="1">
-                                  <a:latin typeface="Cambria Math" panose="02040503050406030204" pitchFamily="18" charset="0"/>
-                                </a:rPr>
-                                <m:t>10</m:t>
-                              </m:r>
-                            </m:e>
-                            <m:sup>
-                              <m:r>
-                                <a:rPr lang="de-DE" sz="2400" i="1">
-                                  <a:latin typeface="Cambria Math" panose="02040503050406030204" pitchFamily="18" charset="0"/>
-                                </a:rPr>
-                                <m:t>−7</m:t>
-                              </m:r>
-                            </m:sup>
-                          </m:sSup>
-                        </m:num>
-                        <m:den>
-                          <m:r>
-                            <a:rPr lang="de-DE" sz="2400" i="1">
-                              <a:latin typeface="Cambria Math" panose="02040503050406030204" pitchFamily="18" charset="0"/>
-                            </a:rPr>
-                            <m:t>𝑚𝑏𝑎𝑟</m:t>
-                          </m:r>
-                        </m:den>
-                      </m:f>
-                    </m:oMath>
-                  </m:oMathPara>
-                </a14:m>
-                <a:endParaRPr lang="de-DE" sz="2400" dirty="0"/>
-              </a:p>
-              <a:p>
-                <a:endParaRPr lang="de-DE" sz="2400" dirty="0"/>
-              </a:p>
-              <a:p>
-                <a:pPr marL="0" indent="0">
-                  <a:buNone/>
-                </a:pPr>
-                <a:endParaRPr lang="de-DE" sz="2400" dirty="0"/>
-              </a:p>
-              <a:p>
-                <a:endParaRPr lang="de-DE" sz="2400" dirty="0"/>
-              </a:p>
-            </p:txBody>
-          </p:sp>
-        </mc:Choice>
-        <mc:Fallback>
-          <p:sp>
-            <p:nvSpPr>
-              <p:cNvPr id="3" name="Inhaltsplatzhalter 2">
-                <a:extLst>
-                  <a:ext uri="{FF2B5EF4-FFF2-40B4-BE49-F238E27FC236}">
-                    <a16:creationId xmlns:a16="http://schemas.microsoft.com/office/drawing/2014/main" id="{FF10F612-E099-4DEE-BE30-B939E5F9237C}"/>
-                  </a:ext>
-                </a:extLst>
-              </p:cNvPr>
-              <p:cNvSpPr>
-                <a:spLocks noGrp="1" noRot="1" noChangeAspect="1" noMove="1" noResize="1" noEditPoints="1" noAdjustHandles="1" noChangeArrowheads="1" noChangeShapeType="1" noTextEdit="1"/>
-              </p:cNvSpPr>
-              <p:nvPr>
-                <p:ph idx="1"/>
-              </p:nvPr>
-            </p:nvSpPr>
-            <p:spPr>
-              <a:xfrm>
-                <a:off x="838200" y="1446028"/>
-                <a:ext cx="5520070" cy="4730935"/>
-              </a:xfrm>
-              <a:blipFill>
-                <a:blip r:embed="rId2"/>
-                <a:stretch>
-                  <a:fillRect l="-1326" t="-2191"/>
-                </a:stretch>
-              </a:blipFill>
-            </p:spPr>
-            <p:txBody>
-              <a:bodyPr/>
-              <a:lstStyle/>
-              <a:p>
-                <a:r>
-                  <a:rPr lang="de-DE">
-                    <a:noFill/>
-                  </a:rPr>
-                  <a:t> </a:t>
-                </a:r>
-              </a:p>
-            </p:txBody>
-          </p:sp>
-        </mc:Fallback>
-      </mc:AlternateContent>
-      <p:pic>
-        <p:nvPicPr>
-          <p:cNvPr id="7" name="Grafik 6">
-            <a:extLst>
-              <a:ext uri="{FF2B5EF4-FFF2-40B4-BE49-F238E27FC236}">
-                <a16:creationId xmlns:a16="http://schemas.microsoft.com/office/drawing/2014/main" id="{B9C46D21-1EDE-408A-A65F-5E295CD4D5CB}"/>
-              </a:ext>
-            </a:extLst>
-          </p:cNvPr>
-          <p:cNvPicPr>
-            <a:picLocks noChangeAspect="1"/>
-          </p:cNvPicPr>
-          <p:nvPr/>
-        </p:nvPicPr>
-        <p:blipFill>
-          <a:blip r:embed="rId3">
-            <a:extLst>
-              <a:ext uri="{28A0092B-C50C-407E-A947-70E740481C1C}">
-                <a14:useLocalDpi xmlns:a14="http://schemas.microsoft.com/office/drawing/2010/main" val="0"/>
-              </a:ext>
-            </a:extLst>
-          </a:blip>
-          <a:stretch>
-            <a:fillRect/>
-          </a:stretch>
-        </p:blipFill>
-        <p:spPr>
-          <a:xfrm>
-            <a:off x="6096000" y="1301453"/>
-            <a:ext cx="5852172" cy="4370841"/>
-          </a:xfrm>
-          <a:prstGeom prst="rect">
-            <a:avLst/>
-          </a:prstGeom>
-        </p:spPr>
-      </p:pic>
-    </p:spTree>
-    <p:extLst>
-      <p:ext uri="{BB962C8B-B14F-4D97-AF65-F5344CB8AC3E}">
-        <p14:creationId xmlns:p14="http://schemas.microsoft.com/office/powerpoint/2010/main" val="733993921"/>
       </p:ext>
     </p:extLst>
   </p:cSld>
@@ -6621,4 +8136,299 @@
     </a:ext>
   </a:extLst>
 </a:theme>
+</file>
+
+<file path=ppt/theme/theme2.xml><?xml version="1.0" encoding="utf-8"?>
+<a:theme xmlns:a="http://schemas.openxmlformats.org/drawingml/2006/main" name="Office">
+  <a:themeElements>
+    <a:clrScheme name="Office">
+      <a:dk1>
+        <a:sysClr val="windowText" lastClr="000000"/>
+      </a:dk1>
+      <a:lt1>
+        <a:sysClr val="window" lastClr="FFFFFF"/>
+      </a:lt1>
+      <a:dk2>
+        <a:srgbClr val="44546A"/>
+      </a:dk2>
+      <a:lt2>
+        <a:srgbClr val="E7E6E6"/>
+      </a:lt2>
+      <a:accent1>
+        <a:srgbClr val="4472C4"/>
+      </a:accent1>
+      <a:accent2>
+        <a:srgbClr val="ED7D31"/>
+      </a:accent2>
+      <a:accent3>
+        <a:srgbClr val="A5A5A5"/>
+      </a:accent3>
+      <a:accent4>
+        <a:srgbClr val="FFC000"/>
+      </a:accent4>
+      <a:accent5>
+        <a:srgbClr val="5B9BD5"/>
+      </a:accent5>
+      <a:accent6>
+        <a:srgbClr val="70AD47"/>
+      </a:accent6>
+      <a:hlink>
+        <a:srgbClr val="0563C1"/>
+      </a:hlink>
+      <a:folHlink>
+        <a:srgbClr val="954F72"/>
+      </a:folHlink>
+    </a:clrScheme>
+    <a:fontScheme name="Office">
+      <a:majorFont>
+        <a:latin typeface="Calibri Light" panose="020F0302020204030204"/>
+        <a:ea typeface=""/>
+        <a:cs typeface=""/>
+        <a:font script="Jpan" typeface="游ゴシック Light"/>
+        <a:font script="Hang" typeface="맑은 고딕"/>
+        <a:font script="Hans" typeface="等线 Light"/>
+        <a:font script="Hant" typeface="新細明體"/>
+        <a:font script="Arab" typeface="Times New Roman"/>
+        <a:font script="Hebr" typeface="Times New Roman"/>
+        <a:font script="Thai" typeface="Angsana New"/>
+        <a:font script="Ethi" typeface="Nyala"/>
+        <a:font script="Beng" typeface="Vrinda"/>
+        <a:font script="Gujr" typeface="Shruti"/>
+        <a:font script="Khmr" typeface="MoolBoran"/>
+        <a:font script="Knda" typeface="Tunga"/>
+        <a:font script="Guru" typeface="Raavi"/>
+        <a:font script="Cans" typeface="Euphemia"/>
+        <a:font script="Cher" typeface="Plantagenet Cherokee"/>
+        <a:font script="Yiii" typeface="Microsoft Yi Baiti"/>
+        <a:font script="Tibt" typeface="Microsoft Himalaya"/>
+        <a:font script="Thaa" typeface="MV Boli"/>
+        <a:font script="Deva" typeface="Mangal"/>
+        <a:font script="Telu" typeface="Gautami"/>
+        <a:font script="Taml" typeface="Latha"/>
+        <a:font script="Syrc" typeface="Estrangelo Edessa"/>
+        <a:font script="Orya" typeface="Kalinga"/>
+        <a:font script="Mlym" typeface="Kartika"/>
+        <a:font script="Laoo" typeface="DokChampa"/>
+        <a:font script="Sinh" typeface="Iskoola Pota"/>
+        <a:font script="Mong" typeface="Mongolian Baiti"/>
+        <a:font script="Viet" typeface="Times New Roman"/>
+        <a:font script="Uigh" typeface="Microsoft Uighur"/>
+        <a:font script="Geor" typeface="Sylfaen"/>
+        <a:font script="Armn" typeface="Arial"/>
+        <a:font script="Bugi" typeface="Leelawadee UI"/>
+        <a:font script="Bopo" typeface="Microsoft JhengHei"/>
+        <a:font script="Java" typeface="Javanese Text"/>
+        <a:font script="Lisu" typeface="Segoe UI"/>
+        <a:font script="Mymr" typeface="Myanmar Text"/>
+        <a:font script="Nkoo" typeface="Ebrima"/>
+        <a:font script="Olck" typeface="Nirmala UI"/>
+        <a:font script="Osma" typeface="Ebrima"/>
+        <a:font script="Phag" typeface="Phagspa"/>
+        <a:font script="Syrn" typeface="Estrangelo Edessa"/>
+        <a:font script="Syrj" typeface="Estrangelo Edessa"/>
+        <a:font script="Syre" typeface="Estrangelo Edessa"/>
+        <a:font script="Sora" typeface="Nirmala UI"/>
+        <a:font script="Tale" typeface="Microsoft Tai Le"/>
+        <a:font script="Talu" typeface="Microsoft New Tai Lue"/>
+        <a:font script="Tfng" typeface="Ebrima"/>
+      </a:majorFont>
+      <a:minorFont>
+        <a:latin typeface="Calibri" panose="020F0502020204030204"/>
+        <a:ea typeface=""/>
+        <a:cs typeface=""/>
+        <a:font script="Jpan" typeface="游ゴシック"/>
+        <a:font script="Hang" typeface="맑은 고딕"/>
+        <a:font script="Hans" typeface="等线"/>
+        <a:font script="Hant" typeface="新細明體"/>
+        <a:font script="Arab" typeface="Arial"/>
+        <a:font script="Hebr" typeface="Arial"/>
+        <a:font script="Thai" typeface="Cordia New"/>
+        <a:font script="Ethi" typeface="Nyala"/>
+        <a:font script="Beng" typeface="Vrinda"/>
+        <a:font script="Gujr" typeface="Shruti"/>
+        <a:font script="Khmr" typeface="DaunPenh"/>
+        <a:font script="Knda" typeface="Tunga"/>
+        <a:font script="Guru" typeface="Raavi"/>
+        <a:font script="Cans" typeface="Euphemia"/>
+        <a:font script="Cher" typeface="Plantagenet Cherokee"/>
+        <a:font script="Yiii" typeface="Microsoft Yi Baiti"/>
+        <a:font script="Tibt" typeface="Microsoft Himalaya"/>
+        <a:font script="Thaa" typeface="MV Boli"/>
+        <a:font script="Deva" typeface="Mangal"/>
+        <a:font script="Telu" typeface="Gautami"/>
+        <a:font script="Taml" typeface="Latha"/>
+        <a:font script="Syrc" typeface="Estrangelo Edessa"/>
+        <a:font script="Orya" typeface="Kalinga"/>
+        <a:font script="Mlym" typeface="Kartika"/>
+        <a:font script="Laoo" typeface="DokChampa"/>
+        <a:font script="Sinh" typeface="Iskoola Pota"/>
+        <a:font script="Mong" typeface="Mongolian Baiti"/>
+        <a:font script="Viet" typeface="Arial"/>
+        <a:font script="Uigh" typeface="Microsoft Uighur"/>
+        <a:font script="Geor" typeface="Sylfaen"/>
+        <a:font script="Armn" typeface="Arial"/>
+        <a:font script="Bugi" typeface="Leelawadee UI"/>
+        <a:font script="Bopo" typeface="Microsoft JhengHei"/>
+        <a:font script="Java" typeface="Javanese Text"/>
+        <a:font script="Lisu" typeface="Segoe UI"/>
+        <a:font script="Mymr" typeface="Myanmar Text"/>
+        <a:font script="Nkoo" typeface="Ebrima"/>
+        <a:font script="Olck" typeface="Nirmala UI"/>
+        <a:font script="Osma" typeface="Ebrima"/>
+        <a:font script="Phag" typeface="Phagspa"/>
+        <a:font script="Syrn" typeface="Estrangelo Edessa"/>
+        <a:font script="Syrj" typeface="Estrangelo Edessa"/>
+        <a:font script="Syre" typeface="Estrangelo Edessa"/>
+        <a:font script="Sora" typeface="Nirmala UI"/>
+        <a:font script="Tale" typeface="Microsoft Tai Le"/>
+        <a:font script="Talu" typeface="Microsoft New Tai Lue"/>
+        <a:font script="Tfng" typeface="Ebrima"/>
+      </a:minorFont>
+    </a:fontScheme>
+    <a:fmtScheme name="Office">
+      <a:fillStyleLst>
+        <a:solidFill>
+          <a:schemeClr val="phClr"/>
+        </a:solidFill>
+        <a:gradFill rotWithShape="1">
+          <a:gsLst>
+            <a:gs pos="0">
+              <a:schemeClr val="phClr">
+                <a:lumMod val="110000"/>
+                <a:satMod val="105000"/>
+                <a:tint val="67000"/>
+              </a:schemeClr>
+            </a:gs>
+            <a:gs pos="50000">
+              <a:schemeClr val="phClr">
+                <a:lumMod val="105000"/>
+                <a:satMod val="103000"/>
+                <a:tint val="73000"/>
+              </a:schemeClr>
+            </a:gs>
+            <a:gs pos="100000">
+              <a:schemeClr val="phClr">
+                <a:lumMod val="105000"/>
+                <a:satMod val="109000"/>
+                <a:tint val="81000"/>
+              </a:schemeClr>
+            </a:gs>
+          </a:gsLst>
+          <a:lin ang="5400000" scaled="0"/>
+        </a:gradFill>
+        <a:gradFill rotWithShape="1">
+          <a:gsLst>
+            <a:gs pos="0">
+              <a:schemeClr val="phClr">
+                <a:satMod val="103000"/>
+                <a:lumMod val="102000"/>
+                <a:tint val="94000"/>
+              </a:schemeClr>
+            </a:gs>
+            <a:gs pos="50000">
+              <a:schemeClr val="phClr">
+                <a:satMod val="110000"/>
+                <a:lumMod val="100000"/>
+                <a:shade val="100000"/>
+              </a:schemeClr>
+            </a:gs>
+            <a:gs pos="100000">
+              <a:schemeClr val="phClr">
+                <a:lumMod val="99000"/>
+                <a:satMod val="120000"/>
+                <a:shade val="78000"/>
+              </a:schemeClr>
+            </a:gs>
+          </a:gsLst>
+          <a:lin ang="5400000" scaled="0"/>
+        </a:gradFill>
+      </a:fillStyleLst>
+      <a:lnStyleLst>
+        <a:ln w="6350" cap="flat" cmpd="sng" algn="ctr">
+          <a:solidFill>
+            <a:schemeClr val="phClr"/>
+          </a:solidFill>
+          <a:prstDash val="solid"/>
+          <a:miter lim="800000"/>
+        </a:ln>
+        <a:ln w="12700" cap="flat" cmpd="sng" algn="ctr">
+          <a:solidFill>
+            <a:schemeClr val="phClr"/>
+          </a:solidFill>
+          <a:prstDash val="solid"/>
+          <a:miter lim="800000"/>
+        </a:ln>
+        <a:ln w="19050" cap="flat" cmpd="sng" algn="ctr">
+          <a:solidFill>
+            <a:schemeClr val="phClr"/>
+          </a:solidFill>
+          <a:prstDash val="solid"/>
+          <a:miter lim="800000"/>
+        </a:ln>
+      </a:lnStyleLst>
+      <a:effectStyleLst>
+        <a:effectStyle>
+          <a:effectLst/>
+        </a:effectStyle>
+        <a:effectStyle>
+          <a:effectLst/>
+        </a:effectStyle>
+        <a:effectStyle>
+          <a:effectLst>
+            <a:outerShdw blurRad="57150" dist="19050" dir="5400000" algn="ctr" rotWithShape="0">
+              <a:srgbClr val="000000">
+                <a:alpha val="63000"/>
+              </a:srgbClr>
+            </a:outerShdw>
+          </a:effectLst>
+        </a:effectStyle>
+      </a:effectStyleLst>
+      <a:bgFillStyleLst>
+        <a:solidFill>
+          <a:schemeClr val="phClr"/>
+        </a:solidFill>
+        <a:solidFill>
+          <a:schemeClr val="phClr">
+            <a:tint val="95000"/>
+            <a:satMod val="170000"/>
+          </a:schemeClr>
+        </a:solidFill>
+        <a:gradFill rotWithShape="1">
+          <a:gsLst>
+            <a:gs pos="0">
+              <a:schemeClr val="phClr">
+                <a:tint val="93000"/>
+                <a:satMod val="150000"/>
+                <a:shade val="98000"/>
+                <a:lumMod val="102000"/>
+              </a:schemeClr>
+            </a:gs>
+            <a:gs pos="50000">
+              <a:schemeClr val="phClr">
+                <a:tint val="98000"/>
+                <a:satMod val="130000"/>
+                <a:shade val="90000"/>
+                <a:lumMod val="103000"/>
+              </a:schemeClr>
+            </a:gs>
+            <a:gs pos="100000">
+              <a:schemeClr val="phClr">
+                <a:shade val="63000"/>
+                <a:satMod val="120000"/>
+              </a:schemeClr>
+            </a:gs>
+          </a:gsLst>
+          <a:lin ang="5400000" scaled="0"/>
+        </a:gradFill>
+      </a:bgFillStyleLst>
+    </a:fmtScheme>
+  </a:themeElements>
+  <a:objectDefaults/>
+  <a:extraClrSchemeLst/>
+  <a:extLst>
+    <a:ext uri="{05A4C25C-085E-4340-85A3-A5531E510DB2}">
+      <thm15:themeFamily xmlns:thm15="http://schemas.microsoft.com/office/thememl/2012/main" name="Office Theme" id="{62F939B6-93AF-4DB8-9C6B-D6C7DFDC589F}" vid="{4A3C46E8-61CC-4603-A589-7422A47A8E4A}"/>
+    </a:ext>
+  </a:extLst>
+</a:theme>
 </file>
--- a/grundpraktikum2/Optik 2/Optik II.pptx
+++ b/grundpraktikum2/Optik 2/Optik II.pptx
@@ -5,7 +5,7 @@
     <p:sldMasterId id="2147483648" r:id="rId1"/>
   </p:sldMasterIdLst>
   <p:notesMasterIdLst>
-    <p:notesMasterId r:id="rId13"/>
+    <p:notesMasterId r:id="rId14"/>
   </p:notesMasterIdLst>
   <p:sldIdLst>
     <p:sldId id="256" r:id="rId2"/>
@@ -19,6 +19,7 @@
     <p:sldId id="262" r:id="rId10"/>
     <p:sldId id="266" r:id="rId11"/>
     <p:sldId id="263" r:id="rId12"/>
+    <p:sldId id="268" r:id="rId13"/>
   </p:sldIdLst>
   <p:sldSz cx="12192000" cy="6858000"/>
   <p:notesSz cx="6858000" cy="9144000"/>
@@ -133,6 +134,7 @@
             <p14:sldId id="262"/>
             <p14:sldId id="266"/>
             <p14:sldId id="263"/>
+            <p14:sldId id="268"/>
           </p14:sldIdLst>
         </p14:section>
       </p14:sectionLst>
@@ -5022,6 +5024,1239 @@
     <p:extLst>
       <p:ext uri="{BB962C8B-B14F-4D97-AF65-F5344CB8AC3E}">
         <p14:creationId xmlns:p14="http://schemas.microsoft.com/office/powerpoint/2010/main" val="2847838298"/>
+      </p:ext>
+    </p:extLst>
+  </p:cSld>
+  <p:clrMapOvr>
+    <a:masterClrMapping/>
+  </p:clrMapOvr>
+</p:sld>
+</file>
+
+<file path=ppt/slides/slide12.xml><?xml version="1.0" encoding="utf-8"?>
+<p:sld xmlns:a="http://schemas.openxmlformats.org/drawingml/2006/main" xmlns:r="http://schemas.openxmlformats.org/officeDocument/2006/relationships" xmlns:p="http://schemas.openxmlformats.org/presentationml/2006/main">
+  <p:cSld>
+    <p:spTree>
+      <p:nvGrpSpPr>
+        <p:cNvPr id="1" name=""/>
+        <p:cNvGrpSpPr/>
+        <p:nvPr/>
+      </p:nvGrpSpPr>
+      <p:grpSpPr>
+        <a:xfrm>
+          <a:off x="0" y="0"/>
+          <a:ext cx="0" cy="0"/>
+          <a:chOff x="0" y="0"/>
+          <a:chExt cx="0" cy="0"/>
+        </a:xfrm>
+      </p:grpSpPr>
+      <p:sp>
+        <p:nvSpPr>
+          <p:cNvPr id="2" name="Titel 1">
+            <a:extLst>
+              <a:ext uri="{FF2B5EF4-FFF2-40B4-BE49-F238E27FC236}">
+                <a16:creationId xmlns:a16="http://schemas.microsoft.com/office/drawing/2014/main" id="{AE0CCBA6-C9A6-4DC8-9AFB-E17B0AB0EB44}"/>
+              </a:ext>
+            </a:extLst>
+          </p:cNvPr>
+          <p:cNvSpPr>
+            <a:spLocks noGrp="1"/>
+          </p:cNvSpPr>
+          <p:nvPr>
+            <p:ph type="title"/>
+          </p:nvPr>
+        </p:nvSpPr>
+        <p:spPr/>
+        <p:txBody>
+          <a:bodyPr/>
+          <a:lstStyle/>
+          <a:p>
+            <a:r>
+              <a:rPr lang="de-DE" dirty="0"/>
+              <a:t>Zusammenfassung</a:t>
+            </a:r>
+          </a:p>
+        </p:txBody>
+      </p:sp>
+      <mc:AlternateContent xmlns:mc="http://schemas.openxmlformats.org/markup-compatibility/2006" xmlns:a14="http://schemas.microsoft.com/office/drawing/2010/main">
+        <mc:Choice Requires="a14">
+          <p:graphicFrame>
+            <p:nvGraphicFramePr>
+              <p:cNvPr id="14" name="Inhaltsplatzhalter 13">
+                <a:extLst>
+                  <a:ext uri="{FF2B5EF4-FFF2-40B4-BE49-F238E27FC236}">
+                    <a16:creationId xmlns:a16="http://schemas.microsoft.com/office/drawing/2014/main" id="{ACFEA938-FBF9-402E-9965-CA8B50CF6CEA}"/>
+                  </a:ext>
+                </a:extLst>
+              </p:cNvPr>
+              <p:cNvGraphicFramePr>
+                <a:graphicFrameLocks noGrp="1"/>
+              </p:cNvGraphicFramePr>
+              <p:nvPr>
+                <p:ph idx="1"/>
+                <p:extLst/>
+              </p:nvPr>
+            </p:nvGraphicFramePr>
+            <p:xfrm>
+              <a:off x="518603" y="2846558"/>
+              <a:ext cx="10437012" cy="2119759"/>
+            </p:xfrm>
+            <a:graphic>
+              <a:graphicData uri="http://schemas.openxmlformats.org/drawingml/2006/table">
+                <a:tbl>
+                  <a:tblPr firstRow="1" bandRow="1">
+                    <a:tableStyleId>{5940675A-B579-460E-94D1-54222C63F5DA}</a:tableStyleId>
+                  </a:tblPr>
+                  <a:tblGrid>
+                    <a:gridCol w="2437661">
+                      <a:extLst>
+                        <a:ext uri="{9D8B030D-6E8A-4147-A177-3AD203B41FA5}">
+                          <a16:colId xmlns:a16="http://schemas.microsoft.com/office/drawing/2014/main" val="246513388"/>
+                        </a:ext>
+                      </a:extLst>
+                    </a:gridCol>
+                    <a:gridCol w="2556769">
+                      <a:extLst>
+                        <a:ext uri="{9D8B030D-6E8A-4147-A177-3AD203B41FA5}">
+                          <a16:colId xmlns:a16="http://schemas.microsoft.com/office/drawing/2014/main" val="25488013"/>
+                        </a:ext>
+                      </a:extLst>
+                    </a:gridCol>
+                    <a:gridCol w="2636668">
+                      <a:extLst>
+                        <a:ext uri="{9D8B030D-6E8A-4147-A177-3AD203B41FA5}">
+                          <a16:colId xmlns:a16="http://schemas.microsoft.com/office/drawing/2014/main" val="1175518885"/>
+                        </a:ext>
+                      </a:extLst>
+                    </a:gridCol>
+                    <a:gridCol w="1429305">
+                      <a:extLst>
+                        <a:ext uri="{9D8B030D-6E8A-4147-A177-3AD203B41FA5}">
+                          <a16:colId xmlns:a16="http://schemas.microsoft.com/office/drawing/2014/main" val="3656135770"/>
+                        </a:ext>
+                      </a:extLst>
+                    </a:gridCol>
+                    <a:gridCol w="1376609">
+                      <a:extLst>
+                        <a:ext uri="{9D8B030D-6E8A-4147-A177-3AD203B41FA5}">
+                          <a16:colId xmlns:a16="http://schemas.microsoft.com/office/drawing/2014/main" val="4204550313"/>
+                        </a:ext>
+                      </a:extLst>
+                    </a:gridCol>
+                  </a:tblGrid>
+                  <a:tr h="370840">
+                    <a:tc>
+                      <a:txBody>
+                        <a:bodyPr/>
+                        <a:lstStyle/>
+                        <a:p>
+                          <a:endParaRPr lang="de-DE" dirty="0"/>
+                        </a:p>
+                      </a:txBody>
+                      <a:tcPr/>
+                    </a:tc>
+                    <a:tc>
+                      <a:txBody>
+                        <a:bodyPr/>
+                        <a:lstStyle/>
+                        <a:p>
+                          <a:r>
+                            <a:rPr lang="de-DE" dirty="0"/>
+                            <a:t>Gruppe A</a:t>
+                          </a:r>
+                        </a:p>
+                      </a:txBody>
+                      <a:tcPr/>
+                    </a:tc>
+                    <a:tc>
+                      <a:txBody>
+                        <a:bodyPr/>
+                        <a:lstStyle/>
+                        <a:p>
+                          <a:r>
+                            <a:rPr lang="de-DE" dirty="0"/>
+                            <a:t>Gruppe B</a:t>
+                          </a:r>
+                        </a:p>
+                      </a:txBody>
+                      <a:tcPr/>
+                    </a:tc>
+                    <a:tc>
+                      <a:txBody>
+                        <a:bodyPr/>
+                        <a:lstStyle/>
+                        <a:p>
+                          <a:r>
+                            <a:rPr lang="de-DE" dirty="0"/>
+                            <a:t>Nominalwert</a:t>
+                          </a:r>
+                        </a:p>
+                      </a:txBody>
+                      <a:tcPr/>
+                    </a:tc>
+                    <a:tc>
+                      <a:txBody>
+                        <a:bodyPr/>
+                        <a:lstStyle/>
+                        <a:p>
+                          <a:r>
+                            <a:rPr lang="de-DE" dirty="0"/>
+                            <a:t>Abweichung[</a:t>
+                          </a:r>
+                          <a14:m>
+                            <m:oMath xmlns:m="http://schemas.openxmlformats.org/officeDocument/2006/math">
+                              <m:r>
+                                <a:rPr lang="de-DE" b="0" i="1" smtClean="0">
+                                  <a:latin typeface="Cambria Math" panose="02040503050406030204" pitchFamily="18" charset="0"/>
+                                </a:rPr>
+                                <m:t>𝜎</m:t>
+                              </m:r>
+                              <m:r>
+                                <a:rPr lang="de-DE" b="0" i="1" smtClean="0">
+                                  <a:latin typeface="Cambria Math" panose="02040503050406030204" pitchFamily="18" charset="0"/>
+                                </a:rPr>
+                                <m:t>]</m:t>
+                              </m:r>
+                            </m:oMath>
+                          </a14:m>
+                          <a:endParaRPr lang="de-DE" dirty="0"/>
+                        </a:p>
+                      </a:txBody>
+                      <a:tcPr/>
+                    </a:tc>
+                    <a:extLst>
+                      <a:ext uri="{0D108BD9-81ED-4DB2-BD59-A6C34878D82A}">
+                        <a16:rowId xmlns:a16="http://schemas.microsoft.com/office/drawing/2014/main" val="3933068261"/>
+                      </a:ext>
+                    </a:extLst>
+                  </a:tr>
+                  <a:tr h="147505">
+                    <a:tc>
+                      <a:txBody>
+                        <a:bodyPr/>
+                        <a:lstStyle/>
+                        <a:p>
+                          <a:r>
+                            <a:rPr lang="de-DE" dirty="0"/>
+                            <a:t>Kalibration</a:t>
+                          </a:r>
+                        </a:p>
+                      </a:txBody>
+                      <a:tcPr/>
+                    </a:tc>
+                    <a:tc>
+                      <a:txBody>
+                        <a:bodyPr/>
+                        <a:lstStyle/>
+                        <a:p>
+                          <a:pPr marL="0" marR="0" lvl="0" indent="0" algn="l" defTabSz="914400" rtl="0" eaLnBrk="1" fontAlgn="auto" latinLnBrk="0" hangingPunct="1">
+                            <a:lnSpc>
+                              <a:spcPct val="100000"/>
+                            </a:lnSpc>
+                            <a:spcBef>
+                              <a:spcPts val="0"/>
+                            </a:spcBef>
+                            <a:spcAft>
+                              <a:spcPts val="0"/>
+                            </a:spcAft>
+                            <a:buClrTx/>
+                            <a:buSzTx/>
+                            <a:buFontTx/>
+                            <a:buNone/>
+                            <a:tabLst/>
+                            <a:defRPr/>
+                          </a:pPr>
+                          <a14:m>
+                            <m:oMathPara xmlns:m="http://schemas.openxmlformats.org/officeDocument/2006/math">
+                              <m:oMathParaPr>
+                                <m:jc m:val="centerGroup"/>
+                              </m:oMathParaPr>
+                              <m:oMath xmlns:m="http://schemas.openxmlformats.org/officeDocument/2006/math">
+                                <m:r>
+                                  <a:rPr lang="de-DE" b="0" i="1" smtClean="0">
+                                    <a:latin typeface="Cambria Math" panose="02040503050406030204" pitchFamily="18" charset="0"/>
+                                  </a:rPr>
+                                  <m:t>0,0487±0,0002</m:t>
+                                </m:r>
+                              </m:oMath>
+                            </m:oMathPara>
+                          </a14:m>
+                          <a:endParaRPr lang="de-DE" dirty="0"/>
+                        </a:p>
+                      </a:txBody>
+                      <a:tcPr/>
+                    </a:tc>
+                    <a:tc>
+                      <a:txBody>
+                        <a:bodyPr/>
+                        <a:lstStyle/>
+                        <a:p>
+                          <a:pPr marL="0" marR="0" lvl="0" indent="0" algn="l" defTabSz="914400" rtl="0" eaLnBrk="1" fontAlgn="auto" latinLnBrk="0" hangingPunct="1">
+                            <a:lnSpc>
+                              <a:spcPct val="100000"/>
+                            </a:lnSpc>
+                            <a:spcBef>
+                              <a:spcPts val="0"/>
+                            </a:spcBef>
+                            <a:spcAft>
+                              <a:spcPts val="0"/>
+                            </a:spcAft>
+                            <a:buClrTx/>
+                            <a:buSzTx/>
+                            <a:buFontTx/>
+                            <a:buNone/>
+                            <a:tabLst/>
+                            <a:defRPr/>
+                          </a:pPr>
+                          <a14:m>
+                            <m:oMathPara xmlns:m="http://schemas.openxmlformats.org/officeDocument/2006/math">
+                              <m:oMathParaPr>
+                                <m:jc m:val="centerGroup"/>
+                              </m:oMathParaPr>
+                              <m:oMath xmlns:m="http://schemas.openxmlformats.org/officeDocument/2006/math">
+                                <m:r>
+                                  <a:rPr lang="de-DE" b="0" i="1" smtClean="0">
+                                    <a:latin typeface="Cambria Math" panose="02040503050406030204" pitchFamily="18" charset="0"/>
+                                  </a:rPr>
+                                  <m:t>0.0442±0,0002</m:t>
+                                </m:r>
+                              </m:oMath>
+                            </m:oMathPara>
+                          </a14:m>
+                          <a:endParaRPr lang="de-DE" dirty="0"/>
+                        </a:p>
+                      </a:txBody>
+                      <a:tcPr/>
+                    </a:tc>
+                    <a:tc>
+                      <a:txBody>
+                        <a:bodyPr/>
+                        <a:lstStyle/>
+                        <a:p>
+                          <a:r>
+                            <a:rPr lang="de-DE" dirty="0"/>
+                            <a:t>0.05</a:t>
+                          </a:r>
+                        </a:p>
+                      </a:txBody>
+                      <a:tcPr/>
+                    </a:tc>
+                    <a:tc>
+                      <a:txBody>
+                        <a:bodyPr/>
+                        <a:lstStyle/>
+                        <a:p>
+                          <a:r>
+                            <a:rPr lang="de-DE" dirty="0"/>
+                            <a:t>-</a:t>
+                          </a:r>
+                        </a:p>
+                      </a:txBody>
+                      <a:tcPr/>
+                    </a:tc>
+                    <a:extLst>
+                      <a:ext uri="{0D108BD9-81ED-4DB2-BD59-A6C34878D82A}">
+                        <a16:rowId xmlns:a16="http://schemas.microsoft.com/office/drawing/2014/main" val="390391219"/>
+                      </a:ext>
+                    </a:extLst>
+                  </a:tr>
+                  <a:tr h="372239">
+                    <a:tc>
+                      <a:txBody>
+                        <a:bodyPr/>
+                        <a:lstStyle/>
+                        <a:p>
+                          <a:r>
+                            <a:rPr lang="de-DE" dirty="0"/>
+                            <a:t>Wellenlänge[</a:t>
+                          </a:r>
+                          <a:r>
+                            <a:rPr lang="de-DE" dirty="0" err="1"/>
+                            <a:t>nm</a:t>
+                          </a:r>
+                          <a:r>
+                            <a:rPr lang="de-DE" dirty="0"/>
+                            <a:t>]</a:t>
+                          </a:r>
+                        </a:p>
+                      </a:txBody>
+                      <a:tcPr/>
+                    </a:tc>
+                    <a:tc>
+                      <a:txBody>
+                        <a:bodyPr/>
+                        <a:lstStyle/>
+                        <a:p>
+                          <a:pPr marL="0" marR="0" lvl="0" indent="0" algn="l" defTabSz="914400" rtl="0" eaLnBrk="1" fontAlgn="auto" latinLnBrk="0" hangingPunct="1">
+                            <a:lnSpc>
+                              <a:spcPct val="100000"/>
+                            </a:lnSpc>
+                            <a:spcBef>
+                              <a:spcPts val="0"/>
+                            </a:spcBef>
+                            <a:spcAft>
+                              <a:spcPts val="0"/>
+                            </a:spcAft>
+                            <a:buClrTx/>
+                            <a:buSzTx/>
+                            <a:buFontTx/>
+                            <a:buNone/>
+                            <a:tabLst/>
+                            <a:defRPr/>
+                          </a:pPr>
+                          <a14:m>
+                            <m:oMathPara xmlns:m="http://schemas.openxmlformats.org/officeDocument/2006/math">
+                              <m:oMathParaPr>
+                                <m:jc m:val="centerGroup"/>
+                              </m:oMathParaPr>
+                              <m:oMath xmlns:m="http://schemas.openxmlformats.org/officeDocument/2006/math">
+                                <m:r>
+                                  <a:rPr lang="de-DE" b="0" i="1" smtClean="0">
+                                    <a:latin typeface="Cambria Math" panose="02040503050406030204" pitchFamily="18" charset="0"/>
+                                  </a:rPr>
+                                  <m:t>522,6±2,0±2,1</m:t>
+                                </m:r>
+                              </m:oMath>
+                            </m:oMathPara>
+                          </a14:m>
+                          <a:endParaRPr lang="de-DE" dirty="0"/>
+                        </a:p>
+                      </a:txBody>
+                      <a:tcPr/>
+                    </a:tc>
+                    <a:tc>
+                      <a:txBody>
+                        <a:bodyPr/>
+                        <a:lstStyle/>
+                        <a:p>
+                          <a:pPr/>
+                          <a14:m>
+                            <m:oMathPara xmlns:m="http://schemas.openxmlformats.org/officeDocument/2006/math">
+                              <m:oMathParaPr>
+                                <m:jc m:val="centerGroup"/>
+                              </m:oMathParaPr>
+                              <m:oMath xmlns:m="http://schemas.openxmlformats.org/officeDocument/2006/math">
+                                <m:r>
+                                  <a:rPr lang="de-DE" b="0" i="0" smtClean="0">
+                                    <a:latin typeface="Cambria Math" panose="02040503050406030204" pitchFamily="18" charset="0"/>
+                                  </a:rPr>
+                                  <m:t>526,1</m:t>
+                                </m:r>
+                                <m:r>
+                                  <a:rPr lang="de-DE" b="0" i="1" smtClean="0">
+                                    <a:latin typeface="Cambria Math" panose="02040503050406030204" pitchFamily="18" charset="0"/>
+                                  </a:rPr>
+                                  <m:t>±1,7±2,0</m:t>
+                                </m:r>
+                              </m:oMath>
+                            </m:oMathPara>
+                          </a14:m>
+                          <a:endParaRPr lang="de-DE" dirty="0"/>
+                        </a:p>
+                      </a:txBody>
+                      <a:tcPr/>
+                    </a:tc>
+                    <a:tc>
+                      <a:txBody>
+                        <a:bodyPr/>
+                        <a:lstStyle/>
+                        <a:p>
+                          <a:r>
+                            <a:rPr lang="de-DE" dirty="0"/>
+                            <a:t>532</a:t>
+                          </a:r>
+                        </a:p>
+                      </a:txBody>
+                      <a:tcPr/>
+                    </a:tc>
+                    <a:tc>
+                      <a:txBody>
+                        <a:bodyPr/>
+                        <a:lstStyle/>
+                        <a:p>
+                          <a:r>
+                            <a:rPr lang="de-DE" dirty="0"/>
+                            <a:t>2-3</a:t>
+                          </a:r>
+                        </a:p>
+                      </a:txBody>
+                      <a:tcPr/>
+                    </a:tc>
+                    <a:extLst>
+                      <a:ext uri="{0D108BD9-81ED-4DB2-BD59-A6C34878D82A}">
+                        <a16:rowId xmlns:a16="http://schemas.microsoft.com/office/drawing/2014/main" val="2744301020"/>
+                      </a:ext>
+                    </a:extLst>
+                  </a:tr>
+                  <a:tr h="370840">
+                    <a:tc>
+                      <a:txBody>
+                        <a:bodyPr/>
+                        <a:lstStyle/>
+                        <a:p>
+                          <a:r>
+                            <a:rPr lang="de-DE" dirty="0"/>
+                            <a:t>Druckabhängigkeit[10</a:t>
+                          </a:r>
+                          <a:r>
+                            <a:rPr lang="de-DE" baseline="30000" dirty="0"/>
+                            <a:t>-7</a:t>
+                          </a:r>
+                          <a:r>
+                            <a:rPr lang="de-DE" dirty="0"/>
+                            <a:t>]</a:t>
+                          </a:r>
+                        </a:p>
+                      </a:txBody>
+                      <a:tcPr/>
+                    </a:tc>
+                    <a:tc>
+                      <a:txBody>
+                        <a:bodyPr/>
+                        <a:lstStyle/>
+                        <a:p>
+                          <a:pPr/>
+                          <a14:m>
+                            <m:oMathPara xmlns:m="http://schemas.openxmlformats.org/officeDocument/2006/math">
+                              <m:oMathParaPr>
+                                <m:jc m:val="centerGroup"/>
+                              </m:oMathParaPr>
+                              <m:oMath xmlns:m="http://schemas.openxmlformats.org/officeDocument/2006/math">
+                                <m:r>
+                                  <a:rPr lang="de-DE" sz="1800" i="1" smtClean="0">
+                                    <a:latin typeface="Cambria Math" panose="02040503050406030204" pitchFamily="18" charset="0"/>
+                                  </a:rPr>
+                                  <m:t>2.</m:t>
+                                </m:r>
+                                <m:r>
+                                  <a:rPr lang="de-DE" sz="1800" b="0" i="1" smtClean="0">
+                                    <a:latin typeface="Cambria Math" panose="02040503050406030204" pitchFamily="18" charset="0"/>
+                                  </a:rPr>
+                                  <m:t>6103</m:t>
+                                </m:r>
+                                <m:r>
+                                  <a:rPr lang="de-DE" sz="1800" i="1">
+                                    <a:latin typeface="Cambria Math" panose="02040503050406030204" pitchFamily="18" charset="0"/>
+                                  </a:rPr>
+                                  <m:t>±0.0</m:t>
+                                </m:r>
+                                <m:r>
+                                  <a:rPr lang="de-DE" sz="1800" b="0" i="1" smtClean="0">
+                                    <a:latin typeface="Cambria Math" panose="02040503050406030204" pitchFamily="18" charset="0"/>
+                                  </a:rPr>
+                                  <m:t>28</m:t>
+                                </m:r>
+                                <m:r>
+                                  <a:rPr lang="de-DE" sz="1800" i="1">
+                                    <a:latin typeface="Cambria Math" panose="02040503050406030204" pitchFamily="18" charset="0"/>
+                                  </a:rPr>
+                                  <m:t>±0.014</m:t>
+                                </m:r>
+                              </m:oMath>
+                            </m:oMathPara>
+                          </a14:m>
+                          <a:endParaRPr lang="de-DE" dirty="0"/>
+                        </a:p>
+                      </a:txBody>
+                      <a:tcPr/>
+                    </a:tc>
+                    <a:tc>
+                      <a:txBody>
+                        <a:bodyPr/>
+                        <a:lstStyle/>
+                        <a:p>
+                          <a:pPr/>
+                          <a14:m>
+                            <m:oMathPara xmlns:m="http://schemas.openxmlformats.org/officeDocument/2006/math">
+                              <m:oMathParaPr>
+                                <m:jc m:val="centerGroup"/>
+                              </m:oMathParaPr>
+                              <m:oMath xmlns:m="http://schemas.openxmlformats.org/officeDocument/2006/math">
+                                <m:r>
+                                  <a:rPr lang="de-DE" sz="1800" i="1" smtClean="0">
+                                    <a:latin typeface="Cambria Math" panose="02040503050406030204" pitchFamily="18" charset="0"/>
+                                  </a:rPr>
+                                  <m:t>2.5</m:t>
+                                </m:r>
+                                <m:r>
+                                  <a:rPr lang="de-DE" sz="1800" b="0" i="1" smtClean="0">
+                                    <a:latin typeface="Cambria Math" panose="02040503050406030204" pitchFamily="18" charset="0"/>
+                                  </a:rPr>
+                                  <m:t>612</m:t>
+                                </m:r>
+                                <m:r>
+                                  <a:rPr lang="de-DE" sz="1800" i="1">
+                                    <a:latin typeface="Cambria Math" panose="02040503050406030204" pitchFamily="18" charset="0"/>
+                                  </a:rPr>
+                                  <m:t>±0.0</m:t>
+                                </m:r>
+                                <m:r>
+                                  <a:rPr lang="de-DE" sz="1800" b="0" i="1" smtClean="0">
+                                    <a:latin typeface="Cambria Math" panose="02040503050406030204" pitchFamily="18" charset="0"/>
+                                  </a:rPr>
+                                  <m:t>69</m:t>
+                                </m:r>
+                                <m:r>
+                                  <a:rPr lang="de-DE" sz="1800" i="1">
+                                    <a:latin typeface="Cambria Math" panose="02040503050406030204" pitchFamily="18" charset="0"/>
+                                  </a:rPr>
+                                  <m:t>±0.014</m:t>
+                                </m:r>
+                              </m:oMath>
+                            </m:oMathPara>
+                          </a14:m>
+                          <a:endParaRPr lang="de-DE" dirty="0"/>
+                        </a:p>
+                      </a:txBody>
+                      <a:tcPr/>
+                    </a:tc>
+                    <a:tc>
+                      <a:txBody>
+                        <a:bodyPr/>
+                        <a:lstStyle/>
+                        <a:p>
+                          <a:r>
+                            <a:rPr lang="de-DE" dirty="0"/>
+                            <a:t>2.655</a:t>
+                          </a:r>
+                        </a:p>
+                      </a:txBody>
+                      <a:tcPr/>
+                    </a:tc>
+                    <a:tc>
+                      <a:txBody>
+                        <a:bodyPr/>
+                        <a:lstStyle/>
+                        <a:p>
+                          <a:r>
+                            <a:rPr lang="de-DE" dirty="0"/>
+                            <a:t>1.3-1.4</a:t>
+                          </a:r>
+                        </a:p>
+                      </a:txBody>
+                      <a:tcPr/>
+                    </a:tc>
+                    <a:extLst>
+                      <a:ext uri="{0D108BD9-81ED-4DB2-BD59-A6C34878D82A}">
+                        <a16:rowId xmlns:a16="http://schemas.microsoft.com/office/drawing/2014/main" val="104480323"/>
+                      </a:ext>
+                    </a:extLst>
+                  </a:tr>
+                  <a:tr h="370840">
+                    <a:tc>
+                      <a:txBody>
+                        <a:bodyPr/>
+                        <a:lstStyle/>
+                        <a:p>
+                          <a:r>
+                            <a:rPr lang="de-DE" dirty="0"/>
+                            <a:t>Brechungsindex[10</a:t>
+                          </a:r>
+                          <a:r>
+                            <a:rPr lang="de-DE" baseline="30000" dirty="0"/>
+                            <a:t>-4</a:t>
+                          </a:r>
+                          <a:r>
+                            <a:rPr lang="de-DE" baseline="0" dirty="0"/>
+                            <a:t>]</a:t>
+                          </a:r>
+                          <a:endParaRPr lang="de-DE" dirty="0"/>
+                        </a:p>
+                      </a:txBody>
+                      <a:tcPr/>
+                    </a:tc>
+                    <a:tc>
+                      <a:txBody>
+                        <a:bodyPr/>
+                        <a:lstStyle/>
+                        <a:p>
+                          <a:pPr/>
+                          <a14:m>
+                            <m:oMathPara xmlns:m="http://schemas.openxmlformats.org/officeDocument/2006/math">
+                              <m:oMathParaPr>
+                                <m:jc m:val="centerGroup"/>
+                              </m:oMathParaPr>
+                              <m:oMath xmlns:m="http://schemas.openxmlformats.org/officeDocument/2006/math">
+                                <m:r>
+                                  <a:rPr lang="de-DE" b="0" i="0" smtClean="0">
+                                    <a:latin typeface="Cambria Math" panose="02040503050406030204" pitchFamily="18" charset="0"/>
+                                  </a:rPr>
+                                  <m:t>3.84</m:t>
+                                </m:r>
+                                <m:r>
+                                  <a:rPr lang="de-DE" b="0" i="1" smtClean="0">
+                                    <a:latin typeface="Cambria Math" panose="02040503050406030204" pitchFamily="18" charset="0"/>
+                                  </a:rPr>
+                                  <m:t>±0.04±0.03</m:t>
+                                </m:r>
+                              </m:oMath>
+                            </m:oMathPara>
+                          </a14:m>
+                          <a:endParaRPr lang="de-DE" dirty="0"/>
+                        </a:p>
+                      </a:txBody>
+                      <a:tcPr/>
+                    </a:tc>
+                    <a:tc>
+                      <a:txBody>
+                        <a:bodyPr/>
+                        <a:lstStyle/>
+                        <a:p>
+                          <a:pPr/>
+                          <a14:m>
+                            <m:oMathPara xmlns:m="http://schemas.openxmlformats.org/officeDocument/2006/math">
+                              <m:oMathParaPr>
+                                <m:jc m:val="centerGroup"/>
+                              </m:oMathParaPr>
+                              <m:oMath xmlns:m="http://schemas.openxmlformats.org/officeDocument/2006/math">
+                                <m:r>
+                                  <a:rPr lang="de-DE" b="0" i="1" smtClean="0">
+                                    <a:latin typeface="Cambria Math" panose="02040503050406030204" pitchFamily="18" charset="0"/>
+                                  </a:rPr>
+                                  <m:t>−</m:t>
+                                </m:r>
+                              </m:oMath>
+                            </m:oMathPara>
+                          </a14:m>
+                          <a:endParaRPr lang="de-DE" dirty="0"/>
+                        </a:p>
+                      </a:txBody>
+                      <a:tcPr/>
+                    </a:tc>
+                    <a:tc>
+                      <a:txBody>
+                        <a:bodyPr/>
+                        <a:lstStyle/>
+                        <a:p>
+                          <a:r>
+                            <a:rPr lang="de-DE" dirty="0"/>
+                            <a:t>4.02</a:t>
+                          </a:r>
+                        </a:p>
+                      </a:txBody>
+                      <a:tcPr/>
+                    </a:tc>
+                    <a:tc>
+                      <a:txBody>
+                        <a:bodyPr/>
+                        <a:lstStyle/>
+                        <a:p>
+                          <a:r>
+                            <a:rPr lang="de-DE" dirty="0"/>
+                            <a:t>3.5</a:t>
+                          </a:r>
+                        </a:p>
+                      </a:txBody>
+                      <a:tcPr/>
+                    </a:tc>
+                    <a:extLst>
+                      <a:ext uri="{0D108BD9-81ED-4DB2-BD59-A6C34878D82A}">
+                        <a16:rowId xmlns:a16="http://schemas.microsoft.com/office/drawing/2014/main" val="3971307282"/>
+                      </a:ext>
+                    </a:extLst>
+                  </a:tr>
+                </a:tbl>
+              </a:graphicData>
+            </a:graphic>
+          </p:graphicFrame>
+        </mc:Choice>
+        <mc:Fallback xmlns="">
+          <p:graphicFrame>
+            <p:nvGraphicFramePr>
+              <p:cNvPr id="14" name="Inhaltsplatzhalter 13">
+                <a:extLst>
+                  <a:ext uri="{FF2B5EF4-FFF2-40B4-BE49-F238E27FC236}">
+                    <a16:creationId xmlns:a16="http://schemas.microsoft.com/office/drawing/2014/main" id="{ACFEA938-FBF9-402E-9965-CA8B50CF6CEA}"/>
+                  </a:ext>
+                </a:extLst>
+              </p:cNvPr>
+              <p:cNvGraphicFramePr>
+                <a:graphicFrameLocks noGrp="1"/>
+              </p:cNvGraphicFramePr>
+              <p:nvPr>
+                <p:ph idx="1"/>
+                <p:extLst>
+                  <p:ext uri="{D42A27DB-BD31-4B8C-83A1-F6EECF244321}">
+                    <p14:modId xmlns:p14="http://schemas.microsoft.com/office/powerpoint/2010/main" val="3898972659"/>
+                  </p:ext>
+                </p:extLst>
+              </p:nvPr>
+            </p:nvGraphicFramePr>
+            <p:xfrm>
+              <a:off x="518603" y="2846558"/>
+              <a:ext cx="10437012" cy="2119759"/>
+            </p:xfrm>
+            <a:graphic>
+              <a:graphicData uri="http://schemas.openxmlformats.org/drawingml/2006/table">
+                <a:tbl>
+                  <a:tblPr firstRow="1" bandRow="1">
+                    <a:tableStyleId>{5940675A-B579-460E-94D1-54222C63F5DA}</a:tableStyleId>
+                  </a:tblPr>
+                  <a:tblGrid>
+                    <a:gridCol w="2437661">
+                      <a:extLst>
+                        <a:ext uri="{9D8B030D-6E8A-4147-A177-3AD203B41FA5}">
+                          <a16:colId xmlns:a16="http://schemas.microsoft.com/office/drawing/2014/main" val="246513388"/>
+                        </a:ext>
+                      </a:extLst>
+                    </a:gridCol>
+                    <a:gridCol w="2556769">
+                      <a:extLst>
+                        <a:ext uri="{9D8B030D-6E8A-4147-A177-3AD203B41FA5}">
+                          <a16:colId xmlns:a16="http://schemas.microsoft.com/office/drawing/2014/main" val="25488013"/>
+                        </a:ext>
+                      </a:extLst>
+                    </a:gridCol>
+                    <a:gridCol w="2636668">
+                      <a:extLst>
+                        <a:ext uri="{9D8B030D-6E8A-4147-A177-3AD203B41FA5}">
+                          <a16:colId xmlns:a16="http://schemas.microsoft.com/office/drawing/2014/main" val="1175518885"/>
+                        </a:ext>
+                      </a:extLst>
+                    </a:gridCol>
+                    <a:gridCol w="1429305">
+                      <a:extLst>
+                        <a:ext uri="{9D8B030D-6E8A-4147-A177-3AD203B41FA5}">
+                          <a16:colId xmlns:a16="http://schemas.microsoft.com/office/drawing/2014/main" val="3656135770"/>
+                        </a:ext>
+                      </a:extLst>
+                    </a:gridCol>
+                    <a:gridCol w="1376609">
+                      <a:extLst>
+                        <a:ext uri="{9D8B030D-6E8A-4147-A177-3AD203B41FA5}">
+                          <a16:colId xmlns:a16="http://schemas.microsoft.com/office/drawing/2014/main" val="4204550313"/>
+                        </a:ext>
+                      </a:extLst>
+                    </a:gridCol>
+                  </a:tblGrid>
+                  <a:tr h="640080">
+                    <a:tc>
+                      <a:txBody>
+                        <a:bodyPr/>
+                        <a:lstStyle/>
+                        <a:p>
+                          <a:endParaRPr lang="de-DE" dirty="0"/>
+                        </a:p>
+                      </a:txBody>
+                      <a:tcPr/>
+                    </a:tc>
+                    <a:tc>
+                      <a:txBody>
+                        <a:bodyPr/>
+                        <a:lstStyle/>
+                        <a:p>
+                          <a:r>
+                            <a:rPr lang="de-DE" dirty="0"/>
+                            <a:t>Gruppe A</a:t>
+                          </a:r>
+                        </a:p>
+                      </a:txBody>
+                      <a:tcPr/>
+                    </a:tc>
+                    <a:tc>
+                      <a:txBody>
+                        <a:bodyPr/>
+                        <a:lstStyle/>
+                        <a:p>
+                          <a:r>
+                            <a:rPr lang="de-DE" dirty="0"/>
+                            <a:t>Gruppe B</a:t>
+                          </a:r>
+                        </a:p>
+                      </a:txBody>
+                      <a:tcPr/>
+                    </a:tc>
+                    <a:tc>
+                      <a:txBody>
+                        <a:bodyPr/>
+                        <a:lstStyle/>
+                        <a:p>
+                          <a:r>
+                            <a:rPr lang="de-DE" dirty="0"/>
+                            <a:t>Nominalwert</a:t>
+                          </a:r>
+                        </a:p>
+                      </a:txBody>
+                      <a:tcPr/>
+                    </a:tc>
+                    <a:tc>
+                      <a:txBody>
+                        <a:bodyPr/>
+                        <a:lstStyle/>
+                        <a:p>
+                          <a:endParaRPr lang="de-DE"/>
+                        </a:p>
+                      </a:txBody>
+                      <a:tcPr>
+                        <a:blipFill>
+                          <a:blip r:embed="rId2"/>
+                          <a:stretch>
+                            <a:fillRect l="-658407" t="-4762" r="-885" b="-246667"/>
+                          </a:stretch>
+                        </a:blipFill>
+                      </a:tcPr>
+                    </a:tc>
+                    <a:extLst>
+                      <a:ext uri="{0D108BD9-81ED-4DB2-BD59-A6C34878D82A}">
+                        <a16:rowId xmlns:a16="http://schemas.microsoft.com/office/drawing/2014/main" val="3933068261"/>
+                      </a:ext>
+                    </a:extLst>
+                  </a:tr>
+                  <a:tr h="365760">
+                    <a:tc>
+                      <a:txBody>
+                        <a:bodyPr/>
+                        <a:lstStyle/>
+                        <a:p>
+                          <a:r>
+                            <a:rPr lang="de-DE" dirty="0"/>
+                            <a:t>Kalibration</a:t>
+                          </a:r>
+                        </a:p>
+                      </a:txBody>
+                      <a:tcPr/>
+                    </a:tc>
+                    <a:tc>
+                      <a:txBody>
+                        <a:bodyPr/>
+                        <a:lstStyle/>
+                        <a:p>
+                          <a:endParaRPr lang="de-DE"/>
+                        </a:p>
+                      </a:txBody>
+                      <a:tcPr>
+                        <a:blipFill>
+                          <a:blip r:embed="rId2"/>
+                          <a:stretch>
+                            <a:fillRect l="-95476" t="-180328" r="-213095" b="-324590"/>
+                          </a:stretch>
+                        </a:blipFill>
+                      </a:tcPr>
+                    </a:tc>
+                    <a:tc>
+                      <a:txBody>
+                        <a:bodyPr/>
+                        <a:lstStyle/>
+                        <a:p>
+                          <a:endParaRPr lang="de-DE"/>
+                        </a:p>
+                      </a:txBody>
+                      <a:tcPr>
+                        <a:blipFill>
+                          <a:blip r:embed="rId2"/>
+                          <a:stretch>
+                            <a:fillRect l="-190046" t="-180328" r="-107176" b="-324590"/>
+                          </a:stretch>
+                        </a:blipFill>
+                      </a:tcPr>
+                    </a:tc>
+                    <a:tc>
+                      <a:txBody>
+                        <a:bodyPr/>
+                        <a:lstStyle/>
+                        <a:p>
+                          <a:r>
+                            <a:rPr lang="de-DE" dirty="0"/>
+                            <a:t>0.05</a:t>
+                          </a:r>
+                        </a:p>
+                      </a:txBody>
+                      <a:tcPr/>
+                    </a:tc>
+                    <a:tc>
+                      <a:txBody>
+                        <a:bodyPr/>
+                        <a:lstStyle/>
+                        <a:p>
+                          <a:r>
+                            <a:rPr lang="de-DE" dirty="0"/>
+                            <a:t>-</a:t>
+                          </a:r>
+                        </a:p>
+                      </a:txBody>
+                      <a:tcPr/>
+                    </a:tc>
+                    <a:extLst>
+                      <a:ext uri="{0D108BD9-81ED-4DB2-BD59-A6C34878D82A}">
+                        <a16:rowId xmlns:a16="http://schemas.microsoft.com/office/drawing/2014/main" val="390391219"/>
+                      </a:ext>
+                    </a:extLst>
+                  </a:tr>
+                  <a:tr h="372239">
+                    <a:tc>
+                      <a:txBody>
+                        <a:bodyPr/>
+                        <a:lstStyle/>
+                        <a:p>
+                          <a:r>
+                            <a:rPr lang="de-DE" dirty="0"/>
+                            <a:t>Wellenlänge[</a:t>
+                          </a:r>
+                          <a:r>
+                            <a:rPr lang="de-DE" dirty="0" err="1"/>
+                            <a:t>nm</a:t>
+                          </a:r>
+                          <a:r>
+                            <a:rPr lang="de-DE" dirty="0"/>
+                            <a:t>]</a:t>
+                          </a:r>
+                        </a:p>
+                      </a:txBody>
+                      <a:tcPr/>
+                    </a:tc>
+                    <a:tc>
+                      <a:txBody>
+                        <a:bodyPr/>
+                        <a:lstStyle/>
+                        <a:p>
+                          <a:endParaRPr lang="de-DE"/>
+                        </a:p>
+                      </a:txBody>
+                      <a:tcPr>
+                        <a:blipFill>
+                          <a:blip r:embed="rId2"/>
+                          <a:stretch>
+                            <a:fillRect l="-95476" t="-280328" r="-213095" b="-224590"/>
+                          </a:stretch>
+                        </a:blipFill>
+                      </a:tcPr>
+                    </a:tc>
+                    <a:tc>
+                      <a:txBody>
+                        <a:bodyPr/>
+                        <a:lstStyle/>
+                        <a:p>
+                          <a:endParaRPr lang="de-DE"/>
+                        </a:p>
+                      </a:txBody>
+                      <a:tcPr>
+                        <a:blipFill>
+                          <a:blip r:embed="rId2"/>
+                          <a:stretch>
+                            <a:fillRect l="-190046" t="-280328" r="-107176" b="-224590"/>
+                          </a:stretch>
+                        </a:blipFill>
+                      </a:tcPr>
+                    </a:tc>
+                    <a:tc>
+                      <a:txBody>
+                        <a:bodyPr/>
+                        <a:lstStyle/>
+                        <a:p>
+                          <a:r>
+                            <a:rPr lang="de-DE" dirty="0"/>
+                            <a:t>532</a:t>
+                          </a:r>
+                        </a:p>
+                      </a:txBody>
+                      <a:tcPr/>
+                    </a:tc>
+                    <a:tc>
+                      <a:txBody>
+                        <a:bodyPr/>
+                        <a:lstStyle/>
+                        <a:p>
+                          <a:r>
+                            <a:rPr lang="de-DE" dirty="0"/>
+                            <a:t>2-3</a:t>
+                          </a:r>
+                        </a:p>
+                      </a:txBody>
+                      <a:tcPr/>
+                    </a:tc>
+                    <a:extLst>
+                      <a:ext uri="{0D108BD9-81ED-4DB2-BD59-A6C34878D82A}">
+                        <a16:rowId xmlns:a16="http://schemas.microsoft.com/office/drawing/2014/main" val="2744301020"/>
+                      </a:ext>
+                    </a:extLst>
+                  </a:tr>
+                  <a:tr h="370840">
+                    <a:tc>
+                      <a:txBody>
+                        <a:bodyPr/>
+                        <a:lstStyle/>
+                        <a:p>
+                          <a:r>
+                            <a:rPr lang="de-DE" dirty="0"/>
+                            <a:t>Druckabhängigkeit[10</a:t>
+                          </a:r>
+                          <a:r>
+                            <a:rPr lang="de-DE" baseline="30000" dirty="0"/>
+                            <a:t>-7</a:t>
+                          </a:r>
+                          <a:r>
+                            <a:rPr lang="de-DE" dirty="0"/>
+                            <a:t>]</a:t>
+                          </a:r>
+                        </a:p>
+                      </a:txBody>
+                      <a:tcPr/>
+                    </a:tc>
+                    <a:tc>
+                      <a:txBody>
+                        <a:bodyPr/>
+                        <a:lstStyle/>
+                        <a:p>
+                          <a:endParaRPr lang="de-DE"/>
+                        </a:p>
+                      </a:txBody>
+                      <a:tcPr>
+                        <a:blipFill>
+                          <a:blip r:embed="rId2"/>
+                          <a:stretch>
+                            <a:fillRect l="-95476" t="-380328" r="-213095" b="-124590"/>
+                          </a:stretch>
+                        </a:blipFill>
+                      </a:tcPr>
+                    </a:tc>
+                    <a:tc>
+                      <a:txBody>
+                        <a:bodyPr/>
+                        <a:lstStyle/>
+                        <a:p>
+                          <a:endParaRPr lang="de-DE"/>
+                        </a:p>
+                      </a:txBody>
+                      <a:tcPr>
+                        <a:blipFill>
+                          <a:blip r:embed="rId2"/>
+                          <a:stretch>
+                            <a:fillRect l="-190046" t="-380328" r="-107176" b="-124590"/>
+                          </a:stretch>
+                        </a:blipFill>
+                      </a:tcPr>
+                    </a:tc>
+                    <a:tc>
+                      <a:txBody>
+                        <a:bodyPr/>
+                        <a:lstStyle/>
+                        <a:p>
+                          <a:r>
+                            <a:rPr lang="de-DE" dirty="0"/>
+                            <a:t>2.655</a:t>
+                          </a:r>
+                        </a:p>
+                      </a:txBody>
+                      <a:tcPr/>
+                    </a:tc>
+                    <a:tc>
+                      <a:txBody>
+                        <a:bodyPr/>
+                        <a:lstStyle/>
+                        <a:p>
+                          <a:r>
+                            <a:rPr lang="de-DE" dirty="0"/>
+                            <a:t>1.3-1.4</a:t>
+                          </a:r>
+                        </a:p>
+                      </a:txBody>
+                      <a:tcPr/>
+                    </a:tc>
+                    <a:extLst>
+                      <a:ext uri="{0D108BD9-81ED-4DB2-BD59-A6C34878D82A}">
+                        <a16:rowId xmlns:a16="http://schemas.microsoft.com/office/drawing/2014/main" val="104480323"/>
+                      </a:ext>
+                    </a:extLst>
+                  </a:tr>
+                  <a:tr h="370840">
+                    <a:tc>
+                      <a:txBody>
+                        <a:bodyPr/>
+                        <a:lstStyle/>
+                        <a:p>
+                          <a:r>
+                            <a:rPr lang="de-DE" dirty="0"/>
+                            <a:t>Brechungsindex[10</a:t>
+                          </a:r>
+                          <a:r>
+                            <a:rPr lang="de-DE" baseline="30000" dirty="0"/>
+                            <a:t>-4</a:t>
+                          </a:r>
+                          <a:r>
+                            <a:rPr lang="de-DE" baseline="0" dirty="0"/>
+                            <a:t>]</a:t>
+                          </a:r>
+                          <a:endParaRPr lang="de-DE" dirty="0"/>
+                        </a:p>
+                      </a:txBody>
+                      <a:tcPr/>
+                    </a:tc>
+                    <a:tc>
+                      <a:txBody>
+                        <a:bodyPr/>
+                        <a:lstStyle/>
+                        <a:p>
+                          <a:endParaRPr lang="de-DE"/>
+                        </a:p>
+                      </a:txBody>
+                      <a:tcPr>
+                        <a:blipFill>
+                          <a:blip r:embed="rId2"/>
+                          <a:stretch>
+                            <a:fillRect l="-95476" t="-480328" r="-213095" b="-24590"/>
+                          </a:stretch>
+                        </a:blipFill>
+                      </a:tcPr>
+                    </a:tc>
+                    <a:tc>
+                      <a:txBody>
+                        <a:bodyPr/>
+                        <a:lstStyle/>
+                        <a:p>
+                          <a:endParaRPr lang="de-DE"/>
+                        </a:p>
+                      </a:txBody>
+                      <a:tcPr>
+                        <a:blipFill>
+                          <a:blip r:embed="rId2"/>
+                          <a:stretch>
+                            <a:fillRect l="-190046" t="-480328" r="-107176" b="-24590"/>
+                          </a:stretch>
+                        </a:blipFill>
+                      </a:tcPr>
+                    </a:tc>
+                    <a:tc>
+                      <a:txBody>
+                        <a:bodyPr/>
+                        <a:lstStyle/>
+                        <a:p>
+                          <a:r>
+                            <a:rPr lang="de-DE" dirty="0"/>
+                            <a:t>4.02</a:t>
+                          </a:r>
+                        </a:p>
+                      </a:txBody>
+                      <a:tcPr/>
+                    </a:tc>
+                    <a:tc>
+                      <a:txBody>
+                        <a:bodyPr/>
+                        <a:lstStyle/>
+                        <a:p>
+                          <a:r>
+                            <a:rPr lang="de-DE" dirty="0"/>
+                            <a:t>3.5</a:t>
+                          </a:r>
+                        </a:p>
+                      </a:txBody>
+                      <a:tcPr/>
+                    </a:tc>
+                    <a:extLst>
+                      <a:ext uri="{0D108BD9-81ED-4DB2-BD59-A6C34878D82A}">
+                        <a16:rowId xmlns:a16="http://schemas.microsoft.com/office/drawing/2014/main" val="3971307282"/>
+                      </a:ext>
+                    </a:extLst>
+                  </a:tr>
+                </a:tbl>
+              </a:graphicData>
+            </a:graphic>
+          </p:graphicFrame>
+        </mc:Fallback>
+      </mc:AlternateContent>
+    </p:spTree>
+    <p:extLst>
+      <p:ext uri="{BB962C8B-B14F-4D97-AF65-F5344CB8AC3E}">
+        <p14:creationId xmlns:p14="http://schemas.microsoft.com/office/powerpoint/2010/main" val="4125022749"/>
       </p:ext>
     </p:extLst>
   </p:cSld>
@@ -6083,8 +7318,8 @@
           </a:p>
         </p:txBody>
       </p:sp>
-      <mc:AlternateContent xmlns:mc="http://schemas.openxmlformats.org/markup-compatibility/2006">
-        <mc:Choice xmlns:a14="http://schemas.microsoft.com/office/drawing/2010/main" Requires="a14">
+      <mc:AlternateContent xmlns:mc="http://schemas.openxmlformats.org/markup-compatibility/2006" xmlns:a14="http://schemas.microsoft.com/office/drawing/2010/main">
+        <mc:Choice Requires="a14">
           <p:sp>
             <p:nvSpPr>
               <p:cNvPr id="4" name="Textfeld 3">
@@ -6126,6 +7361,7 @@
                 </a:endParaRPr>
               </a:p>
               <a:p>
+                <a:pPr/>
                 <a14:m>
                   <m:oMathPara xmlns:m="http://schemas.openxmlformats.org/officeDocument/2006/math">
                     <m:oMathParaPr>
@@ -6219,7 +7455,7 @@
             </p:txBody>
           </p:sp>
         </mc:Choice>
-        <mc:Fallback>
+        <mc:Fallback xmlns="">
           <p:sp>
             <p:nvSpPr>
               <p:cNvPr id="4" name="Textfeld 3">
@@ -6964,8 +8200,8 @@
           </a:p>
         </p:txBody>
       </p:sp>
-      <mc:AlternateContent xmlns:mc="http://schemas.openxmlformats.org/markup-compatibility/2006">
-        <mc:Choice xmlns:a14="http://schemas.microsoft.com/office/drawing/2010/main" Requires="a14">
+      <mc:AlternateContent xmlns:mc="http://schemas.openxmlformats.org/markup-compatibility/2006" xmlns:a14="http://schemas.microsoft.com/office/drawing/2010/main">
+        <mc:Choice Requires="a14">
           <p:sp>
             <p:nvSpPr>
               <p:cNvPr id="8" name="Textfeld 7">
@@ -7002,6 +8238,7 @@
                 </a:r>
               </a:p>
               <a:p>
+                <a:pPr/>
                 <a14:m>
                   <m:oMathPara xmlns:m="http://schemas.openxmlformats.org/officeDocument/2006/math">
                     <m:oMathParaPr>
@@ -7094,6 +8331,7 @@
                 </a:endParaRPr>
               </a:p>
               <a:p>
+                <a:pPr/>
                 <a14:m>
                   <m:oMathPara xmlns:m="http://schemas.openxmlformats.org/officeDocument/2006/math">
                     <m:oMathParaPr>
@@ -7249,6 +8487,7 @@
                 <a:endParaRPr lang="de-DE" sz="2800" dirty="0"/>
               </a:p>
               <a:p>
+                <a:pPr/>
                 <a14:m>
                   <m:oMathPara xmlns:m="http://schemas.openxmlformats.org/officeDocument/2006/math">
                     <m:oMathParaPr>
@@ -7452,7 +8691,7 @@
             </p:txBody>
           </p:sp>
         </mc:Choice>
-        <mc:Fallback>
+        <mc:Fallback xmlns="">
           <p:sp>
             <p:nvSpPr>
               <p:cNvPr id="8" name="Textfeld 7">

--- a/grundpraktikum2/Optik 2/Optik II.pptx
+++ b/grundpraktikum2/Optik 2/Optik II.pptx
@@ -5,21 +5,20 @@
     <p:sldMasterId id="2147483648" r:id="rId1"/>
   </p:sldMasterIdLst>
   <p:notesMasterIdLst>
-    <p:notesMasterId r:id="rId14"/>
+    <p:notesMasterId r:id="rId13"/>
   </p:notesMasterIdLst>
   <p:sldIdLst>
     <p:sldId id="256" r:id="rId2"/>
     <p:sldId id="257" r:id="rId3"/>
     <p:sldId id="258" r:id="rId4"/>
-    <p:sldId id="265" r:id="rId5"/>
-    <p:sldId id="259" r:id="rId6"/>
-    <p:sldId id="260" r:id="rId7"/>
-    <p:sldId id="261" r:id="rId8"/>
-    <p:sldId id="267" r:id="rId9"/>
-    <p:sldId id="262" r:id="rId10"/>
-    <p:sldId id="266" r:id="rId11"/>
-    <p:sldId id="263" r:id="rId12"/>
-    <p:sldId id="268" r:id="rId13"/>
+    <p:sldId id="259" r:id="rId5"/>
+    <p:sldId id="260" r:id="rId6"/>
+    <p:sldId id="261" r:id="rId7"/>
+    <p:sldId id="267" r:id="rId8"/>
+    <p:sldId id="262" r:id="rId9"/>
+    <p:sldId id="266" r:id="rId10"/>
+    <p:sldId id="263" r:id="rId11"/>
+    <p:sldId id="268" r:id="rId12"/>
   </p:sldIdLst>
   <p:sldSz cx="12192000" cy="6858000"/>
   <p:notesSz cx="6858000" cy="9144000"/>
@@ -126,7 +125,6 @@
             <p14:sldId id="256"/>
             <p14:sldId id="257"/>
             <p14:sldId id="258"/>
-            <p14:sldId id="265"/>
             <p14:sldId id="259"/>
             <p14:sldId id="260"/>
             <p14:sldId id="261"/>
@@ -3844,7 +3842,7 @@
           <p:cNvPr id="2" name="Titel 1">
             <a:extLst>
               <a:ext uri="{FF2B5EF4-FFF2-40B4-BE49-F238E27FC236}">
-                <a16:creationId xmlns:a16="http://schemas.microsoft.com/office/drawing/2014/main" id="{E6EA4A09-4BDD-427F-8D95-1CC103C2C197}"/>
+                <a16:creationId xmlns:a16="http://schemas.microsoft.com/office/drawing/2014/main" id="{7B750AA0-971B-4267-A51C-B3005B948DFB}"/>
               </a:ext>
             </a:extLst>
           </p:cNvPr>
@@ -3862,633 +3860,17 @@
           <a:p>
             <a:r>
               <a:rPr lang="de-DE" dirty="0"/>
-              <a:t>Druckabhängigkeit</a:t>
+              <a:t>Brechungsindex CO</a:t>
+            </a:r>
+            <a:r>
+              <a:rPr lang="de-DE" baseline="-25000" dirty="0"/>
+              <a:t>2</a:t>
             </a:r>
           </a:p>
         </p:txBody>
       </p:sp>
-      <mc:AlternateContent xmlns:mc="http://schemas.openxmlformats.org/markup-compatibility/2006" xmlns:a14="http://schemas.microsoft.com/office/drawing/2010/main">
-        <mc:Choice Requires="a14">
-          <p:sp>
-            <p:nvSpPr>
-              <p:cNvPr id="3" name="Inhaltsplatzhalter 2">
-                <a:extLst>
-                  <a:ext uri="{FF2B5EF4-FFF2-40B4-BE49-F238E27FC236}">
-                    <a16:creationId xmlns:a16="http://schemas.microsoft.com/office/drawing/2014/main" id="{FF10F612-E099-4DEE-BE30-B939E5F9237C}"/>
-                  </a:ext>
-                </a:extLst>
-              </p:cNvPr>
-              <p:cNvSpPr>
-                <a:spLocks noGrp="1"/>
-              </p:cNvSpPr>
-              <p:nvPr>
-                <p:ph idx="1"/>
-              </p:nvPr>
-            </p:nvSpPr>
-            <p:spPr>
-              <a:xfrm>
-                <a:off x="838200" y="1446028"/>
-                <a:ext cx="5520070" cy="4730935"/>
-              </a:xfrm>
-            </p:spPr>
-            <p:txBody>
-              <a:bodyPr>
-                <a:normAutofit fontScale="92500" lnSpcReduction="10000"/>
-              </a:bodyPr>
-              <a:lstStyle/>
-              <a:p>
-                <a:r>
-                  <a:rPr lang="de-DE" sz="2400" dirty="0"/>
-                  <a:t>Steigungen mitteln</a:t>
-                </a:r>
-              </a:p>
-              <a:p>
-                <a:endParaRPr lang="de-DE" sz="2400" dirty="0"/>
-              </a:p>
-              <a:p>
-                <a:r>
-                  <a:rPr lang="de-DE" sz="2400" dirty="0"/>
-                  <a:t>A:</a:t>
-                </a:r>
-              </a:p>
-              <a:p>
-                <a:pPr marL="0" indent="0">
-                  <a:buNone/>
-                </a:pPr>
-                <a14:m>
-                  <m:oMathPara xmlns:m="http://schemas.openxmlformats.org/officeDocument/2006/math">
-                    <m:oMathParaPr>
-                      <m:jc m:val="centerGroup"/>
-                    </m:oMathParaPr>
-                    <m:oMath xmlns:m="http://schemas.openxmlformats.org/officeDocument/2006/math">
-                      <m:f>
-                        <m:fPr>
-                          <m:ctrlPr>
-                            <a:rPr lang="de-DE" sz="2400" i="1">
-                              <a:latin typeface="Cambria Math" panose="02040503050406030204" pitchFamily="18" charset="0"/>
-                            </a:rPr>
-                          </m:ctrlPr>
-                        </m:fPr>
-                        <m:num>
-                          <m:r>
-                            <a:rPr lang="de-DE" sz="2400" i="1">
-                              <a:latin typeface="Cambria Math" panose="02040503050406030204" pitchFamily="18" charset="0"/>
-                            </a:rPr>
-                            <m:t>𝑑𝑛</m:t>
-                          </m:r>
-                        </m:num>
-                        <m:den>
-                          <m:r>
-                            <a:rPr lang="de-DE" sz="2400" i="1">
-                              <a:latin typeface="Cambria Math" panose="02040503050406030204" pitchFamily="18" charset="0"/>
-                            </a:rPr>
-                            <m:t>𝑑𝑃</m:t>
-                          </m:r>
-                        </m:den>
-                      </m:f>
-                      <m:r>
-                        <a:rPr lang="de-DE" sz="2400" i="1">
-                          <a:latin typeface="Cambria Math" panose="02040503050406030204" pitchFamily="18" charset="0"/>
-                        </a:rPr>
-                        <m:t>=</m:t>
-                      </m:r>
-                      <m:d>
-                        <m:dPr>
-                          <m:ctrlPr>
-                            <a:rPr lang="de-DE" sz="2400" i="1">
-                              <a:latin typeface="Cambria Math" panose="02040503050406030204" pitchFamily="18" charset="0"/>
-                            </a:rPr>
-                          </m:ctrlPr>
-                        </m:dPr>
-                        <m:e>
-                          <m:r>
-                            <a:rPr lang="de-DE" sz="2400" i="1">
-                              <a:latin typeface="Cambria Math" panose="02040503050406030204" pitchFamily="18" charset="0"/>
-                            </a:rPr>
-                            <m:t>2.</m:t>
-                          </m:r>
-                          <m:r>
-                            <a:rPr lang="de-DE" sz="2400" b="0" i="1" smtClean="0">
-                              <a:latin typeface="Cambria Math" panose="02040503050406030204" pitchFamily="18" charset="0"/>
-                            </a:rPr>
-                            <m:t>6103</m:t>
-                          </m:r>
-                          <m:r>
-                            <a:rPr lang="de-DE" sz="2400" i="1">
-                              <a:latin typeface="Cambria Math" panose="02040503050406030204" pitchFamily="18" charset="0"/>
-                            </a:rPr>
-                            <m:t>±0.0</m:t>
-                          </m:r>
-                          <m:r>
-                            <a:rPr lang="de-DE" sz="2400" b="0" i="1" smtClean="0">
-                              <a:latin typeface="Cambria Math" panose="02040503050406030204" pitchFamily="18" charset="0"/>
-                            </a:rPr>
-                            <m:t>28</m:t>
-                          </m:r>
-                          <m:r>
-                            <a:rPr lang="de-DE" sz="2400" i="1">
-                              <a:latin typeface="Cambria Math" panose="02040503050406030204" pitchFamily="18" charset="0"/>
-                            </a:rPr>
-                            <m:t>±0.014</m:t>
-                          </m:r>
-                        </m:e>
-                      </m:d>
-                      <m:f>
-                        <m:fPr>
-                          <m:ctrlPr>
-                            <a:rPr lang="de-DE" sz="2400" i="1">
-                              <a:latin typeface="Cambria Math" panose="02040503050406030204" pitchFamily="18" charset="0"/>
-                            </a:rPr>
-                          </m:ctrlPr>
-                        </m:fPr>
-                        <m:num>
-                          <m:sSup>
-                            <m:sSupPr>
-                              <m:ctrlPr>
-                                <a:rPr lang="de-DE" sz="2400" i="1">
-                                  <a:latin typeface="Cambria Math" panose="02040503050406030204" pitchFamily="18" charset="0"/>
-                                </a:rPr>
-                              </m:ctrlPr>
-                            </m:sSupPr>
-                            <m:e>
-                              <m:r>
-                                <a:rPr lang="de-DE" sz="2400" i="1">
-                                  <a:latin typeface="Cambria Math" panose="02040503050406030204" pitchFamily="18" charset="0"/>
-                                </a:rPr>
-                                <m:t>10</m:t>
-                              </m:r>
-                            </m:e>
-                            <m:sup>
-                              <m:r>
-                                <a:rPr lang="de-DE" sz="2400" i="1">
-                                  <a:latin typeface="Cambria Math" panose="02040503050406030204" pitchFamily="18" charset="0"/>
-                                </a:rPr>
-                                <m:t>−7</m:t>
-                              </m:r>
-                            </m:sup>
-                          </m:sSup>
-                        </m:num>
-                        <m:den>
-                          <m:r>
-                            <a:rPr lang="de-DE" sz="2400" i="1">
-                              <a:latin typeface="Cambria Math" panose="02040503050406030204" pitchFamily="18" charset="0"/>
-                            </a:rPr>
-                            <m:t>𝑚𝑏𝑎𝑟</m:t>
-                          </m:r>
-                        </m:den>
-                      </m:f>
-                    </m:oMath>
-                  </m:oMathPara>
-                </a14:m>
-                <a:endParaRPr lang="de-DE" sz="2400" dirty="0"/>
-              </a:p>
-              <a:p>
-                <a:endParaRPr lang="de-DE" sz="2400" dirty="0"/>
-              </a:p>
-              <a:p>
-                <a14:m>
-                  <m:oMath xmlns:m="http://schemas.openxmlformats.org/officeDocument/2006/math">
-                    <m:r>
-                      <a:rPr lang="de-DE" sz="2400" b="0" i="1" smtClean="0">
-                        <a:latin typeface="Cambria Math" panose="02040503050406030204" pitchFamily="18" charset="0"/>
-                      </a:rPr>
-                      <m:t>𝐵</m:t>
-                    </m:r>
-                    <m:r>
-                      <a:rPr lang="de-DE" sz="2400" b="0" i="1" smtClean="0">
-                        <a:latin typeface="Cambria Math" panose="02040503050406030204" pitchFamily="18" charset="0"/>
-                      </a:rPr>
-                      <m:t>:</m:t>
-                    </m:r>
-                  </m:oMath>
-                </a14:m>
-                <a:endParaRPr lang="de-DE" sz="2400" b="0" i="1" dirty="0">
-                  <a:latin typeface="Cambria Math" panose="02040503050406030204" pitchFamily="18" charset="0"/>
-                </a:endParaRPr>
-              </a:p>
-              <a:p>
-                <a:pPr marL="0" indent="0">
-                  <a:buNone/>
-                </a:pPr>
-                <a14:m>
-                  <m:oMathPara xmlns:m="http://schemas.openxmlformats.org/officeDocument/2006/math">
-                    <m:oMathParaPr>
-                      <m:jc m:val="centerGroup"/>
-                    </m:oMathParaPr>
-                    <m:oMath xmlns:m="http://schemas.openxmlformats.org/officeDocument/2006/math">
-                      <m:f>
-                        <m:fPr>
-                          <m:ctrlPr>
-                            <a:rPr lang="de-DE" sz="2400" i="1">
-                              <a:latin typeface="Cambria Math" panose="02040503050406030204" pitchFamily="18" charset="0"/>
-                            </a:rPr>
-                          </m:ctrlPr>
-                        </m:fPr>
-                        <m:num>
-                          <m:r>
-                            <a:rPr lang="de-DE" sz="2400" i="1">
-                              <a:latin typeface="Cambria Math" panose="02040503050406030204" pitchFamily="18" charset="0"/>
-                            </a:rPr>
-                            <m:t>𝑑𝑛</m:t>
-                          </m:r>
-                        </m:num>
-                        <m:den>
-                          <m:r>
-                            <a:rPr lang="de-DE" sz="2400" i="1">
-                              <a:latin typeface="Cambria Math" panose="02040503050406030204" pitchFamily="18" charset="0"/>
-                            </a:rPr>
-                            <m:t>𝑑𝑃</m:t>
-                          </m:r>
-                        </m:den>
-                      </m:f>
-                      <m:r>
-                        <a:rPr lang="de-DE" sz="2400" i="1">
-                          <a:latin typeface="Cambria Math" panose="02040503050406030204" pitchFamily="18" charset="0"/>
-                        </a:rPr>
-                        <m:t>=</m:t>
-                      </m:r>
-                      <m:d>
-                        <m:dPr>
-                          <m:ctrlPr>
-                            <a:rPr lang="de-DE" sz="2400" i="1">
-                              <a:latin typeface="Cambria Math" panose="02040503050406030204" pitchFamily="18" charset="0"/>
-                            </a:rPr>
-                          </m:ctrlPr>
-                        </m:dPr>
-                        <m:e>
-                          <m:r>
-                            <a:rPr lang="de-DE" sz="2400" i="1">
-                              <a:latin typeface="Cambria Math" panose="02040503050406030204" pitchFamily="18" charset="0"/>
-                            </a:rPr>
-                            <m:t>2.5</m:t>
-                          </m:r>
-                          <m:r>
-                            <a:rPr lang="de-DE" sz="2400" b="0" i="1" smtClean="0">
-                              <a:latin typeface="Cambria Math" panose="02040503050406030204" pitchFamily="18" charset="0"/>
-                            </a:rPr>
-                            <m:t>612</m:t>
-                          </m:r>
-                          <m:r>
-                            <a:rPr lang="de-DE" sz="2400" i="1">
-                              <a:latin typeface="Cambria Math" panose="02040503050406030204" pitchFamily="18" charset="0"/>
-                            </a:rPr>
-                            <m:t>±0.0</m:t>
-                          </m:r>
-                          <m:r>
-                            <a:rPr lang="de-DE" sz="2400" b="0" i="1" smtClean="0">
-                              <a:latin typeface="Cambria Math" panose="02040503050406030204" pitchFamily="18" charset="0"/>
-                            </a:rPr>
-                            <m:t>69</m:t>
-                          </m:r>
-                          <m:r>
-                            <a:rPr lang="de-DE" sz="2400" i="1">
-                              <a:latin typeface="Cambria Math" panose="02040503050406030204" pitchFamily="18" charset="0"/>
-                            </a:rPr>
-                            <m:t>±0.014</m:t>
-                          </m:r>
-                        </m:e>
-                      </m:d>
-                      <m:f>
-                        <m:fPr>
-                          <m:ctrlPr>
-                            <a:rPr lang="de-DE" sz="2400" i="1">
-                              <a:latin typeface="Cambria Math" panose="02040503050406030204" pitchFamily="18" charset="0"/>
-                            </a:rPr>
-                          </m:ctrlPr>
-                        </m:fPr>
-                        <m:num>
-                          <m:sSup>
-                            <m:sSupPr>
-                              <m:ctrlPr>
-                                <a:rPr lang="de-DE" sz="2400" i="1">
-                                  <a:latin typeface="Cambria Math" panose="02040503050406030204" pitchFamily="18" charset="0"/>
-                                </a:rPr>
-                              </m:ctrlPr>
-                            </m:sSupPr>
-                            <m:e>
-                              <m:r>
-                                <a:rPr lang="de-DE" sz="2400" i="1">
-                                  <a:latin typeface="Cambria Math" panose="02040503050406030204" pitchFamily="18" charset="0"/>
-                                </a:rPr>
-                                <m:t>10</m:t>
-                              </m:r>
-                            </m:e>
-                            <m:sup>
-                              <m:r>
-                                <a:rPr lang="de-DE" sz="2400" i="1">
-                                  <a:latin typeface="Cambria Math" panose="02040503050406030204" pitchFamily="18" charset="0"/>
-                                </a:rPr>
-                                <m:t>−7</m:t>
-                              </m:r>
-                            </m:sup>
-                          </m:sSup>
-                        </m:num>
-                        <m:den>
-                          <m:r>
-                            <a:rPr lang="de-DE" sz="2400" i="1">
-                              <a:latin typeface="Cambria Math" panose="02040503050406030204" pitchFamily="18" charset="0"/>
-                            </a:rPr>
-                            <m:t>𝑚𝑏𝑎𝑟</m:t>
-                          </m:r>
-                        </m:den>
-                      </m:f>
-                    </m:oMath>
-                  </m:oMathPara>
-                </a14:m>
-                <a:endParaRPr lang="de-DE" sz="2400" dirty="0"/>
-              </a:p>
-              <a:p>
-                <a:pPr marL="0" indent="0">
-                  <a:buNone/>
-                </a:pPr>
-                <a:endParaRPr lang="de-DE" sz="2400" dirty="0"/>
-              </a:p>
-              <a:p>
-                <a:r>
-                  <a:rPr lang="de-DE" sz="2400" dirty="0"/>
-                  <a:t>Literatur: </a:t>
-                </a:r>
-              </a:p>
-              <a:p>
-                <a:pPr marL="0" indent="0">
-                  <a:buNone/>
-                </a:pPr>
-                <a14:m>
-                  <m:oMathPara xmlns:m="http://schemas.openxmlformats.org/officeDocument/2006/math">
-                    <m:oMathParaPr>
-                      <m:jc m:val="centerGroup"/>
-                    </m:oMathParaPr>
-                    <m:oMath xmlns:m="http://schemas.openxmlformats.org/officeDocument/2006/math">
-                      <m:f>
-                        <m:fPr>
-                          <m:ctrlPr>
-                            <a:rPr lang="de-DE" sz="2400" i="1">
-                              <a:latin typeface="Cambria Math" panose="02040503050406030204" pitchFamily="18" charset="0"/>
-                            </a:rPr>
-                          </m:ctrlPr>
-                        </m:fPr>
-                        <m:num>
-                          <m:r>
-                            <a:rPr lang="de-DE" sz="2400" i="1">
-                              <a:latin typeface="Cambria Math" panose="02040503050406030204" pitchFamily="18" charset="0"/>
-                            </a:rPr>
-                            <m:t>𝑑𝑛</m:t>
-                          </m:r>
-                        </m:num>
-                        <m:den>
-                          <m:r>
-                            <a:rPr lang="de-DE" sz="2400" i="1">
-                              <a:latin typeface="Cambria Math" panose="02040503050406030204" pitchFamily="18" charset="0"/>
-                            </a:rPr>
-                            <m:t>𝑑𝑃</m:t>
-                          </m:r>
-                        </m:den>
-                      </m:f>
-                      <m:r>
-                        <a:rPr lang="de-DE" sz="2400" i="1">
-                          <a:latin typeface="Cambria Math" panose="02040503050406030204" pitchFamily="18" charset="0"/>
-                        </a:rPr>
-                        <m:t>=</m:t>
-                      </m:r>
-                      <m:r>
-                        <a:rPr lang="de-DE" sz="2400" b="0" i="1" smtClean="0">
-                          <a:latin typeface="Cambria Math" panose="02040503050406030204" pitchFamily="18" charset="0"/>
-                        </a:rPr>
-                        <m:t>2.655</m:t>
-                      </m:r>
-                      <m:f>
-                        <m:fPr>
-                          <m:ctrlPr>
-                            <a:rPr lang="de-DE" sz="2400" i="1">
-                              <a:latin typeface="Cambria Math" panose="02040503050406030204" pitchFamily="18" charset="0"/>
-                            </a:rPr>
-                          </m:ctrlPr>
-                        </m:fPr>
-                        <m:num>
-                          <m:sSup>
-                            <m:sSupPr>
-                              <m:ctrlPr>
-                                <a:rPr lang="de-DE" sz="2400" i="1">
-                                  <a:latin typeface="Cambria Math" panose="02040503050406030204" pitchFamily="18" charset="0"/>
-                                </a:rPr>
-                              </m:ctrlPr>
-                            </m:sSupPr>
-                            <m:e>
-                              <m:r>
-                                <a:rPr lang="de-DE" sz="2400" i="1">
-                                  <a:latin typeface="Cambria Math" panose="02040503050406030204" pitchFamily="18" charset="0"/>
-                                </a:rPr>
-                                <m:t>10</m:t>
-                              </m:r>
-                            </m:e>
-                            <m:sup>
-                              <m:r>
-                                <a:rPr lang="de-DE" sz="2400" i="1">
-                                  <a:latin typeface="Cambria Math" panose="02040503050406030204" pitchFamily="18" charset="0"/>
-                                </a:rPr>
-                                <m:t>−7</m:t>
-                              </m:r>
-                            </m:sup>
-                          </m:sSup>
-                        </m:num>
-                        <m:den>
-                          <m:r>
-                            <a:rPr lang="de-DE" sz="2400" i="1">
-                              <a:latin typeface="Cambria Math" panose="02040503050406030204" pitchFamily="18" charset="0"/>
-                            </a:rPr>
-                            <m:t>𝑚𝑏𝑎𝑟</m:t>
-                          </m:r>
-                        </m:den>
-                      </m:f>
-                    </m:oMath>
-                  </m:oMathPara>
-                </a14:m>
-                <a:endParaRPr lang="de-DE" sz="2400" dirty="0"/>
-              </a:p>
-              <a:p>
-                <a:endParaRPr lang="de-DE" sz="2400" dirty="0"/>
-              </a:p>
-              <a:p>
-                <a:pPr marL="0" indent="0">
-                  <a:buNone/>
-                </a:pPr>
-                <a:endParaRPr lang="de-DE" sz="2400" dirty="0"/>
-              </a:p>
-              <a:p>
-                <a:endParaRPr lang="de-DE" sz="2400" dirty="0"/>
-              </a:p>
-            </p:txBody>
-          </p:sp>
-        </mc:Choice>
-        <mc:Fallback xmlns="">
-          <p:sp>
-            <p:nvSpPr>
-              <p:cNvPr id="3" name="Inhaltsplatzhalter 2">
-                <a:extLst>
-                  <a:ext uri="{FF2B5EF4-FFF2-40B4-BE49-F238E27FC236}">
-                    <a16:creationId xmlns:a16="http://schemas.microsoft.com/office/drawing/2014/main" id="{FF10F612-E099-4DEE-BE30-B939E5F9237C}"/>
-                  </a:ext>
-                </a:extLst>
-              </p:cNvPr>
-              <p:cNvSpPr>
-                <a:spLocks noGrp="1" noRot="1" noChangeAspect="1" noMove="1" noResize="1" noEditPoints="1" noAdjustHandles="1" noChangeArrowheads="1" noChangeShapeType="1" noTextEdit="1"/>
-              </p:cNvSpPr>
-              <p:nvPr>
-                <p:ph idx="1"/>
-              </p:nvPr>
-            </p:nvSpPr>
-            <p:spPr>
-              <a:xfrm>
-                <a:off x="838200" y="1446028"/>
-                <a:ext cx="5520070" cy="4730935"/>
-              </a:xfrm>
-              <a:blipFill>
-                <a:blip r:embed="rId2"/>
-                <a:stretch>
-                  <a:fillRect l="-1326" t="-2191"/>
-                </a:stretch>
-              </a:blipFill>
-            </p:spPr>
-            <p:txBody>
-              <a:bodyPr/>
-              <a:lstStyle/>
-              <a:p>
-                <a:r>
-                  <a:rPr lang="de-DE">
-                    <a:noFill/>
-                  </a:rPr>
-                  <a:t> </a:t>
-                </a:r>
-              </a:p>
-            </p:txBody>
-          </p:sp>
-        </mc:Fallback>
-      </mc:AlternateContent>
-      <p:pic>
-        <p:nvPicPr>
-          <p:cNvPr id="7" name="Grafik 6">
-            <a:extLst>
-              <a:ext uri="{FF2B5EF4-FFF2-40B4-BE49-F238E27FC236}">
-                <a16:creationId xmlns:a16="http://schemas.microsoft.com/office/drawing/2014/main" id="{B9C46D21-1EDE-408A-A65F-5E295CD4D5CB}"/>
-              </a:ext>
-            </a:extLst>
-          </p:cNvPr>
-          <p:cNvPicPr>
-            <a:picLocks noChangeAspect="1"/>
-          </p:cNvPicPr>
-          <p:nvPr/>
-        </p:nvPicPr>
-        <p:blipFill>
-          <a:blip r:embed="rId3">
-            <a:extLst>
-              <a:ext uri="{28A0092B-C50C-407E-A947-70E740481C1C}">
-                <a14:useLocalDpi xmlns:a14="http://schemas.microsoft.com/office/drawing/2010/main" val="0"/>
-              </a:ext>
-            </a:extLst>
-          </a:blip>
-          <a:stretch>
-            <a:fillRect/>
-          </a:stretch>
-        </p:blipFill>
-        <p:spPr>
-          <a:xfrm>
-            <a:off x="6096000" y="1301453"/>
-            <a:ext cx="5852172" cy="4370841"/>
-          </a:xfrm>
-          <a:prstGeom prst="rect">
-            <a:avLst/>
-          </a:prstGeom>
-        </p:spPr>
-      </p:pic>
-      <p:sp>
-        <p:nvSpPr>
-          <p:cNvPr id="4" name="Foliennummernplatzhalter 3">
-            <a:extLst>
-              <a:ext uri="{FF2B5EF4-FFF2-40B4-BE49-F238E27FC236}">
-                <a16:creationId xmlns:a16="http://schemas.microsoft.com/office/drawing/2014/main" id="{D85165F8-8976-4125-ADC4-848F9E801D55}"/>
-              </a:ext>
-            </a:extLst>
-          </p:cNvPr>
-          <p:cNvSpPr>
-            <a:spLocks noGrp="1"/>
-          </p:cNvSpPr>
-          <p:nvPr>
-            <p:ph type="sldNum" sz="quarter" idx="12"/>
-          </p:nvPr>
-        </p:nvSpPr>
-        <p:spPr/>
-        <p:txBody>
-          <a:bodyPr/>
-          <a:lstStyle/>
-          <a:p>
-            <a:fld id="{E276D0E3-8A91-4195-9D97-D4903B6F688B}" type="slidenum">
-              <a:rPr lang="de-DE" smtClean="0"/>
-              <a:t>10</a:t>
-            </a:fld>
-            <a:endParaRPr lang="de-DE"/>
-          </a:p>
-        </p:txBody>
-      </p:sp>
-    </p:spTree>
-    <p:extLst>
-      <p:ext uri="{BB962C8B-B14F-4D97-AF65-F5344CB8AC3E}">
-        <p14:creationId xmlns:p14="http://schemas.microsoft.com/office/powerpoint/2010/main" val="733993921"/>
-      </p:ext>
-    </p:extLst>
-  </p:cSld>
-  <p:clrMapOvr>
-    <a:masterClrMapping/>
-  </p:clrMapOvr>
-</p:sld>
-</file>
-
-<file path=ppt/slides/slide11.xml><?xml version="1.0" encoding="utf-8"?>
-<p:sld xmlns:a="http://schemas.openxmlformats.org/drawingml/2006/main" xmlns:r="http://schemas.openxmlformats.org/officeDocument/2006/relationships" xmlns:p="http://schemas.openxmlformats.org/presentationml/2006/main">
-  <p:cSld>
-    <p:spTree>
-      <p:nvGrpSpPr>
-        <p:cNvPr id="1" name=""/>
-        <p:cNvGrpSpPr/>
-        <p:nvPr/>
-      </p:nvGrpSpPr>
-      <p:grpSpPr>
-        <a:xfrm>
-          <a:off x="0" y="0"/>
-          <a:ext cx="0" cy="0"/>
-          <a:chOff x="0" y="0"/>
-          <a:chExt cx="0" cy="0"/>
-        </a:xfrm>
-      </p:grpSpPr>
-      <p:sp>
-        <p:nvSpPr>
-          <p:cNvPr id="2" name="Titel 1">
-            <a:extLst>
-              <a:ext uri="{FF2B5EF4-FFF2-40B4-BE49-F238E27FC236}">
-                <a16:creationId xmlns:a16="http://schemas.microsoft.com/office/drawing/2014/main" id="{7B750AA0-971B-4267-A51C-B3005B948DFB}"/>
-              </a:ext>
-            </a:extLst>
-          </p:cNvPr>
-          <p:cNvSpPr>
-            <a:spLocks noGrp="1"/>
-          </p:cNvSpPr>
-          <p:nvPr>
-            <p:ph type="title"/>
-          </p:nvPr>
-        </p:nvSpPr>
-        <p:spPr/>
-        <p:txBody>
-          <a:bodyPr/>
-          <a:lstStyle/>
-          <a:p>
-            <a:r>
-              <a:rPr lang="de-DE" dirty="0"/>
-              <a:t>Brechungsindex </a:t>
-            </a:r>
-          </a:p>
-        </p:txBody>
-      </p:sp>
-      <mc:AlternateContent xmlns:mc="http://schemas.openxmlformats.org/markup-compatibility/2006" xmlns:a14="http://schemas.microsoft.com/office/drawing/2010/main">
-        <mc:Choice Requires="a14">
+      <mc:AlternateContent xmlns:mc="http://schemas.openxmlformats.org/markup-compatibility/2006">
+        <mc:Choice xmlns:a14="http://schemas.microsoft.com/office/drawing/2010/main" Requires="a14">
           <p:sp>
             <p:nvSpPr>
               <p:cNvPr id="3" name="Inhaltsplatzhalter 2">
@@ -4731,6 +4113,12 @@
                       </m:sub>
                     </m:sSub>
                     <m:r>
+                      <a:rPr lang="de-DE" b="0" i="1" smtClean="0">
+                        <a:latin typeface="Cambria Math" panose="02040503050406030204" pitchFamily="18" charset="0"/>
+                      </a:rPr>
+                      <m:t>−1</m:t>
+                    </m:r>
+                    <m:r>
                       <a:rPr lang="de-DE" i="1">
                         <a:latin typeface="Cambria Math" panose="02040503050406030204" pitchFamily="18" charset="0"/>
                       </a:rPr>
@@ -4761,6 +4149,12 @@
                         </m:r>
                       </m:sub>
                     </m:sSub>
+                    <m:r>
+                      <a:rPr lang="de-DE" b="0" i="1" smtClean="0">
+                        <a:latin typeface="Cambria Math" panose="02040503050406030204" pitchFamily="18" charset="0"/>
+                      </a:rPr>
+                      <m:t>−1</m:t>
+                    </m:r>
                     <m:r>
                       <a:rPr lang="de-DE" i="1">
                         <a:latin typeface="Cambria Math" panose="02040503050406030204" pitchFamily="18" charset="0"/>
@@ -4951,7 +4345,7 @@
             </p:txBody>
           </p:sp>
         </mc:Choice>
-        <mc:Fallback xmlns="">
+        <mc:Fallback>
           <p:sp>
             <p:nvSpPr>
               <p:cNvPr id="3" name="Inhaltsplatzhalter 2">
@@ -5014,7 +4408,7 @@
           <a:p>
             <a:fld id="{E276D0E3-8A91-4195-9D97-D4903B6F688B}" type="slidenum">
               <a:rPr lang="de-DE" smtClean="0"/>
-              <a:t>11</a:t>
+              <a:t>10</a:t>
             </a:fld>
             <a:endParaRPr lang="de-DE"/>
           </a:p>
@@ -5033,7 +4427,7 @@
 </p:sld>
 </file>
 
-<file path=ppt/slides/slide12.xml><?xml version="1.0" encoding="utf-8"?>
+<file path=ppt/slides/slide11.xml><?xml version="1.0" encoding="utf-8"?>
 <p:sld xmlns:a="http://schemas.openxmlformats.org/drawingml/2006/main" xmlns:r="http://schemas.openxmlformats.org/officeDocument/2006/relationships" xmlns:p="http://schemas.openxmlformats.org/presentationml/2006/main">
   <p:cSld>
     <p:spTree>
@@ -5078,8 +4472,8 @@
           </a:p>
         </p:txBody>
       </p:sp>
-      <mc:AlternateContent xmlns:mc="http://schemas.openxmlformats.org/markup-compatibility/2006" xmlns:a14="http://schemas.microsoft.com/office/drawing/2010/main">
-        <mc:Choice Requires="a14">
+      <mc:AlternateContent xmlns:mc="http://schemas.openxmlformats.org/markup-compatibility/2006">
+        <mc:Choice xmlns:a14="http://schemas.microsoft.com/office/drawing/2010/main" Requires="a14">
           <p:graphicFrame>
             <p:nvGraphicFramePr>
               <p:cNvPr id="14" name="Inhaltsplatzhalter 13">
@@ -5094,7 +4488,11 @@
               </p:cNvGraphicFramePr>
               <p:nvPr>
                 <p:ph idx="1"/>
-                <p:extLst/>
+                <p:extLst>
+                  <p:ext uri="{D42A27DB-BD31-4B8C-83A1-F6EECF244321}">
+                    <p14:modId xmlns:p14="http://schemas.microsoft.com/office/powerpoint/2010/main" val="334136"/>
+                  </p:ext>
+                </p:extLst>
               </p:nvPr>
             </p:nvGraphicFramePr>
             <p:xfrm>
@@ -5276,7 +4674,25 @@
                                   <a:rPr lang="de-DE" b="0" i="1" smtClean="0">
                                     <a:latin typeface="Cambria Math" panose="02040503050406030204" pitchFamily="18" charset="0"/>
                                   </a:rPr>
-                                  <m:t>0,0487±0,0002</m:t>
+                                  <m:t>0.</m:t>
+                                </m:r>
+                                <m:r>
+                                  <a:rPr lang="de-DE" b="0" i="1" smtClean="0">
+                                    <a:latin typeface="Cambria Math" panose="02040503050406030204" pitchFamily="18" charset="0"/>
+                                  </a:rPr>
+                                  <m:t>0487±0</m:t>
+                                </m:r>
+                                <m:r>
+                                  <a:rPr lang="de-DE" b="0" i="1" smtClean="0">
+                                    <a:latin typeface="Cambria Math" panose="02040503050406030204" pitchFamily="18" charset="0"/>
+                                  </a:rPr>
+                                  <m:t>.</m:t>
+                                </m:r>
+                                <m:r>
+                                  <a:rPr lang="de-DE" b="0" i="1" smtClean="0">
+                                    <a:latin typeface="Cambria Math" panose="02040503050406030204" pitchFamily="18" charset="0"/>
+                                  </a:rPr>
+                                  <m:t>0002</m:t>
                                 </m:r>
                               </m:oMath>
                             </m:oMathPara>
@@ -5318,7 +4734,13 @@
                                   <a:rPr lang="de-DE" b="0" i="1" smtClean="0">
                                     <a:latin typeface="Cambria Math" panose="02040503050406030204" pitchFamily="18" charset="0"/>
                                   </a:rPr>
-                                  <m:t>0.0442±0,0002</m:t>
+                                  <m:t>0.0442±0.</m:t>
+                                </m:r>
+                                <m:r>
+                                  <a:rPr lang="de-DE" b="0" i="1" smtClean="0">
+                                    <a:latin typeface="Cambria Math" panose="02040503050406030204" pitchFamily="18" charset="0"/>
+                                  </a:rPr>
+                                  <m:t>0002</m:t>
                                 </m:r>
                               </m:oMath>
                             </m:oMathPara>
@@ -5414,7 +4836,37 @@
                                   <a:rPr lang="de-DE" b="0" i="1" smtClean="0">
                                     <a:latin typeface="Cambria Math" panose="02040503050406030204" pitchFamily="18" charset="0"/>
                                   </a:rPr>
-                                  <m:t>522,6±2,0±2,1</m:t>
+                                  <m:t>522.</m:t>
+                                </m:r>
+                                <m:r>
+                                  <a:rPr lang="de-DE" b="0" i="1" smtClean="0">
+                                    <a:latin typeface="Cambria Math" panose="02040503050406030204" pitchFamily="18" charset="0"/>
+                                  </a:rPr>
+                                  <m:t>6±2</m:t>
+                                </m:r>
+                                <m:r>
+                                  <a:rPr lang="de-DE" b="0" i="1" smtClean="0">
+                                    <a:latin typeface="Cambria Math" panose="02040503050406030204" pitchFamily="18" charset="0"/>
+                                  </a:rPr>
+                                  <m:t>.</m:t>
+                                </m:r>
+                                <m:r>
+                                  <a:rPr lang="de-DE" b="0" i="1" smtClean="0">
+                                    <a:latin typeface="Cambria Math" panose="02040503050406030204" pitchFamily="18" charset="0"/>
+                                  </a:rPr>
+                                  <m:t>0±2</m:t>
+                                </m:r>
+                                <m:r>
+                                  <a:rPr lang="de-DE" b="0" i="1" smtClean="0">
+                                    <a:latin typeface="Cambria Math" panose="02040503050406030204" pitchFamily="18" charset="0"/>
+                                  </a:rPr>
+                                  <m:t>.</m:t>
+                                </m:r>
+                                <m:r>
+                                  <a:rPr lang="de-DE" b="0" i="1" smtClean="0">
+                                    <a:latin typeface="Cambria Math" panose="02040503050406030204" pitchFamily="18" charset="0"/>
+                                  </a:rPr>
+                                  <m:t>1</m:t>
                                 </m:r>
                               </m:oMath>
                             </m:oMathPara>
@@ -5440,13 +4892,43 @@
                                   <a:rPr lang="de-DE" b="0" i="0" smtClean="0">
                                     <a:latin typeface="Cambria Math" panose="02040503050406030204" pitchFamily="18" charset="0"/>
                                   </a:rPr>
-                                  <m:t>526,1</m:t>
+                                  <m:t>526.</m:t>
+                                </m:r>
+                                <m:r>
+                                  <a:rPr lang="de-DE" b="0" i="0" smtClean="0">
+                                    <a:latin typeface="Cambria Math" panose="02040503050406030204" pitchFamily="18" charset="0"/>
+                                  </a:rPr>
+                                  <m:t>1</m:t>
                                 </m:r>
                                 <m:r>
                                   <a:rPr lang="de-DE" b="0" i="1" smtClean="0">
                                     <a:latin typeface="Cambria Math" panose="02040503050406030204" pitchFamily="18" charset="0"/>
                                   </a:rPr>
-                                  <m:t>±1,7±2,0</m:t>
+                                  <m:t>±1</m:t>
+                                </m:r>
+                                <m:r>
+                                  <a:rPr lang="de-DE" b="0" i="1" smtClean="0">
+                                    <a:latin typeface="Cambria Math" panose="02040503050406030204" pitchFamily="18" charset="0"/>
+                                  </a:rPr>
+                                  <m:t>.</m:t>
+                                </m:r>
+                                <m:r>
+                                  <a:rPr lang="de-DE" b="0" i="1" smtClean="0">
+                                    <a:latin typeface="Cambria Math" panose="02040503050406030204" pitchFamily="18" charset="0"/>
+                                  </a:rPr>
+                                  <m:t>7±2</m:t>
+                                </m:r>
+                                <m:r>
+                                  <a:rPr lang="de-DE" b="0" i="1" smtClean="0">
+                                    <a:latin typeface="Cambria Math" panose="02040503050406030204" pitchFamily="18" charset="0"/>
+                                  </a:rPr>
+                                  <m:t>.</m:t>
+                                </m:r>
+                                <m:r>
+                                  <a:rPr lang="de-DE" b="0" i="1" smtClean="0">
+                                    <a:latin typeface="Cambria Math" panose="02040503050406030204" pitchFamily="18" charset="0"/>
+                                  </a:rPr>
+                                  <m:t>0</m:t>
                                 </m:r>
                               </m:oMath>
                             </m:oMathPara>
@@ -5476,7 +4958,7 @@
                         <a:p>
                           <a:r>
                             <a:rPr lang="de-DE" dirty="0"/>
-                            <a:t>2-3</a:t>
+                            <a:t>3.2, 2.3</a:t>
                           </a:r>
                         </a:p>
                       </a:txBody>
@@ -5532,7 +5014,7 @@
                                   <a:rPr lang="de-DE" sz="1800" b="0" i="1" smtClean="0">
                                     <a:latin typeface="Cambria Math" panose="02040503050406030204" pitchFamily="18" charset="0"/>
                                   </a:rPr>
-                                  <m:t>6103</m:t>
+                                  <m:t>610</m:t>
                                 </m:r>
                                 <m:r>
                                   <a:rPr lang="de-DE" sz="1800" i="1">
@@ -5582,7 +5064,7 @@
                                   <a:rPr lang="de-DE" sz="1800" b="0" i="1" smtClean="0">
                                     <a:latin typeface="Cambria Math" panose="02040503050406030204" pitchFamily="18" charset="0"/>
                                   </a:rPr>
-                                  <m:t>612</m:t>
+                                  <m:t>61</m:t>
                                 </m:r>
                                 <m:r>
                                   <a:rPr lang="de-DE" sz="1800" i="1">
@@ -5630,7 +5112,7 @@
                         <a:p>
                           <a:r>
                             <a:rPr lang="de-DE" dirty="0"/>
-                            <a:t>1.3-1.4</a:t>
+                            <a:t>1.3, 1.4</a:t>
                           </a:r>
                         </a:p>
                       </a:txBody>
@@ -5760,7 +5242,7 @@
             </a:graphic>
           </p:graphicFrame>
         </mc:Choice>
-        <mc:Fallback xmlns="">
+        <mc:Fallback>
           <p:graphicFrame>
             <p:nvGraphicFramePr>
               <p:cNvPr id="14" name="Inhaltsplatzhalter 13">
@@ -5777,7 +5259,7 @@
                 <p:ph idx="1"/>
                 <p:extLst>
                   <p:ext uri="{D42A27DB-BD31-4B8C-83A1-F6EECF244321}">
-                    <p14:modId xmlns:p14="http://schemas.microsoft.com/office/powerpoint/2010/main" val="3898972659"/>
+                    <p14:modId xmlns:p14="http://schemas.microsoft.com/office/powerpoint/2010/main" val="334136"/>
                   </p:ext>
                 </p:extLst>
               </p:nvPr>
@@ -6058,7 +5540,7 @@
                         <a:p>
                           <a:r>
                             <a:rPr lang="de-DE" dirty="0"/>
-                            <a:t>2-3</a:t>
+                            <a:t>3.2, 2.3</a:t>
                           </a:r>
                         </a:p>
                       </a:txBody>
@@ -6146,7 +5628,7 @@
                         <a:p>
                           <a:r>
                             <a:rPr lang="de-DE" dirty="0"/>
-                            <a:t>1.3-1.4</a:t>
+                            <a:t>1.3, 1.4</a:t>
                           </a:r>
                         </a:p>
                       </a:txBody>
@@ -6570,667 +6052,6 @@
           <p:cNvPr id="2" name="Titel 1">
             <a:extLst>
               <a:ext uri="{FF2B5EF4-FFF2-40B4-BE49-F238E27FC236}">
-                <a16:creationId xmlns:a16="http://schemas.microsoft.com/office/drawing/2014/main" id="{B0961A0C-1807-420A-BE95-3F2D0A77A4C9}"/>
-              </a:ext>
-            </a:extLst>
-          </p:cNvPr>
-          <p:cNvSpPr>
-            <a:spLocks noGrp="1"/>
-          </p:cNvSpPr>
-          <p:nvPr>
-            <p:ph type="title"/>
-          </p:nvPr>
-        </p:nvSpPr>
-        <p:spPr/>
-        <p:txBody>
-          <a:bodyPr/>
-          <a:lstStyle/>
-          <a:p>
-            <a:r>
-              <a:rPr lang="de-DE" dirty="0"/>
-              <a:t>Physikalische Grundlagen</a:t>
-            </a:r>
-          </a:p>
-        </p:txBody>
-      </p:sp>
-      <mc:AlternateContent xmlns:mc="http://schemas.openxmlformats.org/markup-compatibility/2006" xmlns:a14="http://schemas.microsoft.com/office/drawing/2010/main">
-        <mc:Choice Requires="a14">
-          <p:sp>
-            <p:nvSpPr>
-              <p:cNvPr id="3" name="Inhaltsplatzhalter 2">
-                <a:extLst>
-                  <a:ext uri="{FF2B5EF4-FFF2-40B4-BE49-F238E27FC236}">
-                    <a16:creationId xmlns:a16="http://schemas.microsoft.com/office/drawing/2014/main" id="{388E1FC6-8805-48F7-82FA-CD1F9F36C2EF}"/>
-                  </a:ext>
-                </a:extLst>
-              </p:cNvPr>
-              <p:cNvSpPr>
-                <a:spLocks noGrp="1"/>
-              </p:cNvSpPr>
-              <p:nvPr>
-                <p:ph idx="1"/>
-              </p:nvPr>
-            </p:nvSpPr>
-            <p:spPr/>
-            <p:txBody>
-              <a:bodyPr/>
-              <a:lstStyle/>
-              <a:p>
-                <a:endParaRPr lang="de-DE" b="0" i="1" dirty="0">
-                  <a:latin typeface="Cambria Math" panose="02040503050406030204" pitchFamily="18" charset="0"/>
-                </a:endParaRPr>
-              </a:p>
-              <a:p>
-                <a14:m>
-                  <m:oMath xmlns:m="http://schemas.openxmlformats.org/officeDocument/2006/math">
-                    <m:r>
-                      <a:rPr lang="de-DE" b="0" i="1" smtClean="0">
-                        <a:latin typeface="Cambria Math" panose="02040503050406030204" pitchFamily="18" charset="0"/>
-                      </a:rPr>
-                      <m:t>2</m:t>
-                    </m:r>
-                    <m:r>
-                      <a:rPr lang="de-DE" b="0" i="1" smtClean="0">
-                        <a:latin typeface="Cambria Math" panose="02040503050406030204" pitchFamily="18" charset="0"/>
-                      </a:rPr>
-                      <m:t>𝑑</m:t>
-                    </m:r>
-                    <m:func>
-                      <m:funcPr>
-                        <m:ctrlPr>
-                          <a:rPr lang="de-DE" b="0" i="1" smtClean="0">
-                            <a:latin typeface="Cambria Math" panose="02040503050406030204" pitchFamily="18" charset="0"/>
-                          </a:rPr>
-                        </m:ctrlPr>
-                      </m:funcPr>
-                      <m:fName>
-                        <m:r>
-                          <m:rPr>
-                            <m:sty m:val="p"/>
-                          </m:rPr>
-                          <a:rPr lang="de-DE" b="0" i="0" smtClean="0">
-                            <a:latin typeface="Cambria Math" panose="02040503050406030204" pitchFamily="18" charset="0"/>
-                          </a:rPr>
-                          <m:t>cos</m:t>
-                        </m:r>
-                      </m:fName>
-                      <m:e>
-                        <m:r>
-                          <a:rPr lang="de-DE" b="0" i="1" smtClean="0">
-                            <a:latin typeface="Cambria Math" panose="02040503050406030204" pitchFamily="18" charset="0"/>
-                          </a:rPr>
-                          <m:t>𝜃</m:t>
-                        </m:r>
-                      </m:e>
-                    </m:func>
-                    <m:r>
-                      <a:rPr lang="de-DE" b="0" i="1" smtClean="0">
-                        <a:latin typeface="Cambria Math" panose="02040503050406030204" pitchFamily="18" charset="0"/>
-                      </a:rPr>
-                      <m:t>=</m:t>
-                    </m:r>
-                    <m:r>
-                      <a:rPr lang="de-DE" b="0" i="1" smtClean="0">
-                        <a:latin typeface="Cambria Math" panose="02040503050406030204" pitchFamily="18" charset="0"/>
-                      </a:rPr>
-                      <m:t>𝑚</m:t>
-                    </m:r>
-                    <m:r>
-                      <a:rPr lang="de-DE" b="0" i="1" smtClean="0">
-                        <a:latin typeface="Cambria Math" panose="02040503050406030204" pitchFamily="18" charset="0"/>
-                      </a:rPr>
-                      <m:t>𝜆</m:t>
-                    </m:r>
-                    <m:r>
-                      <a:rPr lang="de-DE" b="0" i="0" smtClean="0">
-                        <a:latin typeface="Cambria Math" panose="02040503050406030204" pitchFamily="18" charset="0"/>
-                      </a:rPr>
-                      <m:t> ,  </m:t>
-                    </m:r>
-                    <m:r>
-                      <m:rPr>
-                        <m:sty m:val="p"/>
-                      </m:rPr>
-                      <a:rPr lang="de-DE" b="0" i="0" smtClean="0">
-                        <a:latin typeface="Cambria Math" panose="02040503050406030204" pitchFamily="18" charset="0"/>
-                      </a:rPr>
-                      <m:t>m</m:t>
-                    </m:r>
-                    <m:r>
-                      <a:rPr lang="de-DE" b="0" i="0" smtClean="0">
-                        <a:latin typeface="Cambria Math" panose="02040503050406030204" pitchFamily="18" charset="0"/>
-                      </a:rPr>
-                      <m:t>=0, 1, 2, …</m:t>
-                    </m:r>
-                  </m:oMath>
-                </a14:m>
-                <a:endParaRPr lang="de-DE" dirty="0"/>
-              </a:p>
-              <a:p>
-                <a:endParaRPr lang="de-DE" dirty="0"/>
-              </a:p>
-              <a:p>
-                <a14:m>
-                  <m:oMath xmlns:m="http://schemas.openxmlformats.org/officeDocument/2006/math">
-                    <m:r>
-                      <a:rPr lang="de-DE" b="0" i="1" smtClean="0">
-                        <a:latin typeface="Cambria Math" panose="02040503050406030204" pitchFamily="18" charset="0"/>
-                      </a:rPr>
-                      <m:t>𝑛</m:t>
-                    </m:r>
-                    <m:d>
-                      <m:dPr>
-                        <m:ctrlPr>
-                          <a:rPr lang="de-DE" b="0" i="1" smtClean="0">
-                            <a:latin typeface="Cambria Math" panose="02040503050406030204" pitchFamily="18" charset="0"/>
-                          </a:rPr>
-                        </m:ctrlPr>
-                      </m:dPr>
-                      <m:e>
-                        <m:r>
-                          <a:rPr lang="de-DE" b="0" i="1" smtClean="0">
-                            <a:latin typeface="Cambria Math" panose="02040503050406030204" pitchFamily="18" charset="0"/>
-                          </a:rPr>
-                          <m:t>𝑃</m:t>
-                        </m:r>
-                      </m:e>
-                    </m:d>
-                    <m:r>
-                      <a:rPr lang="de-DE" b="0" i="1" smtClean="0">
-                        <a:latin typeface="Cambria Math" panose="02040503050406030204" pitchFamily="18" charset="0"/>
-                      </a:rPr>
-                      <m:t>=1+ </m:t>
-                    </m:r>
-                    <m:f>
-                      <m:fPr>
-                        <m:ctrlPr>
-                          <a:rPr lang="de-DE" b="0" i="1" smtClean="0">
-                            <a:latin typeface="Cambria Math" panose="02040503050406030204" pitchFamily="18" charset="0"/>
-                          </a:rPr>
-                        </m:ctrlPr>
-                      </m:fPr>
-                      <m:num>
-                        <m:r>
-                          <m:rPr>
-                            <m:sty m:val="p"/>
-                          </m:rPr>
-                          <a:rPr lang="de-DE" b="0" i="0" smtClean="0">
-                            <a:latin typeface="Cambria Math" panose="02040503050406030204" pitchFamily="18" charset="0"/>
-                          </a:rPr>
-                          <m:t>Δ</m:t>
-                        </m:r>
-                        <m:r>
-                          <a:rPr lang="de-DE" b="0" i="1" smtClean="0">
-                            <a:latin typeface="Cambria Math" panose="02040503050406030204" pitchFamily="18" charset="0"/>
-                          </a:rPr>
-                          <m:t>𝑛</m:t>
-                        </m:r>
-                      </m:num>
-                      <m:den>
-                        <m:r>
-                          <m:rPr>
-                            <m:sty m:val="p"/>
-                          </m:rPr>
-                          <a:rPr lang="de-DE" b="0" i="0" smtClean="0">
-                            <a:latin typeface="Cambria Math" panose="02040503050406030204" pitchFamily="18" charset="0"/>
-                          </a:rPr>
-                          <m:t>Δ</m:t>
-                        </m:r>
-                        <m:r>
-                          <a:rPr lang="de-DE" b="0" i="1" smtClean="0">
-                            <a:latin typeface="Cambria Math" panose="02040503050406030204" pitchFamily="18" charset="0"/>
-                          </a:rPr>
-                          <m:t>𝑝</m:t>
-                        </m:r>
-                      </m:den>
-                    </m:f>
-                    <m:r>
-                      <a:rPr lang="de-DE" b="0" i="1" smtClean="0">
-                        <a:latin typeface="Cambria Math" panose="02040503050406030204" pitchFamily="18" charset="0"/>
-                      </a:rPr>
-                      <m:t>𝑃</m:t>
-                    </m:r>
-                  </m:oMath>
-                </a14:m>
-                <a:r>
-                  <a:rPr lang="de-DE" dirty="0"/>
-                  <a:t>			</a:t>
-                </a:r>
-                <a14:m>
-                  <m:oMath xmlns:m="http://schemas.openxmlformats.org/officeDocument/2006/math">
-                    <m:f>
-                      <m:fPr>
-                        <m:ctrlPr>
-                          <a:rPr lang="de-DE" i="1" smtClean="0">
-                            <a:latin typeface="Cambria Math" panose="02040503050406030204" pitchFamily="18" charset="0"/>
-                          </a:rPr>
-                        </m:ctrlPr>
-                      </m:fPr>
-                      <m:num>
-                        <m:r>
-                          <m:rPr>
-                            <m:sty m:val="p"/>
-                          </m:rPr>
-                          <a:rPr lang="de-DE" b="0" i="0" smtClean="0">
-                            <a:latin typeface="Cambria Math" panose="02040503050406030204" pitchFamily="18" charset="0"/>
-                          </a:rPr>
-                          <m:t>Δ</m:t>
-                        </m:r>
-                        <m:r>
-                          <a:rPr lang="de-DE" b="0" i="1" smtClean="0">
-                            <a:latin typeface="Cambria Math" panose="02040503050406030204" pitchFamily="18" charset="0"/>
-                          </a:rPr>
-                          <m:t>𝑛</m:t>
-                        </m:r>
-                      </m:num>
-                      <m:den>
-                        <m:r>
-                          <m:rPr>
-                            <m:sty m:val="p"/>
-                          </m:rPr>
-                          <a:rPr lang="de-DE" b="0" i="0" smtClean="0">
-                            <a:latin typeface="Cambria Math" panose="02040503050406030204" pitchFamily="18" charset="0"/>
-                          </a:rPr>
-                          <m:t>Δ</m:t>
-                        </m:r>
-                        <m:r>
-                          <a:rPr lang="de-DE" b="0" i="1" smtClean="0">
-                            <a:latin typeface="Cambria Math" panose="02040503050406030204" pitchFamily="18" charset="0"/>
-                          </a:rPr>
-                          <m:t>𝑝</m:t>
-                        </m:r>
-                      </m:den>
-                    </m:f>
-                    <m:r>
-                      <a:rPr lang="de-DE" b="0" i="1" smtClean="0">
-                        <a:latin typeface="Cambria Math" panose="02040503050406030204" pitchFamily="18" charset="0"/>
-                      </a:rPr>
-                      <m:t>=</m:t>
-                    </m:r>
-                    <m:f>
-                      <m:fPr>
-                        <m:ctrlPr>
-                          <a:rPr lang="de-DE" b="0" i="1" smtClean="0">
-                            <a:latin typeface="Cambria Math" panose="02040503050406030204" pitchFamily="18" charset="0"/>
-                          </a:rPr>
-                        </m:ctrlPr>
-                      </m:fPr>
-                      <m:num>
-                        <m:r>
-                          <m:rPr>
-                            <m:sty m:val="p"/>
-                          </m:rPr>
-                          <a:rPr lang="de-DE" b="0" i="0" smtClean="0">
-                            <a:latin typeface="Cambria Math" panose="02040503050406030204" pitchFamily="18" charset="0"/>
-                          </a:rPr>
-                          <m:t>Δ</m:t>
-                        </m:r>
-                        <m:r>
-                          <a:rPr lang="de-DE" b="0" i="1" smtClean="0">
-                            <a:latin typeface="Cambria Math" panose="02040503050406030204" pitchFamily="18" charset="0"/>
-                          </a:rPr>
-                          <m:t>𝑚</m:t>
-                        </m:r>
-                      </m:num>
-                      <m:den>
-                        <m:r>
-                          <m:rPr>
-                            <m:sty m:val="p"/>
-                          </m:rPr>
-                          <a:rPr lang="de-DE" b="0" i="0" smtClean="0">
-                            <a:latin typeface="Cambria Math" panose="02040503050406030204" pitchFamily="18" charset="0"/>
-                          </a:rPr>
-                          <m:t>Δ</m:t>
-                        </m:r>
-                        <m:r>
-                          <a:rPr lang="de-DE" b="0" i="1" smtClean="0">
-                            <a:latin typeface="Cambria Math" panose="02040503050406030204" pitchFamily="18" charset="0"/>
-                          </a:rPr>
-                          <m:t>𝑝</m:t>
-                        </m:r>
-                      </m:den>
-                    </m:f>
-                    <m:r>
-                      <a:rPr lang="de-DE" b="0" i="1" smtClean="0">
-                        <a:latin typeface="Cambria Math" panose="02040503050406030204" pitchFamily="18" charset="0"/>
-                      </a:rPr>
-                      <m:t> </m:t>
-                    </m:r>
-                    <m:f>
-                      <m:fPr>
-                        <m:ctrlPr>
-                          <a:rPr lang="de-DE" b="0" i="1" smtClean="0">
-                            <a:latin typeface="Cambria Math" panose="02040503050406030204" pitchFamily="18" charset="0"/>
-                          </a:rPr>
-                        </m:ctrlPr>
-                      </m:fPr>
-                      <m:num>
-                        <m:r>
-                          <a:rPr lang="de-DE" b="0" i="1" smtClean="0">
-                            <a:latin typeface="Cambria Math" panose="02040503050406030204" pitchFamily="18" charset="0"/>
-                          </a:rPr>
-                          <m:t>𝜆</m:t>
-                        </m:r>
-                      </m:num>
-                      <m:den>
-                        <m:r>
-                          <a:rPr lang="de-DE" b="0" i="1" smtClean="0">
-                            <a:latin typeface="Cambria Math" panose="02040503050406030204" pitchFamily="18" charset="0"/>
-                          </a:rPr>
-                          <m:t>2</m:t>
-                        </m:r>
-                        <m:r>
-                          <a:rPr lang="de-DE" b="0" i="1" smtClean="0">
-                            <a:latin typeface="Cambria Math" panose="02040503050406030204" pitchFamily="18" charset="0"/>
-                          </a:rPr>
-                          <m:t>𝐿</m:t>
-                        </m:r>
-                      </m:den>
-                    </m:f>
-                  </m:oMath>
-                </a14:m>
-                <a:endParaRPr lang="de-DE" dirty="0"/>
-              </a:p>
-              <a:p>
-                <a:endParaRPr lang="de-DE" dirty="0"/>
-              </a:p>
-              <a:p>
-                <a14:m>
-                  <m:oMath xmlns:m="http://schemas.openxmlformats.org/officeDocument/2006/math">
-                    <m:sSub>
-                      <m:sSubPr>
-                        <m:ctrlPr>
-                          <a:rPr lang="de-DE" b="0" i="1" smtClean="0">
-                            <a:latin typeface="Cambria Math" panose="02040503050406030204" pitchFamily="18" charset="0"/>
-                          </a:rPr>
-                        </m:ctrlPr>
-                      </m:sSubPr>
-                      <m:e>
-                        <m:r>
-                          <a:rPr lang="de-DE" b="0" i="1" smtClean="0">
-                            <a:latin typeface="Cambria Math" panose="02040503050406030204" pitchFamily="18" charset="0"/>
-                          </a:rPr>
-                          <m:t>𝑛</m:t>
-                        </m:r>
-                      </m:e>
-                      <m:sub>
-                        <m:r>
-                          <a:rPr lang="de-DE" b="0" i="1" smtClean="0">
-                            <a:latin typeface="Cambria Math" panose="02040503050406030204" pitchFamily="18" charset="0"/>
-                          </a:rPr>
-                          <m:t>𝐶</m:t>
-                        </m:r>
-                        <m:sSub>
-                          <m:sSubPr>
-                            <m:ctrlPr>
-                              <a:rPr lang="de-DE" b="0" i="1" smtClean="0">
-                                <a:latin typeface="Cambria Math" panose="02040503050406030204" pitchFamily="18" charset="0"/>
-                              </a:rPr>
-                            </m:ctrlPr>
-                          </m:sSubPr>
-                          <m:e>
-                            <m:r>
-                              <a:rPr lang="de-DE" b="0" i="1" smtClean="0">
-                                <a:latin typeface="Cambria Math" panose="02040503050406030204" pitchFamily="18" charset="0"/>
-                              </a:rPr>
-                              <m:t>𝑂</m:t>
-                            </m:r>
-                          </m:e>
-                          <m:sub>
-                            <m:r>
-                              <a:rPr lang="de-DE" b="0" i="1" smtClean="0">
-                                <a:latin typeface="Cambria Math" panose="02040503050406030204" pitchFamily="18" charset="0"/>
-                              </a:rPr>
-                              <m:t>2</m:t>
-                            </m:r>
-                          </m:sub>
-                        </m:sSub>
-                      </m:sub>
-                    </m:sSub>
-                    <m:r>
-                      <a:rPr lang="de-DE" b="0" i="1" smtClean="0">
-                        <a:latin typeface="Cambria Math" panose="02040503050406030204" pitchFamily="18" charset="0"/>
-                      </a:rPr>
-                      <m:t>=</m:t>
-                    </m:r>
-                    <m:sSub>
-                      <m:sSubPr>
-                        <m:ctrlPr>
-                          <a:rPr lang="de-DE" b="0" i="1" smtClean="0">
-                            <a:latin typeface="Cambria Math" panose="02040503050406030204" pitchFamily="18" charset="0"/>
-                          </a:rPr>
-                        </m:ctrlPr>
-                      </m:sSubPr>
-                      <m:e>
-                        <m:r>
-                          <a:rPr lang="de-DE" b="0" i="1" smtClean="0">
-                            <a:latin typeface="Cambria Math" panose="02040503050406030204" pitchFamily="18" charset="0"/>
-                          </a:rPr>
-                          <m:t>𝑛</m:t>
-                        </m:r>
-                      </m:e>
-                      <m:sub>
-                        <m:r>
-                          <a:rPr lang="de-DE" b="0" i="1" smtClean="0">
-                            <a:latin typeface="Cambria Math" panose="02040503050406030204" pitchFamily="18" charset="0"/>
-                          </a:rPr>
-                          <m:t>𝐿𝑢𝑓𝑡</m:t>
-                        </m:r>
-                      </m:sub>
-                    </m:sSub>
-                    <m:r>
-                      <a:rPr lang="de-DE" b="0" i="1" smtClean="0">
-                        <a:latin typeface="Cambria Math" panose="02040503050406030204" pitchFamily="18" charset="0"/>
-                      </a:rPr>
-                      <m:t>+</m:t>
-                    </m:r>
-                    <m:r>
-                      <m:rPr>
-                        <m:sty m:val="p"/>
-                      </m:rPr>
-                      <a:rPr lang="de-DE" b="0" i="0" smtClean="0">
-                        <a:latin typeface="Cambria Math" panose="02040503050406030204" pitchFamily="18" charset="0"/>
-                      </a:rPr>
-                      <m:t>Δ</m:t>
-                    </m:r>
-                    <m:r>
-                      <a:rPr lang="de-DE" b="0" i="1" smtClean="0">
-                        <a:latin typeface="Cambria Math" panose="02040503050406030204" pitchFamily="18" charset="0"/>
-                      </a:rPr>
-                      <m:t>𝑛</m:t>
-                    </m:r>
-                  </m:oMath>
-                </a14:m>
-                <a:r>
-                  <a:rPr lang="de-DE" dirty="0"/>
-                  <a:t>			</a:t>
-                </a:r>
-                <a14:m>
-                  <m:oMath xmlns:m="http://schemas.openxmlformats.org/officeDocument/2006/math">
-                    <m:r>
-                      <m:rPr>
-                        <m:sty m:val="p"/>
-                      </m:rPr>
-                      <a:rPr lang="de-DE" b="0" i="0" smtClean="0">
-                        <a:latin typeface="Cambria Math" panose="02040503050406030204" pitchFamily="18" charset="0"/>
-                      </a:rPr>
-                      <m:t>Δ</m:t>
-                    </m:r>
-                    <m:r>
-                      <a:rPr lang="de-DE" b="0" i="1" smtClean="0">
-                        <a:latin typeface="Cambria Math" panose="02040503050406030204" pitchFamily="18" charset="0"/>
-                      </a:rPr>
-                      <m:t>𝑛</m:t>
-                    </m:r>
-                    <m:r>
-                      <a:rPr lang="de-DE" b="0" i="1" smtClean="0">
-                        <a:latin typeface="Cambria Math" panose="02040503050406030204" pitchFamily="18" charset="0"/>
-                      </a:rPr>
-                      <m:t>=</m:t>
-                    </m:r>
-                    <m:r>
-                      <m:rPr>
-                        <m:sty m:val="p"/>
-                      </m:rPr>
-                      <a:rPr lang="de-DE" b="0" i="0" smtClean="0">
-                        <a:latin typeface="Cambria Math" panose="02040503050406030204" pitchFamily="18" charset="0"/>
-                      </a:rPr>
-                      <m:t>Δ</m:t>
-                    </m:r>
-                    <m:r>
-                      <a:rPr lang="de-DE" b="0" i="1" smtClean="0">
-                        <a:latin typeface="Cambria Math" panose="02040503050406030204" pitchFamily="18" charset="0"/>
-                      </a:rPr>
-                      <m:t>𝑚</m:t>
-                    </m:r>
-                    <m:r>
-                      <a:rPr lang="de-DE" b="0" i="1" smtClean="0">
-                        <a:latin typeface="Cambria Math" panose="02040503050406030204" pitchFamily="18" charset="0"/>
-                      </a:rPr>
-                      <m:t> </m:t>
-                    </m:r>
-                    <m:f>
-                      <m:fPr>
-                        <m:ctrlPr>
-                          <a:rPr lang="de-DE" b="0" i="1" smtClean="0">
-                            <a:latin typeface="Cambria Math" panose="02040503050406030204" pitchFamily="18" charset="0"/>
-                          </a:rPr>
-                        </m:ctrlPr>
-                      </m:fPr>
-                      <m:num>
-                        <m:r>
-                          <a:rPr lang="de-DE" b="0" i="1" smtClean="0">
-                            <a:latin typeface="Cambria Math" panose="02040503050406030204" pitchFamily="18" charset="0"/>
-                          </a:rPr>
-                          <m:t>𝜆</m:t>
-                        </m:r>
-                      </m:num>
-                      <m:den>
-                        <m:r>
-                          <a:rPr lang="de-DE" b="0" i="1" smtClean="0">
-                            <a:latin typeface="Cambria Math" panose="02040503050406030204" pitchFamily="18" charset="0"/>
-                          </a:rPr>
-                          <m:t>2</m:t>
-                        </m:r>
-                        <m:r>
-                          <a:rPr lang="de-DE" b="0" i="1" smtClean="0">
-                            <a:latin typeface="Cambria Math" panose="02040503050406030204" pitchFamily="18" charset="0"/>
-                          </a:rPr>
-                          <m:t>𝐿</m:t>
-                        </m:r>
-                      </m:den>
-                    </m:f>
-                  </m:oMath>
-                </a14:m>
-                <a:endParaRPr lang="de-DE" dirty="0"/>
-              </a:p>
-            </p:txBody>
-          </p:sp>
-        </mc:Choice>
-        <mc:Fallback xmlns="">
-          <p:sp>
-            <p:nvSpPr>
-              <p:cNvPr id="3" name="Inhaltsplatzhalter 2">
-                <a:extLst>
-                  <a:ext uri="{FF2B5EF4-FFF2-40B4-BE49-F238E27FC236}">
-                    <a16:creationId xmlns:a16="http://schemas.microsoft.com/office/drawing/2014/main" id="{388E1FC6-8805-48F7-82FA-CD1F9F36C2EF}"/>
-                  </a:ext>
-                </a:extLst>
-              </p:cNvPr>
-              <p:cNvSpPr>
-                <a:spLocks noGrp="1" noRot="1" noChangeAspect="1" noMove="1" noResize="1" noEditPoints="1" noAdjustHandles="1" noChangeArrowheads="1" noChangeShapeType="1" noTextEdit="1"/>
-              </p:cNvSpPr>
-              <p:nvPr>
-                <p:ph idx="1"/>
-              </p:nvPr>
-            </p:nvSpPr>
-            <p:spPr>
-              <a:blipFill>
-                <a:blip r:embed="rId2"/>
-                <a:stretch>
-                  <a:fillRect/>
-                </a:stretch>
-              </a:blipFill>
-            </p:spPr>
-            <p:txBody>
-              <a:bodyPr/>
-              <a:lstStyle/>
-              <a:p>
-                <a:r>
-                  <a:rPr lang="de-DE">
-                    <a:noFill/>
-                  </a:rPr>
-                  <a:t> </a:t>
-                </a:r>
-              </a:p>
-            </p:txBody>
-          </p:sp>
-        </mc:Fallback>
-      </mc:AlternateContent>
-      <p:sp>
-        <p:nvSpPr>
-          <p:cNvPr id="4" name="Foliennummernplatzhalter 3">
-            <a:extLst>
-              <a:ext uri="{FF2B5EF4-FFF2-40B4-BE49-F238E27FC236}">
-                <a16:creationId xmlns:a16="http://schemas.microsoft.com/office/drawing/2014/main" id="{617A2F57-BE85-44C4-838A-2DEF9BC568C0}"/>
-              </a:ext>
-            </a:extLst>
-          </p:cNvPr>
-          <p:cNvSpPr>
-            <a:spLocks noGrp="1"/>
-          </p:cNvSpPr>
-          <p:nvPr>
-            <p:ph type="sldNum" sz="quarter" idx="12"/>
-          </p:nvPr>
-        </p:nvSpPr>
-        <p:spPr/>
-        <p:txBody>
-          <a:bodyPr/>
-          <a:lstStyle/>
-          <a:p>
-            <a:fld id="{E276D0E3-8A91-4195-9D97-D4903B6F688B}" type="slidenum">
-              <a:rPr lang="de-DE" smtClean="0"/>
-              <a:t>4</a:t>
-            </a:fld>
-            <a:endParaRPr lang="de-DE"/>
-          </a:p>
-        </p:txBody>
-      </p:sp>
-    </p:spTree>
-    <p:extLst>
-      <p:ext uri="{BB962C8B-B14F-4D97-AF65-F5344CB8AC3E}">
-        <p14:creationId xmlns:p14="http://schemas.microsoft.com/office/powerpoint/2010/main" val="572028677"/>
-      </p:ext>
-    </p:extLst>
-  </p:cSld>
-  <p:clrMapOvr>
-    <a:masterClrMapping/>
-  </p:clrMapOvr>
-</p:sld>
-</file>
-
-<file path=ppt/slides/slide5.xml><?xml version="1.0" encoding="utf-8"?>
-<p:sld xmlns:a="http://schemas.openxmlformats.org/drawingml/2006/main" xmlns:r="http://schemas.openxmlformats.org/officeDocument/2006/relationships" xmlns:p="http://schemas.openxmlformats.org/presentationml/2006/main">
-  <p:cSld>
-    <p:spTree>
-      <p:nvGrpSpPr>
-        <p:cNvPr id="1" name=""/>
-        <p:cNvGrpSpPr/>
-        <p:nvPr/>
-      </p:nvGrpSpPr>
-      <p:grpSpPr>
-        <a:xfrm>
-          <a:off x="0" y="0"/>
-          <a:ext cx="0" cy="0"/>
-          <a:chOff x="0" y="0"/>
-          <a:chExt cx="0" cy="0"/>
-        </a:xfrm>
-      </p:grpSpPr>
-      <p:sp>
-        <p:nvSpPr>
-          <p:cNvPr id="2" name="Titel 1">
-            <a:extLst>
-              <a:ext uri="{FF2B5EF4-FFF2-40B4-BE49-F238E27FC236}">
                 <a16:creationId xmlns:a16="http://schemas.microsoft.com/office/drawing/2014/main" id="{F8AAC1A0-AA0D-4F91-BA12-D360689F2F29}"/>
               </a:ext>
             </a:extLst>
@@ -7312,7 +6133,7 @@
           <a:p>
             <a:fld id="{E276D0E3-8A91-4195-9D97-D4903B6F688B}" type="slidenum">
               <a:rPr lang="de-DE" smtClean="0"/>
-              <a:t>5</a:t>
+              <a:t>4</a:t>
             </a:fld>
             <a:endParaRPr lang="de-DE"/>
           </a:p>
@@ -7513,7 +6334,7 @@
 </p:sld>
 </file>
 
-<file path=ppt/slides/slide6.xml><?xml version="1.0" encoding="utf-8"?>
+<file path=ppt/slides/slide5.xml><?xml version="1.0" encoding="utf-8"?>
 <p:sld xmlns:a="http://schemas.openxmlformats.org/drawingml/2006/main" xmlns:r="http://schemas.openxmlformats.org/officeDocument/2006/relationships" xmlns:p="http://schemas.openxmlformats.org/presentationml/2006/main">
   <p:cSld>
     <p:spTree>
@@ -7558,8 +6379,8 @@
           </a:p>
         </p:txBody>
       </p:sp>
-      <mc:AlternateContent xmlns:mc="http://schemas.openxmlformats.org/markup-compatibility/2006" xmlns:a14="http://schemas.microsoft.com/office/drawing/2010/main">
-        <mc:Choice Requires="a14">
+      <mc:AlternateContent xmlns:mc="http://schemas.openxmlformats.org/markup-compatibility/2006">
+        <mc:Choice xmlns:a14="http://schemas.microsoft.com/office/drawing/2010/main" Requires="a14">
           <p:sp>
             <p:nvSpPr>
               <p:cNvPr id="4" name="Inhaltsplatzhalter 3">
@@ -7617,7 +6438,31 @@
                       <a:rPr lang="de-DE" b="0" i="1" smtClean="0">
                         <a:latin typeface="Cambria Math" panose="02040503050406030204" pitchFamily="18" charset="0"/>
                       </a:rPr>
-                      <m:t>=0,0487±0,0002</m:t>
+                      <m:t>=0</m:t>
+                    </m:r>
+                    <m:r>
+                      <a:rPr lang="de-DE" b="0" i="1" smtClean="0">
+                        <a:latin typeface="Cambria Math" panose="02040503050406030204" pitchFamily="18" charset="0"/>
+                      </a:rPr>
+                      <m:t>.</m:t>
+                    </m:r>
+                    <m:r>
+                      <a:rPr lang="de-DE" b="0" i="1" smtClean="0">
+                        <a:latin typeface="Cambria Math" panose="02040503050406030204" pitchFamily="18" charset="0"/>
+                      </a:rPr>
+                      <m:t>0487±0</m:t>
+                    </m:r>
+                    <m:r>
+                      <a:rPr lang="de-DE" b="0" i="1" smtClean="0">
+                        <a:latin typeface="Cambria Math" panose="02040503050406030204" pitchFamily="18" charset="0"/>
+                      </a:rPr>
+                      <m:t>.</m:t>
+                    </m:r>
+                    <m:r>
+                      <a:rPr lang="de-DE" b="0" i="1" smtClean="0">
+                        <a:latin typeface="Cambria Math" panose="02040503050406030204" pitchFamily="18" charset="0"/>
+                      </a:rPr>
+                      <m:t>0002</m:t>
                     </m:r>
                   </m:oMath>
                 </a14:m>
@@ -7658,7 +6503,19 @@
                       <a:rPr lang="de-DE" b="0" i="1" smtClean="0">
                         <a:latin typeface="Cambria Math" panose="02040503050406030204" pitchFamily="18" charset="0"/>
                       </a:rPr>
-                      <m:t>=0.0442±0,0002</m:t>
+                      <m:t>=0.0442±0</m:t>
+                    </m:r>
+                    <m:r>
+                      <a:rPr lang="de-DE" b="0" i="1" smtClean="0">
+                        <a:latin typeface="Cambria Math" panose="02040503050406030204" pitchFamily="18" charset="0"/>
+                      </a:rPr>
+                      <m:t>.</m:t>
+                    </m:r>
+                    <m:r>
+                      <a:rPr lang="de-DE" b="0" i="1" smtClean="0">
+                        <a:latin typeface="Cambria Math" panose="02040503050406030204" pitchFamily="18" charset="0"/>
+                      </a:rPr>
+                      <m:t>0002</m:t>
                     </m:r>
                   </m:oMath>
                 </a14:m>
@@ -7667,7 +6524,7 @@
             </p:txBody>
           </p:sp>
         </mc:Choice>
-        <mc:Fallback xmlns="">
+        <mc:Fallback>
           <p:sp>
             <p:nvSpPr>
               <p:cNvPr id="4" name="Inhaltsplatzhalter 3">
@@ -7765,7 +6622,7 @@
           <a:p>
             <a:fld id="{E276D0E3-8A91-4195-9D97-D4903B6F688B}" type="slidenum">
               <a:rPr lang="de-DE" smtClean="0"/>
-              <a:t>6</a:t>
+              <a:t>5</a:t>
             </a:fld>
             <a:endParaRPr lang="de-DE"/>
           </a:p>
@@ -7784,7 +6641,7 @@
 </p:sld>
 </file>
 
-<file path=ppt/slides/slide7.xml><?xml version="1.0" encoding="utf-8"?>
+<file path=ppt/slides/slide6.xml><?xml version="1.0" encoding="utf-8"?>
 <p:sld xmlns:a="http://schemas.openxmlformats.org/drawingml/2006/main" xmlns:r="http://schemas.openxmlformats.org/officeDocument/2006/relationships" xmlns:p="http://schemas.openxmlformats.org/presentationml/2006/main">
   <p:cSld>
     <p:spTree>
@@ -7829,8 +6686,8 @@
           </a:p>
         </p:txBody>
       </p:sp>
-      <mc:AlternateContent xmlns:mc="http://schemas.openxmlformats.org/markup-compatibility/2006" xmlns:a14="http://schemas.microsoft.com/office/drawing/2010/main">
-        <mc:Choice Requires="a14">
+      <mc:AlternateContent xmlns:mc="http://schemas.openxmlformats.org/markup-compatibility/2006">
+        <mc:Choice xmlns:a14="http://schemas.microsoft.com/office/drawing/2010/main" Requires="a14">
           <p:sp>
             <p:nvSpPr>
               <p:cNvPr id="4" name="Inhaltsplatzhalter 3">
@@ -7883,7 +6740,43 @@
                       <a:rPr lang="de-DE" b="0" i="1" smtClean="0">
                         <a:latin typeface="Cambria Math" panose="02040503050406030204" pitchFamily="18" charset="0"/>
                       </a:rPr>
-                      <m:t>=(522,6±2,0±2,1)</m:t>
+                      <m:t>=(522</m:t>
+                    </m:r>
+                    <m:r>
+                      <a:rPr lang="de-DE" b="0" i="1" smtClean="0">
+                        <a:latin typeface="Cambria Math" panose="02040503050406030204" pitchFamily="18" charset="0"/>
+                      </a:rPr>
+                      <m:t>.</m:t>
+                    </m:r>
+                    <m:r>
+                      <a:rPr lang="de-DE" b="0" i="1" smtClean="0">
+                        <a:latin typeface="Cambria Math" panose="02040503050406030204" pitchFamily="18" charset="0"/>
+                      </a:rPr>
+                      <m:t>6±2</m:t>
+                    </m:r>
+                    <m:r>
+                      <a:rPr lang="de-DE" b="0" i="1" smtClean="0">
+                        <a:latin typeface="Cambria Math" panose="02040503050406030204" pitchFamily="18" charset="0"/>
+                      </a:rPr>
+                      <m:t>.</m:t>
+                    </m:r>
+                    <m:r>
+                      <a:rPr lang="de-DE" b="0" i="1" smtClean="0">
+                        <a:latin typeface="Cambria Math" panose="02040503050406030204" pitchFamily="18" charset="0"/>
+                      </a:rPr>
+                      <m:t>0±2</m:t>
+                    </m:r>
+                    <m:r>
+                      <a:rPr lang="de-DE" b="0" i="1" smtClean="0">
+                        <a:latin typeface="Cambria Math" panose="02040503050406030204" pitchFamily="18" charset="0"/>
+                      </a:rPr>
+                      <m:t>.</m:t>
+                    </m:r>
+                    <m:r>
+                      <a:rPr lang="de-DE" b="0" i="1" smtClean="0">
+                        <a:latin typeface="Cambria Math" panose="02040503050406030204" pitchFamily="18" charset="0"/>
+                      </a:rPr>
+                      <m:t>1)</m:t>
                     </m:r>
                   </m:oMath>
                 </a14:m>
@@ -7927,13 +6820,49 @@
                       <a:rPr lang="de-DE" b="0" i="0" smtClean="0">
                         <a:latin typeface="Cambria Math" panose="02040503050406030204" pitchFamily="18" charset="0"/>
                       </a:rPr>
-                      <m:t>=(526,1</m:t>
+                      <m:t>=(526</m:t>
+                    </m:r>
+                    <m:r>
+                      <a:rPr lang="de-DE" b="0" i="0" smtClean="0">
+                        <a:latin typeface="Cambria Math" panose="02040503050406030204" pitchFamily="18" charset="0"/>
+                      </a:rPr>
+                      <m:t>.</m:t>
+                    </m:r>
+                    <m:r>
+                      <a:rPr lang="de-DE" b="0" i="0" smtClean="0">
+                        <a:latin typeface="Cambria Math" panose="02040503050406030204" pitchFamily="18" charset="0"/>
+                      </a:rPr>
+                      <m:t>1</m:t>
                     </m:r>
                     <m:r>
                       <a:rPr lang="de-DE" b="0" i="1" smtClean="0">
                         <a:latin typeface="Cambria Math" panose="02040503050406030204" pitchFamily="18" charset="0"/>
                       </a:rPr>
-                      <m:t>±1,7±2,0)</m:t>
+                      <m:t>±1</m:t>
+                    </m:r>
+                    <m:r>
+                      <a:rPr lang="de-DE" b="0" i="1" smtClean="0">
+                        <a:latin typeface="Cambria Math" panose="02040503050406030204" pitchFamily="18" charset="0"/>
+                      </a:rPr>
+                      <m:t>.</m:t>
+                    </m:r>
+                    <m:r>
+                      <a:rPr lang="de-DE" b="0" i="1" smtClean="0">
+                        <a:latin typeface="Cambria Math" panose="02040503050406030204" pitchFamily="18" charset="0"/>
+                      </a:rPr>
+                      <m:t>7±2</m:t>
+                    </m:r>
+                    <m:r>
+                      <a:rPr lang="de-DE" b="0" i="1" smtClean="0">
+                        <a:latin typeface="Cambria Math" panose="02040503050406030204" pitchFamily="18" charset="0"/>
+                      </a:rPr>
+                      <m:t>.</m:t>
+                    </m:r>
+                    <m:r>
+                      <a:rPr lang="de-DE" b="0" i="1" smtClean="0">
+                        <a:latin typeface="Cambria Math" panose="02040503050406030204" pitchFamily="18" charset="0"/>
+                      </a:rPr>
+                      <m:t>0)</m:t>
                     </m:r>
                   </m:oMath>
                 </a14:m>
@@ -7974,7 +6903,7 @@
             </p:txBody>
           </p:sp>
         </mc:Choice>
-        <mc:Fallback xmlns="">
+        <mc:Fallback>
           <p:sp>
             <p:nvSpPr>
               <p:cNvPr id="4" name="Inhaltsplatzhalter 3">
@@ -8014,12 +6943,41 @@
           </p:sp>
         </mc:Fallback>
       </mc:AlternateContent>
+      <p:sp>
+        <p:nvSpPr>
+          <p:cNvPr id="3" name="Foliennummernplatzhalter 2">
+            <a:extLst>
+              <a:ext uri="{FF2B5EF4-FFF2-40B4-BE49-F238E27FC236}">
+                <a16:creationId xmlns:a16="http://schemas.microsoft.com/office/drawing/2014/main" id="{BB176CEA-466A-4BA5-A265-F1668C4E6D02}"/>
+              </a:ext>
+            </a:extLst>
+          </p:cNvPr>
+          <p:cNvSpPr>
+            <a:spLocks noGrp="1"/>
+          </p:cNvSpPr>
+          <p:nvPr>
+            <p:ph type="sldNum" sz="quarter" idx="12"/>
+          </p:nvPr>
+        </p:nvSpPr>
+        <p:spPr/>
+        <p:txBody>
+          <a:bodyPr/>
+          <a:lstStyle/>
+          <a:p>
+            <a:fld id="{E276D0E3-8A91-4195-9D97-D4903B6F688B}" type="slidenum">
+              <a:rPr lang="de-DE" smtClean="0"/>
+              <a:t>6</a:t>
+            </a:fld>
+            <a:endParaRPr lang="de-DE"/>
+          </a:p>
+        </p:txBody>
+      </p:sp>
       <p:pic>
         <p:nvPicPr>
-          <p:cNvPr id="7" name="Inhaltsplatzhalter 6">
+          <p:cNvPr id="9" name="Inhaltsplatzhalter 8">
             <a:extLst>
               <a:ext uri="{FF2B5EF4-FFF2-40B4-BE49-F238E27FC236}">
-                <a16:creationId xmlns:a16="http://schemas.microsoft.com/office/drawing/2014/main" id="{DFBB4AD2-6CFD-478C-AA72-4407B9B26771}"/>
+                <a16:creationId xmlns:a16="http://schemas.microsoft.com/office/drawing/2014/main" id="{1564DA54-0D38-415C-B5CF-493A5EDA6CED}"/>
               </a:ext>
             </a:extLst>
           </p:cNvPr>
@@ -8044,40 +7002,11 @@
         </p:blipFill>
         <p:spPr>
           <a:xfrm>
-            <a:off x="6172199" y="1825625"/>
-            <a:ext cx="5747463" cy="3961327"/>
+            <a:off x="6095999" y="1690688"/>
+            <a:ext cx="5893427" cy="4061930"/>
           </a:xfrm>
         </p:spPr>
       </p:pic>
-      <p:sp>
-        <p:nvSpPr>
-          <p:cNvPr id="3" name="Foliennummernplatzhalter 2">
-            <a:extLst>
-              <a:ext uri="{FF2B5EF4-FFF2-40B4-BE49-F238E27FC236}">
-                <a16:creationId xmlns:a16="http://schemas.microsoft.com/office/drawing/2014/main" id="{BB176CEA-466A-4BA5-A265-F1668C4E6D02}"/>
-              </a:ext>
-            </a:extLst>
-          </p:cNvPr>
-          <p:cNvSpPr>
-            <a:spLocks noGrp="1"/>
-          </p:cNvSpPr>
-          <p:nvPr>
-            <p:ph type="sldNum" sz="quarter" idx="12"/>
-          </p:nvPr>
-        </p:nvSpPr>
-        <p:spPr/>
-        <p:txBody>
-          <a:bodyPr/>
-          <a:lstStyle/>
-          <a:p>
-            <a:fld id="{E276D0E3-8A91-4195-9D97-D4903B6F688B}" type="slidenum">
-              <a:rPr lang="de-DE" smtClean="0"/>
-              <a:t>7</a:t>
-            </a:fld>
-            <a:endParaRPr lang="de-DE"/>
-          </a:p>
-        </p:txBody>
-      </p:sp>
     </p:spTree>
     <p:extLst>
       <p:ext uri="{BB962C8B-B14F-4D97-AF65-F5344CB8AC3E}">
@@ -8091,7 +7020,7 @@
 </p:sld>
 </file>
 
-<file path=ppt/slides/slide8.xml><?xml version="1.0" encoding="utf-8"?>
+<file path=ppt/slides/slide7.xml><?xml version="1.0" encoding="utf-8"?>
 <p:sld xmlns:a="http://schemas.openxmlformats.org/drawingml/2006/main" xmlns:r="http://schemas.openxmlformats.org/officeDocument/2006/relationships" xmlns:p="http://schemas.openxmlformats.org/presentationml/2006/main">
   <p:cSld>
     <p:spTree>
@@ -8194,7 +7123,7 @@
           <a:p>
             <a:fld id="{E276D0E3-8A91-4195-9D97-D4903B6F688B}" type="slidenum">
               <a:rPr lang="de-DE" smtClean="0"/>
-              <a:t>8</a:t>
+              <a:t>7</a:t>
             </a:fld>
             <a:endParaRPr lang="de-DE"/>
           </a:p>
@@ -8749,7 +7678,7 @@
 </p:sld>
 </file>
 
-<file path=ppt/slides/slide9.xml><?xml version="1.0" encoding="utf-8"?>
+<file path=ppt/slides/slide8.xml><?xml version="1.0" encoding="utf-8"?>
 <p:sld xmlns:a="http://schemas.openxmlformats.org/drawingml/2006/main" xmlns:r="http://schemas.openxmlformats.org/officeDocument/2006/relationships" xmlns:p="http://schemas.openxmlformats.org/presentationml/2006/main">
   <p:cSld>
     <p:spTree>
@@ -8794,8 +7723,8 @@
           </a:p>
         </p:txBody>
       </p:sp>
-      <mc:AlternateContent xmlns:mc="http://schemas.openxmlformats.org/markup-compatibility/2006" xmlns:a14="http://schemas.microsoft.com/office/drawing/2010/main">
-        <mc:Choice Requires="a14">
+      <mc:AlternateContent xmlns:mc="http://schemas.openxmlformats.org/markup-compatibility/2006">
+        <mc:Choice xmlns:a14="http://schemas.microsoft.com/office/drawing/2010/main" Requires="a14">
           <p:sp>
             <p:nvSpPr>
               <p:cNvPr id="3" name="Inhaltsplatzhalter 2">
@@ -8841,7 +7770,7 @@
                   <a:rPr lang="de-DE" sz="2400" dirty="0">
                     <a:latin typeface="Cambria Math" panose="02040503050406030204" pitchFamily="18" charset="0"/>
                   </a:rPr>
-                  <a:t>Fehler zu groß</a:t>
+                  <a:t>Streuung zu groß</a:t>
                 </a:r>
                 <a:endParaRPr lang="de-DE" sz="2400" i="1" dirty="0">
                   <a:latin typeface="Cambria Math" panose="02040503050406030204" pitchFamily="18" charset="0"/>
@@ -8960,7 +7889,7 @@
             </p:txBody>
           </p:sp>
         </mc:Choice>
-        <mc:Fallback xmlns="">
+        <mc:Fallback>
           <p:sp>
             <p:nvSpPr>
               <p:cNvPr id="3" name="Inhaltsplatzhalter 2">
@@ -9063,7 +7992,7 @@
           <a:p>
             <a:fld id="{E276D0E3-8A91-4195-9D97-D4903B6F688B}" type="slidenum">
               <a:rPr lang="de-DE" smtClean="0"/>
-              <a:t>9</a:t>
+              <a:t>8</a:t>
             </a:fld>
             <a:endParaRPr lang="de-DE"/>
           </a:p>
@@ -9073,6 +8002,626 @@
     <p:extLst>
       <p:ext uri="{BB962C8B-B14F-4D97-AF65-F5344CB8AC3E}">
         <p14:creationId xmlns:p14="http://schemas.microsoft.com/office/powerpoint/2010/main" val="3870067177"/>
+      </p:ext>
+    </p:extLst>
+  </p:cSld>
+  <p:clrMapOvr>
+    <a:masterClrMapping/>
+  </p:clrMapOvr>
+</p:sld>
+</file>
+
+<file path=ppt/slides/slide9.xml><?xml version="1.0" encoding="utf-8"?>
+<p:sld xmlns:a="http://schemas.openxmlformats.org/drawingml/2006/main" xmlns:r="http://schemas.openxmlformats.org/officeDocument/2006/relationships" xmlns:p="http://schemas.openxmlformats.org/presentationml/2006/main">
+  <p:cSld>
+    <p:spTree>
+      <p:nvGrpSpPr>
+        <p:cNvPr id="1" name=""/>
+        <p:cNvGrpSpPr/>
+        <p:nvPr/>
+      </p:nvGrpSpPr>
+      <p:grpSpPr>
+        <a:xfrm>
+          <a:off x="0" y="0"/>
+          <a:ext cx="0" cy="0"/>
+          <a:chOff x="0" y="0"/>
+          <a:chExt cx="0" cy="0"/>
+        </a:xfrm>
+      </p:grpSpPr>
+      <p:sp>
+        <p:nvSpPr>
+          <p:cNvPr id="2" name="Titel 1">
+            <a:extLst>
+              <a:ext uri="{FF2B5EF4-FFF2-40B4-BE49-F238E27FC236}">
+                <a16:creationId xmlns:a16="http://schemas.microsoft.com/office/drawing/2014/main" id="{E6EA4A09-4BDD-427F-8D95-1CC103C2C197}"/>
+              </a:ext>
+            </a:extLst>
+          </p:cNvPr>
+          <p:cNvSpPr>
+            <a:spLocks noGrp="1"/>
+          </p:cNvSpPr>
+          <p:nvPr>
+            <p:ph type="title"/>
+          </p:nvPr>
+        </p:nvSpPr>
+        <p:spPr/>
+        <p:txBody>
+          <a:bodyPr/>
+          <a:lstStyle/>
+          <a:p>
+            <a:r>
+              <a:rPr lang="de-DE" dirty="0"/>
+              <a:t>Druckabhängigkeit</a:t>
+            </a:r>
+          </a:p>
+        </p:txBody>
+      </p:sp>
+      <mc:AlternateContent xmlns:mc="http://schemas.openxmlformats.org/markup-compatibility/2006" xmlns:a14="http://schemas.microsoft.com/office/drawing/2010/main">
+        <mc:Choice Requires="a14">
+          <p:sp>
+            <p:nvSpPr>
+              <p:cNvPr id="3" name="Inhaltsplatzhalter 2">
+                <a:extLst>
+                  <a:ext uri="{FF2B5EF4-FFF2-40B4-BE49-F238E27FC236}">
+                    <a16:creationId xmlns:a16="http://schemas.microsoft.com/office/drawing/2014/main" id="{FF10F612-E099-4DEE-BE30-B939E5F9237C}"/>
+                  </a:ext>
+                </a:extLst>
+              </p:cNvPr>
+              <p:cNvSpPr>
+                <a:spLocks noGrp="1"/>
+              </p:cNvSpPr>
+              <p:nvPr>
+                <p:ph idx="1"/>
+              </p:nvPr>
+            </p:nvSpPr>
+            <p:spPr>
+              <a:xfrm>
+                <a:off x="838200" y="1446028"/>
+                <a:ext cx="5520070" cy="4730935"/>
+              </a:xfrm>
+            </p:spPr>
+            <p:txBody>
+              <a:bodyPr>
+                <a:normAutofit fontScale="92500" lnSpcReduction="10000"/>
+              </a:bodyPr>
+              <a:lstStyle/>
+              <a:p>
+                <a:r>
+                  <a:rPr lang="de-DE" sz="2400" dirty="0"/>
+                  <a:t>Steigungen mitteln</a:t>
+                </a:r>
+              </a:p>
+              <a:p>
+                <a:endParaRPr lang="de-DE" sz="2400" dirty="0"/>
+              </a:p>
+              <a:p>
+                <a:r>
+                  <a:rPr lang="de-DE" sz="2400" dirty="0"/>
+                  <a:t>A:</a:t>
+                </a:r>
+              </a:p>
+              <a:p>
+                <a:pPr marL="0" indent="0">
+                  <a:buNone/>
+                </a:pPr>
+                <a14:m>
+                  <m:oMathPara xmlns:m="http://schemas.openxmlformats.org/officeDocument/2006/math">
+                    <m:oMathParaPr>
+                      <m:jc m:val="centerGroup"/>
+                    </m:oMathParaPr>
+                    <m:oMath xmlns:m="http://schemas.openxmlformats.org/officeDocument/2006/math">
+                      <m:f>
+                        <m:fPr>
+                          <m:ctrlPr>
+                            <a:rPr lang="de-DE" sz="2400" i="1">
+                              <a:latin typeface="Cambria Math" panose="02040503050406030204" pitchFamily="18" charset="0"/>
+                            </a:rPr>
+                          </m:ctrlPr>
+                        </m:fPr>
+                        <m:num>
+                          <m:r>
+                            <a:rPr lang="de-DE" sz="2400" i="1">
+                              <a:latin typeface="Cambria Math" panose="02040503050406030204" pitchFamily="18" charset="0"/>
+                            </a:rPr>
+                            <m:t>𝑑𝑛</m:t>
+                          </m:r>
+                        </m:num>
+                        <m:den>
+                          <m:r>
+                            <a:rPr lang="de-DE" sz="2400" i="1">
+                              <a:latin typeface="Cambria Math" panose="02040503050406030204" pitchFamily="18" charset="0"/>
+                            </a:rPr>
+                            <m:t>𝑑𝑃</m:t>
+                          </m:r>
+                        </m:den>
+                      </m:f>
+                      <m:r>
+                        <a:rPr lang="de-DE" sz="2400" i="1">
+                          <a:latin typeface="Cambria Math" panose="02040503050406030204" pitchFamily="18" charset="0"/>
+                        </a:rPr>
+                        <m:t>=</m:t>
+                      </m:r>
+                      <m:d>
+                        <m:dPr>
+                          <m:ctrlPr>
+                            <a:rPr lang="de-DE" sz="2400" i="1">
+                              <a:latin typeface="Cambria Math" panose="02040503050406030204" pitchFamily="18" charset="0"/>
+                            </a:rPr>
+                          </m:ctrlPr>
+                        </m:dPr>
+                        <m:e>
+                          <m:r>
+                            <a:rPr lang="de-DE" sz="2400" i="1">
+                              <a:latin typeface="Cambria Math" panose="02040503050406030204" pitchFamily="18" charset="0"/>
+                            </a:rPr>
+                            <m:t>2.</m:t>
+                          </m:r>
+                          <m:r>
+                            <a:rPr lang="de-DE" sz="2400" b="0" i="1" smtClean="0">
+                              <a:latin typeface="Cambria Math" panose="02040503050406030204" pitchFamily="18" charset="0"/>
+                            </a:rPr>
+                            <m:t>6103</m:t>
+                          </m:r>
+                          <m:r>
+                            <a:rPr lang="de-DE" sz="2400" i="1">
+                              <a:latin typeface="Cambria Math" panose="02040503050406030204" pitchFamily="18" charset="0"/>
+                            </a:rPr>
+                            <m:t>±0.0</m:t>
+                          </m:r>
+                          <m:r>
+                            <a:rPr lang="de-DE" sz="2400" b="0" i="1" smtClean="0">
+                              <a:latin typeface="Cambria Math" panose="02040503050406030204" pitchFamily="18" charset="0"/>
+                            </a:rPr>
+                            <m:t>28</m:t>
+                          </m:r>
+                          <m:r>
+                            <a:rPr lang="de-DE" sz="2400" i="1">
+                              <a:latin typeface="Cambria Math" panose="02040503050406030204" pitchFamily="18" charset="0"/>
+                            </a:rPr>
+                            <m:t>±0.014</m:t>
+                          </m:r>
+                        </m:e>
+                      </m:d>
+                      <m:f>
+                        <m:fPr>
+                          <m:ctrlPr>
+                            <a:rPr lang="de-DE" sz="2400" i="1">
+                              <a:latin typeface="Cambria Math" panose="02040503050406030204" pitchFamily="18" charset="0"/>
+                            </a:rPr>
+                          </m:ctrlPr>
+                        </m:fPr>
+                        <m:num>
+                          <m:sSup>
+                            <m:sSupPr>
+                              <m:ctrlPr>
+                                <a:rPr lang="de-DE" sz="2400" i="1">
+                                  <a:latin typeface="Cambria Math" panose="02040503050406030204" pitchFamily="18" charset="0"/>
+                                </a:rPr>
+                              </m:ctrlPr>
+                            </m:sSupPr>
+                            <m:e>
+                              <m:r>
+                                <a:rPr lang="de-DE" sz="2400" i="1">
+                                  <a:latin typeface="Cambria Math" panose="02040503050406030204" pitchFamily="18" charset="0"/>
+                                </a:rPr>
+                                <m:t>10</m:t>
+                              </m:r>
+                            </m:e>
+                            <m:sup>
+                              <m:r>
+                                <a:rPr lang="de-DE" sz="2400" i="1">
+                                  <a:latin typeface="Cambria Math" panose="02040503050406030204" pitchFamily="18" charset="0"/>
+                                </a:rPr>
+                                <m:t>−7</m:t>
+                              </m:r>
+                            </m:sup>
+                          </m:sSup>
+                        </m:num>
+                        <m:den>
+                          <m:r>
+                            <a:rPr lang="de-DE" sz="2400" i="1">
+                              <a:latin typeface="Cambria Math" panose="02040503050406030204" pitchFamily="18" charset="0"/>
+                            </a:rPr>
+                            <m:t>𝑚𝑏𝑎𝑟</m:t>
+                          </m:r>
+                        </m:den>
+                      </m:f>
+                    </m:oMath>
+                  </m:oMathPara>
+                </a14:m>
+                <a:endParaRPr lang="de-DE" sz="2400" dirty="0"/>
+              </a:p>
+              <a:p>
+                <a:endParaRPr lang="de-DE" sz="2400" dirty="0"/>
+              </a:p>
+              <a:p>
+                <a14:m>
+                  <m:oMath xmlns:m="http://schemas.openxmlformats.org/officeDocument/2006/math">
+                    <m:r>
+                      <a:rPr lang="de-DE" sz="2400" b="0" i="1" smtClean="0">
+                        <a:latin typeface="Cambria Math" panose="02040503050406030204" pitchFamily="18" charset="0"/>
+                      </a:rPr>
+                      <m:t>𝐵</m:t>
+                    </m:r>
+                    <m:r>
+                      <a:rPr lang="de-DE" sz="2400" b="0" i="1" smtClean="0">
+                        <a:latin typeface="Cambria Math" panose="02040503050406030204" pitchFamily="18" charset="0"/>
+                      </a:rPr>
+                      <m:t>:</m:t>
+                    </m:r>
+                  </m:oMath>
+                </a14:m>
+                <a:endParaRPr lang="de-DE" sz="2400" b="0" i="1" dirty="0">
+                  <a:latin typeface="Cambria Math" panose="02040503050406030204" pitchFamily="18" charset="0"/>
+                </a:endParaRPr>
+              </a:p>
+              <a:p>
+                <a:pPr marL="0" indent="0">
+                  <a:buNone/>
+                </a:pPr>
+                <a14:m>
+                  <m:oMathPara xmlns:m="http://schemas.openxmlformats.org/officeDocument/2006/math">
+                    <m:oMathParaPr>
+                      <m:jc m:val="centerGroup"/>
+                    </m:oMathParaPr>
+                    <m:oMath xmlns:m="http://schemas.openxmlformats.org/officeDocument/2006/math">
+                      <m:f>
+                        <m:fPr>
+                          <m:ctrlPr>
+                            <a:rPr lang="de-DE" sz="2400" i="1">
+                              <a:latin typeface="Cambria Math" panose="02040503050406030204" pitchFamily="18" charset="0"/>
+                            </a:rPr>
+                          </m:ctrlPr>
+                        </m:fPr>
+                        <m:num>
+                          <m:r>
+                            <a:rPr lang="de-DE" sz="2400" i="1">
+                              <a:latin typeface="Cambria Math" panose="02040503050406030204" pitchFamily="18" charset="0"/>
+                            </a:rPr>
+                            <m:t>𝑑𝑛</m:t>
+                          </m:r>
+                        </m:num>
+                        <m:den>
+                          <m:r>
+                            <a:rPr lang="de-DE" sz="2400" i="1">
+                              <a:latin typeface="Cambria Math" panose="02040503050406030204" pitchFamily="18" charset="0"/>
+                            </a:rPr>
+                            <m:t>𝑑𝑃</m:t>
+                          </m:r>
+                        </m:den>
+                      </m:f>
+                      <m:r>
+                        <a:rPr lang="de-DE" sz="2400" i="1">
+                          <a:latin typeface="Cambria Math" panose="02040503050406030204" pitchFamily="18" charset="0"/>
+                        </a:rPr>
+                        <m:t>=</m:t>
+                      </m:r>
+                      <m:d>
+                        <m:dPr>
+                          <m:ctrlPr>
+                            <a:rPr lang="de-DE" sz="2400" i="1">
+                              <a:latin typeface="Cambria Math" panose="02040503050406030204" pitchFamily="18" charset="0"/>
+                            </a:rPr>
+                          </m:ctrlPr>
+                        </m:dPr>
+                        <m:e>
+                          <m:r>
+                            <a:rPr lang="de-DE" sz="2400" i="1">
+                              <a:latin typeface="Cambria Math" panose="02040503050406030204" pitchFamily="18" charset="0"/>
+                            </a:rPr>
+                            <m:t>2.5</m:t>
+                          </m:r>
+                          <m:r>
+                            <a:rPr lang="de-DE" sz="2400" b="0" i="1" smtClean="0">
+                              <a:latin typeface="Cambria Math" panose="02040503050406030204" pitchFamily="18" charset="0"/>
+                            </a:rPr>
+                            <m:t>612</m:t>
+                          </m:r>
+                          <m:r>
+                            <a:rPr lang="de-DE" sz="2400" i="1">
+                              <a:latin typeface="Cambria Math" panose="02040503050406030204" pitchFamily="18" charset="0"/>
+                            </a:rPr>
+                            <m:t>±0.0</m:t>
+                          </m:r>
+                          <m:r>
+                            <a:rPr lang="de-DE" sz="2400" b="0" i="1" smtClean="0">
+                              <a:latin typeface="Cambria Math" panose="02040503050406030204" pitchFamily="18" charset="0"/>
+                            </a:rPr>
+                            <m:t>69</m:t>
+                          </m:r>
+                          <m:r>
+                            <a:rPr lang="de-DE" sz="2400" i="1">
+                              <a:latin typeface="Cambria Math" panose="02040503050406030204" pitchFamily="18" charset="0"/>
+                            </a:rPr>
+                            <m:t>±0.014</m:t>
+                          </m:r>
+                        </m:e>
+                      </m:d>
+                      <m:f>
+                        <m:fPr>
+                          <m:ctrlPr>
+                            <a:rPr lang="de-DE" sz="2400" i="1">
+                              <a:latin typeface="Cambria Math" panose="02040503050406030204" pitchFamily="18" charset="0"/>
+                            </a:rPr>
+                          </m:ctrlPr>
+                        </m:fPr>
+                        <m:num>
+                          <m:sSup>
+                            <m:sSupPr>
+                              <m:ctrlPr>
+                                <a:rPr lang="de-DE" sz="2400" i="1">
+                                  <a:latin typeface="Cambria Math" panose="02040503050406030204" pitchFamily="18" charset="0"/>
+                                </a:rPr>
+                              </m:ctrlPr>
+                            </m:sSupPr>
+                            <m:e>
+                              <m:r>
+                                <a:rPr lang="de-DE" sz="2400" i="1">
+                                  <a:latin typeface="Cambria Math" panose="02040503050406030204" pitchFamily="18" charset="0"/>
+                                </a:rPr>
+                                <m:t>10</m:t>
+                              </m:r>
+                            </m:e>
+                            <m:sup>
+                              <m:r>
+                                <a:rPr lang="de-DE" sz="2400" i="1">
+                                  <a:latin typeface="Cambria Math" panose="02040503050406030204" pitchFamily="18" charset="0"/>
+                                </a:rPr>
+                                <m:t>−7</m:t>
+                              </m:r>
+                            </m:sup>
+                          </m:sSup>
+                        </m:num>
+                        <m:den>
+                          <m:r>
+                            <a:rPr lang="de-DE" sz="2400" i="1">
+                              <a:latin typeface="Cambria Math" panose="02040503050406030204" pitchFamily="18" charset="0"/>
+                            </a:rPr>
+                            <m:t>𝑚𝑏𝑎𝑟</m:t>
+                          </m:r>
+                        </m:den>
+                      </m:f>
+                    </m:oMath>
+                  </m:oMathPara>
+                </a14:m>
+                <a:endParaRPr lang="de-DE" sz="2400" dirty="0"/>
+              </a:p>
+              <a:p>
+                <a:pPr marL="0" indent="0">
+                  <a:buNone/>
+                </a:pPr>
+                <a:endParaRPr lang="de-DE" sz="2400" dirty="0"/>
+              </a:p>
+              <a:p>
+                <a:r>
+                  <a:rPr lang="de-DE" sz="2400" dirty="0"/>
+                  <a:t>Literatur: </a:t>
+                </a:r>
+              </a:p>
+              <a:p>
+                <a:pPr marL="0" indent="0">
+                  <a:buNone/>
+                </a:pPr>
+                <a14:m>
+                  <m:oMathPara xmlns:m="http://schemas.openxmlformats.org/officeDocument/2006/math">
+                    <m:oMathParaPr>
+                      <m:jc m:val="centerGroup"/>
+                    </m:oMathParaPr>
+                    <m:oMath xmlns:m="http://schemas.openxmlformats.org/officeDocument/2006/math">
+                      <m:f>
+                        <m:fPr>
+                          <m:ctrlPr>
+                            <a:rPr lang="de-DE" sz="2400" i="1">
+                              <a:latin typeface="Cambria Math" panose="02040503050406030204" pitchFamily="18" charset="0"/>
+                            </a:rPr>
+                          </m:ctrlPr>
+                        </m:fPr>
+                        <m:num>
+                          <m:r>
+                            <a:rPr lang="de-DE" sz="2400" i="1">
+                              <a:latin typeface="Cambria Math" panose="02040503050406030204" pitchFamily="18" charset="0"/>
+                            </a:rPr>
+                            <m:t>𝑑𝑛</m:t>
+                          </m:r>
+                        </m:num>
+                        <m:den>
+                          <m:r>
+                            <a:rPr lang="de-DE" sz="2400" i="1">
+                              <a:latin typeface="Cambria Math" panose="02040503050406030204" pitchFamily="18" charset="0"/>
+                            </a:rPr>
+                            <m:t>𝑑𝑃</m:t>
+                          </m:r>
+                        </m:den>
+                      </m:f>
+                      <m:r>
+                        <a:rPr lang="de-DE" sz="2400" i="1">
+                          <a:latin typeface="Cambria Math" panose="02040503050406030204" pitchFamily="18" charset="0"/>
+                        </a:rPr>
+                        <m:t>=</m:t>
+                      </m:r>
+                      <m:r>
+                        <a:rPr lang="de-DE" sz="2400" b="0" i="1" smtClean="0">
+                          <a:latin typeface="Cambria Math" panose="02040503050406030204" pitchFamily="18" charset="0"/>
+                        </a:rPr>
+                        <m:t>2.655</m:t>
+                      </m:r>
+                      <m:f>
+                        <m:fPr>
+                          <m:ctrlPr>
+                            <a:rPr lang="de-DE" sz="2400" i="1">
+                              <a:latin typeface="Cambria Math" panose="02040503050406030204" pitchFamily="18" charset="0"/>
+                            </a:rPr>
+                          </m:ctrlPr>
+                        </m:fPr>
+                        <m:num>
+                          <m:sSup>
+                            <m:sSupPr>
+                              <m:ctrlPr>
+                                <a:rPr lang="de-DE" sz="2400" i="1">
+                                  <a:latin typeface="Cambria Math" panose="02040503050406030204" pitchFamily="18" charset="0"/>
+                                </a:rPr>
+                              </m:ctrlPr>
+                            </m:sSupPr>
+                            <m:e>
+                              <m:r>
+                                <a:rPr lang="de-DE" sz="2400" i="1">
+                                  <a:latin typeface="Cambria Math" panose="02040503050406030204" pitchFamily="18" charset="0"/>
+                                </a:rPr>
+                                <m:t>10</m:t>
+                              </m:r>
+                            </m:e>
+                            <m:sup>
+                              <m:r>
+                                <a:rPr lang="de-DE" sz="2400" i="1">
+                                  <a:latin typeface="Cambria Math" panose="02040503050406030204" pitchFamily="18" charset="0"/>
+                                </a:rPr>
+                                <m:t>−7</m:t>
+                              </m:r>
+                            </m:sup>
+                          </m:sSup>
+                        </m:num>
+                        <m:den>
+                          <m:r>
+                            <a:rPr lang="de-DE" sz="2400" i="1">
+                              <a:latin typeface="Cambria Math" panose="02040503050406030204" pitchFamily="18" charset="0"/>
+                            </a:rPr>
+                            <m:t>𝑚𝑏𝑎𝑟</m:t>
+                          </m:r>
+                        </m:den>
+                      </m:f>
+                    </m:oMath>
+                  </m:oMathPara>
+                </a14:m>
+                <a:endParaRPr lang="de-DE" sz="2400" dirty="0"/>
+              </a:p>
+              <a:p>
+                <a:endParaRPr lang="de-DE" sz="2400" dirty="0"/>
+              </a:p>
+              <a:p>
+                <a:pPr marL="0" indent="0">
+                  <a:buNone/>
+                </a:pPr>
+                <a:endParaRPr lang="de-DE" sz="2400" dirty="0"/>
+              </a:p>
+              <a:p>
+                <a:endParaRPr lang="de-DE" sz="2400" dirty="0"/>
+              </a:p>
+            </p:txBody>
+          </p:sp>
+        </mc:Choice>
+        <mc:Fallback xmlns="">
+          <p:sp>
+            <p:nvSpPr>
+              <p:cNvPr id="3" name="Inhaltsplatzhalter 2">
+                <a:extLst>
+                  <a:ext uri="{FF2B5EF4-FFF2-40B4-BE49-F238E27FC236}">
+                    <a16:creationId xmlns:a16="http://schemas.microsoft.com/office/drawing/2014/main" id="{FF10F612-E099-4DEE-BE30-B939E5F9237C}"/>
+                  </a:ext>
+                </a:extLst>
+              </p:cNvPr>
+              <p:cNvSpPr>
+                <a:spLocks noGrp="1" noRot="1" noChangeAspect="1" noMove="1" noResize="1" noEditPoints="1" noAdjustHandles="1" noChangeArrowheads="1" noChangeShapeType="1" noTextEdit="1"/>
+              </p:cNvSpPr>
+              <p:nvPr>
+                <p:ph idx="1"/>
+              </p:nvPr>
+            </p:nvSpPr>
+            <p:spPr>
+              <a:xfrm>
+                <a:off x="838200" y="1446028"/>
+                <a:ext cx="5520070" cy="4730935"/>
+              </a:xfrm>
+              <a:blipFill>
+                <a:blip r:embed="rId2"/>
+                <a:stretch>
+                  <a:fillRect l="-1326" t="-2191"/>
+                </a:stretch>
+              </a:blipFill>
+            </p:spPr>
+            <p:txBody>
+              <a:bodyPr/>
+              <a:lstStyle/>
+              <a:p>
+                <a:r>
+                  <a:rPr lang="de-DE">
+                    <a:noFill/>
+                  </a:rPr>
+                  <a:t> </a:t>
+                </a:r>
+              </a:p>
+            </p:txBody>
+          </p:sp>
+        </mc:Fallback>
+      </mc:AlternateContent>
+      <p:pic>
+        <p:nvPicPr>
+          <p:cNvPr id="7" name="Grafik 6">
+            <a:extLst>
+              <a:ext uri="{FF2B5EF4-FFF2-40B4-BE49-F238E27FC236}">
+                <a16:creationId xmlns:a16="http://schemas.microsoft.com/office/drawing/2014/main" id="{B9C46D21-1EDE-408A-A65F-5E295CD4D5CB}"/>
+              </a:ext>
+            </a:extLst>
+          </p:cNvPr>
+          <p:cNvPicPr>
+            <a:picLocks noChangeAspect="1"/>
+          </p:cNvPicPr>
+          <p:nvPr/>
+        </p:nvPicPr>
+        <p:blipFill>
+          <a:blip r:embed="rId3">
+            <a:extLst>
+              <a:ext uri="{28A0092B-C50C-407E-A947-70E740481C1C}">
+                <a14:useLocalDpi xmlns:a14="http://schemas.microsoft.com/office/drawing/2010/main" val="0"/>
+              </a:ext>
+            </a:extLst>
+          </a:blip>
+          <a:stretch>
+            <a:fillRect/>
+          </a:stretch>
+        </p:blipFill>
+        <p:spPr>
+          <a:xfrm>
+            <a:off x="6096000" y="1301453"/>
+            <a:ext cx="5852172" cy="4370841"/>
+          </a:xfrm>
+          <a:prstGeom prst="rect">
+            <a:avLst/>
+          </a:prstGeom>
+        </p:spPr>
+      </p:pic>
+      <p:sp>
+        <p:nvSpPr>
+          <p:cNvPr id="4" name="Foliennummernplatzhalter 3">
+            <a:extLst>
+              <a:ext uri="{FF2B5EF4-FFF2-40B4-BE49-F238E27FC236}">
+                <a16:creationId xmlns:a16="http://schemas.microsoft.com/office/drawing/2014/main" id="{D85165F8-8976-4125-ADC4-848F9E801D55}"/>
+              </a:ext>
+            </a:extLst>
+          </p:cNvPr>
+          <p:cNvSpPr>
+            <a:spLocks noGrp="1"/>
+          </p:cNvSpPr>
+          <p:nvPr>
+            <p:ph type="sldNum" sz="quarter" idx="12"/>
+          </p:nvPr>
+        </p:nvSpPr>
+        <p:spPr/>
+        <p:txBody>
+          <a:bodyPr/>
+          <a:lstStyle/>
+          <a:p>
+            <a:fld id="{E276D0E3-8A91-4195-9D97-D4903B6F688B}" type="slidenum">
+              <a:rPr lang="de-DE" smtClean="0"/>
+              <a:t>9</a:t>
+            </a:fld>
+            <a:endParaRPr lang="de-DE"/>
+          </a:p>
+        </p:txBody>
+      </p:sp>
+    </p:spTree>
+    <p:extLst>
+      <p:ext uri="{BB962C8B-B14F-4D97-AF65-F5344CB8AC3E}">
+        <p14:creationId xmlns:p14="http://schemas.microsoft.com/office/powerpoint/2010/main" val="733993921"/>
       </p:ext>
     </p:extLst>
   </p:cSld>
